--- a/ppt/[KDT강의]데이터 엔지니어링-2.pptx
+++ b/ppt/[KDT강의]데이터 엔지니어링-2.pptx
@@ -5,7 +5,7 @@
     <p:sldMasterId id="2147483648" r:id="rId1"/>
   </p:sldMasterIdLst>
   <p:notesMasterIdLst>
-    <p:notesMasterId r:id="rId24"/>
+    <p:notesMasterId r:id="rId27"/>
   </p:notesMasterIdLst>
   <p:sldIdLst>
     <p:sldId id="442" r:id="rId2"/>
@@ -30,6 +30,9 @@
     <p:sldId id="491" r:id="rId21"/>
     <p:sldId id="492" r:id="rId22"/>
     <p:sldId id="499" r:id="rId23"/>
+    <p:sldId id="501" r:id="rId24"/>
+    <p:sldId id="503" r:id="rId25"/>
+    <p:sldId id="502" r:id="rId26"/>
   </p:sldIdLst>
   <p:sldSz cx="9144000" cy="6858000" type="screen4x3"/>
   <p:notesSz cx="6797675" cy="9926638"/>
@@ -289,6 +292,9 @@
             <p14:sldId id="491"/>
             <p14:sldId id="492"/>
             <p14:sldId id="499"/>
+            <p14:sldId id="501"/>
+            <p14:sldId id="503"/>
+            <p14:sldId id="502"/>
           </p14:sldIdLst>
         </p14:section>
       </p14:sectionLst>
@@ -357,7 +363,7 @@
       </p15:notesGuideLst>
     </p:ext>
     <p:ext uri="http://customooxmlschemas.google.com/">
-      <go:slidesCustomData xmlns="" xmlns:mc="http://schemas.openxmlformats.org/markup-compatibility/2006" xmlns:mv="urn:schemas-microsoft-com:mac:vml" xmlns:c="http://schemas.openxmlformats.org/drawingml/2006/chart" xmlns:dgm="http://schemas.openxmlformats.org/drawingml/2006/diagram" xmlns:o="urn:schemas-microsoft-com:office:office" xmlns:v="urn:schemas-microsoft-com:vml" xmlns:pvml="urn:schemas-microsoft-com:office:powerpoint" xmlns:com="http://schemas.openxmlformats.org/drawingml/2006/compatibility" xmlns:p14="http://schemas.microsoft.com/office/powerpoint/2010/main" xmlns:p15="http://schemas.microsoft.com/office/powerpoint/2012/main" xmlns:ahyp="http://schemas.microsoft.com/office/drawing/2018/hyperlinkcolor" xmlns:go="http://customooxmlschemas.google.com/" r:id="rId104" roundtripDataSignature="AMtx7mhMPcv4s9mTXYyQOM7jdku2uKK+0g=="/>
+      <go:slidesCustomData xmlns:go="http://customooxmlschemas.google.com/" xmlns:ahyp="http://schemas.microsoft.com/office/drawing/2018/hyperlinkcolor" xmlns:p15="http://schemas.microsoft.com/office/powerpoint/2012/main" xmlns:p14="http://schemas.microsoft.com/office/powerpoint/2010/main" xmlns:com="http://schemas.openxmlformats.org/drawingml/2006/compatibility" xmlns:pvml="urn:schemas-microsoft-com:office:powerpoint" xmlns:v="urn:schemas-microsoft-com:vml" xmlns:o="urn:schemas-microsoft-com:office:office" xmlns:dgm="http://schemas.openxmlformats.org/drawingml/2006/diagram" xmlns:c="http://schemas.openxmlformats.org/drawingml/2006/chart" xmlns:mv="urn:schemas-microsoft-com:mac:vml" xmlns:mc="http://schemas.openxmlformats.org/markup-compatibility/2006" xmlns="" r:id="rId104" roundtripDataSignature="AMtx7mhMPcv4s9mTXYyQOM7jdku2uKK+0g=="/>
     </p:ext>
   </p:extLst>
 </p:presentation>
@@ -3717,6 +3723,387 @@
     <p:extLst>
       <p:ext uri="{BB962C8B-B14F-4D97-AF65-F5344CB8AC3E}">
         <p14:creationId xmlns:p14="http://schemas.microsoft.com/office/powerpoint/2010/main" val="541954881"/>
+      </p:ext>
+    </p:extLst>
+  </p:cSld>
+  <p:clrMapOvr>
+    <a:masterClrMapping/>
+  </p:clrMapOvr>
+</p:notes>
+</file>
+
+<file path=ppt/notesSlides/notesSlide23.xml><?xml version="1.0" encoding="utf-8"?>
+<p:notes xmlns:a="http://schemas.openxmlformats.org/drawingml/2006/main" xmlns:r="http://schemas.openxmlformats.org/officeDocument/2006/relationships" xmlns:p="http://schemas.openxmlformats.org/presentationml/2006/main" showMasterSp="0" showMasterPhAnim="0">
+  <p:cSld>
+    <p:spTree>
+      <p:nvGrpSpPr>
+        <p:cNvPr id="1" name="Shape 23"/>
+        <p:cNvGrpSpPr/>
+        <p:nvPr/>
+      </p:nvGrpSpPr>
+      <p:grpSpPr>
+        <a:xfrm>
+          <a:off x="0" y="0"/>
+          <a:ext cx="0" cy="0"/>
+          <a:chOff x="0" y="0"/>
+          <a:chExt cx="0" cy="0"/>
+        </a:xfrm>
+      </p:grpSpPr>
+      <p:sp>
+        <p:nvSpPr>
+          <p:cNvPr id="24" name="Google Shape;24;p1:notes"/>
+          <p:cNvSpPr txBox="1">
+            <a:spLocks noGrp="1"/>
+          </p:cNvSpPr>
+          <p:nvPr>
+            <p:ph type="body" idx="1"/>
+          </p:nvPr>
+        </p:nvSpPr>
+        <p:spPr>
+          <a:xfrm>
+            <a:off x="679450" y="4715711"/>
+            <a:ext cx="5438775" cy="4466511"/>
+          </a:xfrm>
+          <a:prstGeom prst="rect">
+            <a:avLst/>
+          </a:prstGeom>
+          <a:noFill/>
+          <a:ln>
+            <a:noFill/>
+          </a:ln>
+        </p:spPr>
+        <p:txBody>
+          <a:bodyPr spcFirstLastPara="1" wrap="square" lIns="91425" tIns="45700" rIns="91425" bIns="45700" anchor="t" anchorCtr="0">
+            <a:noAutofit/>
+          </a:bodyPr>
+          <a:lstStyle/>
+          <a:p>
+            <a:pPr marL="0" lvl="0" indent="0" algn="l" rtl="0">
+              <a:lnSpc>
+                <a:spcPct val="100000"/>
+              </a:lnSpc>
+              <a:spcBef>
+                <a:spcPts val="360"/>
+              </a:spcBef>
+              <a:spcAft>
+                <a:spcPts val="0"/>
+              </a:spcAft>
+              <a:buSzPts val="1400"/>
+              <a:buNone/>
+            </a:pPr>
+            <a:endParaRPr dirty="0"/>
+          </a:p>
+        </p:txBody>
+      </p:sp>
+      <p:sp>
+        <p:nvSpPr>
+          <p:cNvPr id="25" name="Google Shape;25;p1:notes"/>
+          <p:cNvSpPr>
+            <a:spLocks noGrp="1" noRot="1" noChangeAspect="1"/>
+          </p:cNvSpPr>
+          <p:nvPr>
+            <p:ph type="sldImg" idx="2"/>
+          </p:nvPr>
+        </p:nvSpPr>
+        <p:spPr>
+          <a:xfrm>
+            <a:off x="917575" y="744538"/>
+            <a:ext cx="4962525" cy="3722687"/>
+          </a:xfrm>
+          <a:custGeom>
+            <a:avLst/>
+            <a:gdLst/>
+            <a:ahLst/>
+            <a:cxnLst/>
+            <a:rect l="l" t="t" r="r" b="b"/>
+            <a:pathLst>
+              <a:path w="120000" h="120000" extrusionOk="0">
+                <a:moveTo>
+                  <a:pt x="0" y="0"/>
+                </a:moveTo>
+                <a:lnTo>
+                  <a:pt x="120000" y="0"/>
+                </a:lnTo>
+                <a:lnTo>
+                  <a:pt x="120000" y="120000"/>
+                </a:lnTo>
+                <a:lnTo>
+                  <a:pt x="0" y="120000"/>
+                </a:lnTo>
+                <a:close/>
+              </a:path>
+            </a:pathLst>
+          </a:custGeom>
+          <a:noFill/>
+          <a:ln w="12700" cap="flat" cmpd="sng">
+            <a:solidFill>
+              <a:srgbClr val="000000"/>
+            </a:solidFill>
+            <a:prstDash val="solid"/>
+            <a:round/>
+            <a:headEnd type="none" w="sm" len="sm"/>
+            <a:tailEnd type="none" w="sm" len="sm"/>
+          </a:ln>
+        </p:spPr>
+      </p:sp>
+    </p:spTree>
+    <p:extLst>
+      <p:ext uri="{BB962C8B-B14F-4D97-AF65-F5344CB8AC3E}">
+        <p14:creationId xmlns:p14="http://schemas.microsoft.com/office/powerpoint/2010/main" val="3283901830"/>
+      </p:ext>
+    </p:extLst>
+  </p:cSld>
+  <p:clrMapOvr>
+    <a:masterClrMapping/>
+  </p:clrMapOvr>
+</p:notes>
+</file>
+
+<file path=ppt/notesSlides/notesSlide24.xml><?xml version="1.0" encoding="utf-8"?>
+<p:notes xmlns:a="http://schemas.openxmlformats.org/drawingml/2006/main" xmlns:r="http://schemas.openxmlformats.org/officeDocument/2006/relationships" xmlns:p="http://schemas.openxmlformats.org/presentationml/2006/main" showMasterSp="0" showMasterPhAnim="0">
+  <p:cSld>
+    <p:spTree>
+      <p:nvGrpSpPr>
+        <p:cNvPr id="1" name="Shape 23"/>
+        <p:cNvGrpSpPr/>
+        <p:nvPr/>
+      </p:nvGrpSpPr>
+      <p:grpSpPr>
+        <a:xfrm>
+          <a:off x="0" y="0"/>
+          <a:ext cx="0" cy="0"/>
+          <a:chOff x="0" y="0"/>
+          <a:chExt cx="0" cy="0"/>
+        </a:xfrm>
+      </p:grpSpPr>
+      <p:sp>
+        <p:nvSpPr>
+          <p:cNvPr id="24" name="Google Shape;24;p1:notes"/>
+          <p:cNvSpPr txBox="1">
+            <a:spLocks noGrp="1"/>
+          </p:cNvSpPr>
+          <p:nvPr>
+            <p:ph type="body" idx="1"/>
+          </p:nvPr>
+        </p:nvSpPr>
+        <p:spPr>
+          <a:xfrm>
+            <a:off x="679450" y="4715711"/>
+            <a:ext cx="5438775" cy="4466511"/>
+          </a:xfrm>
+          <a:prstGeom prst="rect">
+            <a:avLst/>
+          </a:prstGeom>
+          <a:noFill/>
+          <a:ln>
+            <a:noFill/>
+          </a:ln>
+        </p:spPr>
+        <p:txBody>
+          <a:bodyPr spcFirstLastPara="1" wrap="square" lIns="91425" tIns="45700" rIns="91425" bIns="45700" anchor="t" anchorCtr="0">
+            <a:noAutofit/>
+          </a:bodyPr>
+          <a:lstStyle/>
+          <a:p>
+            <a:pPr marL="0" lvl="0" indent="0" algn="l" rtl="0">
+              <a:lnSpc>
+                <a:spcPct val="100000"/>
+              </a:lnSpc>
+              <a:spcBef>
+                <a:spcPts val="360"/>
+              </a:spcBef>
+              <a:spcAft>
+                <a:spcPts val="0"/>
+              </a:spcAft>
+              <a:buSzPts val="1400"/>
+              <a:buNone/>
+            </a:pPr>
+            <a:endParaRPr dirty="0"/>
+          </a:p>
+        </p:txBody>
+      </p:sp>
+      <p:sp>
+        <p:nvSpPr>
+          <p:cNvPr id="25" name="Google Shape;25;p1:notes"/>
+          <p:cNvSpPr>
+            <a:spLocks noGrp="1" noRot="1" noChangeAspect="1"/>
+          </p:cNvSpPr>
+          <p:nvPr>
+            <p:ph type="sldImg" idx="2"/>
+          </p:nvPr>
+        </p:nvSpPr>
+        <p:spPr>
+          <a:xfrm>
+            <a:off x="917575" y="744538"/>
+            <a:ext cx="4962525" cy="3722687"/>
+          </a:xfrm>
+          <a:custGeom>
+            <a:avLst/>
+            <a:gdLst/>
+            <a:ahLst/>
+            <a:cxnLst/>
+            <a:rect l="l" t="t" r="r" b="b"/>
+            <a:pathLst>
+              <a:path w="120000" h="120000" extrusionOk="0">
+                <a:moveTo>
+                  <a:pt x="0" y="0"/>
+                </a:moveTo>
+                <a:lnTo>
+                  <a:pt x="120000" y="0"/>
+                </a:lnTo>
+                <a:lnTo>
+                  <a:pt x="120000" y="120000"/>
+                </a:lnTo>
+                <a:lnTo>
+                  <a:pt x="0" y="120000"/>
+                </a:lnTo>
+                <a:close/>
+              </a:path>
+            </a:pathLst>
+          </a:custGeom>
+          <a:noFill/>
+          <a:ln w="12700" cap="flat" cmpd="sng">
+            <a:solidFill>
+              <a:srgbClr val="000000"/>
+            </a:solidFill>
+            <a:prstDash val="solid"/>
+            <a:round/>
+            <a:headEnd type="none" w="sm" len="sm"/>
+            <a:tailEnd type="none" w="sm" len="sm"/>
+          </a:ln>
+        </p:spPr>
+      </p:sp>
+    </p:spTree>
+    <p:extLst>
+      <p:ext uri="{BB962C8B-B14F-4D97-AF65-F5344CB8AC3E}">
+        <p14:creationId xmlns:p14="http://schemas.microsoft.com/office/powerpoint/2010/main" val="2612635651"/>
+      </p:ext>
+    </p:extLst>
+  </p:cSld>
+  <p:clrMapOvr>
+    <a:masterClrMapping/>
+  </p:clrMapOvr>
+</p:notes>
+</file>
+
+<file path=ppt/notesSlides/notesSlide25.xml><?xml version="1.0" encoding="utf-8"?>
+<p:notes xmlns:a="http://schemas.openxmlformats.org/drawingml/2006/main" xmlns:r="http://schemas.openxmlformats.org/officeDocument/2006/relationships" xmlns:p="http://schemas.openxmlformats.org/presentationml/2006/main" showMasterSp="0" showMasterPhAnim="0">
+  <p:cSld>
+    <p:spTree>
+      <p:nvGrpSpPr>
+        <p:cNvPr id="1" name="Shape 23"/>
+        <p:cNvGrpSpPr/>
+        <p:nvPr/>
+      </p:nvGrpSpPr>
+      <p:grpSpPr>
+        <a:xfrm>
+          <a:off x="0" y="0"/>
+          <a:ext cx="0" cy="0"/>
+          <a:chOff x="0" y="0"/>
+          <a:chExt cx="0" cy="0"/>
+        </a:xfrm>
+      </p:grpSpPr>
+      <p:sp>
+        <p:nvSpPr>
+          <p:cNvPr id="24" name="Google Shape;24;p1:notes"/>
+          <p:cNvSpPr txBox="1">
+            <a:spLocks noGrp="1"/>
+          </p:cNvSpPr>
+          <p:nvPr>
+            <p:ph type="body" idx="1"/>
+          </p:nvPr>
+        </p:nvSpPr>
+        <p:spPr>
+          <a:xfrm>
+            <a:off x="679450" y="4715711"/>
+            <a:ext cx="5438775" cy="4466511"/>
+          </a:xfrm>
+          <a:prstGeom prst="rect">
+            <a:avLst/>
+          </a:prstGeom>
+          <a:noFill/>
+          <a:ln>
+            <a:noFill/>
+          </a:ln>
+        </p:spPr>
+        <p:txBody>
+          <a:bodyPr spcFirstLastPara="1" wrap="square" lIns="91425" tIns="45700" rIns="91425" bIns="45700" anchor="t" anchorCtr="0">
+            <a:noAutofit/>
+          </a:bodyPr>
+          <a:lstStyle/>
+          <a:p>
+            <a:pPr marL="0" lvl="0" indent="0" algn="l" rtl="0">
+              <a:lnSpc>
+                <a:spcPct val="100000"/>
+              </a:lnSpc>
+              <a:spcBef>
+                <a:spcPts val="360"/>
+              </a:spcBef>
+              <a:spcAft>
+                <a:spcPts val="0"/>
+              </a:spcAft>
+              <a:buSzPts val="1400"/>
+              <a:buNone/>
+            </a:pPr>
+            <a:endParaRPr dirty="0"/>
+          </a:p>
+        </p:txBody>
+      </p:sp>
+      <p:sp>
+        <p:nvSpPr>
+          <p:cNvPr id="25" name="Google Shape;25;p1:notes"/>
+          <p:cNvSpPr>
+            <a:spLocks noGrp="1" noRot="1" noChangeAspect="1"/>
+          </p:cNvSpPr>
+          <p:nvPr>
+            <p:ph type="sldImg" idx="2"/>
+          </p:nvPr>
+        </p:nvSpPr>
+        <p:spPr>
+          <a:xfrm>
+            <a:off x="917575" y="744538"/>
+            <a:ext cx="4962525" cy="3722687"/>
+          </a:xfrm>
+          <a:custGeom>
+            <a:avLst/>
+            <a:gdLst/>
+            <a:ahLst/>
+            <a:cxnLst/>
+            <a:rect l="l" t="t" r="r" b="b"/>
+            <a:pathLst>
+              <a:path w="120000" h="120000" extrusionOk="0">
+                <a:moveTo>
+                  <a:pt x="0" y="0"/>
+                </a:moveTo>
+                <a:lnTo>
+                  <a:pt x="120000" y="0"/>
+                </a:lnTo>
+                <a:lnTo>
+                  <a:pt x="120000" y="120000"/>
+                </a:lnTo>
+                <a:lnTo>
+                  <a:pt x="0" y="120000"/>
+                </a:lnTo>
+                <a:close/>
+              </a:path>
+            </a:pathLst>
+          </a:custGeom>
+          <a:noFill/>
+          <a:ln w="12700" cap="flat" cmpd="sng">
+            <a:solidFill>
+              <a:srgbClr val="000000"/>
+            </a:solidFill>
+            <a:prstDash val="solid"/>
+            <a:round/>
+            <a:headEnd type="none" w="sm" len="sm"/>
+            <a:tailEnd type="none" w="sm" len="sm"/>
+          </a:ln>
+        </p:spPr>
+      </p:sp>
+    </p:spTree>
+    <p:extLst>
+      <p:ext uri="{BB962C8B-B14F-4D97-AF65-F5344CB8AC3E}">
+        <p14:creationId xmlns:p14="http://schemas.microsoft.com/office/powerpoint/2010/main" val="4120882902"/>
       </p:ext>
     </p:extLst>
   </p:cSld>
@@ -28027,6 +28414,3735 @@
 </p:sld>
 </file>
 
+<file path=ppt/slides/slide23.xml><?xml version="1.0" encoding="utf-8"?>
+<p:sld xmlns:a="http://schemas.openxmlformats.org/drawingml/2006/main" xmlns:r="http://schemas.openxmlformats.org/officeDocument/2006/relationships" xmlns:p="http://schemas.openxmlformats.org/presentationml/2006/main">
+  <p:cSld>
+    <p:spTree>
+      <p:nvGrpSpPr>
+        <p:cNvPr id="1" name="Shape 26"/>
+        <p:cNvGrpSpPr/>
+        <p:nvPr/>
+      </p:nvGrpSpPr>
+      <p:grpSpPr>
+        <a:xfrm>
+          <a:off x="0" y="0"/>
+          <a:ext cx="0" cy="0"/>
+          <a:chOff x="0" y="0"/>
+          <a:chExt cx="0" cy="0"/>
+        </a:xfrm>
+      </p:grpSpPr>
+      <p:sp>
+        <p:nvSpPr>
+          <p:cNvPr id="5" name="Google Shape;28;p1"/>
+          <p:cNvSpPr txBox="1"/>
+          <p:nvPr/>
+        </p:nvSpPr>
+        <p:spPr>
+          <a:xfrm>
+            <a:off x="285720" y="214290"/>
+            <a:ext cx="8242846" cy="296842"/>
+          </a:xfrm>
+          <a:prstGeom prst="rect">
+            <a:avLst/>
+          </a:prstGeom>
+          <a:noFill/>
+          <a:ln>
+            <a:noFill/>
+          </a:ln>
+        </p:spPr>
+        <p:txBody>
+          <a:bodyPr spcFirstLastPara="1" wrap="square" lIns="0" tIns="0" rIns="0" bIns="0" anchor="t" anchorCtr="0">
+            <a:noAutofit/>
+          </a:bodyPr>
+          <a:lstStyle/>
+          <a:p>
+            <a:pPr marL="0" marR="0" lvl="0" indent="0" algn="l" rtl="0">
+              <a:lnSpc>
+                <a:spcPct val="100000"/>
+              </a:lnSpc>
+              <a:spcBef>
+                <a:spcPts val="0"/>
+              </a:spcBef>
+              <a:spcAft>
+                <a:spcPts val="0"/>
+              </a:spcAft>
+              <a:buClr>
+                <a:srgbClr val="000000"/>
+              </a:buClr>
+              <a:buSzPts val="1800"/>
+              <a:buFont typeface="Arial"/>
+              <a:buNone/>
+            </a:pPr>
+            <a:endParaRPr sz="1800" b="1" i="0" u="none" strike="noStrike" cap="none" dirty="0">
+              <a:solidFill>
+                <a:srgbClr val="000000"/>
+              </a:solidFill>
+              <a:latin typeface="+mn-ea"/>
+              <a:ea typeface="+mn-ea"/>
+              <a:cs typeface="Malgun Gothic"/>
+              <a:sym typeface="Malgun Gothic"/>
+            </a:endParaRPr>
+          </a:p>
+        </p:txBody>
+      </p:sp>
+      <p:sp>
+        <p:nvSpPr>
+          <p:cNvPr id="7" name="Google Shape;28;p1"/>
+          <p:cNvSpPr txBox="1"/>
+          <p:nvPr/>
+        </p:nvSpPr>
+        <p:spPr>
+          <a:xfrm>
+            <a:off x="647670" y="216704"/>
+            <a:ext cx="5323180" cy="296842"/>
+          </a:xfrm>
+          <a:prstGeom prst="rect">
+            <a:avLst/>
+          </a:prstGeom>
+          <a:noFill/>
+          <a:ln>
+            <a:noFill/>
+          </a:ln>
+        </p:spPr>
+        <p:txBody>
+          <a:bodyPr spcFirstLastPara="1" wrap="square" lIns="0" tIns="0" rIns="0" bIns="0" anchor="t" anchorCtr="0">
+            <a:noAutofit/>
+          </a:bodyPr>
+          <a:lstStyle/>
+          <a:p>
+            <a:pPr lvl="0">
+              <a:buSzPts val="1800"/>
+            </a:pPr>
+            <a:r>
+              <a:rPr lang="ko-KR" altLang="en-US" sz="2000" b="1" dirty="0" smtClean="0">
+                <a:solidFill>
+                  <a:schemeClr val="accent3">
+                    <a:lumMod val="50000"/>
+                  </a:schemeClr>
+                </a:solidFill>
+                <a:latin typeface="티머니 둥근바람 Regular" panose="02050503000000000000" pitchFamily="18" charset="-127"/>
+                <a:ea typeface="티머니 둥근바람 Regular" panose="02050503000000000000" pitchFamily="18" charset="-127"/>
+                <a:cs typeface="Malgun Gothic"/>
+                <a:sym typeface="Malgun Gothic"/>
+              </a:rPr>
+              <a:t>아파치 스파크 작업의 특성</a:t>
+            </a:r>
+            <a:endParaRPr lang="ko-KR" altLang="en-US" sz="2000" b="1" dirty="0">
+              <a:solidFill>
+                <a:schemeClr val="accent3">
+                  <a:lumMod val="50000"/>
+                </a:schemeClr>
+              </a:solidFill>
+              <a:latin typeface="티머니 둥근바람 Regular" panose="02050503000000000000" pitchFamily="18" charset="-127"/>
+              <a:ea typeface="티머니 둥근바람 Regular" panose="02050503000000000000" pitchFamily="18" charset="-127"/>
+              <a:cs typeface="Malgun Gothic"/>
+              <a:sym typeface="Malgun Gothic"/>
+            </a:endParaRPr>
+          </a:p>
+        </p:txBody>
+      </p:sp>
+      <p:sp>
+        <p:nvSpPr>
+          <p:cNvPr id="8" name="이등변 삼각형 7"/>
+          <p:cNvSpPr/>
+          <p:nvPr/>
+        </p:nvSpPr>
+        <p:spPr>
+          <a:xfrm rot="5400000">
+            <a:off x="215110" y="254528"/>
+            <a:ext cx="242880" cy="221195"/>
+          </a:xfrm>
+          <a:prstGeom prst="triangle">
+            <a:avLst/>
+          </a:prstGeom>
+          <a:solidFill>
+            <a:schemeClr val="accent3">
+              <a:lumMod val="50000"/>
+            </a:schemeClr>
+          </a:solidFill>
+          <a:ln>
+            <a:noFill/>
+          </a:ln>
+        </p:spPr>
+        <p:style>
+          <a:lnRef idx="2">
+            <a:schemeClr val="accent1">
+              <a:shade val="50000"/>
+            </a:schemeClr>
+          </a:lnRef>
+          <a:fillRef idx="1">
+            <a:schemeClr val="accent1"/>
+          </a:fillRef>
+          <a:effectRef idx="0">
+            <a:schemeClr val="accent1"/>
+          </a:effectRef>
+          <a:fontRef idx="minor">
+            <a:schemeClr val="lt1"/>
+          </a:fontRef>
+        </p:style>
+        <p:txBody>
+          <a:bodyPr rtlCol="0" anchor="ctr"/>
+          <a:lstStyle/>
+          <a:p>
+            <a:pPr algn="ctr"/>
+            <a:endParaRPr lang="ko-KR" altLang="en-US">
+              <a:latin typeface="티머니 둥근바람 Regular" panose="02050503000000000000" pitchFamily="18" charset="-127"/>
+              <a:ea typeface="티머니 둥근바람 Regular" panose="02050503000000000000" pitchFamily="18" charset="-127"/>
+            </a:endParaRPr>
+          </a:p>
+        </p:txBody>
+      </p:sp>
+      <p:sp>
+        <p:nvSpPr>
+          <p:cNvPr id="6" name="Google Shape;28;p1"/>
+          <p:cNvSpPr txBox="1"/>
+          <p:nvPr/>
+        </p:nvSpPr>
+        <p:spPr>
+          <a:xfrm>
+            <a:off x="872878" y="786911"/>
+            <a:ext cx="2903965" cy="296842"/>
+          </a:xfrm>
+          <a:prstGeom prst="rect">
+            <a:avLst/>
+          </a:prstGeom>
+          <a:noFill/>
+          <a:ln>
+            <a:noFill/>
+          </a:ln>
+        </p:spPr>
+        <p:txBody>
+          <a:bodyPr spcFirstLastPara="1" wrap="square" lIns="0" tIns="0" rIns="0" bIns="0" anchor="ctr" anchorCtr="0">
+            <a:noAutofit/>
+          </a:bodyPr>
+          <a:lstStyle/>
+          <a:p>
+            <a:pPr marL="0" marR="0" lvl="0" indent="0" rtl="0">
+              <a:lnSpc>
+                <a:spcPct val="100000"/>
+              </a:lnSpc>
+              <a:spcBef>
+                <a:spcPts val="0"/>
+              </a:spcBef>
+              <a:spcAft>
+                <a:spcPts val="0"/>
+              </a:spcAft>
+              <a:buClr>
+                <a:srgbClr val="000000"/>
+              </a:buClr>
+              <a:buSzPts val="1800"/>
+              <a:buFont typeface="Arial"/>
+              <a:buNone/>
+            </a:pPr>
+            <a:r>
+              <a:rPr lang="en-US" sz="1600" b="1" i="0" u="none" strike="noStrike" cap="none" dirty="0" smtClean="0">
+                <a:solidFill>
+                  <a:srgbClr val="000000"/>
+                </a:solidFill>
+                <a:latin typeface="티머니 둥근바람 Regular" panose="02050503000000000000" pitchFamily="18" charset="-127"/>
+                <a:ea typeface="티머니 둥근바람 Regular" panose="02050503000000000000" pitchFamily="18" charset="-127"/>
+                <a:cs typeface="Malgun Gothic"/>
+                <a:sym typeface="Malgun Gothic"/>
+              </a:rPr>
+              <a:t>Apache Spark</a:t>
+            </a:r>
+            <a:endParaRPr sz="1600" b="1" i="0" u="none" strike="noStrike" cap="none" dirty="0">
+              <a:solidFill>
+                <a:srgbClr val="000000"/>
+              </a:solidFill>
+              <a:latin typeface="티머니 둥근바람 Regular" panose="02050503000000000000" pitchFamily="18" charset="-127"/>
+              <a:ea typeface="티머니 둥근바람 Regular" panose="02050503000000000000" pitchFamily="18" charset="-127"/>
+              <a:cs typeface="Malgun Gothic"/>
+              <a:sym typeface="Malgun Gothic"/>
+            </a:endParaRPr>
+          </a:p>
+        </p:txBody>
+      </p:sp>
+      <p:sp>
+        <p:nvSpPr>
+          <p:cNvPr id="9" name="이등변 삼각형 8"/>
+          <p:cNvSpPr/>
+          <p:nvPr/>
+        </p:nvSpPr>
+        <p:spPr>
+          <a:xfrm rot="5400000">
+            <a:off x="640937" y="866660"/>
+            <a:ext cx="150809" cy="137344"/>
+          </a:xfrm>
+          <a:prstGeom prst="triangle">
+            <a:avLst/>
+          </a:prstGeom>
+          <a:solidFill>
+            <a:schemeClr val="tx1"/>
+          </a:solidFill>
+          <a:ln>
+            <a:noFill/>
+          </a:ln>
+        </p:spPr>
+        <p:style>
+          <a:lnRef idx="2">
+            <a:schemeClr val="accent1">
+              <a:shade val="50000"/>
+            </a:schemeClr>
+          </a:lnRef>
+          <a:fillRef idx="1">
+            <a:schemeClr val="accent1"/>
+          </a:fillRef>
+          <a:effectRef idx="0">
+            <a:schemeClr val="accent1"/>
+          </a:effectRef>
+          <a:fontRef idx="minor">
+            <a:schemeClr val="lt1"/>
+          </a:fontRef>
+        </p:style>
+        <p:txBody>
+          <a:bodyPr rtlCol="0" anchor="ctr"/>
+          <a:lstStyle/>
+          <a:p>
+            <a:pPr algn="ctr"/>
+            <a:endParaRPr lang="ko-KR" altLang="en-US">
+              <a:latin typeface="티머니 둥근바람 Regular" panose="02050503000000000000" pitchFamily="18" charset="-127"/>
+              <a:ea typeface="티머니 둥근바람 Regular" panose="02050503000000000000" pitchFamily="18" charset="-127"/>
+            </a:endParaRPr>
+          </a:p>
+        </p:txBody>
+      </p:sp>
+      <p:sp>
+        <p:nvSpPr>
+          <p:cNvPr id="24" name="TextBox 23"/>
+          <p:cNvSpPr txBox="1"/>
+          <p:nvPr/>
+        </p:nvSpPr>
+        <p:spPr>
+          <a:xfrm>
+            <a:off x="872878" y="1755807"/>
+            <a:ext cx="1464595" cy="276999"/>
+          </a:xfrm>
+          <a:prstGeom prst="rect">
+            <a:avLst/>
+          </a:prstGeom>
+          <a:noFill/>
+        </p:spPr>
+        <p:txBody>
+          <a:bodyPr wrap="square" rtlCol="0">
+            <a:spAutoFit/>
+          </a:bodyPr>
+          <a:lstStyle/>
+          <a:p>
+            <a:r>
+              <a:rPr lang="ko-KR" altLang="en-US" sz="1200" dirty="0">
+                <a:solidFill>
+                  <a:schemeClr val="tx1"/>
+                </a:solidFill>
+                <a:latin typeface="티머니 둥근바람 Regular" panose="02050503000000000000" pitchFamily="18" charset="-127"/>
+                <a:ea typeface="티머니 둥근바람 Regular" panose="02050503000000000000" pitchFamily="18" charset="-127"/>
+              </a:rPr>
+              <a:t>▪ </a:t>
+            </a:r>
+            <a:r>
+              <a:rPr lang="en-US" altLang="ko-KR" sz="1200" dirty="0" smtClean="0">
+                <a:solidFill>
+                  <a:schemeClr val="tx1"/>
+                </a:solidFill>
+                <a:latin typeface="티머니 둥근바람 Regular" panose="02050503000000000000" pitchFamily="18" charset="-127"/>
+                <a:ea typeface="티머니 둥근바람 Regular" panose="02050503000000000000" pitchFamily="18" charset="-127"/>
+              </a:rPr>
+              <a:t>Fault Tolerance</a:t>
+            </a:r>
+            <a:endParaRPr lang="ko-KR" altLang="en-US" sz="1200" dirty="0">
+              <a:solidFill>
+                <a:schemeClr val="tx1"/>
+              </a:solidFill>
+              <a:latin typeface="티머니 둥근바람 Regular" panose="02050503000000000000" pitchFamily="18" charset="-127"/>
+              <a:ea typeface="티머니 둥근바람 Regular" panose="02050503000000000000" pitchFamily="18" charset="-127"/>
+            </a:endParaRPr>
+          </a:p>
+        </p:txBody>
+      </p:sp>
+      <p:sp>
+        <p:nvSpPr>
+          <p:cNvPr id="12" name="직사각형 11"/>
+          <p:cNvSpPr/>
+          <p:nvPr/>
+        </p:nvSpPr>
+        <p:spPr>
+          <a:xfrm>
+            <a:off x="872878" y="1141899"/>
+            <a:ext cx="2730221" cy="276999"/>
+          </a:xfrm>
+          <a:prstGeom prst="rect">
+            <a:avLst/>
+          </a:prstGeom>
+        </p:spPr>
+        <p:txBody>
+          <a:bodyPr wrap="square">
+            <a:spAutoFit/>
+          </a:bodyPr>
+          <a:lstStyle/>
+          <a:p>
+            <a:r>
+              <a:rPr lang="ko-KR" altLang="en-US" sz="1200" dirty="0">
+                <a:solidFill>
+                  <a:schemeClr val="tx1"/>
+                </a:solidFill>
+                <a:latin typeface="티머니 둥근바람 Regular" panose="02050503000000000000" pitchFamily="18" charset="-127"/>
+                <a:ea typeface="티머니 둥근바람 Regular" panose="02050503000000000000" pitchFamily="18" charset="-127"/>
+              </a:rPr>
+              <a:t>▪ </a:t>
+            </a:r>
+            <a:r>
+              <a:rPr lang="en-US" altLang="ko-KR" sz="1200" dirty="0">
+                <a:latin typeface="티머니 둥근바람 Regular" panose="02050503000000000000" pitchFamily="18" charset="-127"/>
+                <a:ea typeface="티머니 둥근바람 Regular" panose="02050503000000000000" pitchFamily="18" charset="-127"/>
+              </a:rPr>
+              <a:t>Resilient Distributed </a:t>
+            </a:r>
+            <a:r>
+              <a:rPr lang="en-US" altLang="ko-KR" sz="1200" dirty="0" smtClean="0">
+                <a:latin typeface="티머니 둥근바람 Regular" panose="02050503000000000000" pitchFamily="18" charset="-127"/>
+                <a:ea typeface="티머니 둥근바람 Regular" panose="02050503000000000000" pitchFamily="18" charset="-127"/>
+              </a:rPr>
+              <a:t>Data (RDD)</a:t>
+            </a:r>
+            <a:endParaRPr lang="ko-KR" altLang="en-US" sz="1200" dirty="0">
+              <a:latin typeface="티머니 둥근바람 Regular" panose="02050503000000000000" pitchFamily="18" charset="-127"/>
+              <a:ea typeface="티머니 둥근바람 Regular" panose="02050503000000000000" pitchFamily="18" charset="-127"/>
+            </a:endParaRPr>
+          </a:p>
+        </p:txBody>
+      </p:sp>
+      <p:sp>
+        <p:nvSpPr>
+          <p:cNvPr id="13" name="직사각형 12"/>
+          <p:cNvSpPr/>
+          <p:nvPr/>
+        </p:nvSpPr>
+        <p:spPr>
+          <a:xfrm>
+            <a:off x="3984103" y="1160729"/>
+            <a:ext cx="5576076" cy="261610"/>
+          </a:xfrm>
+          <a:prstGeom prst="rect">
+            <a:avLst/>
+          </a:prstGeom>
+        </p:spPr>
+        <p:txBody>
+          <a:bodyPr wrap="square">
+            <a:spAutoFit/>
+          </a:bodyPr>
+          <a:lstStyle/>
+          <a:p>
+            <a:pPr algn="just"/>
+            <a:r>
+              <a:rPr lang="ko-KR" altLang="en-US" sz="1100" dirty="0" smtClean="0">
+                <a:solidFill>
+                  <a:schemeClr val="bg2"/>
+                </a:solidFill>
+                <a:latin typeface="티머니 둥근바람 Regular" panose="02050503000000000000" pitchFamily="18" charset="-127"/>
+                <a:ea typeface="티머니 둥근바람 Regular" panose="02050503000000000000" pitchFamily="18" charset="-127"/>
+              </a:rPr>
+              <a:t>다수의 </a:t>
+            </a:r>
+            <a:r>
+              <a:rPr lang="ko-KR" altLang="en-US" sz="1100" dirty="0">
+                <a:solidFill>
+                  <a:schemeClr val="bg2"/>
+                </a:solidFill>
+                <a:latin typeface="티머니 둥근바람 Regular" panose="02050503000000000000" pitchFamily="18" charset="-127"/>
+                <a:ea typeface="티머니 둥근바람 Regular" panose="02050503000000000000" pitchFamily="18" charset="-127"/>
+              </a:rPr>
+              <a:t>서버에 </a:t>
+            </a:r>
+            <a:r>
+              <a:rPr lang="ko-KR" altLang="en-US" sz="1100" dirty="0" smtClean="0">
+                <a:solidFill>
+                  <a:schemeClr val="bg2"/>
+                </a:solidFill>
+                <a:latin typeface="티머니 둥근바람 Regular" panose="02050503000000000000" pitchFamily="18" charset="-127"/>
+                <a:ea typeface="티머니 둥근바람 Regular" panose="02050503000000000000" pitchFamily="18" charset="-127"/>
+              </a:rPr>
+              <a:t>분산 </a:t>
+            </a:r>
+            <a:r>
+              <a:rPr lang="ko-KR" altLang="en-US" sz="1100" dirty="0">
+                <a:solidFill>
+                  <a:schemeClr val="bg2"/>
+                </a:solidFill>
+                <a:latin typeface="티머니 둥근바람 Regular" panose="02050503000000000000" pitchFamily="18" charset="-127"/>
+                <a:ea typeface="티머니 둥근바람 Regular" panose="02050503000000000000" pitchFamily="18" charset="-127"/>
+              </a:rPr>
+              <a:t>방식으로 저장된 요소들의 </a:t>
+            </a:r>
+            <a:r>
+              <a:rPr lang="ko-KR" altLang="en-US" sz="1100" dirty="0" smtClean="0">
+                <a:solidFill>
+                  <a:schemeClr val="bg2"/>
+                </a:solidFill>
+                <a:latin typeface="티머니 둥근바람 Regular" panose="02050503000000000000" pitchFamily="18" charset="-127"/>
+                <a:ea typeface="티머니 둥근바람 Regular" panose="02050503000000000000" pitchFamily="18" charset="-127"/>
+              </a:rPr>
+              <a:t>집합</a:t>
+            </a:r>
+            <a:r>
+              <a:rPr lang="en-US" altLang="ko-KR" sz="1100" dirty="0" smtClean="0">
+                <a:solidFill>
+                  <a:schemeClr val="bg2"/>
+                </a:solidFill>
+                <a:latin typeface="티머니 둥근바람 Regular" panose="02050503000000000000" pitchFamily="18" charset="-127"/>
+                <a:ea typeface="티머니 둥근바람 Regular" panose="02050503000000000000" pitchFamily="18" charset="-127"/>
+              </a:rPr>
+              <a:t>. </a:t>
+            </a:r>
+            <a:r>
+              <a:rPr lang="ko-KR" altLang="en-US" sz="1100" dirty="0" smtClean="0">
+                <a:solidFill>
+                  <a:schemeClr val="bg2"/>
+                </a:solidFill>
+                <a:latin typeface="티머니 둥근바람 Regular" panose="02050503000000000000" pitchFamily="18" charset="-127"/>
+                <a:ea typeface="티머니 둥근바람 Regular" panose="02050503000000000000" pitchFamily="18" charset="-127"/>
+              </a:rPr>
+              <a:t>병렬처리 및 장애 복구 가능</a:t>
+            </a:r>
+            <a:endParaRPr lang="en-US" altLang="ko-KR" sz="1100" dirty="0">
+              <a:solidFill>
+                <a:schemeClr val="bg2"/>
+              </a:solidFill>
+              <a:latin typeface="티머니 둥근바람 Regular" panose="02050503000000000000" pitchFamily="18" charset="-127"/>
+              <a:ea typeface="티머니 둥근바람 Regular" panose="02050503000000000000" pitchFamily="18" charset="-127"/>
+            </a:endParaRPr>
+          </a:p>
+        </p:txBody>
+      </p:sp>
+      <p:sp>
+        <p:nvSpPr>
+          <p:cNvPr id="14" name="직사각형 13"/>
+          <p:cNvSpPr/>
+          <p:nvPr/>
+        </p:nvSpPr>
+        <p:spPr>
+          <a:xfrm>
+            <a:off x="3971490" y="1767348"/>
+            <a:ext cx="4801606" cy="261610"/>
+          </a:xfrm>
+          <a:prstGeom prst="rect">
+            <a:avLst/>
+          </a:prstGeom>
+        </p:spPr>
+        <p:txBody>
+          <a:bodyPr wrap="square">
+            <a:spAutoFit/>
+          </a:bodyPr>
+          <a:lstStyle/>
+          <a:p>
+            <a:pPr algn="just"/>
+            <a:r>
+              <a:rPr lang="ko-KR" altLang="en-US" sz="1100" dirty="0" smtClean="0">
+                <a:solidFill>
+                  <a:schemeClr val="bg2"/>
+                </a:solidFill>
+                <a:latin typeface="티머니 둥근바람 Regular" panose="02050503000000000000" pitchFamily="18" charset="-127"/>
+                <a:ea typeface="티머니 둥근바람 Regular" panose="02050503000000000000" pitchFamily="18" charset="-127"/>
+              </a:rPr>
+              <a:t>작업 </a:t>
+            </a:r>
+            <a:r>
+              <a:rPr lang="ko-KR" altLang="en-US" sz="1100" dirty="0" err="1" smtClean="0">
+                <a:solidFill>
+                  <a:schemeClr val="bg2"/>
+                </a:solidFill>
+                <a:latin typeface="티머니 둥근바람 Regular" panose="02050503000000000000" pitchFamily="18" charset="-127"/>
+                <a:ea typeface="티머니 둥근바람 Regular" panose="02050503000000000000" pitchFamily="18" charset="-127"/>
+              </a:rPr>
+              <a:t>실패시</a:t>
+            </a:r>
+            <a:r>
+              <a:rPr lang="ko-KR" altLang="en-US" sz="1100" dirty="0" smtClean="0">
+                <a:solidFill>
+                  <a:schemeClr val="bg2"/>
+                </a:solidFill>
+                <a:latin typeface="티머니 둥근바람 Regular" panose="02050503000000000000" pitchFamily="18" charset="-127"/>
+                <a:ea typeface="티머니 둥근바람 Regular" panose="02050503000000000000" pitchFamily="18" charset="-127"/>
+              </a:rPr>
+              <a:t> 자동으로 </a:t>
+            </a:r>
+            <a:r>
+              <a:rPr lang="ko-KR" altLang="en-US" sz="1100" dirty="0" err="1">
+                <a:solidFill>
+                  <a:schemeClr val="bg2"/>
+                </a:solidFill>
+                <a:latin typeface="티머니 둥근바람 Regular" panose="02050503000000000000" pitchFamily="18" charset="-127"/>
+                <a:ea typeface="티머니 둥근바람 Regular" panose="02050503000000000000" pitchFamily="18" charset="-127"/>
+              </a:rPr>
+              <a:t>재시작하여</a:t>
+            </a:r>
+            <a:r>
+              <a:rPr lang="ko-KR" altLang="en-US" sz="1100" dirty="0">
+                <a:solidFill>
+                  <a:schemeClr val="bg2"/>
+                </a:solidFill>
+                <a:latin typeface="티머니 둥근바람 Regular" panose="02050503000000000000" pitchFamily="18" charset="-127"/>
+                <a:ea typeface="티머니 둥근바람 Regular" panose="02050503000000000000" pitchFamily="18" charset="-127"/>
+              </a:rPr>
+              <a:t> 데이터 손실을 최소화하고 안정성을 </a:t>
+            </a:r>
+            <a:r>
+              <a:rPr lang="ko-KR" altLang="en-US" sz="1100" dirty="0" smtClean="0">
+                <a:solidFill>
+                  <a:schemeClr val="bg2"/>
+                </a:solidFill>
+                <a:latin typeface="티머니 둥근바람 Regular" panose="02050503000000000000" pitchFamily="18" charset="-127"/>
+                <a:ea typeface="티머니 둥근바람 Regular" panose="02050503000000000000" pitchFamily="18" charset="-127"/>
+              </a:rPr>
+              <a:t>보장</a:t>
+            </a:r>
+            <a:endParaRPr lang="en-US" altLang="ko-KR" sz="1100" dirty="0">
+              <a:solidFill>
+                <a:schemeClr val="bg2"/>
+              </a:solidFill>
+              <a:latin typeface="티머니 둥근바람 Regular" panose="02050503000000000000" pitchFamily="18" charset="-127"/>
+              <a:ea typeface="티머니 둥근바람 Regular" panose="02050503000000000000" pitchFamily="18" charset="-127"/>
+            </a:endParaRPr>
+          </a:p>
+        </p:txBody>
+      </p:sp>
+      <p:cxnSp>
+        <p:nvCxnSpPr>
+          <p:cNvPr id="16" name="직선 화살표 연결선 15"/>
+          <p:cNvCxnSpPr/>
+          <p:nvPr/>
+        </p:nvCxnSpPr>
+        <p:spPr>
+          <a:xfrm>
+            <a:off x="3603099" y="1291534"/>
+            <a:ext cx="381004" cy="0"/>
+          </a:xfrm>
+          <a:prstGeom prst="straightConnector1">
+            <a:avLst/>
+          </a:prstGeom>
+          <a:ln w="19050">
+            <a:solidFill>
+              <a:schemeClr val="accent1"/>
+            </a:solidFill>
+            <a:tailEnd type="triangle"/>
+          </a:ln>
+        </p:spPr>
+        <p:style>
+          <a:lnRef idx="1">
+            <a:schemeClr val="accent1"/>
+          </a:lnRef>
+          <a:fillRef idx="0">
+            <a:schemeClr val="accent1"/>
+          </a:fillRef>
+          <a:effectRef idx="0">
+            <a:schemeClr val="accent1"/>
+          </a:effectRef>
+          <a:fontRef idx="minor">
+            <a:schemeClr val="tx1"/>
+          </a:fontRef>
+        </p:style>
+      </p:cxnSp>
+      <p:cxnSp>
+        <p:nvCxnSpPr>
+          <p:cNvPr id="17" name="직선 화살표 연결선 16"/>
+          <p:cNvCxnSpPr>
+            <a:endCxn id="14" idx="1"/>
+          </p:cNvCxnSpPr>
+          <p:nvPr/>
+        </p:nvCxnSpPr>
+        <p:spPr>
+          <a:xfrm>
+            <a:off x="2324860" y="1890459"/>
+            <a:ext cx="1646630" cy="7694"/>
+          </a:xfrm>
+          <a:prstGeom prst="straightConnector1">
+            <a:avLst/>
+          </a:prstGeom>
+          <a:ln w="19050">
+            <a:solidFill>
+              <a:schemeClr val="accent1"/>
+            </a:solidFill>
+            <a:tailEnd type="triangle"/>
+          </a:ln>
+        </p:spPr>
+        <p:style>
+          <a:lnRef idx="1">
+            <a:schemeClr val="accent1"/>
+          </a:lnRef>
+          <a:fillRef idx="0">
+            <a:schemeClr val="accent1"/>
+          </a:fillRef>
+          <a:effectRef idx="0">
+            <a:schemeClr val="accent1"/>
+          </a:effectRef>
+          <a:fontRef idx="minor">
+            <a:schemeClr val="tx1"/>
+          </a:fontRef>
+        </p:style>
+      </p:cxnSp>
+      <p:sp>
+        <p:nvSpPr>
+          <p:cNvPr id="15" name="TextBox 14"/>
+          <p:cNvSpPr txBox="1"/>
+          <p:nvPr/>
+        </p:nvSpPr>
+        <p:spPr>
+          <a:xfrm>
+            <a:off x="872878" y="1448853"/>
+            <a:ext cx="1749209" cy="276999"/>
+          </a:xfrm>
+          <a:prstGeom prst="rect">
+            <a:avLst/>
+          </a:prstGeom>
+          <a:noFill/>
+        </p:spPr>
+        <p:txBody>
+          <a:bodyPr wrap="square" rtlCol="0">
+            <a:spAutoFit/>
+          </a:bodyPr>
+          <a:lstStyle/>
+          <a:p>
+            <a:r>
+              <a:rPr lang="ko-KR" altLang="en-US" sz="1200" dirty="0">
+                <a:solidFill>
+                  <a:schemeClr val="tx1"/>
+                </a:solidFill>
+                <a:latin typeface="티머니 둥근바람 Regular" panose="02050503000000000000" pitchFamily="18" charset="-127"/>
+                <a:ea typeface="티머니 둥근바람 Regular" panose="02050503000000000000" pitchFamily="18" charset="-127"/>
+              </a:rPr>
+              <a:t>▪ </a:t>
+            </a:r>
+            <a:r>
+              <a:rPr lang="en-US" altLang="ko-KR" sz="1200" dirty="0">
+                <a:solidFill>
+                  <a:schemeClr val="tx1"/>
+                </a:solidFill>
+                <a:latin typeface="티머니 둥근바람 Regular" panose="02050503000000000000" pitchFamily="18" charset="-127"/>
+                <a:ea typeface="티머니 둥근바람 Regular" panose="02050503000000000000" pitchFamily="18" charset="-127"/>
+              </a:rPr>
+              <a:t>Catalyst Optimizer</a:t>
+            </a:r>
+            <a:endParaRPr lang="ko-KR" altLang="en-US" sz="1200" dirty="0">
+              <a:solidFill>
+                <a:schemeClr val="tx1"/>
+              </a:solidFill>
+              <a:latin typeface="티머니 둥근바람 Regular" panose="02050503000000000000" pitchFamily="18" charset="-127"/>
+              <a:ea typeface="티머니 둥근바람 Regular" panose="02050503000000000000" pitchFamily="18" charset="-127"/>
+            </a:endParaRPr>
+          </a:p>
+        </p:txBody>
+      </p:sp>
+      <p:sp>
+        <p:nvSpPr>
+          <p:cNvPr id="18" name="직사각형 17"/>
+          <p:cNvSpPr/>
+          <p:nvPr/>
+        </p:nvSpPr>
+        <p:spPr>
+          <a:xfrm>
+            <a:off x="3984103" y="1464242"/>
+            <a:ext cx="4801606" cy="261610"/>
+          </a:xfrm>
+          <a:prstGeom prst="rect">
+            <a:avLst/>
+          </a:prstGeom>
+        </p:spPr>
+        <p:txBody>
+          <a:bodyPr wrap="square">
+            <a:spAutoFit/>
+          </a:bodyPr>
+          <a:lstStyle/>
+          <a:p>
+            <a:pPr algn="just"/>
+            <a:r>
+              <a:rPr lang="en-US" altLang="ko-KR" sz="1100" dirty="0" smtClean="0">
+                <a:solidFill>
+                  <a:schemeClr val="accent1">
+                    <a:lumMod val="75000"/>
+                  </a:schemeClr>
+                </a:solidFill>
+                <a:latin typeface="티머니 둥근바람 Regular" panose="02050503000000000000" pitchFamily="18" charset="-127"/>
+                <a:ea typeface="티머니 둥근바람 Regular" panose="02050503000000000000" pitchFamily="18" charset="-127"/>
+              </a:rPr>
+              <a:t>Optimizer</a:t>
+            </a:r>
+            <a:r>
+              <a:rPr lang="ko-KR" altLang="en-US" sz="1100" dirty="0" smtClean="0">
+                <a:solidFill>
+                  <a:schemeClr val="accent1">
+                    <a:lumMod val="75000"/>
+                  </a:schemeClr>
+                </a:solidFill>
+                <a:latin typeface="티머니 둥근바람 Regular" panose="02050503000000000000" pitchFamily="18" charset="-127"/>
+                <a:ea typeface="티머니 둥근바람 Regular" panose="02050503000000000000" pitchFamily="18" charset="-127"/>
+              </a:rPr>
+              <a:t>를 통해 동작될 코드의 논리적</a:t>
+            </a:r>
+            <a:r>
+              <a:rPr lang="en-US" altLang="ko-KR" sz="1100" dirty="0" smtClean="0">
+                <a:solidFill>
+                  <a:schemeClr val="accent1">
+                    <a:lumMod val="75000"/>
+                  </a:schemeClr>
+                </a:solidFill>
+                <a:latin typeface="티머니 둥근바람 Regular" panose="02050503000000000000" pitchFamily="18" charset="-127"/>
+                <a:ea typeface="티머니 둥근바람 Regular" panose="02050503000000000000" pitchFamily="18" charset="-127"/>
+              </a:rPr>
+              <a:t>/</a:t>
+            </a:r>
+            <a:r>
+              <a:rPr lang="ko-KR" altLang="en-US" sz="1100" dirty="0" smtClean="0">
+                <a:solidFill>
+                  <a:schemeClr val="accent1">
+                    <a:lumMod val="75000"/>
+                  </a:schemeClr>
+                </a:solidFill>
+                <a:latin typeface="티머니 둥근바람 Regular" panose="02050503000000000000" pitchFamily="18" charset="-127"/>
+                <a:ea typeface="티머니 둥근바람 Regular" panose="02050503000000000000" pitchFamily="18" charset="-127"/>
+              </a:rPr>
+              <a:t>물리적 실행 계획을 최적화 </a:t>
+            </a:r>
+            <a:endParaRPr lang="en-US" altLang="ko-KR" sz="1100" dirty="0">
+              <a:solidFill>
+                <a:schemeClr val="accent1">
+                  <a:lumMod val="75000"/>
+                </a:schemeClr>
+              </a:solidFill>
+              <a:latin typeface="티머니 둥근바람 Regular" panose="02050503000000000000" pitchFamily="18" charset="-127"/>
+              <a:ea typeface="티머니 둥근바람 Regular" panose="02050503000000000000" pitchFamily="18" charset="-127"/>
+            </a:endParaRPr>
+          </a:p>
+        </p:txBody>
+      </p:sp>
+      <p:cxnSp>
+        <p:nvCxnSpPr>
+          <p:cNvPr id="19" name="직선 화살표 연결선 18"/>
+          <p:cNvCxnSpPr>
+            <a:stCxn id="15" idx="3"/>
+            <a:endCxn id="18" idx="1"/>
+          </p:cNvCxnSpPr>
+          <p:nvPr/>
+        </p:nvCxnSpPr>
+        <p:spPr>
+          <a:xfrm>
+            <a:off x="2622087" y="1587353"/>
+            <a:ext cx="1362016" cy="7694"/>
+          </a:xfrm>
+          <a:prstGeom prst="straightConnector1">
+            <a:avLst/>
+          </a:prstGeom>
+          <a:ln w="19050">
+            <a:solidFill>
+              <a:schemeClr val="accent1"/>
+            </a:solidFill>
+            <a:tailEnd type="triangle"/>
+          </a:ln>
+        </p:spPr>
+        <p:style>
+          <a:lnRef idx="1">
+            <a:schemeClr val="accent1"/>
+          </a:lnRef>
+          <a:fillRef idx="0">
+            <a:schemeClr val="accent1"/>
+          </a:fillRef>
+          <a:effectRef idx="0">
+            <a:schemeClr val="accent1"/>
+          </a:effectRef>
+          <a:fontRef idx="minor">
+            <a:schemeClr val="tx1"/>
+          </a:fontRef>
+        </p:style>
+      </p:cxnSp>
+      <p:sp>
+        <p:nvSpPr>
+          <p:cNvPr id="21" name="TextBox 20"/>
+          <p:cNvSpPr txBox="1"/>
+          <p:nvPr/>
+        </p:nvSpPr>
+        <p:spPr>
+          <a:xfrm>
+            <a:off x="872878" y="2057733"/>
+            <a:ext cx="1464595" cy="276999"/>
+          </a:xfrm>
+          <a:prstGeom prst="rect">
+            <a:avLst/>
+          </a:prstGeom>
+          <a:noFill/>
+        </p:spPr>
+        <p:txBody>
+          <a:bodyPr wrap="square" rtlCol="0">
+            <a:spAutoFit/>
+          </a:bodyPr>
+          <a:lstStyle/>
+          <a:p>
+            <a:r>
+              <a:rPr lang="ko-KR" altLang="en-US" sz="1200" dirty="0">
+                <a:solidFill>
+                  <a:schemeClr val="tx1"/>
+                </a:solidFill>
+                <a:latin typeface="티머니 둥근바람 Regular" panose="02050503000000000000" pitchFamily="18" charset="-127"/>
+                <a:ea typeface="티머니 둥근바람 Regular" panose="02050503000000000000" pitchFamily="18" charset="-127"/>
+              </a:rPr>
+              <a:t>▪ </a:t>
+            </a:r>
+            <a:r>
+              <a:rPr lang="en-US" altLang="ko-KR" sz="1200" dirty="0">
+                <a:solidFill>
+                  <a:schemeClr val="tx1"/>
+                </a:solidFill>
+                <a:latin typeface="티머니 둥근바람 Regular" panose="02050503000000000000" pitchFamily="18" charset="-127"/>
+                <a:ea typeface="티머니 둥근바람 Regular" panose="02050503000000000000" pitchFamily="18" charset="-127"/>
+              </a:rPr>
+              <a:t>Lazy Evaluation</a:t>
+            </a:r>
+            <a:endParaRPr lang="ko-KR" altLang="en-US" sz="1200" dirty="0">
+              <a:solidFill>
+                <a:schemeClr val="tx1"/>
+              </a:solidFill>
+              <a:latin typeface="티머니 둥근바람 Regular" panose="02050503000000000000" pitchFamily="18" charset="-127"/>
+              <a:ea typeface="티머니 둥근바람 Regular" panose="02050503000000000000" pitchFamily="18" charset="-127"/>
+            </a:endParaRPr>
+          </a:p>
+        </p:txBody>
+      </p:sp>
+      <p:sp>
+        <p:nvSpPr>
+          <p:cNvPr id="22" name="직사각형 21"/>
+          <p:cNvSpPr/>
+          <p:nvPr/>
+        </p:nvSpPr>
+        <p:spPr>
+          <a:xfrm>
+            <a:off x="3984103" y="2073122"/>
+            <a:ext cx="4801606" cy="261610"/>
+          </a:xfrm>
+          <a:prstGeom prst="rect">
+            <a:avLst/>
+          </a:prstGeom>
+        </p:spPr>
+        <p:txBody>
+          <a:bodyPr wrap="square">
+            <a:spAutoFit/>
+          </a:bodyPr>
+          <a:lstStyle/>
+          <a:p>
+            <a:pPr algn="just"/>
+            <a:r>
+              <a:rPr lang="ko-KR" altLang="en-US" sz="1100" dirty="0">
+                <a:solidFill>
+                  <a:schemeClr val="bg2"/>
+                </a:solidFill>
+                <a:latin typeface="티머니 둥근바람 Regular" panose="02050503000000000000" pitchFamily="18" charset="-127"/>
+                <a:ea typeface="티머니 둥근바람 Regular" panose="02050503000000000000" pitchFamily="18" charset="-127"/>
+              </a:rPr>
+              <a:t>변환 작업을 선언한 후에도 </a:t>
+            </a:r>
+            <a:r>
+              <a:rPr lang="ko-KR" altLang="en-US" sz="1100" dirty="0" smtClean="0">
+                <a:solidFill>
+                  <a:schemeClr val="bg2"/>
+                </a:solidFill>
+                <a:latin typeface="티머니 둥근바람 Regular" panose="02050503000000000000" pitchFamily="18" charset="-127"/>
+                <a:ea typeface="티머니 둥근바람 Regular" panose="02050503000000000000" pitchFamily="18" charset="-127"/>
+              </a:rPr>
+              <a:t>실제 </a:t>
+            </a:r>
+            <a:r>
+              <a:rPr lang="ko-KR" altLang="en-US" sz="1100" dirty="0">
+                <a:solidFill>
+                  <a:schemeClr val="bg2"/>
+                </a:solidFill>
+                <a:latin typeface="티머니 둥근바람 Regular" panose="02050503000000000000" pitchFamily="18" charset="-127"/>
+                <a:ea typeface="티머니 둥근바람 Regular" panose="02050503000000000000" pitchFamily="18" charset="-127"/>
+              </a:rPr>
+              <a:t>실행되는 시점까지 </a:t>
+            </a:r>
+            <a:r>
+              <a:rPr lang="ko-KR" altLang="en-US" sz="1100" dirty="0" smtClean="0">
+                <a:solidFill>
+                  <a:schemeClr val="bg2"/>
+                </a:solidFill>
+                <a:latin typeface="티머니 둥근바람 Regular" panose="02050503000000000000" pitchFamily="18" charset="-127"/>
+                <a:ea typeface="티머니 둥근바람 Regular" panose="02050503000000000000" pitchFamily="18" charset="-127"/>
+              </a:rPr>
+              <a:t>작업을 </a:t>
+            </a:r>
+            <a:r>
+              <a:rPr lang="ko-KR" altLang="en-US" sz="1100" dirty="0">
+                <a:solidFill>
+                  <a:schemeClr val="bg2"/>
+                </a:solidFill>
+                <a:latin typeface="티머니 둥근바람 Regular" panose="02050503000000000000" pitchFamily="18" charset="-127"/>
+                <a:ea typeface="티머니 둥근바람 Regular" panose="02050503000000000000" pitchFamily="18" charset="-127"/>
+              </a:rPr>
+              <a:t>연기하는 방식</a:t>
+            </a:r>
+            <a:endParaRPr lang="en-US" altLang="ko-KR" sz="1100" dirty="0">
+              <a:solidFill>
+                <a:schemeClr val="bg2"/>
+              </a:solidFill>
+              <a:latin typeface="티머니 둥근바람 Regular" panose="02050503000000000000" pitchFamily="18" charset="-127"/>
+              <a:ea typeface="티머니 둥근바람 Regular" panose="02050503000000000000" pitchFamily="18" charset="-127"/>
+            </a:endParaRPr>
+          </a:p>
+        </p:txBody>
+      </p:sp>
+      <p:cxnSp>
+        <p:nvCxnSpPr>
+          <p:cNvPr id="23" name="직선 화살표 연결선 22"/>
+          <p:cNvCxnSpPr>
+            <a:stCxn id="21" idx="3"/>
+            <a:endCxn id="22" idx="1"/>
+          </p:cNvCxnSpPr>
+          <p:nvPr/>
+        </p:nvCxnSpPr>
+        <p:spPr>
+          <a:xfrm>
+            <a:off x="2337473" y="2196233"/>
+            <a:ext cx="1646630" cy="7694"/>
+          </a:xfrm>
+          <a:prstGeom prst="straightConnector1">
+            <a:avLst/>
+          </a:prstGeom>
+          <a:ln w="19050">
+            <a:solidFill>
+              <a:schemeClr val="accent1"/>
+            </a:solidFill>
+            <a:tailEnd type="triangle"/>
+          </a:ln>
+        </p:spPr>
+        <p:style>
+          <a:lnRef idx="1">
+            <a:schemeClr val="accent1"/>
+          </a:lnRef>
+          <a:fillRef idx="0">
+            <a:schemeClr val="accent1"/>
+          </a:fillRef>
+          <a:effectRef idx="0">
+            <a:schemeClr val="accent1"/>
+          </a:effectRef>
+          <a:fontRef idx="minor">
+            <a:schemeClr val="tx1"/>
+          </a:fontRef>
+        </p:style>
+      </p:cxnSp>
+      <p:sp>
+        <p:nvSpPr>
+          <p:cNvPr id="32" name="TextBox 31"/>
+          <p:cNvSpPr txBox="1"/>
+          <p:nvPr/>
+        </p:nvSpPr>
+        <p:spPr>
+          <a:xfrm>
+            <a:off x="872878" y="2359659"/>
+            <a:ext cx="1646264" cy="276999"/>
+          </a:xfrm>
+          <a:prstGeom prst="rect">
+            <a:avLst/>
+          </a:prstGeom>
+          <a:noFill/>
+        </p:spPr>
+        <p:txBody>
+          <a:bodyPr wrap="square" rtlCol="0">
+            <a:spAutoFit/>
+          </a:bodyPr>
+          <a:lstStyle/>
+          <a:p>
+            <a:r>
+              <a:rPr lang="ko-KR" altLang="en-US" sz="1200" dirty="0">
+                <a:solidFill>
+                  <a:schemeClr val="tx1"/>
+                </a:solidFill>
+                <a:latin typeface="티머니 둥근바람 Regular" panose="02050503000000000000" pitchFamily="18" charset="-127"/>
+                <a:ea typeface="티머니 둥근바람 Regular" panose="02050503000000000000" pitchFamily="18" charset="-127"/>
+              </a:rPr>
+              <a:t>▪ </a:t>
+            </a:r>
+            <a:r>
+              <a:rPr lang="en-US" altLang="ko-KR" sz="1200" dirty="0" smtClean="0">
+                <a:solidFill>
+                  <a:schemeClr val="tx1"/>
+                </a:solidFill>
+                <a:latin typeface="티머니 둥근바람 Regular" panose="02050503000000000000" pitchFamily="18" charset="-127"/>
+                <a:ea typeface="티머니 둥근바람 Regular" panose="02050503000000000000" pitchFamily="18" charset="-127"/>
+              </a:rPr>
+              <a:t>Columnar Format</a:t>
+            </a:r>
+            <a:endParaRPr lang="ko-KR" altLang="en-US" sz="1200" dirty="0">
+              <a:solidFill>
+                <a:schemeClr val="tx1"/>
+              </a:solidFill>
+              <a:latin typeface="티머니 둥근바람 Regular" panose="02050503000000000000" pitchFamily="18" charset="-127"/>
+              <a:ea typeface="티머니 둥근바람 Regular" panose="02050503000000000000" pitchFamily="18" charset="-127"/>
+            </a:endParaRPr>
+          </a:p>
+        </p:txBody>
+      </p:sp>
+      <p:sp>
+        <p:nvSpPr>
+          <p:cNvPr id="33" name="직사각형 32"/>
+          <p:cNvSpPr/>
+          <p:nvPr/>
+        </p:nvSpPr>
+        <p:spPr>
+          <a:xfrm>
+            <a:off x="3984103" y="2375048"/>
+            <a:ext cx="4801606" cy="261610"/>
+          </a:xfrm>
+          <a:prstGeom prst="rect">
+            <a:avLst/>
+          </a:prstGeom>
+        </p:spPr>
+        <p:txBody>
+          <a:bodyPr wrap="square">
+            <a:spAutoFit/>
+          </a:bodyPr>
+          <a:lstStyle/>
+          <a:p>
+            <a:pPr algn="just"/>
+            <a:r>
+              <a:rPr lang="en-US" altLang="ko-KR" sz="1100" dirty="0" smtClean="0">
+                <a:solidFill>
+                  <a:schemeClr val="bg2"/>
+                </a:solidFill>
+                <a:latin typeface="티머니 둥근바람 Regular" panose="02050503000000000000" pitchFamily="18" charset="-127"/>
+                <a:ea typeface="티머니 둥근바람 Regular" panose="02050503000000000000" pitchFamily="18" charset="-127"/>
+              </a:rPr>
+              <a:t>.parquet </a:t>
+            </a:r>
+            <a:r>
+              <a:rPr lang="ko-KR" altLang="en-US" sz="1100" dirty="0" smtClean="0">
+                <a:solidFill>
+                  <a:schemeClr val="bg2"/>
+                </a:solidFill>
+                <a:latin typeface="티머니 둥근바람 Regular" panose="02050503000000000000" pitchFamily="18" charset="-127"/>
+                <a:ea typeface="티머니 둥근바람 Regular" panose="02050503000000000000" pitchFamily="18" charset="-127"/>
+              </a:rPr>
+              <a:t>형식을 기본으로 하는 열 기반 데이터 처리</a:t>
+            </a:r>
+            <a:endParaRPr lang="en-US" altLang="ko-KR" sz="1100" dirty="0">
+              <a:solidFill>
+                <a:schemeClr val="bg2"/>
+              </a:solidFill>
+              <a:latin typeface="티머니 둥근바람 Regular" panose="02050503000000000000" pitchFamily="18" charset="-127"/>
+              <a:ea typeface="티머니 둥근바람 Regular" panose="02050503000000000000" pitchFamily="18" charset="-127"/>
+            </a:endParaRPr>
+          </a:p>
+        </p:txBody>
+      </p:sp>
+      <p:cxnSp>
+        <p:nvCxnSpPr>
+          <p:cNvPr id="34" name="직선 화살표 연결선 33"/>
+          <p:cNvCxnSpPr>
+            <a:stCxn id="32" idx="3"/>
+            <a:endCxn id="33" idx="1"/>
+          </p:cNvCxnSpPr>
+          <p:nvPr/>
+        </p:nvCxnSpPr>
+        <p:spPr>
+          <a:xfrm>
+            <a:off x="2519142" y="2498159"/>
+            <a:ext cx="1464961" cy="7694"/>
+          </a:xfrm>
+          <a:prstGeom prst="straightConnector1">
+            <a:avLst/>
+          </a:prstGeom>
+          <a:ln w="19050">
+            <a:solidFill>
+              <a:schemeClr val="accent1"/>
+            </a:solidFill>
+            <a:tailEnd type="triangle"/>
+          </a:ln>
+        </p:spPr>
+        <p:style>
+          <a:lnRef idx="1">
+            <a:schemeClr val="accent1"/>
+          </a:lnRef>
+          <a:fillRef idx="0">
+            <a:schemeClr val="accent1"/>
+          </a:fillRef>
+          <a:effectRef idx="0">
+            <a:schemeClr val="accent1"/>
+          </a:effectRef>
+          <a:fontRef idx="minor">
+            <a:schemeClr val="tx1"/>
+          </a:fontRef>
+        </p:style>
+      </p:cxnSp>
+      <p:pic>
+        <p:nvPicPr>
+          <p:cNvPr id="1028" name="Picture 4" descr="Different Data File Formats in Big Data Engineering - YouTube"/>
+          <p:cNvPicPr>
+            <a:picLocks noChangeAspect="1" noChangeArrowheads="1"/>
+          </p:cNvPicPr>
+          <p:nvPr/>
+        </p:nvPicPr>
+        <p:blipFill rotWithShape="1">
+          <a:blip r:embed="rId3">
+            <a:extLst>
+              <a:ext uri="{28A0092B-C50C-407E-A947-70E740481C1C}">
+                <a14:useLocalDpi xmlns:a14="http://schemas.microsoft.com/office/drawing/2010/main" val="0"/>
+              </a:ext>
+            </a:extLst>
+          </a:blip>
+          <a:srcRect l="13661" t="30890" r="16389" b="39204"/>
+          <a:stretch/>
+        </p:blipFill>
+        <p:spPr bwMode="auto">
+          <a:xfrm>
+            <a:off x="1759419" y="3851129"/>
+            <a:ext cx="5295447" cy="1273487"/>
+          </a:xfrm>
+          <a:prstGeom prst="rect">
+            <a:avLst/>
+          </a:prstGeom>
+          <a:noFill/>
+          <a:extLst>
+            <a:ext uri="{909E8E84-426E-40DD-AFC4-6F175D3DCCD1}">
+              <a14:hiddenFill xmlns:a14="http://schemas.microsoft.com/office/drawing/2010/main">
+                <a:solidFill>
+                  <a:srgbClr val="FFFFFF"/>
+                </a:solidFill>
+              </a14:hiddenFill>
+            </a:ext>
+          </a:extLst>
+        </p:spPr>
+      </p:pic>
+      <p:sp>
+        <p:nvSpPr>
+          <p:cNvPr id="36" name="모서리가 둥근 직사각형 35"/>
+          <p:cNvSpPr/>
+          <p:nvPr/>
+        </p:nvSpPr>
+        <p:spPr>
+          <a:xfrm>
+            <a:off x="3911936" y="3851128"/>
+            <a:ext cx="990412" cy="1273487"/>
+          </a:xfrm>
+          <a:prstGeom prst="roundRect">
+            <a:avLst>
+              <a:gd name="adj" fmla="val 6884"/>
+            </a:avLst>
+          </a:prstGeom>
+          <a:noFill/>
+          <a:ln w="38100">
+            <a:solidFill>
+              <a:srgbClr val="FF0000"/>
+            </a:solidFill>
+          </a:ln>
+        </p:spPr>
+        <p:style>
+          <a:lnRef idx="2">
+            <a:schemeClr val="accent1">
+              <a:shade val="50000"/>
+            </a:schemeClr>
+          </a:lnRef>
+          <a:fillRef idx="1">
+            <a:schemeClr val="accent1"/>
+          </a:fillRef>
+          <a:effectRef idx="0">
+            <a:schemeClr val="accent1"/>
+          </a:effectRef>
+          <a:fontRef idx="minor">
+            <a:schemeClr val="lt1"/>
+          </a:fontRef>
+        </p:style>
+        <p:txBody>
+          <a:bodyPr rtlCol="0" anchor="ctr"/>
+          <a:lstStyle/>
+          <a:p>
+            <a:pPr algn="ctr"/>
+            <a:endParaRPr lang="ko-KR" altLang="en-US"/>
+          </a:p>
+        </p:txBody>
+      </p:sp>
+      <p:sp>
+        <p:nvSpPr>
+          <p:cNvPr id="41" name="직사각형 40"/>
+          <p:cNvSpPr/>
+          <p:nvPr/>
+        </p:nvSpPr>
+        <p:spPr>
+          <a:xfrm>
+            <a:off x="3997300" y="3574128"/>
+            <a:ext cx="819683" cy="276999"/>
+          </a:xfrm>
+          <a:prstGeom prst="rect">
+            <a:avLst/>
+          </a:prstGeom>
+        </p:spPr>
+        <p:txBody>
+          <a:bodyPr wrap="square">
+            <a:spAutoFit/>
+          </a:bodyPr>
+          <a:lstStyle/>
+          <a:p>
+            <a:pPr algn="ctr"/>
+            <a:r>
+              <a:rPr lang="en-US" altLang="ko-KR" sz="1200" dirty="0" smtClean="0">
+                <a:solidFill>
+                  <a:srgbClr val="FF0000"/>
+                </a:solidFill>
+                <a:latin typeface="티머니 둥근바람 Regular" panose="02050503000000000000" pitchFamily="18" charset="-127"/>
+                <a:ea typeface="티머니 둥근바람 Regular" panose="02050503000000000000" pitchFamily="18" charset="-127"/>
+              </a:rPr>
+              <a:t>Default</a:t>
+            </a:r>
+            <a:endParaRPr lang="en-US" altLang="ko-KR" sz="1200" dirty="0">
+              <a:solidFill>
+                <a:srgbClr val="FF0000"/>
+              </a:solidFill>
+              <a:latin typeface="티머니 둥근바람 Regular" panose="02050503000000000000" pitchFamily="18" charset="-127"/>
+              <a:ea typeface="티머니 둥근바람 Regular" panose="02050503000000000000" pitchFamily="18" charset="-127"/>
+            </a:endParaRPr>
+          </a:p>
+        </p:txBody>
+      </p:sp>
+    </p:spTree>
+    <p:extLst>
+      <p:ext uri="{BB962C8B-B14F-4D97-AF65-F5344CB8AC3E}">
+        <p14:creationId xmlns:p14="http://schemas.microsoft.com/office/powerpoint/2010/main" val="1947540788"/>
+      </p:ext>
+    </p:extLst>
+  </p:cSld>
+  <p:clrMapOvr>
+    <a:masterClrMapping/>
+  </p:clrMapOvr>
+  <p:timing>
+    <p:tnLst>
+      <p:par>
+        <p:cTn id="1" dur="indefinite" restart="never" nodeType="tmRoot"/>
+      </p:par>
+    </p:tnLst>
+  </p:timing>
+</p:sld>
+</file>
+
+<file path=ppt/slides/slide24.xml><?xml version="1.0" encoding="utf-8"?>
+<p:sld xmlns:a="http://schemas.openxmlformats.org/drawingml/2006/main" xmlns:r="http://schemas.openxmlformats.org/officeDocument/2006/relationships" xmlns:p="http://schemas.openxmlformats.org/presentationml/2006/main">
+  <p:cSld>
+    <p:spTree>
+      <p:nvGrpSpPr>
+        <p:cNvPr id="1" name="Shape 26"/>
+        <p:cNvGrpSpPr/>
+        <p:nvPr/>
+      </p:nvGrpSpPr>
+      <p:grpSpPr>
+        <a:xfrm>
+          <a:off x="0" y="0"/>
+          <a:ext cx="0" cy="0"/>
+          <a:chOff x="0" y="0"/>
+          <a:chExt cx="0" cy="0"/>
+        </a:xfrm>
+      </p:grpSpPr>
+      <p:sp>
+        <p:nvSpPr>
+          <p:cNvPr id="5" name="Google Shape;28;p1"/>
+          <p:cNvSpPr txBox="1"/>
+          <p:nvPr/>
+        </p:nvSpPr>
+        <p:spPr>
+          <a:xfrm>
+            <a:off x="285720" y="214290"/>
+            <a:ext cx="8242846" cy="296842"/>
+          </a:xfrm>
+          <a:prstGeom prst="rect">
+            <a:avLst/>
+          </a:prstGeom>
+          <a:noFill/>
+          <a:ln>
+            <a:noFill/>
+          </a:ln>
+        </p:spPr>
+        <p:txBody>
+          <a:bodyPr spcFirstLastPara="1" wrap="square" lIns="0" tIns="0" rIns="0" bIns="0" anchor="t" anchorCtr="0">
+            <a:noAutofit/>
+          </a:bodyPr>
+          <a:lstStyle/>
+          <a:p>
+            <a:pPr marL="0" marR="0" lvl="0" indent="0" algn="l" rtl="0">
+              <a:lnSpc>
+                <a:spcPct val="100000"/>
+              </a:lnSpc>
+              <a:spcBef>
+                <a:spcPts val="0"/>
+              </a:spcBef>
+              <a:spcAft>
+                <a:spcPts val="0"/>
+              </a:spcAft>
+              <a:buClr>
+                <a:srgbClr val="000000"/>
+              </a:buClr>
+              <a:buSzPts val="1800"/>
+              <a:buFont typeface="Arial"/>
+              <a:buNone/>
+            </a:pPr>
+            <a:endParaRPr sz="1800" b="1" i="0" u="none" strike="noStrike" cap="none" dirty="0">
+              <a:solidFill>
+                <a:srgbClr val="000000"/>
+              </a:solidFill>
+              <a:latin typeface="+mn-ea"/>
+              <a:ea typeface="+mn-ea"/>
+              <a:cs typeface="Malgun Gothic"/>
+              <a:sym typeface="Malgun Gothic"/>
+            </a:endParaRPr>
+          </a:p>
+        </p:txBody>
+      </p:sp>
+      <p:sp>
+        <p:nvSpPr>
+          <p:cNvPr id="7" name="Google Shape;28;p1"/>
+          <p:cNvSpPr txBox="1"/>
+          <p:nvPr/>
+        </p:nvSpPr>
+        <p:spPr>
+          <a:xfrm>
+            <a:off x="647670" y="216704"/>
+            <a:ext cx="5323180" cy="296842"/>
+          </a:xfrm>
+          <a:prstGeom prst="rect">
+            <a:avLst/>
+          </a:prstGeom>
+          <a:noFill/>
+          <a:ln>
+            <a:noFill/>
+          </a:ln>
+        </p:spPr>
+        <p:txBody>
+          <a:bodyPr spcFirstLastPara="1" wrap="square" lIns="0" tIns="0" rIns="0" bIns="0" anchor="t" anchorCtr="0">
+            <a:noAutofit/>
+          </a:bodyPr>
+          <a:lstStyle/>
+          <a:p>
+            <a:pPr lvl="0">
+              <a:buSzPts val="1800"/>
+            </a:pPr>
+            <a:r>
+              <a:rPr lang="ko-KR" altLang="en-US" sz="2000" b="1" dirty="0" smtClean="0">
+                <a:solidFill>
+                  <a:schemeClr val="accent3">
+                    <a:lumMod val="50000"/>
+                  </a:schemeClr>
+                </a:solidFill>
+                <a:latin typeface="티머니 둥근바람 Regular" panose="02050503000000000000" pitchFamily="18" charset="-127"/>
+                <a:ea typeface="티머니 둥근바람 Regular" panose="02050503000000000000" pitchFamily="18" charset="-127"/>
+                <a:cs typeface="Malgun Gothic"/>
+                <a:sym typeface="Malgun Gothic"/>
+              </a:rPr>
+              <a:t>아파치 스파크 작업의 특성</a:t>
+            </a:r>
+            <a:endParaRPr lang="ko-KR" altLang="en-US" sz="2000" b="1" dirty="0">
+              <a:solidFill>
+                <a:schemeClr val="accent3">
+                  <a:lumMod val="50000"/>
+                </a:schemeClr>
+              </a:solidFill>
+              <a:latin typeface="티머니 둥근바람 Regular" panose="02050503000000000000" pitchFamily="18" charset="-127"/>
+              <a:ea typeface="티머니 둥근바람 Regular" panose="02050503000000000000" pitchFamily="18" charset="-127"/>
+              <a:cs typeface="Malgun Gothic"/>
+              <a:sym typeface="Malgun Gothic"/>
+            </a:endParaRPr>
+          </a:p>
+        </p:txBody>
+      </p:sp>
+      <p:sp>
+        <p:nvSpPr>
+          <p:cNvPr id="8" name="이등변 삼각형 7"/>
+          <p:cNvSpPr/>
+          <p:nvPr/>
+        </p:nvSpPr>
+        <p:spPr>
+          <a:xfrm rot="5400000">
+            <a:off x="215110" y="254528"/>
+            <a:ext cx="242880" cy="221195"/>
+          </a:xfrm>
+          <a:prstGeom prst="triangle">
+            <a:avLst/>
+          </a:prstGeom>
+          <a:solidFill>
+            <a:schemeClr val="accent3">
+              <a:lumMod val="50000"/>
+            </a:schemeClr>
+          </a:solidFill>
+          <a:ln>
+            <a:noFill/>
+          </a:ln>
+        </p:spPr>
+        <p:style>
+          <a:lnRef idx="2">
+            <a:schemeClr val="accent1">
+              <a:shade val="50000"/>
+            </a:schemeClr>
+          </a:lnRef>
+          <a:fillRef idx="1">
+            <a:schemeClr val="accent1"/>
+          </a:fillRef>
+          <a:effectRef idx="0">
+            <a:schemeClr val="accent1"/>
+          </a:effectRef>
+          <a:fontRef idx="minor">
+            <a:schemeClr val="lt1"/>
+          </a:fontRef>
+        </p:style>
+        <p:txBody>
+          <a:bodyPr rtlCol="0" anchor="ctr"/>
+          <a:lstStyle/>
+          <a:p>
+            <a:pPr algn="ctr"/>
+            <a:endParaRPr lang="ko-KR" altLang="en-US">
+              <a:latin typeface="티머니 둥근바람 Regular" panose="02050503000000000000" pitchFamily="18" charset="-127"/>
+              <a:ea typeface="티머니 둥근바람 Regular" panose="02050503000000000000" pitchFamily="18" charset="-127"/>
+            </a:endParaRPr>
+          </a:p>
+        </p:txBody>
+      </p:sp>
+      <p:sp>
+        <p:nvSpPr>
+          <p:cNvPr id="6" name="Google Shape;28;p1"/>
+          <p:cNvSpPr txBox="1"/>
+          <p:nvPr/>
+        </p:nvSpPr>
+        <p:spPr>
+          <a:xfrm>
+            <a:off x="872878" y="786911"/>
+            <a:ext cx="2903965" cy="296842"/>
+          </a:xfrm>
+          <a:prstGeom prst="rect">
+            <a:avLst/>
+          </a:prstGeom>
+          <a:noFill/>
+          <a:ln>
+            <a:noFill/>
+          </a:ln>
+        </p:spPr>
+        <p:txBody>
+          <a:bodyPr spcFirstLastPara="1" wrap="square" lIns="0" tIns="0" rIns="0" bIns="0" anchor="ctr" anchorCtr="0">
+            <a:noAutofit/>
+          </a:bodyPr>
+          <a:lstStyle/>
+          <a:p>
+            <a:pPr marL="0" marR="0" lvl="0" indent="0" rtl="0">
+              <a:lnSpc>
+                <a:spcPct val="100000"/>
+              </a:lnSpc>
+              <a:spcBef>
+                <a:spcPts val="0"/>
+              </a:spcBef>
+              <a:spcAft>
+                <a:spcPts val="0"/>
+              </a:spcAft>
+              <a:buClr>
+                <a:srgbClr val="000000"/>
+              </a:buClr>
+              <a:buSzPts val="1800"/>
+              <a:buFont typeface="Arial"/>
+              <a:buNone/>
+            </a:pPr>
+            <a:r>
+              <a:rPr lang="en-US" sz="1600" b="1" i="0" u="none" strike="noStrike" cap="none" dirty="0" smtClean="0">
+                <a:solidFill>
+                  <a:srgbClr val="000000"/>
+                </a:solidFill>
+                <a:latin typeface="티머니 둥근바람 Regular" panose="02050503000000000000" pitchFamily="18" charset="-127"/>
+                <a:ea typeface="티머니 둥근바람 Regular" panose="02050503000000000000" pitchFamily="18" charset="-127"/>
+                <a:cs typeface="Malgun Gothic"/>
+                <a:sym typeface="Malgun Gothic"/>
+              </a:rPr>
+              <a:t>Apache Spark</a:t>
+            </a:r>
+            <a:endParaRPr sz="1600" b="1" i="0" u="none" strike="noStrike" cap="none" dirty="0">
+              <a:solidFill>
+                <a:srgbClr val="000000"/>
+              </a:solidFill>
+              <a:latin typeface="티머니 둥근바람 Regular" panose="02050503000000000000" pitchFamily="18" charset="-127"/>
+              <a:ea typeface="티머니 둥근바람 Regular" panose="02050503000000000000" pitchFamily="18" charset="-127"/>
+              <a:cs typeface="Malgun Gothic"/>
+              <a:sym typeface="Malgun Gothic"/>
+            </a:endParaRPr>
+          </a:p>
+        </p:txBody>
+      </p:sp>
+      <p:sp>
+        <p:nvSpPr>
+          <p:cNvPr id="9" name="이등변 삼각형 8"/>
+          <p:cNvSpPr/>
+          <p:nvPr/>
+        </p:nvSpPr>
+        <p:spPr>
+          <a:xfrm rot="5400000">
+            <a:off x="640937" y="866660"/>
+            <a:ext cx="150809" cy="137344"/>
+          </a:xfrm>
+          <a:prstGeom prst="triangle">
+            <a:avLst/>
+          </a:prstGeom>
+          <a:solidFill>
+            <a:schemeClr val="tx1"/>
+          </a:solidFill>
+          <a:ln>
+            <a:noFill/>
+          </a:ln>
+        </p:spPr>
+        <p:style>
+          <a:lnRef idx="2">
+            <a:schemeClr val="accent1">
+              <a:shade val="50000"/>
+            </a:schemeClr>
+          </a:lnRef>
+          <a:fillRef idx="1">
+            <a:schemeClr val="accent1"/>
+          </a:fillRef>
+          <a:effectRef idx="0">
+            <a:schemeClr val="accent1"/>
+          </a:effectRef>
+          <a:fontRef idx="minor">
+            <a:schemeClr val="lt1"/>
+          </a:fontRef>
+        </p:style>
+        <p:txBody>
+          <a:bodyPr rtlCol="0" anchor="ctr"/>
+          <a:lstStyle/>
+          <a:p>
+            <a:pPr algn="ctr"/>
+            <a:endParaRPr lang="ko-KR" altLang="en-US">
+              <a:latin typeface="티머니 둥근바람 Regular" panose="02050503000000000000" pitchFamily="18" charset="-127"/>
+              <a:ea typeface="티머니 둥근바람 Regular" panose="02050503000000000000" pitchFamily="18" charset="-127"/>
+            </a:endParaRPr>
+          </a:p>
+        </p:txBody>
+      </p:sp>
+      <p:sp>
+        <p:nvSpPr>
+          <p:cNvPr id="24" name="TextBox 23"/>
+          <p:cNvSpPr txBox="1"/>
+          <p:nvPr/>
+        </p:nvSpPr>
+        <p:spPr>
+          <a:xfrm>
+            <a:off x="872878" y="1755807"/>
+            <a:ext cx="1464595" cy="276999"/>
+          </a:xfrm>
+          <a:prstGeom prst="rect">
+            <a:avLst/>
+          </a:prstGeom>
+          <a:noFill/>
+        </p:spPr>
+        <p:txBody>
+          <a:bodyPr wrap="square" rtlCol="0">
+            <a:spAutoFit/>
+          </a:bodyPr>
+          <a:lstStyle/>
+          <a:p>
+            <a:r>
+              <a:rPr lang="ko-KR" altLang="en-US" sz="1200" dirty="0">
+                <a:solidFill>
+                  <a:schemeClr val="tx1"/>
+                </a:solidFill>
+                <a:latin typeface="티머니 둥근바람 Regular" panose="02050503000000000000" pitchFamily="18" charset="-127"/>
+                <a:ea typeface="티머니 둥근바람 Regular" panose="02050503000000000000" pitchFamily="18" charset="-127"/>
+              </a:rPr>
+              <a:t>▪ </a:t>
+            </a:r>
+            <a:r>
+              <a:rPr lang="en-US" altLang="ko-KR" sz="1200" dirty="0" smtClean="0">
+                <a:solidFill>
+                  <a:schemeClr val="tx1"/>
+                </a:solidFill>
+                <a:latin typeface="티머니 둥근바람 Regular" panose="02050503000000000000" pitchFamily="18" charset="-127"/>
+                <a:ea typeface="티머니 둥근바람 Regular" panose="02050503000000000000" pitchFamily="18" charset="-127"/>
+              </a:rPr>
+              <a:t>Fault Tolerance</a:t>
+            </a:r>
+            <a:endParaRPr lang="ko-KR" altLang="en-US" sz="1200" dirty="0">
+              <a:solidFill>
+                <a:schemeClr val="tx1"/>
+              </a:solidFill>
+              <a:latin typeface="티머니 둥근바람 Regular" panose="02050503000000000000" pitchFamily="18" charset="-127"/>
+              <a:ea typeface="티머니 둥근바람 Regular" panose="02050503000000000000" pitchFamily="18" charset="-127"/>
+            </a:endParaRPr>
+          </a:p>
+        </p:txBody>
+      </p:sp>
+      <p:sp>
+        <p:nvSpPr>
+          <p:cNvPr id="12" name="직사각형 11"/>
+          <p:cNvSpPr/>
+          <p:nvPr/>
+        </p:nvSpPr>
+        <p:spPr>
+          <a:xfrm>
+            <a:off x="872878" y="1141899"/>
+            <a:ext cx="2730221" cy="276999"/>
+          </a:xfrm>
+          <a:prstGeom prst="rect">
+            <a:avLst/>
+          </a:prstGeom>
+        </p:spPr>
+        <p:txBody>
+          <a:bodyPr wrap="square">
+            <a:spAutoFit/>
+          </a:bodyPr>
+          <a:lstStyle/>
+          <a:p>
+            <a:r>
+              <a:rPr lang="ko-KR" altLang="en-US" sz="1200" dirty="0">
+                <a:solidFill>
+                  <a:schemeClr val="tx1"/>
+                </a:solidFill>
+                <a:latin typeface="티머니 둥근바람 Regular" panose="02050503000000000000" pitchFamily="18" charset="-127"/>
+                <a:ea typeface="티머니 둥근바람 Regular" panose="02050503000000000000" pitchFamily="18" charset="-127"/>
+              </a:rPr>
+              <a:t>▪ </a:t>
+            </a:r>
+            <a:r>
+              <a:rPr lang="en-US" altLang="ko-KR" sz="1200" dirty="0">
+                <a:latin typeface="티머니 둥근바람 Regular" panose="02050503000000000000" pitchFamily="18" charset="-127"/>
+                <a:ea typeface="티머니 둥근바람 Regular" panose="02050503000000000000" pitchFamily="18" charset="-127"/>
+              </a:rPr>
+              <a:t>Resilient Distributed </a:t>
+            </a:r>
+            <a:r>
+              <a:rPr lang="en-US" altLang="ko-KR" sz="1200" dirty="0" smtClean="0">
+                <a:latin typeface="티머니 둥근바람 Regular" panose="02050503000000000000" pitchFamily="18" charset="-127"/>
+                <a:ea typeface="티머니 둥근바람 Regular" panose="02050503000000000000" pitchFamily="18" charset="-127"/>
+              </a:rPr>
+              <a:t>Data (RDD)</a:t>
+            </a:r>
+            <a:endParaRPr lang="ko-KR" altLang="en-US" sz="1200" dirty="0">
+              <a:latin typeface="티머니 둥근바람 Regular" panose="02050503000000000000" pitchFamily="18" charset="-127"/>
+              <a:ea typeface="티머니 둥근바람 Regular" panose="02050503000000000000" pitchFamily="18" charset="-127"/>
+            </a:endParaRPr>
+          </a:p>
+        </p:txBody>
+      </p:sp>
+      <p:sp>
+        <p:nvSpPr>
+          <p:cNvPr id="13" name="직사각형 12"/>
+          <p:cNvSpPr/>
+          <p:nvPr/>
+        </p:nvSpPr>
+        <p:spPr>
+          <a:xfrm>
+            <a:off x="3984103" y="1160729"/>
+            <a:ext cx="5576076" cy="261610"/>
+          </a:xfrm>
+          <a:prstGeom prst="rect">
+            <a:avLst/>
+          </a:prstGeom>
+        </p:spPr>
+        <p:txBody>
+          <a:bodyPr wrap="square">
+            <a:spAutoFit/>
+          </a:bodyPr>
+          <a:lstStyle/>
+          <a:p>
+            <a:pPr algn="just"/>
+            <a:r>
+              <a:rPr lang="ko-KR" altLang="en-US" sz="1100" dirty="0" smtClean="0">
+                <a:solidFill>
+                  <a:schemeClr val="bg2"/>
+                </a:solidFill>
+                <a:latin typeface="티머니 둥근바람 Regular" panose="02050503000000000000" pitchFamily="18" charset="-127"/>
+                <a:ea typeface="티머니 둥근바람 Regular" panose="02050503000000000000" pitchFamily="18" charset="-127"/>
+              </a:rPr>
+              <a:t>다수의 </a:t>
+            </a:r>
+            <a:r>
+              <a:rPr lang="ko-KR" altLang="en-US" sz="1100" dirty="0">
+                <a:solidFill>
+                  <a:schemeClr val="bg2"/>
+                </a:solidFill>
+                <a:latin typeface="티머니 둥근바람 Regular" panose="02050503000000000000" pitchFamily="18" charset="-127"/>
+                <a:ea typeface="티머니 둥근바람 Regular" panose="02050503000000000000" pitchFamily="18" charset="-127"/>
+              </a:rPr>
+              <a:t>서버에 </a:t>
+            </a:r>
+            <a:r>
+              <a:rPr lang="ko-KR" altLang="en-US" sz="1100" dirty="0" smtClean="0">
+                <a:solidFill>
+                  <a:schemeClr val="bg2"/>
+                </a:solidFill>
+                <a:latin typeface="티머니 둥근바람 Regular" panose="02050503000000000000" pitchFamily="18" charset="-127"/>
+                <a:ea typeface="티머니 둥근바람 Regular" panose="02050503000000000000" pitchFamily="18" charset="-127"/>
+              </a:rPr>
+              <a:t>분산 </a:t>
+            </a:r>
+            <a:r>
+              <a:rPr lang="ko-KR" altLang="en-US" sz="1100" dirty="0">
+                <a:solidFill>
+                  <a:schemeClr val="bg2"/>
+                </a:solidFill>
+                <a:latin typeface="티머니 둥근바람 Regular" panose="02050503000000000000" pitchFamily="18" charset="-127"/>
+                <a:ea typeface="티머니 둥근바람 Regular" panose="02050503000000000000" pitchFamily="18" charset="-127"/>
+              </a:rPr>
+              <a:t>방식으로 저장된 요소들의 </a:t>
+            </a:r>
+            <a:r>
+              <a:rPr lang="ko-KR" altLang="en-US" sz="1100" dirty="0" smtClean="0">
+                <a:solidFill>
+                  <a:schemeClr val="bg2"/>
+                </a:solidFill>
+                <a:latin typeface="티머니 둥근바람 Regular" panose="02050503000000000000" pitchFamily="18" charset="-127"/>
+                <a:ea typeface="티머니 둥근바람 Regular" panose="02050503000000000000" pitchFamily="18" charset="-127"/>
+              </a:rPr>
+              <a:t>집합</a:t>
+            </a:r>
+            <a:r>
+              <a:rPr lang="en-US" altLang="ko-KR" sz="1100" dirty="0" smtClean="0">
+                <a:solidFill>
+                  <a:schemeClr val="bg2"/>
+                </a:solidFill>
+                <a:latin typeface="티머니 둥근바람 Regular" panose="02050503000000000000" pitchFamily="18" charset="-127"/>
+                <a:ea typeface="티머니 둥근바람 Regular" panose="02050503000000000000" pitchFamily="18" charset="-127"/>
+              </a:rPr>
+              <a:t>. </a:t>
+            </a:r>
+            <a:r>
+              <a:rPr lang="ko-KR" altLang="en-US" sz="1100" dirty="0" smtClean="0">
+                <a:solidFill>
+                  <a:schemeClr val="bg2"/>
+                </a:solidFill>
+                <a:latin typeface="티머니 둥근바람 Regular" panose="02050503000000000000" pitchFamily="18" charset="-127"/>
+                <a:ea typeface="티머니 둥근바람 Regular" panose="02050503000000000000" pitchFamily="18" charset="-127"/>
+              </a:rPr>
+              <a:t>병렬처리 및 장애 복구 가능</a:t>
+            </a:r>
+            <a:endParaRPr lang="en-US" altLang="ko-KR" sz="1100" dirty="0">
+              <a:solidFill>
+                <a:schemeClr val="bg2"/>
+              </a:solidFill>
+              <a:latin typeface="티머니 둥근바람 Regular" panose="02050503000000000000" pitchFamily="18" charset="-127"/>
+              <a:ea typeface="티머니 둥근바람 Regular" panose="02050503000000000000" pitchFamily="18" charset="-127"/>
+            </a:endParaRPr>
+          </a:p>
+        </p:txBody>
+      </p:sp>
+      <p:sp>
+        <p:nvSpPr>
+          <p:cNvPr id="14" name="직사각형 13"/>
+          <p:cNvSpPr/>
+          <p:nvPr/>
+        </p:nvSpPr>
+        <p:spPr>
+          <a:xfrm>
+            <a:off x="3971490" y="1767348"/>
+            <a:ext cx="4801606" cy="261610"/>
+          </a:xfrm>
+          <a:prstGeom prst="rect">
+            <a:avLst/>
+          </a:prstGeom>
+        </p:spPr>
+        <p:txBody>
+          <a:bodyPr wrap="square">
+            <a:spAutoFit/>
+          </a:bodyPr>
+          <a:lstStyle/>
+          <a:p>
+            <a:pPr algn="just"/>
+            <a:r>
+              <a:rPr lang="ko-KR" altLang="en-US" sz="1100" dirty="0" smtClean="0">
+                <a:solidFill>
+                  <a:schemeClr val="bg2"/>
+                </a:solidFill>
+                <a:latin typeface="티머니 둥근바람 Regular" panose="02050503000000000000" pitchFamily="18" charset="-127"/>
+                <a:ea typeface="티머니 둥근바람 Regular" panose="02050503000000000000" pitchFamily="18" charset="-127"/>
+              </a:rPr>
+              <a:t>작업 </a:t>
+            </a:r>
+            <a:r>
+              <a:rPr lang="ko-KR" altLang="en-US" sz="1100" dirty="0" err="1" smtClean="0">
+                <a:solidFill>
+                  <a:schemeClr val="bg2"/>
+                </a:solidFill>
+                <a:latin typeface="티머니 둥근바람 Regular" panose="02050503000000000000" pitchFamily="18" charset="-127"/>
+                <a:ea typeface="티머니 둥근바람 Regular" panose="02050503000000000000" pitchFamily="18" charset="-127"/>
+              </a:rPr>
+              <a:t>실패시</a:t>
+            </a:r>
+            <a:r>
+              <a:rPr lang="ko-KR" altLang="en-US" sz="1100" dirty="0" smtClean="0">
+                <a:solidFill>
+                  <a:schemeClr val="bg2"/>
+                </a:solidFill>
+                <a:latin typeface="티머니 둥근바람 Regular" panose="02050503000000000000" pitchFamily="18" charset="-127"/>
+                <a:ea typeface="티머니 둥근바람 Regular" panose="02050503000000000000" pitchFamily="18" charset="-127"/>
+              </a:rPr>
+              <a:t> 자동으로 </a:t>
+            </a:r>
+            <a:r>
+              <a:rPr lang="ko-KR" altLang="en-US" sz="1100" dirty="0" err="1">
+                <a:solidFill>
+                  <a:schemeClr val="bg2"/>
+                </a:solidFill>
+                <a:latin typeface="티머니 둥근바람 Regular" panose="02050503000000000000" pitchFamily="18" charset="-127"/>
+                <a:ea typeface="티머니 둥근바람 Regular" panose="02050503000000000000" pitchFamily="18" charset="-127"/>
+              </a:rPr>
+              <a:t>재시작하여</a:t>
+            </a:r>
+            <a:r>
+              <a:rPr lang="ko-KR" altLang="en-US" sz="1100" dirty="0">
+                <a:solidFill>
+                  <a:schemeClr val="bg2"/>
+                </a:solidFill>
+                <a:latin typeface="티머니 둥근바람 Regular" panose="02050503000000000000" pitchFamily="18" charset="-127"/>
+                <a:ea typeface="티머니 둥근바람 Regular" panose="02050503000000000000" pitchFamily="18" charset="-127"/>
+              </a:rPr>
+              <a:t> 데이터 손실을 최소화하고 안정성을 </a:t>
+            </a:r>
+            <a:r>
+              <a:rPr lang="ko-KR" altLang="en-US" sz="1100" dirty="0" smtClean="0">
+                <a:solidFill>
+                  <a:schemeClr val="bg2"/>
+                </a:solidFill>
+                <a:latin typeface="티머니 둥근바람 Regular" panose="02050503000000000000" pitchFamily="18" charset="-127"/>
+                <a:ea typeface="티머니 둥근바람 Regular" panose="02050503000000000000" pitchFamily="18" charset="-127"/>
+              </a:rPr>
+              <a:t>보장</a:t>
+            </a:r>
+            <a:endParaRPr lang="en-US" altLang="ko-KR" sz="1100" dirty="0">
+              <a:solidFill>
+                <a:schemeClr val="bg2"/>
+              </a:solidFill>
+              <a:latin typeface="티머니 둥근바람 Regular" panose="02050503000000000000" pitchFamily="18" charset="-127"/>
+              <a:ea typeface="티머니 둥근바람 Regular" panose="02050503000000000000" pitchFamily="18" charset="-127"/>
+            </a:endParaRPr>
+          </a:p>
+        </p:txBody>
+      </p:sp>
+      <p:cxnSp>
+        <p:nvCxnSpPr>
+          <p:cNvPr id="16" name="직선 화살표 연결선 15"/>
+          <p:cNvCxnSpPr/>
+          <p:nvPr/>
+        </p:nvCxnSpPr>
+        <p:spPr>
+          <a:xfrm>
+            <a:off x="3603099" y="1291534"/>
+            <a:ext cx="381004" cy="0"/>
+          </a:xfrm>
+          <a:prstGeom prst="straightConnector1">
+            <a:avLst/>
+          </a:prstGeom>
+          <a:ln w="19050">
+            <a:solidFill>
+              <a:schemeClr val="accent1"/>
+            </a:solidFill>
+            <a:tailEnd type="triangle"/>
+          </a:ln>
+        </p:spPr>
+        <p:style>
+          <a:lnRef idx="1">
+            <a:schemeClr val="accent1"/>
+          </a:lnRef>
+          <a:fillRef idx="0">
+            <a:schemeClr val="accent1"/>
+          </a:fillRef>
+          <a:effectRef idx="0">
+            <a:schemeClr val="accent1"/>
+          </a:effectRef>
+          <a:fontRef idx="minor">
+            <a:schemeClr val="tx1"/>
+          </a:fontRef>
+        </p:style>
+      </p:cxnSp>
+      <p:cxnSp>
+        <p:nvCxnSpPr>
+          <p:cNvPr id="17" name="직선 화살표 연결선 16"/>
+          <p:cNvCxnSpPr>
+            <a:endCxn id="14" idx="1"/>
+          </p:cNvCxnSpPr>
+          <p:nvPr/>
+        </p:nvCxnSpPr>
+        <p:spPr>
+          <a:xfrm>
+            <a:off x="2324860" y="1890459"/>
+            <a:ext cx="1646630" cy="7694"/>
+          </a:xfrm>
+          <a:prstGeom prst="straightConnector1">
+            <a:avLst/>
+          </a:prstGeom>
+          <a:ln w="19050">
+            <a:solidFill>
+              <a:schemeClr val="accent1"/>
+            </a:solidFill>
+            <a:tailEnd type="triangle"/>
+          </a:ln>
+        </p:spPr>
+        <p:style>
+          <a:lnRef idx="1">
+            <a:schemeClr val="accent1"/>
+          </a:lnRef>
+          <a:fillRef idx="0">
+            <a:schemeClr val="accent1"/>
+          </a:fillRef>
+          <a:effectRef idx="0">
+            <a:schemeClr val="accent1"/>
+          </a:effectRef>
+          <a:fontRef idx="minor">
+            <a:schemeClr val="tx1"/>
+          </a:fontRef>
+        </p:style>
+      </p:cxnSp>
+      <p:sp>
+        <p:nvSpPr>
+          <p:cNvPr id="15" name="TextBox 14"/>
+          <p:cNvSpPr txBox="1"/>
+          <p:nvPr/>
+        </p:nvSpPr>
+        <p:spPr>
+          <a:xfrm>
+            <a:off x="872878" y="1448853"/>
+            <a:ext cx="1749209" cy="276999"/>
+          </a:xfrm>
+          <a:prstGeom prst="rect">
+            <a:avLst/>
+          </a:prstGeom>
+          <a:noFill/>
+        </p:spPr>
+        <p:txBody>
+          <a:bodyPr wrap="square" rtlCol="0">
+            <a:spAutoFit/>
+          </a:bodyPr>
+          <a:lstStyle/>
+          <a:p>
+            <a:r>
+              <a:rPr lang="ko-KR" altLang="en-US" sz="1200" dirty="0">
+                <a:solidFill>
+                  <a:schemeClr val="tx1"/>
+                </a:solidFill>
+                <a:latin typeface="티머니 둥근바람 Regular" panose="02050503000000000000" pitchFamily="18" charset="-127"/>
+                <a:ea typeface="티머니 둥근바람 Regular" panose="02050503000000000000" pitchFamily="18" charset="-127"/>
+              </a:rPr>
+              <a:t>▪ </a:t>
+            </a:r>
+            <a:r>
+              <a:rPr lang="en-US" altLang="ko-KR" sz="1200" dirty="0">
+                <a:solidFill>
+                  <a:schemeClr val="tx1"/>
+                </a:solidFill>
+                <a:latin typeface="티머니 둥근바람 Regular" panose="02050503000000000000" pitchFamily="18" charset="-127"/>
+                <a:ea typeface="티머니 둥근바람 Regular" panose="02050503000000000000" pitchFamily="18" charset="-127"/>
+              </a:rPr>
+              <a:t>Catalyst Optimizer</a:t>
+            </a:r>
+            <a:endParaRPr lang="ko-KR" altLang="en-US" sz="1200" dirty="0">
+              <a:solidFill>
+                <a:schemeClr val="tx1"/>
+              </a:solidFill>
+              <a:latin typeface="티머니 둥근바람 Regular" panose="02050503000000000000" pitchFamily="18" charset="-127"/>
+              <a:ea typeface="티머니 둥근바람 Regular" panose="02050503000000000000" pitchFamily="18" charset="-127"/>
+            </a:endParaRPr>
+          </a:p>
+        </p:txBody>
+      </p:sp>
+      <p:sp>
+        <p:nvSpPr>
+          <p:cNvPr id="18" name="직사각형 17"/>
+          <p:cNvSpPr/>
+          <p:nvPr/>
+        </p:nvSpPr>
+        <p:spPr>
+          <a:xfrm>
+            <a:off x="3984103" y="1464242"/>
+            <a:ext cx="4801606" cy="261610"/>
+          </a:xfrm>
+          <a:prstGeom prst="rect">
+            <a:avLst/>
+          </a:prstGeom>
+        </p:spPr>
+        <p:txBody>
+          <a:bodyPr wrap="square">
+            <a:spAutoFit/>
+          </a:bodyPr>
+          <a:lstStyle/>
+          <a:p>
+            <a:pPr algn="just"/>
+            <a:r>
+              <a:rPr lang="en-US" altLang="ko-KR" sz="1100" dirty="0" smtClean="0">
+                <a:solidFill>
+                  <a:schemeClr val="accent1">
+                    <a:lumMod val="75000"/>
+                  </a:schemeClr>
+                </a:solidFill>
+                <a:latin typeface="티머니 둥근바람 Regular" panose="02050503000000000000" pitchFamily="18" charset="-127"/>
+                <a:ea typeface="티머니 둥근바람 Regular" panose="02050503000000000000" pitchFamily="18" charset="-127"/>
+              </a:rPr>
+              <a:t>Optimizer</a:t>
+            </a:r>
+            <a:r>
+              <a:rPr lang="ko-KR" altLang="en-US" sz="1100" dirty="0" smtClean="0">
+                <a:solidFill>
+                  <a:schemeClr val="accent1">
+                    <a:lumMod val="75000"/>
+                  </a:schemeClr>
+                </a:solidFill>
+                <a:latin typeface="티머니 둥근바람 Regular" panose="02050503000000000000" pitchFamily="18" charset="-127"/>
+                <a:ea typeface="티머니 둥근바람 Regular" panose="02050503000000000000" pitchFamily="18" charset="-127"/>
+              </a:rPr>
+              <a:t>를 통해 동작될 코드의 논리적</a:t>
+            </a:r>
+            <a:r>
+              <a:rPr lang="en-US" altLang="ko-KR" sz="1100" dirty="0" smtClean="0">
+                <a:solidFill>
+                  <a:schemeClr val="accent1">
+                    <a:lumMod val="75000"/>
+                  </a:schemeClr>
+                </a:solidFill>
+                <a:latin typeface="티머니 둥근바람 Regular" panose="02050503000000000000" pitchFamily="18" charset="-127"/>
+                <a:ea typeface="티머니 둥근바람 Regular" panose="02050503000000000000" pitchFamily="18" charset="-127"/>
+              </a:rPr>
+              <a:t>/</a:t>
+            </a:r>
+            <a:r>
+              <a:rPr lang="ko-KR" altLang="en-US" sz="1100" dirty="0" smtClean="0">
+                <a:solidFill>
+                  <a:schemeClr val="accent1">
+                    <a:lumMod val="75000"/>
+                  </a:schemeClr>
+                </a:solidFill>
+                <a:latin typeface="티머니 둥근바람 Regular" panose="02050503000000000000" pitchFamily="18" charset="-127"/>
+                <a:ea typeface="티머니 둥근바람 Regular" panose="02050503000000000000" pitchFamily="18" charset="-127"/>
+              </a:rPr>
+              <a:t>물리적 실행 계획을 최적화 </a:t>
+            </a:r>
+            <a:endParaRPr lang="en-US" altLang="ko-KR" sz="1100" dirty="0">
+              <a:solidFill>
+                <a:schemeClr val="accent1">
+                  <a:lumMod val="75000"/>
+                </a:schemeClr>
+              </a:solidFill>
+              <a:latin typeface="티머니 둥근바람 Regular" panose="02050503000000000000" pitchFamily="18" charset="-127"/>
+              <a:ea typeface="티머니 둥근바람 Regular" panose="02050503000000000000" pitchFamily="18" charset="-127"/>
+            </a:endParaRPr>
+          </a:p>
+        </p:txBody>
+      </p:sp>
+      <p:cxnSp>
+        <p:nvCxnSpPr>
+          <p:cNvPr id="19" name="직선 화살표 연결선 18"/>
+          <p:cNvCxnSpPr>
+            <a:stCxn id="15" idx="3"/>
+            <a:endCxn id="18" idx="1"/>
+          </p:cNvCxnSpPr>
+          <p:nvPr/>
+        </p:nvCxnSpPr>
+        <p:spPr>
+          <a:xfrm>
+            <a:off x="2622087" y="1587353"/>
+            <a:ext cx="1362016" cy="7694"/>
+          </a:xfrm>
+          <a:prstGeom prst="straightConnector1">
+            <a:avLst/>
+          </a:prstGeom>
+          <a:ln w="19050">
+            <a:solidFill>
+              <a:schemeClr val="accent1"/>
+            </a:solidFill>
+            <a:tailEnd type="triangle"/>
+          </a:ln>
+        </p:spPr>
+        <p:style>
+          <a:lnRef idx="1">
+            <a:schemeClr val="accent1"/>
+          </a:lnRef>
+          <a:fillRef idx="0">
+            <a:schemeClr val="accent1"/>
+          </a:fillRef>
+          <a:effectRef idx="0">
+            <a:schemeClr val="accent1"/>
+          </a:effectRef>
+          <a:fontRef idx="minor">
+            <a:schemeClr val="tx1"/>
+          </a:fontRef>
+        </p:style>
+      </p:cxnSp>
+      <p:sp>
+        <p:nvSpPr>
+          <p:cNvPr id="21" name="TextBox 20"/>
+          <p:cNvSpPr txBox="1"/>
+          <p:nvPr/>
+        </p:nvSpPr>
+        <p:spPr>
+          <a:xfrm>
+            <a:off x="872878" y="2057733"/>
+            <a:ext cx="1464595" cy="276999"/>
+          </a:xfrm>
+          <a:prstGeom prst="rect">
+            <a:avLst/>
+          </a:prstGeom>
+          <a:noFill/>
+        </p:spPr>
+        <p:txBody>
+          <a:bodyPr wrap="square" rtlCol="0">
+            <a:spAutoFit/>
+          </a:bodyPr>
+          <a:lstStyle/>
+          <a:p>
+            <a:r>
+              <a:rPr lang="ko-KR" altLang="en-US" sz="1200" dirty="0">
+                <a:solidFill>
+                  <a:schemeClr val="tx1"/>
+                </a:solidFill>
+                <a:latin typeface="티머니 둥근바람 Regular" panose="02050503000000000000" pitchFamily="18" charset="-127"/>
+                <a:ea typeface="티머니 둥근바람 Regular" panose="02050503000000000000" pitchFamily="18" charset="-127"/>
+              </a:rPr>
+              <a:t>▪ </a:t>
+            </a:r>
+            <a:r>
+              <a:rPr lang="en-US" altLang="ko-KR" sz="1200" dirty="0">
+                <a:solidFill>
+                  <a:schemeClr val="tx1"/>
+                </a:solidFill>
+                <a:latin typeface="티머니 둥근바람 Regular" panose="02050503000000000000" pitchFamily="18" charset="-127"/>
+                <a:ea typeface="티머니 둥근바람 Regular" panose="02050503000000000000" pitchFamily="18" charset="-127"/>
+              </a:rPr>
+              <a:t>Lazy Evaluation</a:t>
+            </a:r>
+            <a:endParaRPr lang="ko-KR" altLang="en-US" sz="1200" dirty="0">
+              <a:solidFill>
+                <a:schemeClr val="tx1"/>
+              </a:solidFill>
+              <a:latin typeface="티머니 둥근바람 Regular" panose="02050503000000000000" pitchFamily="18" charset="-127"/>
+              <a:ea typeface="티머니 둥근바람 Regular" panose="02050503000000000000" pitchFamily="18" charset="-127"/>
+            </a:endParaRPr>
+          </a:p>
+        </p:txBody>
+      </p:sp>
+      <p:sp>
+        <p:nvSpPr>
+          <p:cNvPr id="22" name="직사각형 21"/>
+          <p:cNvSpPr/>
+          <p:nvPr/>
+        </p:nvSpPr>
+        <p:spPr>
+          <a:xfrm>
+            <a:off x="3984103" y="2073122"/>
+            <a:ext cx="4801606" cy="261610"/>
+          </a:xfrm>
+          <a:prstGeom prst="rect">
+            <a:avLst/>
+          </a:prstGeom>
+        </p:spPr>
+        <p:txBody>
+          <a:bodyPr wrap="square">
+            <a:spAutoFit/>
+          </a:bodyPr>
+          <a:lstStyle/>
+          <a:p>
+            <a:pPr algn="just"/>
+            <a:r>
+              <a:rPr lang="ko-KR" altLang="en-US" sz="1100" dirty="0">
+                <a:solidFill>
+                  <a:schemeClr val="bg2"/>
+                </a:solidFill>
+                <a:latin typeface="티머니 둥근바람 Regular" panose="02050503000000000000" pitchFamily="18" charset="-127"/>
+                <a:ea typeface="티머니 둥근바람 Regular" panose="02050503000000000000" pitchFamily="18" charset="-127"/>
+              </a:rPr>
+              <a:t>변환 작업을 선언한 후에도 </a:t>
+            </a:r>
+            <a:r>
+              <a:rPr lang="ko-KR" altLang="en-US" sz="1100" dirty="0" smtClean="0">
+                <a:solidFill>
+                  <a:schemeClr val="bg2"/>
+                </a:solidFill>
+                <a:latin typeface="티머니 둥근바람 Regular" panose="02050503000000000000" pitchFamily="18" charset="-127"/>
+                <a:ea typeface="티머니 둥근바람 Regular" panose="02050503000000000000" pitchFamily="18" charset="-127"/>
+              </a:rPr>
+              <a:t>실제 </a:t>
+            </a:r>
+            <a:r>
+              <a:rPr lang="ko-KR" altLang="en-US" sz="1100" dirty="0">
+                <a:solidFill>
+                  <a:schemeClr val="bg2"/>
+                </a:solidFill>
+                <a:latin typeface="티머니 둥근바람 Regular" panose="02050503000000000000" pitchFamily="18" charset="-127"/>
+                <a:ea typeface="티머니 둥근바람 Regular" panose="02050503000000000000" pitchFamily="18" charset="-127"/>
+              </a:rPr>
+              <a:t>실행되는 시점까지 </a:t>
+            </a:r>
+            <a:r>
+              <a:rPr lang="ko-KR" altLang="en-US" sz="1100" dirty="0" smtClean="0">
+                <a:solidFill>
+                  <a:schemeClr val="bg2"/>
+                </a:solidFill>
+                <a:latin typeface="티머니 둥근바람 Regular" panose="02050503000000000000" pitchFamily="18" charset="-127"/>
+                <a:ea typeface="티머니 둥근바람 Regular" panose="02050503000000000000" pitchFamily="18" charset="-127"/>
+              </a:rPr>
+              <a:t>작업을 </a:t>
+            </a:r>
+            <a:r>
+              <a:rPr lang="ko-KR" altLang="en-US" sz="1100" dirty="0">
+                <a:solidFill>
+                  <a:schemeClr val="bg2"/>
+                </a:solidFill>
+                <a:latin typeface="티머니 둥근바람 Regular" panose="02050503000000000000" pitchFamily="18" charset="-127"/>
+                <a:ea typeface="티머니 둥근바람 Regular" panose="02050503000000000000" pitchFamily="18" charset="-127"/>
+              </a:rPr>
+              <a:t>연기하는 방식</a:t>
+            </a:r>
+            <a:endParaRPr lang="en-US" altLang="ko-KR" sz="1100" dirty="0">
+              <a:solidFill>
+                <a:schemeClr val="bg2"/>
+              </a:solidFill>
+              <a:latin typeface="티머니 둥근바람 Regular" panose="02050503000000000000" pitchFamily="18" charset="-127"/>
+              <a:ea typeface="티머니 둥근바람 Regular" panose="02050503000000000000" pitchFamily="18" charset="-127"/>
+            </a:endParaRPr>
+          </a:p>
+        </p:txBody>
+      </p:sp>
+      <p:cxnSp>
+        <p:nvCxnSpPr>
+          <p:cNvPr id="23" name="직선 화살표 연결선 22"/>
+          <p:cNvCxnSpPr>
+            <a:stCxn id="21" idx="3"/>
+            <a:endCxn id="22" idx="1"/>
+          </p:cNvCxnSpPr>
+          <p:nvPr/>
+        </p:nvCxnSpPr>
+        <p:spPr>
+          <a:xfrm>
+            <a:off x="2337473" y="2196233"/>
+            <a:ext cx="1646630" cy="7694"/>
+          </a:xfrm>
+          <a:prstGeom prst="straightConnector1">
+            <a:avLst/>
+          </a:prstGeom>
+          <a:ln w="19050">
+            <a:solidFill>
+              <a:schemeClr val="accent1"/>
+            </a:solidFill>
+            <a:tailEnd type="triangle"/>
+          </a:ln>
+        </p:spPr>
+        <p:style>
+          <a:lnRef idx="1">
+            <a:schemeClr val="accent1"/>
+          </a:lnRef>
+          <a:fillRef idx="0">
+            <a:schemeClr val="accent1"/>
+          </a:fillRef>
+          <a:effectRef idx="0">
+            <a:schemeClr val="accent1"/>
+          </a:effectRef>
+          <a:fontRef idx="minor">
+            <a:schemeClr val="tx1"/>
+          </a:fontRef>
+        </p:style>
+      </p:cxnSp>
+      <p:sp>
+        <p:nvSpPr>
+          <p:cNvPr id="32" name="TextBox 31"/>
+          <p:cNvSpPr txBox="1"/>
+          <p:nvPr/>
+        </p:nvSpPr>
+        <p:spPr>
+          <a:xfrm>
+            <a:off x="872878" y="2359659"/>
+            <a:ext cx="1646264" cy="276999"/>
+          </a:xfrm>
+          <a:prstGeom prst="rect">
+            <a:avLst/>
+          </a:prstGeom>
+          <a:noFill/>
+        </p:spPr>
+        <p:txBody>
+          <a:bodyPr wrap="square" rtlCol="0">
+            <a:spAutoFit/>
+          </a:bodyPr>
+          <a:lstStyle/>
+          <a:p>
+            <a:r>
+              <a:rPr lang="ko-KR" altLang="en-US" sz="1200" dirty="0">
+                <a:solidFill>
+                  <a:schemeClr val="tx1"/>
+                </a:solidFill>
+                <a:latin typeface="티머니 둥근바람 Regular" panose="02050503000000000000" pitchFamily="18" charset="-127"/>
+                <a:ea typeface="티머니 둥근바람 Regular" panose="02050503000000000000" pitchFamily="18" charset="-127"/>
+              </a:rPr>
+              <a:t>▪ </a:t>
+            </a:r>
+            <a:r>
+              <a:rPr lang="en-US" altLang="ko-KR" sz="1200" dirty="0" smtClean="0">
+                <a:solidFill>
+                  <a:schemeClr val="tx1"/>
+                </a:solidFill>
+                <a:latin typeface="티머니 둥근바람 Regular" panose="02050503000000000000" pitchFamily="18" charset="-127"/>
+                <a:ea typeface="티머니 둥근바람 Regular" panose="02050503000000000000" pitchFamily="18" charset="-127"/>
+              </a:rPr>
+              <a:t>Columnar Format</a:t>
+            </a:r>
+            <a:endParaRPr lang="ko-KR" altLang="en-US" sz="1200" dirty="0">
+              <a:solidFill>
+                <a:schemeClr val="tx1"/>
+              </a:solidFill>
+              <a:latin typeface="티머니 둥근바람 Regular" panose="02050503000000000000" pitchFamily="18" charset="-127"/>
+              <a:ea typeface="티머니 둥근바람 Regular" panose="02050503000000000000" pitchFamily="18" charset="-127"/>
+            </a:endParaRPr>
+          </a:p>
+        </p:txBody>
+      </p:sp>
+      <p:sp>
+        <p:nvSpPr>
+          <p:cNvPr id="33" name="직사각형 32"/>
+          <p:cNvSpPr/>
+          <p:nvPr/>
+        </p:nvSpPr>
+        <p:spPr>
+          <a:xfrm>
+            <a:off x="3984103" y="2375048"/>
+            <a:ext cx="4801606" cy="261610"/>
+          </a:xfrm>
+          <a:prstGeom prst="rect">
+            <a:avLst/>
+          </a:prstGeom>
+        </p:spPr>
+        <p:txBody>
+          <a:bodyPr wrap="square">
+            <a:spAutoFit/>
+          </a:bodyPr>
+          <a:lstStyle/>
+          <a:p>
+            <a:pPr algn="just"/>
+            <a:r>
+              <a:rPr lang="en-US" altLang="ko-KR" sz="1100" dirty="0" smtClean="0">
+                <a:solidFill>
+                  <a:schemeClr val="bg2"/>
+                </a:solidFill>
+                <a:latin typeface="티머니 둥근바람 Regular" panose="02050503000000000000" pitchFamily="18" charset="-127"/>
+                <a:ea typeface="티머니 둥근바람 Regular" panose="02050503000000000000" pitchFamily="18" charset="-127"/>
+              </a:rPr>
+              <a:t>.parquet </a:t>
+            </a:r>
+            <a:r>
+              <a:rPr lang="ko-KR" altLang="en-US" sz="1100" dirty="0" smtClean="0">
+                <a:solidFill>
+                  <a:schemeClr val="bg2"/>
+                </a:solidFill>
+                <a:latin typeface="티머니 둥근바람 Regular" panose="02050503000000000000" pitchFamily="18" charset="-127"/>
+                <a:ea typeface="티머니 둥근바람 Regular" panose="02050503000000000000" pitchFamily="18" charset="-127"/>
+              </a:rPr>
+              <a:t>형식을 기본으로 하는 열 기반 데이터 처리</a:t>
+            </a:r>
+            <a:endParaRPr lang="en-US" altLang="ko-KR" sz="1100" dirty="0">
+              <a:solidFill>
+                <a:schemeClr val="bg2"/>
+              </a:solidFill>
+              <a:latin typeface="티머니 둥근바람 Regular" panose="02050503000000000000" pitchFamily="18" charset="-127"/>
+              <a:ea typeface="티머니 둥근바람 Regular" panose="02050503000000000000" pitchFamily="18" charset="-127"/>
+            </a:endParaRPr>
+          </a:p>
+        </p:txBody>
+      </p:sp>
+      <p:cxnSp>
+        <p:nvCxnSpPr>
+          <p:cNvPr id="34" name="직선 화살표 연결선 33"/>
+          <p:cNvCxnSpPr>
+            <a:stCxn id="32" idx="3"/>
+            <a:endCxn id="33" idx="1"/>
+          </p:cNvCxnSpPr>
+          <p:nvPr/>
+        </p:nvCxnSpPr>
+        <p:spPr>
+          <a:xfrm>
+            <a:off x="2519142" y="2498159"/>
+            <a:ext cx="1464961" cy="7694"/>
+          </a:xfrm>
+          <a:prstGeom prst="straightConnector1">
+            <a:avLst/>
+          </a:prstGeom>
+          <a:ln w="19050">
+            <a:solidFill>
+              <a:schemeClr val="accent1"/>
+            </a:solidFill>
+            <a:tailEnd type="triangle"/>
+          </a:ln>
+        </p:spPr>
+        <p:style>
+          <a:lnRef idx="1">
+            <a:schemeClr val="accent1"/>
+          </a:lnRef>
+          <a:fillRef idx="0">
+            <a:schemeClr val="accent1"/>
+          </a:fillRef>
+          <a:effectRef idx="0">
+            <a:schemeClr val="accent1"/>
+          </a:effectRef>
+          <a:fontRef idx="minor">
+            <a:schemeClr val="tx1"/>
+          </a:fontRef>
+        </p:style>
+      </p:cxnSp>
+      <p:pic>
+        <p:nvPicPr>
+          <p:cNvPr id="1028" name="Picture 4" descr="Different Data File Formats in Big Data Engineering - YouTube"/>
+          <p:cNvPicPr>
+            <a:picLocks noChangeAspect="1" noChangeArrowheads="1"/>
+          </p:cNvPicPr>
+          <p:nvPr/>
+        </p:nvPicPr>
+        <p:blipFill rotWithShape="1">
+          <a:blip r:embed="rId3">
+            <a:extLst>
+              <a:ext uri="{28A0092B-C50C-407E-A947-70E740481C1C}">
+                <a14:useLocalDpi xmlns:a14="http://schemas.microsoft.com/office/drawing/2010/main" val="0"/>
+              </a:ext>
+            </a:extLst>
+          </a:blip>
+          <a:srcRect l="13661" t="30890" r="16389" b="39204"/>
+          <a:stretch/>
+        </p:blipFill>
+        <p:spPr bwMode="auto">
+          <a:xfrm>
+            <a:off x="1759419" y="3851129"/>
+            <a:ext cx="5295447" cy="1273487"/>
+          </a:xfrm>
+          <a:prstGeom prst="rect">
+            <a:avLst/>
+          </a:prstGeom>
+          <a:noFill/>
+          <a:extLst>
+            <a:ext uri="{909E8E84-426E-40DD-AFC4-6F175D3DCCD1}">
+              <a14:hiddenFill xmlns:a14="http://schemas.microsoft.com/office/drawing/2010/main">
+                <a:solidFill>
+                  <a:srgbClr val="FFFFFF"/>
+                </a:solidFill>
+              </a14:hiddenFill>
+            </a:ext>
+          </a:extLst>
+        </p:spPr>
+      </p:pic>
+    </p:spTree>
+    <p:extLst>
+      <p:ext uri="{BB962C8B-B14F-4D97-AF65-F5344CB8AC3E}">
+        <p14:creationId xmlns:p14="http://schemas.microsoft.com/office/powerpoint/2010/main" val="1883306348"/>
+      </p:ext>
+    </p:extLst>
+  </p:cSld>
+  <p:clrMapOvr>
+    <a:masterClrMapping/>
+  </p:clrMapOvr>
+  <p:timing>
+    <p:tnLst>
+      <p:par>
+        <p:cTn id="1" dur="indefinite" restart="never" nodeType="tmRoot"/>
+      </p:par>
+    </p:tnLst>
+  </p:timing>
+</p:sld>
+</file>
+
+<file path=ppt/slides/slide25.xml><?xml version="1.0" encoding="utf-8"?>
+<p:sld xmlns:a="http://schemas.openxmlformats.org/drawingml/2006/main" xmlns:r="http://schemas.openxmlformats.org/officeDocument/2006/relationships" xmlns:p="http://schemas.openxmlformats.org/presentationml/2006/main">
+  <p:cSld>
+    <p:spTree>
+      <p:nvGrpSpPr>
+        <p:cNvPr id="1" name="Shape 26"/>
+        <p:cNvGrpSpPr/>
+        <p:nvPr/>
+      </p:nvGrpSpPr>
+      <p:grpSpPr>
+        <a:xfrm>
+          <a:off x="0" y="0"/>
+          <a:ext cx="0" cy="0"/>
+          <a:chOff x="0" y="0"/>
+          <a:chExt cx="0" cy="0"/>
+        </a:xfrm>
+      </p:grpSpPr>
+      <p:sp>
+        <p:nvSpPr>
+          <p:cNvPr id="5" name="Google Shape;28;p1"/>
+          <p:cNvSpPr txBox="1"/>
+          <p:nvPr/>
+        </p:nvSpPr>
+        <p:spPr>
+          <a:xfrm>
+            <a:off x="285720" y="214290"/>
+            <a:ext cx="8242846" cy="296842"/>
+          </a:xfrm>
+          <a:prstGeom prst="rect">
+            <a:avLst/>
+          </a:prstGeom>
+          <a:noFill/>
+          <a:ln>
+            <a:noFill/>
+          </a:ln>
+        </p:spPr>
+        <p:txBody>
+          <a:bodyPr spcFirstLastPara="1" wrap="square" lIns="0" tIns="0" rIns="0" bIns="0" anchor="t" anchorCtr="0">
+            <a:noAutofit/>
+          </a:bodyPr>
+          <a:lstStyle/>
+          <a:p>
+            <a:pPr marL="0" marR="0" lvl="0" indent="0" algn="l" rtl="0">
+              <a:lnSpc>
+                <a:spcPct val="100000"/>
+              </a:lnSpc>
+              <a:spcBef>
+                <a:spcPts val="0"/>
+              </a:spcBef>
+              <a:spcAft>
+                <a:spcPts val="0"/>
+              </a:spcAft>
+              <a:buClr>
+                <a:srgbClr val="000000"/>
+              </a:buClr>
+              <a:buSzPts val="1800"/>
+              <a:buFont typeface="Arial"/>
+              <a:buNone/>
+            </a:pPr>
+            <a:endParaRPr sz="1800" b="1" i="0" u="none" strike="noStrike" cap="none" dirty="0">
+              <a:solidFill>
+                <a:srgbClr val="000000"/>
+              </a:solidFill>
+              <a:latin typeface="+mn-ea"/>
+              <a:ea typeface="+mn-ea"/>
+              <a:cs typeface="Malgun Gothic"/>
+              <a:sym typeface="Malgun Gothic"/>
+            </a:endParaRPr>
+          </a:p>
+        </p:txBody>
+      </p:sp>
+      <p:sp>
+        <p:nvSpPr>
+          <p:cNvPr id="7" name="Google Shape;28;p1"/>
+          <p:cNvSpPr txBox="1"/>
+          <p:nvPr/>
+        </p:nvSpPr>
+        <p:spPr>
+          <a:xfrm>
+            <a:off x="647670" y="216704"/>
+            <a:ext cx="5323180" cy="296842"/>
+          </a:xfrm>
+          <a:prstGeom prst="rect">
+            <a:avLst/>
+          </a:prstGeom>
+          <a:noFill/>
+          <a:ln>
+            <a:noFill/>
+          </a:ln>
+        </p:spPr>
+        <p:txBody>
+          <a:bodyPr spcFirstLastPara="1" wrap="square" lIns="0" tIns="0" rIns="0" bIns="0" anchor="t" anchorCtr="0">
+            <a:noAutofit/>
+          </a:bodyPr>
+          <a:lstStyle/>
+          <a:p>
+            <a:pPr lvl="0">
+              <a:buSzPts val="1800"/>
+            </a:pPr>
+            <a:r>
+              <a:rPr lang="ko-KR" altLang="en-US" sz="2000" b="1" dirty="0" smtClean="0">
+                <a:solidFill>
+                  <a:schemeClr val="accent3">
+                    <a:lumMod val="50000"/>
+                  </a:schemeClr>
+                </a:solidFill>
+                <a:latin typeface="티머니 둥근바람 Regular" panose="02050503000000000000" pitchFamily="18" charset="-127"/>
+                <a:ea typeface="티머니 둥근바람 Regular" panose="02050503000000000000" pitchFamily="18" charset="-127"/>
+                <a:cs typeface="Malgun Gothic"/>
+                <a:sym typeface="Malgun Gothic"/>
+              </a:rPr>
+              <a:t>아파치 스파크 작업의 특성</a:t>
+            </a:r>
+            <a:endParaRPr lang="ko-KR" altLang="en-US" sz="2000" b="1" dirty="0">
+              <a:solidFill>
+                <a:schemeClr val="accent3">
+                  <a:lumMod val="50000"/>
+                </a:schemeClr>
+              </a:solidFill>
+              <a:latin typeface="티머니 둥근바람 Regular" panose="02050503000000000000" pitchFamily="18" charset="-127"/>
+              <a:ea typeface="티머니 둥근바람 Regular" panose="02050503000000000000" pitchFamily="18" charset="-127"/>
+              <a:cs typeface="Malgun Gothic"/>
+              <a:sym typeface="Malgun Gothic"/>
+            </a:endParaRPr>
+          </a:p>
+        </p:txBody>
+      </p:sp>
+      <p:sp>
+        <p:nvSpPr>
+          <p:cNvPr id="8" name="이등변 삼각형 7"/>
+          <p:cNvSpPr/>
+          <p:nvPr/>
+        </p:nvSpPr>
+        <p:spPr>
+          <a:xfrm rot="5400000">
+            <a:off x="215110" y="254528"/>
+            <a:ext cx="242880" cy="221195"/>
+          </a:xfrm>
+          <a:prstGeom prst="triangle">
+            <a:avLst/>
+          </a:prstGeom>
+          <a:solidFill>
+            <a:schemeClr val="accent3">
+              <a:lumMod val="50000"/>
+            </a:schemeClr>
+          </a:solidFill>
+          <a:ln>
+            <a:noFill/>
+          </a:ln>
+        </p:spPr>
+        <p:style>
+          <a:lnRef idx="2">
+            <a:schemeClr val="accent1">
+              <a:shade val="50000"/>
+            </a:schemeClr>
+          </a:lnRef>
+          <a:fillRef idx="1">
+            <a:schemeClr val="accent1"/>
+          </a:fillRef>
+          <a:effectRef idx="0">
+            <a:schemeClr val="accent1"/>
+          </a:effectRef>
+          <a:fontRef idx="minor">
+            <a:schemeClr val="lt1"/>
+          </a:fontRef>
+        </p:style>
+        <p:txBody>
+          <a:bodyPr rtlCol="0" anchor="ctr"/>
+          <a:lstStyle/>
+          <a:p>
+            <a:pPr algn="ctr"/>
+            <a:endParaRPr lang="ko-KR" altLang="en-US">
+              <a:latin typeface="티머니 둥근바람 Regular" panose="02050503000000000000" pitchFamily="18" charset="-127"/>
+              <a:ea typeface="티머니 둥근바람 Regular" panose="02050503000000000000" pitchFamily="18" charset="-127"/>
+            </a:endParaRPr>
+          </a:p>
+        </p:txBody>
+      </p:sp>
+      <p:sp>
+        <p:nvSpPr>
+          <p:cNvPr id="6" name="Google Shape;28;p1"/>
+          <p:cNvSpPr txBox="1"/>
+          <p:nvPr/>
+        </p:nvSpPr>
+        <p:spPr>
+          <a:xfrm>
+            <a:off x="872878" y="786911"/>
+            <a:ext cx="2903965" cy="296842"/>
+          </a:xfrm>
+          <a:prstGeom prst="rect">
+            <a:avLst/>
+          </a:prstGeom>
+          <a:noFill/>
+          <a:ln>
+            <a:noFill/>
+          </a:ln>
+        </p:spPr>
+        <p:txBody>
+          <a:bodyPr spcFirstLastPara="1" wrap="square" lIns="0" tIns="0" rIns="0" bIns="0" anchor="ctr" anchorCtr="0">
+            <a:noAutofit/>
+          </a:bodyPr>
+          <a:lstStyle/>
+          <a:p>
+            <a:pPr marL="0" marR="0" lvl="0" indent="0" rtl="0">
+              <a:lnSpc>
+                <a:spcPct val="100000"/>
+              </a:lnSpc>
+              <a:spcBef>
+                <a:spcPts val="0"/>
+              </a:spcBef>
+              <a:spcAft>
+                <a:spcPts val="0"/>
+              </a:spcAft>
+              <a:buClr>
+                <a:srgbClr val="000000"/>
+              </a:buClr>
+              <a:buSzPts val="1800"/>
+              <a:buFont typeface="Arial"/>
+              <a:buNone/>
+            </a:pPr>
+            <a:r>
+              <a:rPr lang="en-US" sz="1600" b="1" i="0" u="none" strike="noStrike" cap="none" dirty="0" smtClean="0">
+                <a:solidFill>
+                  <a:srgbClr val="000000"/>
+                </a:solidFill>
+                <a:latin typeface="티머니 둥근바람 Regular" panose="02050503000000000000" pitchFamily="18" charset="-127"/>
+                <a:ea typeface="티머니 둥근바람 Regular" panose="02050503000000000000" pitchFamily="18" charset="-127"/>
+                <a:cs typeface="Malgun Gothic"/>
+                <a:sym typeface="Malgun Gothic"/>
+              </a:rPr>
+              <a:t>Apache Spark</a:t>
+            </a:r>
+            <a:endParaRPr sz="1600" b="1" i="0" u="none" strike="noStrike" cap="none" dirty="0">
+              <a:solidFill>
+                <a:srgbClr val="000000"/>
+              </a:solidFill>
+              <a:latin typeface="티머니 둥근바람 Regular" panose="02050503000000000000" pitchFamily="18" charset="-127"/>
+              <a:ea typeface="티머니 둥근바람 Regular" panose="02050503000000000000" pitchFamily="18" charset="-127"/>
+              <a:cs typeface="Malgun Gothic"/>
+              <a:sym typeface="Malgun Gothic"/>
+            </a:endParaRPr>
+          </a:p>
+        </p:txBody>
+      </p:sp>
+      <p:sp>
+        <p:nvSpPr>
+          <p:cNvPr id="9" name="이등변 삼각형 8"/>
+          <p:cNvSpPr/>
+          <p:nvPr/>
+        </p:nvSpPr>
+        <p:spPr>
+          <a:xfrm rot="5400000">
+            <a:off x="640937" y="866660"/>
+            <a:ext cx="150809" cy="137344"/>
+          </a:xfrm>
+          <a:prstGeom prst="triangle">
+            <a:avLst/>
+          </a:prstGeom>
+          <a:solidFill>
+            <a:schemeClr val="tx1"/>
+          </a:solidFill>
+          <a:ln>
+            <a:noFill/>
+          </a:ln>
+        </p:spPr>
+        <p:style>
+          <a:lnRef idx="2">
+            <a:schemeClr val="accent1">
+              <a:shade val="50000"/>
+            </a:schemeClr>
+          </a:lnRef>
+          <a:fillRef idx="1">
+            <a:schemeClr val="accent1"/>
+          </a:fillRef>
+          <a:effectRef idx="0">
+            <a:schemeClr val="accent1"/>
+          </a:effectRef>
+          <a:fontRef idx="minor">
+            <a:schemeClr val="lt1"/>
+          </a:fontRef>
+        </p:style>
+        <p:txBody>
+          <a:bodyPr rtlCol="0" anchor="ctr"/>
+          <a:lstStyle/>
+          <a:p>
+            <a:pPr algn="ctr"/>
+            <a:endParaRPr lang="ko-KR" altLang="en-US">
+              <a:latin typeface="티머니 둥근바람 Regular" panose="02050503000000000000" pitchFamily="18" charset="-127"/>
+              <a:ea typeface="티머니 둥근바람 Regular" panose="02050503000000000000" pitchFamily="18" charset="-127"/>
+            </a:endParaRPr>
+          </a:p>
+        </p:txBody>
+      </p:sp>
+      <p:sp>
+        <p:nvSpPr>
+          <p:cNvPr id="24" name="TextBox 23"/>
+          <p:cNvSpPr txBox="1"/>
+          <p:nvPr/>
+        </p:nvSpPr>
+        <p:spPr>
+          <a:xfrm>
+            <a:off x="872878" y="1755807"/>
+            <a:ext cx="1464595" cy="276999"/>
+          </a:xfrm>
+          <a:prstGeom prst="rect">
+            <a:avLst/>
+          </a:prstGeom>
+          <a:noFill/>
+        </p:spPr>
+        <p:txBody>
+          <a:bodyPr wrap="square" rtlCol="0">
+            <a:spAutoFit/>
+          </a:bodyPr>
+          <a:lstStyle/>
+          <a:p>
+            <a:r>
+              <a:rPr lang="ko-KR" altLang="en-US" sz="1200" dirty="0">
+                <a:solidFill>
+                  <a:schemeClr val="tx1"/>
+                </a:solidFill>
+                <a:latin typeface="티머니 둥근바람 Regular" panose="02050503000000000000" pitchFamily="18" charset="-127"/>
+                <a:ea typeface="티머니 둥근바람 Regular" panose="02050503000000000000" pitchFamily="18" charset="-127"/>
+              </a:rPr>
+              <a:t>▪ </a:t>
+            </a:r>
+            <a:r>
+              <a:rPr lang="en-US" altLang="ko-KR" sz="1200" dirty="0" smtClean="0">
+                <a:solidFill>
+                  <a:schemeClr val="tx1"/>
+                </a:solidFill>
+                <a:latin typeface="티머니 둥근바람 Regular" panose="02050503000000000000" pitchFamily="18" charset="-127"/>
+                <a:ea typeface="티머니 둥근바람 Regular" panose="02050503000000000000" pitchFamily="18" charset="-127"/>
+              </a:rPr>
+              <a:t>Fault Tolerance</a:t>
+            </a:r>
+            <a:endParaRPr lang="ko-KR" altLang="en-US" sz="1200" dirty="0">
+              <a:solidFill>
+                <a:schemeClr val="tx1"/>
+              </a:solidFill>
+              <a:latin typeface="티머니 둥근바람 Regular" panose="02050503000000000000" pitchFamily="18" charset="-127"/>
+              <a:ea typeface="티머니 둥근바람 Regular" panose="02050503000000000000" pitchFamily="18" charset="-127"/>
+            </a:endParaRPr>
+          </a:p>
+        </p:txBody>
+      </p:sp>
+      <p:sp>
+        <p:nvSpPr>
+          <p:cNvPr id="12" name="직사각형 11"/>
+          <p:cNvSpPr/>
+          <p:nvPr/>
+        </p:nvSpPr>
+        <p:spPr>
+          <a:xfrm>
+            <a:off x="872878" y="1141899"/>
+            <a:ext cx="2730221" cy="276999"/>
+          </a:xfrm>
+          <a:prstGeom prst="rect">
+            <a:avLst/>
+          </a:prstGeom>
+        </p:spPr>
+        <p:txBody>
+          <a:bodyPr wrap="square">
+            <a:spAutoFit/>
+          </a:bodyPr>
+          <a:lstStyle/>
+          <a:p>
+            <a:r>
+              <a:rPr lang="ko-KR" altLang="en-US" sz="1200" dirty="0">
+                <a:solidFill>
+                  <a:schemeClr val="tx1"/>
+                </a:solidFill>
+                <a:latin typeface="티머니 둥근바람 Regular" panose="02050503000000000000" pitchFamily="18" charset="-127"/>
+                <a:ea typeface="티머니 둥근바람 Regular" panose="02050503000000000000" pitchFamily="18" charset="-127"/>
+              </a:rPr>
+              <a:t>▪ </a:t>
+            </a:r>
+            <a:r>
+              <a:rPr lang="en-US" altLang="ko-KR" sz="1200" dirty="0">
+                <a:latin typeface="티머니 둥근바람 Regular" panose="02050503000000000000" pitchFamily="18" charset="-127"/>
+                <a:ea typeface="티머니 둥근바람 Regular" panose="02050503000000000000" pitchFamily="18" charset="-127"/>
+              </a:rPr>
+              <a:t>Resilient Distributed </a:t>
+            </a:r>
+            <a:r>
+              <a:rPr lang="en-US" altLang="ko-KR" sz="1200" dirty="0" smtClean="0">
+                <a:latin typeface="티머니 둥근바람 Regular" panose="02050503000000000000" pitchFamily="18" charset="-127"/>
+                <a:ea typeface="티머니 둥근바람 Regular" panose="02050503000000000000" pitchFamily="18" charset="-127"/>
+              </a:rPr>
+              <a:t>Data (RDD)</a:t>
+            </a:r>
+            <a:endParaRPr lang="ko-KR" altLang="en-US" sz="1200" dirty="0">
+              <a:latin typeface="티머니 둥근바람 Regular" panose="02050503000000000000" pitchFamily="18" charset="-127"/>
+              <a:ea typeface="티머니 둥근바람 Regular" panose="02050503000000000000" pitchFamily="18" charset="-127"/>
+            </a:endParaRPr>
+          </a:p>
+        </p:txBody>
+      </p:sp>
+      <p:sp>
+        <p:nvSpPr>
+          <p:cNvPr id="13" name="직사각형 12"/>
+          <p:cNvSpPr/>
+          <p:nvPr/>
+        </p:nvSpPr>
+        <p:spPr>
+          <a:xfrm>
+            <a:off x="3984103" y="1160729"/>
+            <a:ext cx="5576076" cy="261610"/>
+          </a:xfrm>
+          <a:prstGeom prst="rect">
+            <a:avLst/>
+          </a:prstGeom>
+        </p:spPr>
+        <p:txBody>
+          <a:bodyPr wrap="square">
+            <a:spAutoFit/>
+          </a:bodyPr>
+          <a:lstStyle/>
+          <a:p>
+            <a:pPr algn="just"/>
+            <a:r>
+              <a:rPr lang="ko-KR" altLang="en-US" sz="1100" dirty="0" smtClean="0">
+                <a:solidFill>
+                  <a:schemeClr val="bg2"/>
+                </a:solidFill>
+                <a:latin typeface="티머니 둥근바람 Regular" panose="02050503000000000000" pitchFamily="18" charset="-127"/>
+                <a:ea typeface="티머니 둥근바람 Regular" panose="02050503000000000000" pitchFamily="18" charset="-127"/>
+              </a:rPr>
+              <a:t>다수의 </a:t>
+            </a:r>
+            <a:r>
+              <a:rPr lang="ko-KR" altLang="en-US" sz="1100" dirty="0">
+                <a:solidFill>
+                  <a:schemeClr val="bg2"/>
+                </a:solidFill>
+                <a:latin typeface="티머니 둥근바람 Regular" panose="02050503000000000000" pitchFamily="18" charset="-127"/>
+                <a:ea typeface="티머니 둥근바람 Regular" panose="02050503000000000000" pitchFamily="18" charset="-127"/>
+              </a:rPr>
+              <a:t>서버에 </a:t>
+            </a:r>
+            <a:r>
+              <a:rPr lang="ko-KR" altLang="en-US" sz="1100" dirty="0" smtClean="0">
+                <a:solidFill>
+                  <a:schemeClr val="bg2"/>
+                </a:solidFill>
+                <a:latin typeface="티머니 둥근바람 Regular" panose="02050503000000000000" pitchFamily="18" charset="-127"/>
+                <a:ea typeface="티머니 둥근바람 Regular" panose="02050503000000000000" pitchFamily="18" charset="-127"/>
+              </a:rPr>
+              <a:t>분산 </a:t>
+            </a:r>
+            <a:r>
+              <a:rPr lang="ko-KR" altLang="en-US" sz="1100" dirty="0">
+                <a:solidFill>
+                  <a:schemeClr val="bg2"/>
+                </a:solidFill>
+                <a:latin typeface="티머니 둥근바람 Regular" panose="02050503000000000000" pitchFamily="18" charset="-127"/>
+                <a:ea typeface="티머니 둥근바람 Regular" panose="02050503000000000000" pitchFamily="18" charset="-127"/>
+              </a:rPr>
+              <a:t>방식으로 저장된 요소들의 </a:t>
+            </a:r>
+            <a:r>
+              <a:rPr lang="ko-KR" altLang="en-US" sz="1100" dirty="0" smtClean="0">
+                <a:solidFill>
+                  <a:schemeClr val="bg2"/>
+                </a:solidFill>
+                <a:latin typeface="티머니 둥근바람 Regular" panose="02050503000000000000" pitchFamily="18" charset="-127"/>
+                <a:ea typeface="티머니 둥근바람 Regular" panose="02050503000000000000" pitchFamily="18" charset="-127"/>
+              </a:rPr>
+              <a:t>집합</a:t>
+            </a:r>
+            <a:r>
+              <a:rPr lang="en-US" altLang="ko-KR" sz="1100" dirty="0" smtClean="0">
+                <a:solidFill>
+                  <a:schemeClr val="bg2"/>
+                </a:solidFill>
+                <a:latin typeface="티머니 둥근바람 Regular" panose="02050503000000000000" pitchFamily="18" charset="-127"/>
+                <a:ea typeface="티머니 둥근바람 Regular" panose="02050503000000000000" pitchFamily="18" charset="-127"/>
+              </a:rPr>
+              <a:t>. </a:t>
+            </a:r>
+            <a:r>
+              <a:rPr lang="ko-KR" altLang="en-US" sz="1100" dirty="0" smtClean="0">
+                <a:solidFill>
+                  <a:schemeClr val="bg2"/>
+                </a:solidFill>
+                <a:latin typeface="티머니 둥근바람 Regular" panose="02050503000000000000" pitchFamily="18" charset="-127"/>
+                <a:ea typeface="티머니 둥근바람 Regular" panose="02050503000000000000" pitchFamily="18" charset="-127"/>
+              </a:rPr>
+              <a:t>병렬처리 및 장애 복구 가능</a:t>
+            </a:r>
+            <a:endParaRPr lang="en-US" altLang="ko-KR" sz="1100" dirty="0">
+              <a:solidFill>
+                <a:schemeClr val="bg2"/>
+              </a:solidFill>
+              <a:latin typeface="티머니 둥근바람 Regular" panose="02050503000000000000" pitchFamily="18" charset="-127"/>
+              <a:ea typeface="티머니 둥근바람 Regular" panose="02050503000000000000" pitchFamily="18" charset="-127"/>
+            </a:endParaRPr>
+          </a:p>
+        </p:txBody>
+      </p:sp>
+      <p:sp>
+        <p:nvSpPr>
+          <p:cNvPr id="14" name="직사각형 13"/>
+          <p:cNvSpPr/>
+          <p:nvPr/>
+        </p:nvSpPr>
+        <p:spPr>
+          <a:xfrm>
+            <a:off x="3971490" y="1767348"/>
+            <a:ext cx="4801606" cy="261610"/>
+          </a:xfrm>
+          <a:prstGeom prst="rect">
+            <a:avLst/>
+          </a:prstGeom>
+        </p:spPr>
+        <p:txBody>
+          <a:bodyPr wrap="square">
+            <a:spAutoFit/>
+          </a:bodyPr>
+          <a:lstStyle/>
+          <a:p>
+            <a:pPr algn="just"/>
+            <a:r>
+              <a:rPr lang="ko-KR" altLang="en-US" sz="1100" dirty="0" smtClean="0">
+                <a:solidFill>
+                  <a:schemeClr val="bg2"/>
+                </a:solidFill>
+                <a:latin typeface="티머니 둥근바람 Regular" panose="02050503000000000000" pitchFamily="18" charset="-127"/>
+                <a:ea typeface="티머니 둥근바람 Regular" panose="02050503000000000000" pitchFamily="18" charset="-127"/>
+              </a:rPr>
+              <a:t>작업 </a:t>
+            </a:r>
+            <a:r>
+              <a:rPr lang="ko-KR" altLang="en-US" sz="1100" dirty="0" err="1" smtClean="0">
+                <a:solidFill>
+                  <a:schemeClr val="bg2"/>
+                </a:solidFill>
+                <a:latin typeface="티머니 둥근바람 Regular" panose="02050503000000000000" pitchFamily="18" charset="-127"/>
+                <a:ea typeface="티머니 둥근바람 Regular" panose="02050503000000000000" pitchFamily="18" charset="-127"/>
+              </a:rPr>
+              <a:t>실패시</a:t>
+            </a:r>
+            <a:r>
+              <a:rPr lang="ko-KR" altLang="en-US" sz="1100" dirty="0" smtClean="0">
+                <a:solidFill>
+                  <a:schemeClr val="bg2"/>
+                </a:solidFill>
+                <a:latin typeface="티머니 둥근바람 Regular" panose="02050503000000000000" pitchFamily="18" charset="-127"/>
+                <a:ea typeface="티머니 둥근바람 Regular" panose="02050503000000000000" pitchFamily="18" charset="-127"/>
+              </a:rPr>
+              <a:t> 자동으로 </a:t>
+            </a:r>
+            <a:r>
+              <a:rPr lang="ko-KR" altLang="en-US" sz="1100" dirty="0" err="1">
+                <a:solidFill>
+                  <a:schemeClr val="bg2"/>
+                </a:solidFill>
+                <a:latin typeface="티머니 둥근바람 Regular" panose="02050503000000000000" pitchFamily="18" charset="-127"/>
+                <a:ea typeface="티머니 둥근바람 Regular" panose="02050503000000000000" pitchFamily="18" charset="-127"/>
+              </a:rPr>
+              <a:t>재시작하여</a:t>
+            </a:r>
+            <a:r>
+              <a:rPr lang="ko-KR" altLang="en-US" sz="1100" dirty="0">
+                <a:solidFill>
+                  <a:schemeClr val="bg2"/>
+                </a:solidFill>
+                <a:latin typeface="티머니 둥근바람 Regular" panose="02050503000000000000" pitchFamily="18" charset="-127"/>
+                <a:ea typeface="티머니 둥근바람 Regular" panose="02050503000000000000" pitchFamily="18" charset="-127"/>
+              </a:rPr>
+              <a:t> 데이터 손실을 최소화하고 안정성을 </a:t>
+            </a:r>
+            <a:r>
+              <a:rPr lang="ko-KR" altLang="en-US" sz="1100" dirty="0" smtClean="0">
+                <a:solidFill>
+                  <a:schemeClr val="bg2"/>
+                </a:solidFill>
+                <a:latin typeface="티머니 둥근바람 Regular" panose="02050503000000000000" pitchFamily="18" charset="-127"/>
+                <a:ea typeface="티머니 둥근바람 Regular" panose="02050503000000000000" pitchFamily="18" charset="-127"/>
+              </a:rPr>
+              <a:t>보장</a:t>
+            </a:r>
+            <a:endParaRPr lang="en-US" altLang="ko-KR" sz="1100" dirty="0">
+              <a:solidFill>
+                <a:schemeClr val="bg2"/>
+              </a:solidFill>
+              <a:latin typeface="티머니 둥근바람 Regular" panose="02050503000000000000" pitchFamily="18" charset="-127"/>
+              <a:ea typeface="티머니 둥근바람 Regular" panose="02050503000000000000" pitchFamily="18" charset="-127"/>
+            </a:endParaRPr>
+          </a:p>
+        </p:txBody>
+      </p:sp>
+      <p:cxnSp>
+        <p:nvCxnSpPr>
+          <p:cNvPr id="16" name="직선 화살표 연결선 15"/>
+          <p:cNvCxnSpPr/>
+          <p:nvPr/>
+        </p:nvCxnSpPr>
+        <p:spPr>
+          <a:xfrm>
+            <a:off x="3603099" y="1291534"/>
+            <a:ext cx="381004" cy="0"/>
+          </a:xfrm>
+          <a:prstGeom prst="straightConnector1">
+            <a:avLst/>
+          </a:prstGeom>
+          <a:ln w="19050">
+            <a:solidFill>
+              <a:schemeClr val="accent1"/>
+            </a:solidFill>
+            <a:tailEnd type="triangle"/>
+          </a:ln>
+        </p:spPr>
+        <p:style>
+          <a:lnRef idx="1">
+            <a:schemeClr val="accent1"/>
+          </a:lnRef>
+          <a:fillRef idx="0">
+            <a:schemeClr val="accent1"/>
+          </a:fillRef>
+          <a:effectRef idx="0">
+            <a:schemeClr val="accent1"/>
+          </a:effectRef>
+          <a:fontRef idx="minor">
+            <a:schemeClr val="tx1"/>
+          </a:fontRef>
+        </p:style>
+      </p:cxnSp>
+      <p:cxnSp>
+        <p:nvCxnSpPr>
+          <p:cNvPr id="17" name="직선 화살표 연결선 16"/>
+          <p:cNvCxnSpPr>
+            <a:endCxn id="14" idx="1"/>
+          </p:cNvCxnSpPr>
+          <p:nvPr/>
+        </p:nvCxnSpPr>
+        <p:spPr>
+          <a:xfrm>
+            <a:off x="2324860" y="1890459"/>
+            <a:ext cx="1646630" cy="7694"/>
+          </a:xfrm>
+          <a:prstGeom prst="straightConnector1">
+            <a:avLst/>
+          </a:prstGeom>
+          <a:ln w="19050">
+            <a:solidFill>
+              <a:schemeClr val="accent1"/>
+            </a:solidFill>
+            <a:tailEnd type="triangle"/>
+          </a:ln>
+        </p:spPr>
+        <p:style>
+          <a:lnRef idx="1">
+            <a:schemeClr val="accent1"/>
+          </a:lnRef>
+          <a:fillRef idx="0">
+            <a:schemeClr val="accent1"/>
+          </a:fillRef>
+          <a:effectRef idx="0">
+            <a:schemeClr val="accent1"/>
+          </a:effectRef>
+          <a:fontRef idx="minor">
+            <a:schemeClr val="tx1"/>
+          </a:fontRef>
+        </p:style>
+      </p:cxnSp>
+      <p:sp>
+        <p:nvSpPr>
+          <p:cNvPr id="15" name="TextBox 14"/>
+          <p:cNvSpPr txBox="1"/>
+          <p:nvPr/>
+        </p:nvSpPr>
+        <p:spPr>
+          <a:xfrm>
+            <a:off x="872878" y="1448853"/>
+            <a:ext cx="1749209" cy="276999"/>
+          </a:xfrm>
+          <a:prstGeom prst="rect">
+            <a:avLst/>
+          </a:prstGeom>
+          <a:noFill/>
+        </p:spPr>
+        <p:txBody>
+          <a:bodyPr wrap="square" rtlCol="0">
+            <a:spAutoFit/>
+          </a:bodyPr>
+          <a:lstStyle/>
+          <a:p>
+            <a:r>
+              <a:rPr lang="ko-KR" altLang="en-US" sz="1200" dirty="0">
+                <a:solidFill>
+                  <a:schemeClr val="tx1"/>
+                </a:solidFill>
+                <a:latin typeface="티머니 둥근바람 Regular" panose="02050503000000000000" pitchFamily="18" charset="-127"/>
+                <a:ea typeface="티머니 둥근바람 Regular" panose="02050503000000000000" pitchFamily="18" charset="-127"/>
+              </a:rPr>
+              <a:t>▪ </a:t>
+            </a:r>
+            <a:r>
+              <a:rPr lang="en-US" altLang="ko-KR" sz="1200" dirty="0">
+                <a:solidFill>
+                  <a:schemeClr val="tx1"/>
+                </a:solidFill>
+                <a:latin typeface="티머니 둥근바람 Regular" panose="02050503000000000000" pitchFamily="18" charset="-127"/>
+                <a:ea typeface="티머니 둥근바람 Regular" panose="02050503000000000000" pitchFamily="18" charset="-127"/>
+              </a:rPr>
+              <a:t>Catalyst Optimizer</a:t>
+            </a:r>
+            <a:endParaRPr lang="ko-KR" altLang="en-US" sz="1200" dirty="0">
+              <a:solidFill>
+                <a:schemeClr val="tx1"/>
+              </a:solidFill>
+              <a:latin typeface="티머니 둥근바람 Regular" panose="02050503000000000000" pitchFamily="18" charset="-127"/>
+              <a:ea typeface="티머니 둥근바람 Regular" panose="02050503000000000000" pitchFamily="18" charset="-127"/>
+            </a:endParaRPr>
+          </a:p>
+        </p:txBody>
+      </p:sp>
+      <p:sp>
+        <p:nvSpPr>
+          <p:cNvPr id="18" name="직사각형 17"/>
+          <p:cNvSpPr/>
+          <p:nvPr/>
+        </p:nvSpPr>
+        <p:spPr>
+          <a:xfrm>
+            <a:off x="3984103" y="1464242"/>
+            <a:ext cx="4801606" cy="261610"/>
+          </a:xfrm>
+          <a:prstGeom prst="rect">
+            <a:avLst/>
+          </a:prstGeom>
+        </p:spPr>
+        <p:txBody>
+          <a:bodyPr wrap="square">
+            <a:spAutoFit/>
+          </a:bodyPr>
+          <a:lstStyle/>
+          <a:p>
+            <a:pPr algn="just"/>
+            <a:r>
+              <a:rPr lang="en-US" altLang="ko-KR" sz="1100" dirty="0" smtClean="0">
+                <a:solidFill>
+                  <a:schemeClr val="accent1">
+                    <a:lumMod val="75000"/>
+                  </a:schemeClr>
+                </a:solidFill>
+                <a:latin typeface="티머니 둥근바람 Regular" panose="02050503000000000000" pitchFamily="18" charset="-127"/>
+                <a:ea typeface="티머니 둥근바람 Regular" panose="02050503000000000000" pitchFamily="18" charset="-127"/>
+              </a:rPr>
+              <a:t>Optimizer</a:t>
+            </a:r>
+            <a:r>
+              <a:rPr lang="ko-KR" altLang="en-US" sz="1100" dirty="0" smtClean="0">
+                <a:solidFill>
+                  <a:schemeClr val="accent1">
+                    <a:lumMod val="75000"/>
+                  </a:schemeClr>
+                </a:solidFill>
+                <a:latin typeface="티머니 둥근바람 Regular" panose="02050503000000000000" pitchFamily="18" charset="-127"/>
+                <a:ea typeface="티머니 둥근바람 Regular" panose="02050503000000000000" pitchFamily="18" charset="-127"/>
+              </a:rPr>
+              <a:t>를 통해 동작될 코드의 논리적</a:t>
+            </a:r>
+            <a:r>
+              <a:rPr lang="en-US" altLang="ko-KR" sz="1100" dirty="0" smtClean="0">
+                <a:solidFill>
+                  <a:schemeClr val="accent1">
+                    <a:lumMod val="75000"/>
+                  </a:schemeClr>
+                </a:solidFill>
+                <a:latin typeface="티머니 둥근바람 Regular" panose="02050503000000000000" pitchFamily="18" charset="-127"/>
+                <a:ea typeface="티머니 둥근바람 Regular" panose="02050503000000000000" pitchFamily="18" charset="-127"/>
+              </a:rPr>
+              <a:t>/</a:t>
+            </a:r>
+            <a:r>
+              <a:rPr lang="ko-KR" altLang="en-US" sz="1100" dirty="0" smtClean="0">
+                <a:solidFill>
+                  <a:schemeClr val="accent1">
+                    <a:lumMod val="75000"/>
+                  </a:schemeClr>
+                </a:solidFill>
+                <a:latin typeface="티머니 둥근바람 Regular" panose="02050503000000000000" pitchFamily="18" charset="-127"/>
+                <a:ea typeface="티머니 둥근바람 Regular" panose="02050503000000000000" pitchFamily="18" charset="-127"/>
+              </a:rPr>
+              <a:t>물리적 실행 계획을 최적화 </a:t>
+            </a:r>
+            <a:endParaRPr lang="en-US" altLang="ko-KR" sz="1100" dirty="0">
+              <a:solidFill>
+                <a:schemeClr val="accent1">
+                  <a:lumMod val="75000"/>
+                </a:schemeClr>
+              </a:solidFill>
+              <a:latin typeface="티머니 둥근바람 Regular" panose="02050503000000000000" pitchFamily="18" charset="-127"/>
+              <a:ea typeface="티머니 둥근바람 Regular" panose="02050503000000000000" pitchFamily="18" charset="-127"/>
+            </a:endParaRPr>
+          </a:p>
+        </p:txBody>
+      </p:sp>
+      <p:cxnSp>
+        <p:nvCxnSpPr>
+          <p:cNvPr id="19" name="직선 화살표 연결선 18"/>
+          <p:cNvCxnSpPr>
+            <a:stCxn id="15" idx="3"/>
+            <a:endCxn id="18" idx="1"/>
+          </p:cNvCxnSpPr>
+          <p:nvPr/>
+        </p:nvCxnSpPr>
+        <p:spPr>
+          <a:xfrm>
+            <a:off x="2622087" y="1587353"/>
+            <a:ext cx="1362016" cy="7694"/>
+          </a:xfrm>
+          <a:prstGeom prst="straightConnector1">
+            <a:avLst/>
+          </a:prstGeom>
+          <a:ln w="19050">
+            <a:solidFill>
+              <a:schemeClr val="accent1"/>
+            </a:solidFill>
+            <a:tailEnd type="triangle"/>
+          </a:ln>
+        </p:spPr>
+        <p:style>
+          <a:lnRef idx="1">
+            <a:schemeClr val="accent1"/>
+          </a:lnRef>
+          <a:fillRef idx="0">
+            <a:schemeClr val="accent1"/>
+          </a:fillRef>
+          <a:effectRef idx="0">
+            <a:schemeClr val="accent1"/>
+          </a:effectRef>
+          <a:fontRef idx="minor">
+            <a:schemeClr val="tx1"/>
+          </a:fontRef>
+        </p:style>
+      </p:cxnSp>
+      <p:sp>
+        <p:nvSpPr>
+          <p:cNvPr id="21" name="TextBox 20"/>
+          <p:cNvSpPr txBox="1"/>
+          <p:nvPr/>
+        </p:nvSpPr>
+        <p:spPr>
+          <a:xfrm>
+            <a:off x="872878" y="2057733"/>
+            <a:ext cx="1464595" cy="276999"/>
+          </a:xfrm>
+          <a:prstGeom prst="rect">
+            <a:avLst/>
+          </a:prstGeom>
+          <a:noFill/>
+        </p:spPr>
+        <p:txBody>
+          <a:bodyPr wrap="square" rtlCol="0">
+            <a:spAutoFit/>
+          </a:bodyPr>
+          <a:lstStyle/>
+          <a:p>
+            <a:r>
+              <a:rPr lang="ko-KR" altLang="en-US" sz="1200" dirty="0">
+                <a:solidFill>
+                  <a:schemeClr val="tx1"/>
+                </a:solidFill>
+                <a:latin typeface="티머니 둥근바람 Regular" panose="02050503000000000000" pitchFamily="18" charset="-127"/>
+                <a:ea typeface="티머니 둥근바람 Regular" panose="02050503000000000000" pitchFamily="18" charset="-127"/>
+              </a:rPr>
+              <a:t>▪ </a:t>
+            </a:r>
+            <a:r>
+              <a:rPr lang="en-US" altLang="ko-KR" sz="1200" dirty="0">
+                <a:solidFill>
+                  <a:schemeClr val="tx1"/>
+                </a:solidFill>
+                <a:latin typeface="티머니 둥근바람 Regular" panose="02050503000000000000" pitchFamily="18" charset="-127"/>
+                <a:ea typeface="티머니 둥근바람 Regular" panose="02050503000000000000" pitchFamily="18" charset="-127"/>
+              </a:rPr>
+              <a:t>Lazy Evaluation</a:t>
+            </a:r>
+            <a:endParaRPr lang="ko-KR" altLang="en-US" sz="1200" dirty="0">
+              <a:solidFill>
+                <a:schemeClr val="tx1"/>
+              </a:solidFill>
+              <a:latin typeface="티머니 둥근바람 Regular" panose="02050503000000000000" pitchFamily="18" charset="-127"/>
+              <a:ea typeface="티머니 둥근바람 Regular" panose="02050503000000000000" pitchFamily="18" charset="-127"/>
+            </a:endParaRPr>
+          </a:p>
+        </p:txBody>
+      </p:sp>
+      <p:sp>
+        <p:nvSpPr>
+          <p:cNvPr id="22" name="직사각형 21"/>
+          <p:cNvSpPr/>
+          <p:nvPr/>
+        </p:nvSpPr>
+        <p:spPr>
+          <a:xfrm>
+            <a:off x="3984103" y="2073122"/>
+            <a:ext cx="4801606" cy="261610"/>
+          </a:xfrm>
+          <a:prstGeom prst="rect">
+            <a:avLst/>
+          </a:prstGeom>
+        </p:spPr>
+        <p:txBody>
+          <a:bodyPr wrap="square">
+            <a:spAutoFit/>
+          </a:bodyPr>
+          <a:lstStyle/>
+          <a:p>
+            <a:pPr algn="just"/>
+            <a:r>
+              <a:rPr lang="ko-KR" altLang="en-US" sz="1100" dirty="0">
+                <a:solidFill>
+                  <a:schemeClr val="bg2"/>
+                </a:solidFill>
+                <a:latin typeface="티머니 둥근바람 Regular" panose="02050503000000000000" pitchFamily="18" charset="-127"/>
+                <a:ea typeface="티머니 둥근바람 Regular" panose="02050503000000000000" pitchFamily="18" charset="-127"/>
+              </a:rPr>
+              <a:t>변환 작업을 선언한 후에도 </a:t>
+            </a:r>
+            <a:r>
+              <a:rPr lang="ko-KR" altLang="en-US" sz="1100" dirty="0" smtClean="0">
+                <a:solidFill>
+                  <a:schemeClr val="bg2"/>
+                </a:solidFill>
+                <a:latin typeface="티머니 둥근바람 Regular" panose="02050503000000000000" pitchFamily="18" charset="-127"/>
+                <a:ea typeface="티머니 둥근바람 Regular" panose="02050503000000000000" pitchFamily="18" charset="-127"/>
+              </a:rPr>
+              <a:t>실제 </a:t>
+            </a:r>
+            <a:r>
+              <a:rPr lang="ko-KR" altLang="en-US" sz="1100" dirty="0">
+                <a:solidFill>
+                  <a:schemeClr val="bg2"/>
+                </a:solidFill>
+                <a:latin typeface="티머니 둥근바람 Regular" panose="02050503000000000000" pitchFamily="18" charset="-127"/>
+                <a:ea typeface="티머니 둥근바람 Regular" panose="02050503000000000000" pitchFamily="18" charset="-127"/>
+              </a:rPr>
+              <a:t>실행되는 시점까지 </a:t>
+            </a:r>
+            <a:r>
+              <a:rPr lang="ko-KR" altLang="en-US" sz="1100" dirty="0" smtClean="0">
+                <a:solidFill>
+                  <a:schemeClr val="bg2"/>
+                </a:solidFill>
+                <a:latin typeface="티머니 둥근바람 Regular" panose="02050503000000000000" pitchFamily="18" charset="-127"/>
+                <a:ea typeface="티머니 둥근바람 Regular" panose="02050503000000000000" pitchFamily="18" charset="-127"/>
+              </a:rPr>
+              <a:t>작업을 </a:t>
+            </a:r>
+            <a:r>
+              <a:rPr lang="ko-KR" altLang="en-US" sz="1100" dirty="0">
+                <a:solidFill>
+                  <a:schemeClr val="bg2"/>
+                </a:solidFill>
+                <a:latin typeface="티머니 둥근바람 Regular" panose="02050503000000000000" pitchFamily="18" charset="-127"/>
+                <a:ea typeface="티머니 둥근바람 Regular" panose="02050503000000000000" pitchFamily="18" charset="-127"/>
+              </a:rPr>
+              <a:t>연기하는 방식</a:t>
+            </a:r>
+            <a:endParaRPr lang="en-US" altLang="ko-KR" sz="1100" dirty="0">
+              <a:solidFill>
+                <a:schemeClr val="bg2"/>
+              </a:solidFill>
+              <a:latin typeface="티머니 둥근바람 Regular" panose="02050503000000000000" pitchFamily="18" charset="-127"/>
+              <a:ea typeface="티머니 둥근바람 Regular" panose="02050503000000000000" pitchFamily="18" charset="-127"/>
+            </a:endParaRPr>
+          </a:p>
+        </p:txBody>
+      </p:sp>
+      <p:cxnSp>
+        <p:nvCxnSpPr>
+          <p:cNvPr id="23" name="직선 화살표 연결선 22"/>
+          <p:cNvCxnSpPr>
+            <a:stCxn id="21" idx="3"/>
+            <a:endCxn id="22" idx="1"/>
+          </p:cNvCxnSpPr>
+          <p:nvPr/>
+        </p:nvCxnSpPr>
+        <p:spPr>
+          <a:xfrm>
+            <a:off x="2337473" y="2196233"/>
+            <a:ext cx="1646630" cy="7694"/>
+          </a:xfrm>
+          <a:prstGeom prst="straightConnector1">
+            <a:avLst/>
+          </a:prstGeom>
+          <a:ln w="19050">
+            <a:solidFill>
+              <a:schemeClr val="accent1"/>
+            </a:solidFill>
+            <a:tailEnd type="triangle"/>
+          </a:ln>
+        </p:spPr>
+        <p:style>
+          <a:lnRef idx="1">
+            <a:schemeClr val="accent1"/>
+          </a:lnRef>
+          <a:fillRef idx="0">
+            <a:schemeClr val="accent1"/>
+          </a:fillRef>
+          <a:effectRef idx="0">
+            <a:schemeClr val="accent1"/>
+          </a:effectRef>
+          <a:fontRef idx="minor">
+            <a:schemeClr val="tx1"/>
+          </a:fontRef>
+        </p:style>
+      </p:cxnSp>
+      <p:sp>
+        <p:nvSpPr>
+          <p:cNvPr id="32" name="TextBox 31"/>
+          <p:cNvSpPr txBox="1"/>
+          <p:nvPr/>
+        </p:nvSpPr>
+        <p:spPr>
+          <a:xfrm>
+            <a:off x="872878" y="2359659"/>
+            <a:ext cx="1646264" cy="276999"/>
+          </a:xfrm>
+          <a:prstGeom prst="rect">
+            <a:avLst/>
+          </a:prstGeom>
+          <a:noFill/>
+        </p:spPr>
+        <p:txBody>
+          <a:bodyPr wrap="square" rtlCol="0">
+            <a:spAutoFit/>
+          </a:bodyPr>
+          <a:lstStyle/>
+          <a:p>
+            <a:r>
+              <a:rPr lang="ko-KR" altLang="en-US" sz="1200" dirty="0">
+                <a:solidFill>
+                  <a:schemeClr val="tx1"/>
+                </a:solidFill>
+                <a:latin typeface="티머니 둥근바람 Regular" panose="02050503000000000000" pitchFamily="18" charset="-127"/>
+                <a:ea typeface="티머니 둥근바람 Regular" panose="02050503000000000000" pitchFamily="18" charset="-127"/>
+              </a:rPr>
+              <a:t>▪ </a:t>
+            </a:r>
+            <a:r>
+              <a:rPr lang="en-US" altLang="ko-KR" sz="1200" dirty="0" smtClean="0">
+                <a:solidFill>
+                  <a:schemeClr val="tx1"/>
+                </a:solidFill>
+                <a:latin typeface="티머니 둥근바람 Regular" panose="02050503000000000000" pitchFamily="18" charset="-127"/>
+                <a:ea typeface="티머니 둥근바람 Regular" panose="02050503000000000000" pitchFamily="18" charset="-127"/>
+              </a:rPr>
+              <a:t>Columnar Format</a:t>
+            </a:r>
+            <a:endParaRPr lang="ko-KR" altLang="en-US" sz="1200" dirty="0">
+              <a:solidFill>
+                <a:schemeClr val="tx1"/>
+              </a:solidFill>
+              <a:latin typeface="티머니 둥근바람 Regular" panose="02050503000000000000" pitchFamily="18" charset="-127"/>
+              <a:ea typeface="티머니 둥근바람 Regular" panose="02050503000000000000" pitchFamily="18" charset="-127"/>
+            </a:endParaRPr>
+          </a:p>
+        </p:txBody>
+      </p:sp>
+      <p:sp>
+        <p:nvSpPr>
+          <p:cNvPr id="33" name="직사각형 32"/>
+          <p:cNvSpPr/>
+          <p:nvPr/>
+        </p:nvSpPr>
+        <p:spPr>
+          <a:xfrm>
+            <a:off x="3984103" y="2375048"/>
+            <a:ext cx="4801606" cy="261610"/>
+          </a:xfrm>
+          <a:prstGeom prst="rect">
+            <a:avLst/>
+          </a:prstGeom>
+        </p:spPr>
+        <p:txBody>
+          <a:bodyPr wrap="square">
+            <a:spAutoFit/>
+          </a:bodyPr>
+          <a:lstStyle/>
+          <a:p>
+            <a:pPr algn="just"/>
+            <a:r>
+              <a:rPr lang="en-US" altLang="ko-KR" sz="1100" dirty="0" smtClean="0">
+                <a:solidFill>
+                  <a:schemeClr val="bg2"/>
+                </a:solidFill>
+                <a:latin typeface="티머니 둥근바람 Regular" panose="02050503000000000000" pitchFamily="18" charset="-127"/>
+                <a:ea typeface="티머니 둥근바람 Regular" panose="02050503000000000000" pitchFamily="18" charset="-127"/>
+              </a:rPr>
+              <a:t>.parquet </a:t>
+            </a:r>
+            <a:r>
+              <a:rPr lang="ko-KR" altLang="en-US" sz="1100" dirty="0" smtClean="0">
+                <a:solidFill>
+                  <a:schemeClr val="bg2"/>
+                </a:solidFill>
+                <a:latin typeface="티머니 둥근바람 Regular" panose="02050503000000000000" pitchFamily="18" charset="-127"/>
+                <a:ea typeface="티머니 둥근바람 Regular" panose="02050503000000000000" pitchFamily="18" charset="-127"/>
+              </a:rPr>
+              <a:t>형식을 기본으로 하는 열 기반 데이터 처리</a:t>
+            </a:r>
+            <a:endParaRPr lang="en-US" altLang="ko-KR" sz="1100" dirty="0">
+              <a:solidFill>
+                <a:schemeClr val="bg2"/>
+              </a:solidFill>
+              <a:latin typeface="티머니 둥근바람 Regular" panose="02050503000000000000" pitchFamily="18" charset="-127"/>
+              <a:ea typeface="티머니 둥근바람 Regular" panose="02050503000000000000" pitchFamily="18" charset="-127"/>
+            </a:endParaRPr>
+          </a:p>
+        </p:txBody>
+      </p:sp>
+      <p:cxnSp>
+        <p:nvCxnSpPr>
+          <p:cNvPr id="34" name="직선 화살표 연결선 33"/>
+          <p:cNvCxnSpPr>
+            <a:stCxn id="32" idx="3"/>
+            <a:endCxn id="33" idx="1"/>
+          </p:cNvCxnSpPr>
+          <p:nvPr/>
+        </p:nvCxnSpPr>
+        <p:spPr>
+          <a:xfrm>
+            <a:off x="2519142" y="2498159"/>
+            <a:ext cx="1464961" cy="7694"/>
+          </a:xfrm>
+          <a:prstGeom prst="straightConnector1">
+            <a:avLst/>
+          </a:prstGeom>
+          <a:ln w="19050">
+            <a:solidFill>
+              <a:schemeClr val="accent1"/>
+            </a:solidFill>
+            <a:tailEnd type="triangle"/>
+          </a:ln>
+        </p:spPr>
+        <p:style>
+          <a:lnRef idx="1">
+            <a:schemeClr val="accent1"/>
+          </a:lnRef>
+          <a:fillRef idx="0">
+            <a:schemeClr val="accent1"/>
+          </a:fillRef>
+          <a:effectRef idx="0">
+            <a:schemeClr val="accent1"/>
+          </a:effectRef>
+          <a:fontRef idx="minor">
+            <a:schemeClr val="tx1"/>
+          </a:fontRef>
+        </p:style>
+      </p:cxnSp>
+      <p:pic>
+        <p:nvPicPr>
+          <p:cNvPr id="1026" name="Picture 2" descr="Demystifying the Parquet File Format | by Michael Berk | Towards Data  Science"/>
+          <p:cNvPicPr>
+            <a:picLocks noChangeAspect="1" noChangeArrowheads="1"/>
+          </p:cNvPicPr>
+          <p:nvPr/>
+        </p:nvPicPr>
+        <p:blipFill rotWithShape="1">
+          <a:blip r:embed="rId3">
+            <a:extLst>
+              <a:ext uri="{28A0092B-C50C-407E-A947-70E740481C1C}">
+                <a14:useLocalDpi xmlns:a14="http://schemas.microsoft.com/office/drawing/2010/main" val="0"/>
+              </a:ext>
+            </a:extLst>
+          </a:blip>
+          <a:srcRect b="38411"/>
+          <a:stretch/>
+        </p:blipFill>
+        <p:spPr bwMode="auto">
+          <a:xfrm>
+            <a:off x="716341" y="3802935"/>
+            <a:ext cx="8039466" cy="2058388"/>
+          </a:xfrm>
+          <a:prstGeom prst="rect">
+            <a:avLst/>
+          </a:prstGeom>
+          <a:noFill/>
+          <a:extLst>
+            <a:ext uri="{909E8E84-426E-40DD-AFC4-6F175D3DCCD1}">
+              <a14:hiddenFill xmlns:a14="http://schemas.microsoft.com/office/drawing/2010/main">
+                <a:solidFill>
+                  <a:srgbClr val="FFFFFF"/>
+                </a:solidFill>
+              </a14:hiddenFill>
+            </a:ext>
+          </a:extLst>
+        </p:spPr>
+      </p:pic>
+    </p:spTree>
+    <p:extLst>
+      <p:ext uri="{BB962C8B-B14F-4D97-AF65-F5344CB8AC3E}">
+        <p14:creationId xmlns:p14="http://schemas.microsoft.com/office/powerpoint/2010/main" val="1918132008"/>
+      </p:ext>
+    </p:extLst>
+  </p:cSld>
+  <p:clrMapOvr>
+    <a:masterClrMapping/>
+  </p:clrMapOvr>
+  <p:timing>
+    <p:tnLst>
+      <p:par>
+        <p:cTn id="1" dur="indefinite" restart="never" nodeType="tmRoot"/>
+      </p:par>
+    </p:tnLst>
+  </p:timing>
+</p:sld>
+</file>
+
 <file path=ppt/slides/slide3.xml><?xml version="1.0" encoding="utf-8"?>
 <p:sld xmlns:a="http://schemas.openxmlformats.org/drawingml/2006/main" xmlns:r="http://schemas.openxmlformats.org/officeDocument/2006/relationships" xmlns:p="http://schemas.openxmlformats.org/presentationml/2006/main">
   <p:cSld>

--- a/ppt/[KDT강의]데이터 엔지니어링-2.pptx
+++ b/ppt/[KDT강의]데이터 엔지니어링-2.pptx
@@ -30,8 +30,8 @@
     <p:sldId id="491" r:id="rId21"/>
     <p:sldId id="492" r:id="rId22"/>
     <p:sldId id="499" r:id="rId23"/>
-    <p:sldId id="501" r:id="rId24"/>
-    <p:sldId id="503" r:id="rId25"/>
+    <p:sldId id="503" r:id="rId24"/>
+    <p:sldId id="501" r:id="rId25"/>
     <p:sldId id="502" r:id="rId26"/>
   </p:sldIdLst>
   <p:sldSz cx="9144000" cy="6858000" type="screen4x3"/>
@@ -292,8 +292,8 @@
             <p14:sldId id="491"/>
             <p14:sldId id="492"/>
             <p14:sldId id="499"/>
+            <p14:sldId id="503"/>
             <p14:sldId id="501"/>
-            <p14:sldId id="503"/>
             <p14:sldId id="502"/>
           </p14:sldIdLst>
         </p14:section>
@@ -363,7 +363,7 @@
       </p15:notesGuideLst>
     </p:ext>
     <p:ext uri="http://customooxmlschemas.google.com/">
-      <go:slidesCustomData xmlns:go="http://customooxmlschemas.google.com/" xmlns:ahyp="http://schemas.microsoft.com/office/drawing/2018/hyperlinkcolor" xmlns:p15="http://schemas.microsoft.com/office/powerpoint/2012/main" xmlns:p14="http://schemas.microsoft.com/office/powerpoint/2010/main" xmlns:com="http://schemas.openxmlformats.org/drawingml/2006/compatibility" xmlns:pvml="urn:schemas-microsoft-com:office:powerpoint" xmlns:v="urn:schemas-microsoft-com:vml" xmlns:o="urn:schemas-microsoft-com:office:office" xmlns:dgm="http://schemas.openxmlformats.org/drawingml/2006/diagram" xmlns:c="http://schemas.openxmlformats.org/drawingml/2006/chart" xmlns:mv="urn:schemas-microsoft-com:mac:vml" xmlns:mc="http://schemas.openxmlformats.org/markup-compatibility/2006" xmlns="" r:id="rId104" roundtripDataSignature="AMtx7mhMPcv4s9mTXYyQOM7jdku2uKK+0g=="/>
+      <go:slidesCustomData xmlns="" xmlns:mc="http://schemas.openxmlformats.org/markup-compatibility/2006" xmlns:mv="urn:schemas-microsoft-com:mac:vml" xmlns:c="http://schemas.openxmlformats.org/drawingml/2006/chart" xmlns:dgm="http://schemas.openxmlformats.org/drawingml/2006/diagram" xmlns:o="urn:schemas-microsoft-com:office:office" xmlns:v="urn:schemas-microsoft-com:vml" xmlns:pvml="urn:schemas-microsoft-com:office:powerpoint" xmlns:com="http://schemas.openxmlformats.org/drawingml/2006/compatibility" xmlns:p14="http://schemas.microsoft.com/office/powerpoint/2010/main" xmlns:p15="http://schemas.microsoft.com/office/powerpoint/2012/main" xmlns:ahyp="http://schemas.microsoft.com/office/drawing/2018/hyperlinkcolor" xmlns:go="http://customooxmlschemas.google.com/" r:id="rId104" roundtripDataSignature="AMtx7mhMPcv4s9mTXYyQOM7jdku2uKK+0g=="/>
     </p:ext>
   </p:extLst>
 </p:presentation>
@@ -3849,7 +3849,7 @@
     </p:spTree>
     <p:extLst>
       <p:ext uri="{BB962C8B-B14F-4D97-AF65-F5344CB8AC3E}">
-        <p14:creationId xmlns:p14="http://schemas.microsoft.com/office/powerpoint/2010/main" val="3283901830"/>
+        <p14:creationId xmlns:p14="http://schemas.microsoft.com/office/powerpoint/2010/main" val="2612635651"/>
       </p:ext>
     </p:extLst>
   </p:cSld>
@@ -3976,7 +3976,7 @@
     </p:spTree>
     <p:extLst>
       <p:ext uri="{BB962C8B-B14F-4D97-AF65-F5344CB8AC3E}">
-        <p14:creationId xmlns:p14="http://schemas.microsoft.com/office/powerpoint/2010/main" val="2612635651"/>
+        <p14:creationId xmlns:p14="http://schemas.microsoft.com/office/powerpoint/2010/main" val="3283901830"/>
       </p:ext>
     </p:extLst>
   </p:cSld>
@@ -29607,100 +29607,10 @@
           </a:extLst>
         </p:spPr>
       </p:pic>
-      <p:sp>
-        <p:nvSpPr>
-          <p:cNvPr id="36" name="모서리가 둥근 직사각형 35"/>
-          <p:cNvSpPr/>
-          <p:nvPr/>
-        </p:nvSpPr>
-        <p:spPr>
-          <a:xfrm>
-            <a:off x="3911936" y="3851128"/>
-            <a:ext cx="990412" cy="1273487"/>
-          </a:xfrm>
-          <a:prstGeom prst="roundRect">
-            <a:avLst>
-              <a:gd name="adj" fmla="val 6884"/>
-            </a:avLst>
-          </a:prstGeom>
-          <a:noFill/>
-          <a:ln w="38100">
-            <a:solidFill>
-              <a:srgbClr val="FF0000"/>
-            </a:solidFill>
-          </a:ln>
-        </p:spPr>
-        <p:style>
-          <a:lnRef idx="2">
-            <a:schemeClr val="accent1">
-              <a:shade val="50000"/>
-            </a:schemeClr>
-          </a:lnRef>
-          <a:fillRef idx="1">
-            <a:schemeClr val="accent1"/>
-          </a:fillRef>
-          <a:effectRef idx="0">
-            <a:schemeClr val="accent1"/>
-          </a:effectRef>
-          <a:fontRef idx="minor">
-            <a:schemeClr val="lt1"/>
-          </a:fontRef>
-        </p:style>
-        <p:txBody>
-          <a:bodyPr rtlCol="0" anchor="ctr"/>
-          <a:lstStyle/>
-          <a:p>
-            <a:pPr algn="ctr"/>
-            <a:endParaRPr lang="ko-KR" altLang="en-US"/>
-          </a:p>
-        </p:txBody>
-      </p:sp>
-      <p:sp>
-        <p:nvSpPr>
-          <p:cNvPr id="41" name="직사각형 40"/>
-          <p:cNvSpPr/>
-          <p:nvPr/>
-        </p:nvSpPr>
-        <p:spPr>
-          <a:xfrm>
-            <a:off x="3997300" y="3574128"/>
-            <a:ext cx="819683" cy="276999"/>
-          </a:xfrm>
-          <a:prstGeom prst="rect">
-            <a:avLst/>
-          </a:prstGeom>
-        </p:spPr>
-        <p:txBody>
-          <a:bodyPr wrap="square">
-            <a:spAutoFit/>
-          </a:bodyPr>
-          <a:lstStyle/>
-          <a:p>
-            <a:pPr algn="ctr"/>
-            <a:r>
-              <a:rPr lang="en-US" altLang="ko-KR" sz="1200" dirty="0" smtClean="0">
-                <a:solidFill>
-                  <a:srgbClr val="FF0000"/>
-                </a:solidFill>
-                <a:latin typeface="티머니 둥근바람 Regular" panose="02050503000000000000" pitchFamily="18" charset="-127"/>
-                <a:ea typeface="티머니 둥근바람 Regular" panose="02050503000000000000" pitchFamily="18" charset="-127"/>
-              </a:rPr>
-              <a:t>Default</a:t>
-            </a:r>
-            <a:endParaRPr lang="en-US" altLang="ko-KR" sz="1200" dirty="0">
-              <a:solidFill>
-                <a:srgbClr val="FF0000"/>
-              </a:solidFill>
-              <a:latin typeface="티머니 둥근바람 Regular" panose="02050503000000000000" pitchFamily="18" charset="-127"/>
-              <a:ea typeface="티머니 둥근바람 Regular" panose="02050503000000000000" pitchFamily="18" charset="-127"/>
-            </a:endParaRPr>
-          </a:p>
-        </p:txBody>
-      </p:sp>
     </p:spTree>
     <p:extLst>
       <p:ext uri="{BB962C8B-B14F-4D97-AF65-F5344CB8AC3E}">
-        <p14:creationId xmlns:p14="http://schemas.microsoft.com/office/powerpoint/2010/main" val="1947540788"/>
+        <p14:creationId xmlns:p14="http://schemas.microsoft.com/office/powerpoint/2010/main" val="1883306348"/>
       </p:ext>
     </p:extLst>
   </p:cSld>
@@ -30910,10 +30820,100 @@
           </a:extLst>
         </p:spPr>
       </p:pic>
+      <p:sp>
+        <p:nvSpPr>
+          <p:cNvPr id="36" name="모서리가 둥근 직사각형 35"/>
+          <p:cNvSpPr/>
+          <p:nvPr/>
+        </p:nvSpPr>
+        <p:spPr>
+          <a:xfrm>
+            <a:off x="3911936" y="3851128"/>
+            <a:ext cx="990412" cy="1273487"/>
+          </a:xfrm>
+          <a:prstGeom prst="roundRect">
+            <a:avLst>
+              <a:gd name="adj" fmla="val 6884"/>
+            </a:avLst>
+          </a:prstGeom>
+          <a:noFill/>
+          <a:ln w="38100">
+            <a:solidFill>
+              <a:srgbClr val="FF0000"/>
+            </a:solidFill>
+          </a:ln>
+        </p:spPr>
+        <p:style>
+          <a:lnRef idx="2">
+            <a:schemeClr val="accent1">
+              <a:shade val="50000"/>
+            </a:schemeClr>
+          </a:lnRef>
+          <a:fillRef idx="1">
+            <a:schemeClr val="accent1"/>
+          </a:fillRef>
+          <a:effectRef idx="0">
+            <a:schemeClr val="accent1"/>
+          </a:effectRef>
+          <a:fontRef idx="minor">
+            <a:schemeClr val="lt1"/>
+          </a:fontRef>
+        </p:style>
+        <p:txBody>
+          <a:bodyPr rtlCol="0" anchor="ctr"/>
+          <a:lstStyle/>
+          <a:p>
+            <a:pPr algn="ctr"/>
+            <a:endParaRPr lang="ko-KR" altLang="en-US"/>
+          </a:p>
+        </p:txBody>
+      </p:sp>
+      <p:sp>
+        <p:nvSpPr>
+          <p:cNvPr id="41" name="직사각형 40"/>
+          <p:cNvSpPr/>
+          <p:nvPr/>
+        </p:nvSpPr>
+        <p:spPr>
+          <a:xfrm>
+            <a:off x="3997300" y="3574128"/>
+            <a:ext cx="819683" cy="276999"/>
+          </a:xfrm>
+          <a:prstGeom prst="rect">
+            <a:avLst/>
+          </a:prstGeom>
+        </p:spPr>
+        <p:txBody>
+          <a:bodyPr wrap="square">
+            <a:spAutoFit/>
+          </a:bodyPr>
+          <a:lstStyle/>
+          <a:p>
+            <a:pPr algn="ctr"/>
+            <a:r>
+              <a:rPr lang="en-US" altLang="ko-KR" sz="1200" dirty="0" smtClean="0">
+                <a:solidFill>
+                  <a:srgbClr val="FF0000"/>
+                </a:solidFill>
+                <a:latin typeface="티머니 둥근바람 Regular" panose="02050503000000000000" pitchFamily="18" charset="-127"/>
+                <a:ea typeface="티머니 둥근바람 Regular" panose="02050503000000000000" pitchFamily="18" charset="-127"/>
+              </a:rPr>
+              <a:t>Default</a:t>
+            </a:r>
+            <a:endParaRPr lang="en-US" altLang="ko-KR" sz="1200" dirty="0">
+              <a:solidFill>
+                <a:srgbClr val="FF0000"/>
+              </a:solidFill>
+              <a:latin typeface="티머니 둥근바람 Regular" panose="02050503000000000000" pitchFamily="18" charset="-127"/>
+              <a:ea typeface="티머니 둥근바람 Regular" panose="02050503000000000000" pitchFamily="18" charset="-127"/>
+            </a:endParaRPr>
+          </a:p>
+        </p:txBody>
+      </p:sp>
     </p:spTree>
     <p:extLst>
       <p:ext uri="{BB962C8B-B14F-4D97-AF65-F5344CB8AC3E}">
-        <p14:creationId xmlns:p14="http://schemas.microsoft.com/office/powerpoint/2010/main" val="1883306348"/>
+        <p14:creationId xmlns:p14="http://schemas.microsoft.com/office/powerpoint/2010/main" val="1947540788"/>
       </p:ext>
     </p:extLst>
   </p:cSld>

--- a/ppt/[KDT강의]데이터 엔지니어링-2.pptx
+++ b/ppt/[KDT강의]데이터 엔지니어링-2.pptx
@@ -5,7 +5,7 @@
     <p:sldMasterId id="2147483648" r:id="rId1"/>
   </p:sldMasterIdLst>
   <p:notesMasterIdLst>
-    <p:notesMasterId r:id="rId27"/>
+    <p:notesMasterId r:id="rId28"/>
   </p:notesMasterIdLst>
   <p:sldIdLst>
     <p:sldId id="442" r:id="rId2"/>
@@ -14,25 +14,26 @@
     <p:sldId id="444" r:id="rId5"/>
     <p:sldId id="445" r:id="rId6"/>
     <p:sldId id="493" r:id="rId7"/>
-    <p:sldId id="454" r:id="rId8"/>
-    <p:sldId id="455" r:id="rId9"/>
-    <p:sldId id="456" r:id="rId10"/>
-    <p:sldId id="457" r:id="rId11"/>
-    <p:sldId id="500" r:id="rId12"/>
-    <p:sldId id="458" r:id="rId13"/>
-    <p:sldId id="469" r:id="rId14"/>
-    <p:sldId id="459" r:id="rId15"/>
-    <p:sldId id="460" r:id="rId16"/>
-    <p:sldId id="462" r:id="rId17"/>
-    <p:sldId id="463" r:id="rId18"/>
-    <p:sldId id="473" r:id="rId19"/>
-    <p:sldId id="465" r:id="rId20"/>
-    <p:sldId id="491" r:id="rId21"/>
-    <p:sldId id="492" r:id="rId22"/>
-    <p:sldId id="499" r:id="rId23"/>
-    <p:sldId id="503" r:id="rId24"/>
-    <p:sldId id="501" r:id="rId25"/>
-    <p:sldId id="502" r:id="rId26"/>
+    <p:sldId id="504" r:id="rId8"/>
+    <p:sldId id="454" r:id="rId9"/>
+    <p:sldId id="455" r:id="rId10"/>
+    <p:sldId id="456" r:id="rId11"/>
+    <p:sldId id="457" r:id="rId12"/>
+    <p:sldId id="500" r:id="rId13"/>
+    <p:sldId id="458" r:id="rId14"/>
+    <p:sldId id="469" r:id="rId15"/>
+    <p:sldId id="459" r:id="rId16"/>
+    <p:sldId id="460" r:id="rId17"/>
+    <p:sldId id="462" r:id="rId18"/>
+    <p:sldId id="463" r:id="rId19"/>
+    <p:sldId id="473" r:id="rId20"/>
+    <p:sldId id="465" r:id="rId21"/>
+    <p:sldId id="491" r:id="rId22"/>
+    <p:sldId id="492" r:id="rId23"/>
+    <p:sldId id="499" r:id="rId24"/>
+    <p:sldId id="503" r:id="rId25"/>
+    <p:sldId id="501" r:id="rId26"/>
+    <p:sldId id="502" r:id="rId27"/>
   </p:sldIdLst>
   <p:sldSz cx="9144000" cy="6858000" type="screen4x3"/>
   <p:notesSz cx="6797675" cy="9926638"/>
@@ -276,6 +277,7 @@
             <p14:sldId id="444"/>
             <p14:sldId id="445"/>
             <p14:sldId id="493"/>
+            <p14:sldId id="504"/>
             <p14:sldId id="454"/>
             <p14:sldId id="455"/>
             <p14:sldId id="456"/>
@@ -2071,7 +2073,7 @@
     </p:spTree>
     <p:extLst>
       <p:ext uri="{BB962C8B-B14F-4D97-AF65-F5344CB8AC3E}">
-        <p14:creationId xmlns:p14="http://schemas.microsoft.com/office/powerpoint/2010/main" val="1014114316"/>
+        <p14:creationId xmlns:p14="http://schemas.microsoft.com/office/powerpoint/2010/main" val="369601597"/>
       </p:ext>
     </p:extLst>
   </p:cSld>
@@ -2198,7 +2200,7 @@
     </p:spTree>
     <p:extLst>
       <p:ext uri="{BB962C8B-B14F-4D97-AF65-F5344CB8AC3E}">
-        <p14:creationId xmlns:p14="http://schemas.microsoft.com/office/powerpoint/2010/main" val="4171335491"/>
+        <p14:creationId xmlns:p14="http://schemas.microsoft.com/office/powerpoint/2010/main" val="1014114316"/>
       </p:ext>
     </p:extLst>
   </p:cSld>
@@ -2325,7 +2327,7 @@
     </p:spTree>
     <p:extLst>
       <p:ext uri="{BB962C8B-B14F-4D97-AF65-F5344CB8AC3E}">
-        <p14:creationId xmlns:p14="http://schemas.microsoft.com/office/powerpoint/2010/main" val="4065995700"/>
+        <p14:creationId xmlns:p14="http://schemas.microsoft.com/office/powerpoint/2010/main" val="4171335491"/>
       </p:ext>
     </p:extLst>
   </p:cSld>
@@ -2452,7 +2454,7 @@
     </p:spTree>
     <p:extLst>
       <p:ext uri="{BB962C8B-B14F-4D97-AF65-F5344CB8AC3E}">
-        <p14:creationId xmlns:p14="http://schemas.microsoft.com/office/powerpoint/2010/main" val="211642949"/>
+        <p14:creationId xmlns:p14="http://schemas.microsoft.com/office/powerpoint/2010/main" val="4065995700"/>
       </p:ext>
     </p:extLst>
   </p:cSld>
@@ -2579,7 +2581,7 @@
     </p:spTree>
     <p:extLst>
       <p:ext uri="{BB962C8B-B14F-4D97-AF65-F5344CB8AC3E}">
-        <p14:creationId xmlns:p14="http://schemas.microsoft.com/office/powerpoint/2010/main" val="2017328807"/>
+        <p14:creationId xmlns:p14="http://schemas.microsoft.com/office/powerpoint/2010/main" val="211642949"/>
       </p:ext>
     </p:extLst>
   </p:cSld>
@@ -2706,7 +2708,7 @@
     </p:spTree>
     <p:extLst>
       <p:ext uri="{BB962C8B-B14F-4D97-AF65-F5344CB8AC3E}">
-        <p14:creationId xmlns:p14="http://schemas.microsoft.com/office/powerpoint/2010/main" val="3570818235"/>
+        <p14:creationId xmlns:p14="http://schemas.microsoft.com/office/powerpoint/2010/main" val="2017328807"/>
       </p:ext>
     </p:extLst>
   </p:cSld>
@@ -2833,7 +2835,7 @@
     </p:spTree>
     <p:extLst>
       <p:ext uri="{BB962C8B-B14F-4D97-AF65-F5344CB8AC3E}">
-        <p14:creationId xmlns:p14="http://schemas.microsoft.com/office/powerpoint/2010/main" val="2602882098"/>
+        <p14:creationId xmlns:p14="http://schemas.microsoft.com/office/powerpoint/2010/main" val="3570818235"/>
       </p:ext>
     </p:extLst>
   </p:cSld>
@@ -2960,7 +2962,7 @@
     </p:spTree>
     <p:extLst>
       <p:ext uri="{BB962C8B-B14F-4D97-AF65-F5344CB8AC3E}">
-        <p14:creationId xmlns:p14="http://schemas.microsoft.com/office/powerpoint/2010/main" val="4012576395"/>
+        <p14:creationId xmlns:p14="http://schemas.microsoft.com/office/powerpoint/2010/main" val="2602882098"/>
       </p:ext>
     </p:extLst>
   </p:cSld>
@@ -3087,7 +3089,7 @@
     </p:spTree>
     <p:extLst>
       <p:ext uri="{BB962C8B-B14F-4D97-AF65-F5344CB8AC3E}">
-        <p14:creationId xmlns:p14="http://schemas.microsoft.com/office/powerpoint/2010/main" val="2013426036"/>
+        <p14:creationId xmlns:p14="http://schemas.microsoft.com/office/powerpoint/2010/main" val="4012576395"/>
       </p:ext>
     </p:extLst>
   </p:cSld>
@@ -3214,7 +3216,7 @@
     </p:spTree>
     <p:extLst>
       <p:ext uri="{BB962C8B-B14F-4D97-AF65-F5344CB8AC3E}">
-        <p14:creationId xmlns:p14="http://schemas.microsoft.com/office/powerpoint/2010/main" val="948160778"/>
+        <p14:creationId xmlns:p14="http://schemas.microsoft.com/office/powerpoint/2010/main" val="2013426036"/>
       </p:ext>
     </p:extLst>
   </p:cSld>
@@ -3468,7 +3470,7 @@
     </p:spTree>
     <p:extLst>
       <p:ext uri="{BB962C8B-B14F-4D97-AF65-F5344CB8AC3E}">
-        <p14:creationId xmlns:p14="http://schemas.microsoft.com/office/powerpoint/2010/main" val="376071122"/>
+        <p14:creationId xmlns:p14="http://schemas.microsoft.com/office/powerpoint/2010/main" val="948160778"/>
       </p:ext>
     </p:extLst>
   </p:cSld>
@@ -3595,7 +3597,7 @@
     </p:spTree>
     <p:extLst>
       <p:ext uri="{BB962C8B-B14F-4D97-AF65-F5344CB8AC3E}">
-        <p14:creationId xmlns:p14="http://schemas.microsoft.com/office/powerpoint/2010/main" val="708070278"/>
+        <p14:creationId xmlns:p14="http://schemas.microsoft.com/office/powerpoint/2010/main" val="376071122"/>
       </p:ext>
     </p:extLst>
   </p:cSld>
@@ -3722,7 +3724,7 @@
     </p:spTree>
     <p:extLst>
       <p:ext uri="{BB962C8B-B14F-4D97-AF65-F5344CB8AC3E}">
-        <p14:creationId xmlns:p14="http://schemas.microsoft.com/office/powerpoint/2010/main" val="541954881"/>
+        <p14:creationId xmlns:p14="http://schemas.microsoft.com/office/powerpoint/2010/main" val="708070278"/>
       </p:ext>
     </p:extLst>
   </p:cSld>
@@ -3849,7 +3851,7 @@
     </p:spTree>
     <p:extLst>
       <p:ext uri="{BB962C8B-B14F-4D97-AF65-F5344CB8AC3E}">
-        <p14:creationId xmlns:p14="http://schemas.microsoft.com/office/powerpoint/2010/main" val="2612635651"/>
+        <p14:creationId xmlns:p14="http://schemas.microsoft.com/office/powerpoint/2010/main" val="541954881"/>
       </p:ext>
     </p:extLst>
   </p:cSld>
@@ -3976,7 +3978,7 @@
     </p:spTree>
     <p:extLst>
       <p:ext uri="{BB962C8B-B14F-4D97-AF65-F5344CB8AC3E}">
-        <p14:creationId xmlns:p14="http://schemas.microsoft.com/office/powerpoint/2010/main" val="3283901830"/>
+        <p14:creationId xmlns:p14="http://schemas.microsoft.com/office/powerpoint/2010/main" val="2612635651"/>
       </p:ext>
     </p:extLst>
   </p:cSld>
@@ -4103,7 +4105,7 @@
     </p:spTree>
     <p:extLst>
       <p:ext uri="{BB962C8B-B14F-4D97-AF65-F5344CB8AC3E}">
-        <p14:creationId xmlns:p14="http://schemas.microsoft.com/office/powerpoint/2010/main" val="4120882902"/>
+        <p14:creationId xmlns:p14="http://schemas.microsoft.com/office/powerpoint/2010/main" val="3283901830"/>
       </p:ext>
     </p:extLst>
   </p:cSld>
@@ -4113,7 +4115,7 @@
 </p:notes>
 </file>
 
-<file path=ppt/notesSlides/notesSlide3.xml><?xml version="1.0" encoding="utf-8"?>
+<file path=ppt/notesSlides/notesSlide26.xml><?xml version="1.0" encoding="utf-8"?>
 <p:notes xmlns:a="http://schemas.openxmlformats.org/drawingml/2006/main" xmlns:r="http://schemas.openxmlformats.org/officeDocument/2006/relationships" xmlns:p="http://schemas.openxmlformats.org/presentationml/2006/main" showMasterSp="0" showMasterPhAnim="0">
   <p:cSld>
     <p:spTree>
@@ -4230,7 +4232,7 @@
     </p:spTree>
     <p:extLst>
       <p:ext uri="{BB962C8B-B14F-4D97-AF65-F5344CB8AC3E}">
-        <p14:creationId xmlns:p14="http://schemas.microsoft.com/office/powerpoint/2010/main" val="3663260557"/>
+        <p14:creationId xmlns:p14="http://schemas.microsoft.com/office/powerpoint/2010/main" val="4120882902"/>
       </p:ext>
     </p:extLst>
   </p:cSld>
@@ -4240,7 +4242,7 @@
 </p:notes>
 </file>
 
-<file path=ppt/notesSlides/notesSlide4.xml><?xml version="1.0" encoding="utf-8"?>
+<file path=ppt/notesSlides/notesSlide3.xml><?xml version="1.0" encoding="utf-8"?>
 <p:notes xmlns:a="http://schemas.openxmlformats.org/drawingml/2006/main" xmlns:r="http://schemas.openxmlformats.org/officeDocument/2006/relationships" xmlns:p="http://schemas.openxmlformats.org/presentationml/2006/main" showMasterSp="0" showMasterPhAnim="0">
   <p:cSld>
     <p:spTree>
@@ -4357,7 +4359,7 @@
     </p:spTree>
     <p:extLst>
       <p:ext uri="{BB962C8B-B14F-4D97-AF65-F5344CB8AC3E}">
-        <p14:creationId xmlns:p14="http://schemas.microsoft.com/office/powerpoint/2010/main" val="4268347728"/>
+        <p14:creationId xmlns:p14="http://schemas.microsoft.com/office/powerpoint/2010/main" val="3663260557"/>
       </p:ext>
     </p:extLst>
   </p:cSld>
@@ -4367,7 +4369,7 @@
 </p:notes>
 </file>
 
-<file path=ppt/notesSlides/notesSlide5.xml><?xml version="1.0" encoding="utf-8"?>
+<file path=ppt/notesSlides/notesSlide4.xml><?xml version="1.0" encoding="utf-8"?>
 <p:notes xmlns:a="http://schemas.openxmlformats.org/drawingml/2006/main" xmlns:r="http://schemas.openxmlformats.org/officeDocument/2006/relationships" xmlns:p="http://schemas.openxmlformats.org/presentationml/2006/main" showMasterSp="0" showMasterPhAnim="0">
   <p:cSld>
     <p:spTree>
@@ -4484,7 +4486,7 @@
     </p:spTree>
     <p:extLst>
       <p:ext uri="{BB962C8B-B14F-4D97-AF65-F5344CB8AC3E}">
-        <p14:creationId xmlns:p14="http://schemas.microsoft.com/office/powerpoint/2010/main" val="2684558428"/>
+        <p14:creationId xmlns:p14="http://schemas.microsoft.com/office/powerpoint/2010/main" val="4268347728"/>
       </p:ext>
     </p:extLst>
   </p:cSld>
@@ -4494,7 +4496,7 @@
 </p:notes>
 </file>
 
-<file path=ppt/notesSlides/notesSlide6.xml><?xml version="1.0" encoding="utf-8"?>
+<file path=ppt/notesSlides/notesSlide5.xml><?xml version="1.0" encoding="utf-8"?>
 <p:notes xmlns:a="http://schemas.openxmlformats.org/drawingml/2006/main" xmlns:r="http://schemas.openxmlformats.org/officeDocument/2006/relationships" xmlns:p="http://schemas.openxmlformats.org/presentationml/2006/main" showMasterSp="0" showMasterPhAnim="0">
   <p:cSld>
     <p:spTree>
@@ -4611,7 +4613,7 @@
     </p:spTree>
     <p:extLst>
       <p:ext uri="{BB962C8B-B14F-4D97-AF65-F5344CB8AC3E}">
-        <p14:creationId xmlns:p14="http://schemas.microsoft.com/office/powerpoint/2010/main" val="1765879532"/>
+        <p14:creationId xmlns:p14="http://schemas.microsoft.com/office/powerpoint/2010/main" val="2684558428"/>
       </p:ext>
     </p:extLst>
   </p:cSld>
@@ -4621,7 +4623,7 @@
 </p:notes>
 </file>
 
-<file path=ppt/notesSlides/notesSlide7.xml><?xml version="1.0" encoding="utf-8"?>
+<file path=ppt/notesSlides/notesSlide6.xml><?xml version="1.0" encoding="utf-8"?>
 <p:notes xmlns:a="http://schemas.openxmlformats.org/drawingml/2006/main" xmlns:r="http://schemas.openxmlformats.org/officeDocument/2006/relationships" xmlns:p="http://schemas.openxmlformats.org/presentationml/2006/main" showMasterSp="0" showMasterPhAnim="0">
   <p:cSld>
     <p:spTree>
@@ -4738,7 +4740,7 @@
     </p:spTree>
     <p:extLst>
       <p:ext uri="{BB962C8B-B14F-4D97-AF65-F5344CB8AC3E}">
-        <p14:creationId xmlns:p14="http://schemas.microsoft.com/office/powerpoint/2010/main" val="3804134263"/>
+        <p14:creationId xmlns:p14="http://schemas.microsoft.com/office/powerpoint/2010/main" val="1765879532"/>
       </p:ext>
     </p:extLst>
   </p:cSld>
@@ -4748,7 +4750,7 @@
 </p:notes>
 </file>
 
-<file path=ppt/notesSlides/notesSlide8.xml><?xml version="1.0" encoding="utf-8"?>
+<file path=ppt/notesSlides/notesSlide7.xml><?xml version="1.0" encoding="utf-8"?>
 <p:notes xmlns:a="http://schemas.openxmlformats.org/drawingml/2006/main" xmlns:r="http://schemas.openxmlformats.org/officeDocument/2006/relationships" xmlns:p="http://schemas.openxmlformats.org/presentationml/2006/main" showMasterSp="0" showMasterPhAnim="0">
   <p:cSld>
     <p:spTree>
@@ -4865,7 +4867,7 @@
     </p:spTree>
     <p:extLst>
       <p:ext uri="{BB962C8B-B14F-4D97-AF65-F5344CB8AC3E}">
-        <p14:creationId xmlns:p14="http://schemas.microsoft.com/office/powerpoint/2010/main" val="2840681437"/>
+        <p14:creationId xmlns:p14="http://schemas.microsoft.com/office/powerpoint/2010/main" val="2242284843"/>
       </p:ext>
     </p:extLst>
   </p:cSld>
@@ -4875,7 +4877,7 @@
 </p:notes>
 </file>
 
-<file path=ppt/notesSlides/notesSlide9.xml><?xml version="1.0" encoding="utf-8"?>
+<file path=ppt/notesSlides/notesSlide8.xml><?xml version="1.0" encoding="utf-8"?>
 <p:notes xmlns:a="http://schemas.openxmlformats.org/drawingml/2006/main" xmlns:r="http://schemas.openxmlformats.org/officeDocument/2006/relationships" xmlns:p="http://schemas.openxmlformats.org/presentationml/2006/main" showMasterSp="0" showMasterPhAnim="0">
   <p:cSld>
     <p:spTree>
@@ -4992,7 +4994,134 @@
     </p:spTree>
     <p:extLst>
       <p:ext uri="{BB962C8B-B14F-4D97-AF65-F5344CB8AC3E}">
-        <p14:creationId xmlns:p14="http://schemas.microsoft.com/office/powerpoint/2010/main" val="369601597"/>
+        <p14:creationId xmlns:p14="http://schemas.microsoft.com/office/powerpoint/2010/main" val="3804134263"/>
+      </p:ext>
+    </p:extLst>
+  </p:cSld>
+  <p:clrMapOvr>
+    <a:masterClrMapping/>
+  </p:clrMapOvr>
+</p:notes>
+</file>
+
+<file path=ppt/notesSlides/notesSlide9.xml><?xml version="1.0" encoding="utf-8"?>
+<p:notes xmlns:a="http://schemas.openxmlformats.org/drawingml/2006/main" xmlns:r="http://schemas.openxmlformats.org/officeDocument/2006/relationships" xmlns:p="http://schemas.openxmlformats.org/presentationml/2006/main" showMasterSp="0" showMasterPhAnim="0">
+  <p:cSld>
+    <p:spTree>
+      <p:nvGrpSpPr>
+        <p:cNvPr id="1" name="Shape 23"/>
+        <p:cNvGrpSpPr/>
+        <p:nvPr/>
+      </p:nvGrpSpPr>
+      <p:grpSpPr>
+        <a:xfrm>
+          <a:off x="0" y="0"/>
+          <a:ext cx="0" cy="0"/>
+          <a:chOff x="0" y="0"/>
+          <a:chExt cx="0" cy="0"/>
+        </a:xfrm>
+      </p:grpSpPr>
+      <p:sp>
+        <p:nvSpPr>
+          <p:cNvPr id="24" name="Google Shape;24;p1:notes"/>
+          <p:cNvSpPr txBox="1">
+            <a:spLocks noGrp="1"/>
+          </p:cNvSpPr>
+          <p:nvPr>
+            <p:ph type="body" idx="1"/>
+          </p:nvPr>
+        </p:nvSpPr>
+        <p:spPr>
+          <a:xfrm>
+            <a:off x="679450" y="4715711"/>
+            <a:ext cx="5438775" cy="4466511"/>
+          </a:xfrm>
+          <a:prstGeom prst="rect">
+            <a:avLst/>
+          </a:prstGeom>
+          <a:noFill/>
+          <a:ln>
+            <a:noFill/>
+          </a:ln>
+        </p:spPr>
+        <p:txBody>
+          <a:bodyPr spcFirstLastPara="1" wrap="square" lIns="91425" tIns="45700" rIns="91425" bIns="45700" anchor="t" anchorCtr="0">
+            <a:noAutofit/>
+          </a:bodyPr>
+          <a:lstStyle/>
+          <a:p>
+            <a:pPr marL="0" lvl="0" indent="0" algn="l" rtl="0">
+              <a:lnSpc>
+                <a:spcPct val="100000"/>
+              </a:lnSpc>
+              <a:spcBef>
+                <a:spcPts val="360"/>
+              </a:spcBef>
+              <a:spcAft>
+                <a:spcPts val="0"/>
+              </a:spcAft>
+              <a:buSzPts val="1400"/>
+              <a:buNone/>
+            </a:pPr>
+            <a:endParaRPr dirty="0"/>
+          </a:p>
+        </p:txBody>
+      </p:sp>
+      <p:sp>
+        <p:nvSpPr>
+          <p:cNvPr id="25" name="Google Shape;25;p1:notes"/>
+          <p:cNvSpPr>
+            <a:spLocks noGrp="1" noRot="1" noChangeAspect="1"/>
+          </p:cNvSpPr>
+          <p:nvPr>
+            <p:ph type="sldImg" idx="2"/>
+          </p:nvPr>
+        </p:nvSpPr>
+        <p:spPr>
+          <a:xfrm>
+            <a:off x="917575" y="744538"/>
+            <a:ext cx="4962525" cy="3722687"/>
+          </a:xfrm>
+          <a:custGeom>
+            <a:avLst/>
+            <a:gdLst/>
+            <a:ahLst/>
+            <a:cxnLst/>
+            <a:rect l="l" t="t" r="r" b="b"/>
+            <a:pathLst>
+              <a:path w="120000" h="120000" extrusionOk="0">
+                <a:moveTo>
+                  <a:pt x="0" y="0"/>
+                </a:moveTo>
+                <a:lnTo>
+                  <a:pt x="120000" y="0"/>
+                </a:lnTo>
+                <a:lnTo>
+                  <a:pt x="120000" y="120000"/>
+                </a:lnTo>
+                <a:lnTo>
+                  <a:pt x="0" y="120000"/>
+                </a:lnTo>
+                <a:close/>
+              </a:path>
+            </a:pathLst>
+          </a:custGeom>
+          <a:noFill/>
+          <a:ln w="12700" cap="flat" cmpd="sng">
+            <a:solidFill>
+              <a:srgbClr val="000000"/>
+            </a:solidFill>
+            <a:prstDash val="solid"/>
+            <a:round/>
+            <a:headEnd type="none" w="sm" len="sm"/>
+            <a:tailEnd type="none" w="sm" len="sm"/>
+          </a:ln>
+        </p:spPr>
+      </p:sp>
+    </p:spTree>
+    <p:extLst>
+      <p:ext uri="{BB962C8B-B14F-4D97-AF65-F5344CB8AC3E}">
+        <p14:creationId xmlns:p14="http://schemas.microsoft.com/office/powerpoint/2010/main" val="2840681437"/>
       </p:ext>
     </p:extLst>
   </p:cSld>
@@ -9612,14 +9741,14 @@
           <a:p>
             <a:pPr algn="ctr"/>
             <a:r>
-              <a:rPr lang="en-US" altLang="ko-KR" b="1" dirty="0" smtClean="0">
+              <a:rPr lang="ko-KR" altLang="en-US" b="1" dirty="0">
                 <a:solidFill>
                   <a:schemeClr val="tx1"/>
                 </a:solidFill>
                 <a:latin typeface="티머니 둥근바람 Regular" panose="02050503000000000000" pitchFamily="18" charset="-127"/>
                 <a:ea typeface="티머니 둥근바람 Regular" panose="02050503000000000000" pitchFamily="18" charset="-127"/>
               </a:rPr>
-              <a:t>HDFS</a:t>
+              <a:t>저장소</a:t>
             </a:r>
             <a:endParaRPr lang="ko-KR" altLang="en-US" b="1" dirty="0">
               <a:solidFill>
@@ -10116,24 +10245,23 @@
       </p:grpSp>
       <p:cxnSp>
         <p:nvCxnSpPr>
-          <p:cNvPr id="22" name="직선 화살표 연결선 21"/>
+          <p:cNvPr id="24" name="직선 화살표 연결선 23"/>
           <p:cNvCxnSpPr>
-            <a:stCxn id="20" idx="2"/>
-            <a:endCxn id="3" idx="0"/>
+            <a:stCxn id="26" idx="1"/>
           </p:cNvCxnSpPr>
           <p:nvPr/>
         </p:nvCxnSpPr>
         <p:spPr>
-          <a:xfrm>
-            <a:off x="4628418" y="2347055"/>
-            <a:ext cx="0" cy="468200"/>
+          <a:xfrm flipH="1" flipV="1">
+            <a:off x="5727803" y="1756896"/>
+            <a:ext cx="1152362" cy="7313"/>
           </a:xfrm>
           <a:prstGeom prst="straightConnector1">
             <a:avLst/>
           </a:prstGeom>
-          <a:ln w="28575">
+          <a:ln w="38100">
             <a:solidFill>
-              <a:schemeClr val="accent1"/>
+              <a:schemeClr val="tx1"/>
             </a:solidFill>
             <a:tailEnd type="triangle"/>
           </a:ln>
@@ -10196,6 +10324,49 @@
       </p:pic>
       <p:sp>
         <p:nvSpPr>
+          <p:cNvPr id="34" name="TextBox 33"/>
+          <p:cNvSpPr txBox="1"/>
+          <p:nvPr/>
+        </p:nvSpPr>
+        <p:spPr>
+          <a:xfrm>
+            <a:off x="6040388" y="1468215"/>
+            <a:ext cx="583417" cy="276999"/>
+          </a:xfrm>
+          <a:prstGeom prst="rect">
+            <a:avLst/>
+          </a:prstGeom>
+          <a:noFill/>
+        </p:spPr>
+        <p:txBody>
+          <a:bodyPr wrap="square" rtlCol="0" anchor="ctr">
+            <a:spAutoFit/>
+          </a:bodyPr>
+          <a:lstStyle/>
+          <a:p>
+            <a:pPr algn="ctr"/>
+            <a:r>
+              <a:rPr lang="en-US" altLang="ko-KR" sz="1200" b="1" dirty="0" smtClean="0">
+                <a:solidFill>
+                  <a:schemeClr val="tx1"/>
+                </a:solidFill>
+                <a:latin typeface="티머니 둥근바람 Regular" panose="02050503000000000000" pitchFamily="18" charset="-127"/>
+                <a:ea typeface="티머니 둥근바람 Regular" panose="02050503000000000000" pitchFamily="18" charset="-127"/>
+              </a:rPr>
+              <a:t>JOB</a:t>
+            </a:r>
+            <a:endParaRPr lang="ko-KR" altLang="en-US" sz="1200" b="1" dirty="0">
+              <a:solidFill>
+                <a:schemeClr val="tx1"/>
+              </a:solidFill>
+              <a:latin typeface="티머니 둥근바람 Regular" panose="02050503000000000000" pitchFamily="18" charset="-127"/>
+              <a:ea typeface="티머니 둥근바람 Regular" panose="02050503000000000000" pitchFamily="18" charset="-127"/>
+            </a:endParaRPr>
+          </a:p>
+        </p:txBody>
+      </p:sp>
+      <p:sp>
+        <p:nvSpPr>
           <p:cNvPr id="36" name="직사각형 35"/>
           <p:cNvSpPr/>
           <p:nvPr/>
@@ -10345,7 +10516,7 @@
       </p:sp>
       <p:cxnSp>
         <p:nvCxnSpPr>
-          <p:cNvPr id="39" name="직선 연결선 38"/>
+          <p:cNvPr id="44" name="직선 연결선 43"/>
           <p:cNvCxnSpPr/>
           <p:nvPr/>
         </p:nvCxnSpPr>
@@ -10380,7 +10551,7 @@
       </p:cxnSp>
       <p:cxnSp>
         <p:nvCxnSpPr>
-          <p:cNvPr id="40" name="직선 연결선 39"/>
+          <p:cNvPr id="45" name="직선 연결선 44"/>
           <p:cNvCxnSpPr/>
           <p:nvPr/>
         </p:nvCxnSpPr>
@@ -10415,7 +10586,7 @@
       </p:cxnSp>
       <p:cxnSp>
         <p:nvCxnSpPr>
-          <p:cNvPr id="41" name="직선 연결선 40"/>
+          <p:cNvPr id="46" name="직선 연결선 45"/>
           <p:cNvCxnSpPr/>
           <p:nvPr/>
         </p:nvCxnSpPr>
@@ -10448,73 +10619,45 @@
           </a:fontRef>
         </p:style>
       </p:cxnSp>
-      <p:sp>
-        <p:nvSpPr>
-          <p:cNvPr id="42" name="TextBox 41"/>
-          <p:cNvSpPr txBox="1"/>
-          <p:nvPr/>
-        </p:nvSpPr>
-        <p:spPr>
-          <a:xfrm>
-            <a:off x="2219219" y="2442655"/>
-            <a:ext cx="2409198" cy="276999"/>
-          </a:xfrm>
-          <a:prstGeom prst="rect">
-            <a:avLst/>
-          </a:prstGeom>
-          <a:noFill/>
-        </p:spPr>
-        <p:txBody>
-          <a:bodyPr wrap="square" rtlCol="0" anchor="ctr">
-            <a:spAutoFit/>
-          </a:bodyPr>
-          <a:lstStyle/>
-          <a:p>
-            <a:pPr algn="ctr"/>
-            <a:r>
-              <a:rPr lang="ko-KR" altLang="en-US" sz="1200" dirty="0" smtClean="0">
-                <a:solidFill>
-                  <a:schemeClr val="tx1"/>
-                </a:solidFill>
-                <a:latin typeface="티머니 둥근바람 Regular" panose="02050503000000000000" pitchFamily="18" charset="-127"/>
-                <a:ea typeface="티머니 둥근바람 Regular" panose="02050503000000000000" pitchFamily="18" charset="-127"/>
-              </a:rPr>
-              <a:t>자원 할당 요청 </a:t>
-            </a:r>
-            <a:r>
-              <a:rPr lang="en-US" altLang="ko-KR" sz="1200" dirty="0" smtClean="0">
-                <a:solidFill>
-                  <a:schemeClr val="tx1"/>
-                </a:solidFill>
-                <a:latin typeface="티머니 둥근바람 Regular" panose="02050503000000000000" pitchFamily="18" charset="-127"/>
-                <a:ea typeface="티머니 둥근바람 Regular" panose="02050503000000000000" pitchFamily="18" charset="-127"/>
-              </a:rPr>
-              <a:t>&amp; </a:t>
-            </a:r>
-            <a:r>
-              <a:rPr lang="ko-KR" altLang="en-US" sz="1200" dirty="0" smtClean="0">
-                <a:solidFill>
-                  <a:schemeClr val="tx1"/>
-                </a:solidFill>
-                <a:latin typeface="티머니 둥근바람 Regular" panose="02050503000000000000" pitchFamily="18" charset="-127"/>
-                <a:ea typeface="티머니 둥근바람 Regular" panose="02050503000000000000" pitchFamily="18" charset="-127"/>
-              </a:rPr>
-              <a:t>실행 계획 전달</a:t>
-            </a:r>
-            <a:endParaRPr lang="ko-KR" altLang="en-US" sz="1200" dirty="0">
-              <a:solidFill>
-                <a:schemeClr val="tx1"/>
-              </a:solidFill>
-              <a:latin typeface="티머니 둥근바람 Regular" panose="02050503000000000000" pitchFamily="18" charset="-127"/>
-              <a:ea typeface="티머니 둥근바람 Regular" panose="02050503000000000000" pitchFamily="18" charset="-127"/>
-            </a:endParaRPr>
-          </a:p>
-        </p:txBody>
-      </p:sp>
+      <p:cxnSp>
+        <p:nvCxnSpPr>
+          <p:cNvPr id="47" name="직선 연결선 46"/>
+          <p:cNvCxnSpPr/>
+          <p:nvPr/>
+        </p:nvCxnSpPr>
+        <p:spPr>
+          <a:xfrm>
+            <a:off x="4628418" y="2347055"/>
+            <a:ext cx="0" cy="468200"/>
+          </a:xfrm>
+          <a:prstGeom prst="line">
+            <a:avLst/>
+          </a:prstGeom>
+          <a:ln w="12700">
+            <a:solidFill>
+              <a:schemeClr val="tx1"/>
+            </a:solidFill>
+          </a:ln>
+        </p:spPr>
+        <p:style>
+          <a:lnRef idx="1">
+            <a:schemeClr val="accent1"/>
+          </a:lnRef>
+          <a:fillRef idx="0">
+            <a:schemeClr val="accent1"/>
+          </a:fillRef>
+          <a:effectRef idx="0">
+            <a:schemeClr val="accent1"/>
+          </a:effectRef>
+          <a:fontRef idx="minor">
+            <a:schemeClr val="tx1"/>
+          </a:fontRef>
+        </p:style>
+      </p:cxnSp>
     </p:spTree>
     <p:extLst>
       <p:ext uri="{BB962C8B-B14F-4D97-AF65-F5344CB8AC3E}">
-        <p14:creationId xmlns:p14="http://schemas.microsoft.com/office/powerpoint/2010/main" val="4167223570"/>
+        <p14:creationId xmlns:p14="http://schemas.microsoft.com/office/powerpoint/2010/main" val="159244908"/>
       </p:ext>
     </p:extLst>
   </p:cSld>
@@ -10725,8 +10868,8 @@
           </a:prstGeom>
           <a:solidFill>
             <a:schemeClr val="accent5">
-              <a:lumMod val="20000"/>
-              <a:lumOff val="80000"/>
+              <a:lumMod val="40000"/>
+              <a:lumOff val="60000"/>
             </a:schemeClr>
           </a:solidFill>
           <a:ln>
@@ -10755,18 +10898,1165 @@
           <a:p>
             <a:pPr algn="ctr"/>
             <a:r>
-              <a:rPr lang="en-US" altLang="ko-KR" b="1" dirty="0" smtClean="0">
+              <a:rPr lang="ko-KR" altLang="en-US" b="1" dirty="0">
                 <a:solidFill>
                   <a:schemeClr val="tx1"/>
                 </a:solidFill>
                 <a:latin typeface="티머니 둥근바람 Regular" panose="02050503000000000000" pitchFamily="18" charset="-127"/>
                 <a:ea typeface="티머니 둥근바람 Regular" panose="02050503000000000000" pitchFamily="18" charset="-127"/>
               </a:rPr>
-              <a:t>HDFS</a:t>
+              <a:t>저장소</a:t>
             </a:r>
             <a:endParaRPr lang="ko-KR" altLang="en-US" b="1" dirty="0">
               <a:solidFill>
                 <a:schemeClr val="tx1"/>
+              </a:solidFill>
+              <a:latin typeface="티머니 둥근바람 Regular" panose="02050503000000000000" pitchFamily="18" charset="-127"/>
+              <a:ea typeface="티머니 둥근바람 Regular" panose="02050503000000000000" pitchFamily="18" charset="-127"/>
+            </a:endParaRPr>
+          </a:p>
+        </p:txBody>
+      </p:sp>
+      <p:sp>
+        <p:nvSpPr>
+          <p:cNvPr id="20" name="직사각형 19"/>
+          <p:cNvSpPr/>
+          <p:nvPr/>
+        </p:nvSpPr>
+        <p:spPr>
+          <a:xfrm>
+            <a:off x="3597561" y="1170411"/>
+            <a:ext cx="2061714" cy="1176644"/>
+          </a:xfrm>
+          <a:prstGeom prst="rect">
+            <a:avLst/>
+          </a:prstGeom>
+          <a:solidFill>
+            <a:schemeClr val="accent2">
+              <a:lumMod val="60000"/>
+              <a:lumOff val="40000"/>
+            </a:schemeClr>
+          </a:solidFill>
+          <a:ln>
+            <a:noFill/>
+          </a:ln>
+        </p:spPr>
+        <p:style>
+          <a:lnRef idx="2">
+            <a:schemeClr val="accent1">
+              <a:shade val="50000"/>
+            </a:schemeClr>
+          </a:lnRef>
+          <a:fillRef idx="1">
+            <a:schemeClr val="accent1"/>
+          </a:fillRef>
+          <a:effectRef idx="0">
+            <a:schemeClr val="accent1"/>
+          </a:effectRef>
+          <a:fontRef idx="minor">
+            <a:schemeClr val="lt1"/>
+          </a:fontRef>
+        </p:style>
+        <p:txBody>
+          <a:bodyPr rtlCol="0" anchor="ctr"/>
+          <a:lstStyle/>
+          <a:p>
+            <a:pPr algn="ctr"/>
+            <a:endParaRPr lang="ko-KR" altLang="en-US"/>
+          </a:p>
+        </p:txBody>
+      </p:sp>
+      <p:sp>
+        <p:nvSpPr>
+          <p:cNvPr id="27" name="직사각형 26"/>
+          <p:cNvSpPr/>
+          <p:nvPr/>
+        </p:nvSpPr>
+        <p:spPr>
+          <a:xfrm>
+            <a:off x="880585" y="4556914"/>
+            <a:ext cx="2061714" cy="1069676"/>
+          </a:xfrm>
+          <a:prstGeom prst="rect">
+            <a:avLst/>
+          </a:prstGeom>
+          <a:solidFill>
+            <a:schemeClr val="accent6">
+              <a:lumMod val="40000"/>
+              <a:lumOff val="60000"/>
+            </a:schemeClr>
+          </a:solidFill>
+          <a:ln>
+            <a:noFill/>
+          </a:ln>
+        </p:spPr>
+        <p:style>
+          <a:lnRef idx="2">
+            <a:schemeClr val="accent1">
+              <a:shade val="50000"/>
+            </a:schemeClr>
+          </a:lnRef>
+          <a:fillRef idx="1">
+            <a:schemeClr val="accent1"/>
+          </a:fillRef>
+          <a:effectRef idx="0">
+            <a:schemeClr val="accent1"/>
+          </a:effectRef>
+          <a:fontRef idx="minor">
+            <a:schemeClr val="lt1"/>
+          </a:fontRef>
+        </p:style>
+        <p:txBody>
+          <a:bodyPr rtlCol="0" anchor="ctr"/>
+          <a:lstStyle/>
+          <a:p>
+            <a:pPr algn="ctr"/>
+            <a:endParaRPr lang="ko-KR" altLang="en-US"/>
+          </a:p>
+        </p:txBody>
+      </p:sp>
+      <p:sp>
+        <p:nvSpPr>
+          <p:cNvPr id="28" name="직사각형 27"/>
+          <p:cNvSpPr/>
+          <p:nvPr/>
+        </p:nvSpPr>
+        <p:spPr>
+          <a:xfrm>
+            <a:off x="3597561" y="4556914"/>
+            <a:ext cx="2061714" cy="1069676"/>
+          </a:xfrm>
+          <a:prstGeom prst="rect">
+            <a:avLst/>
+          </a:prstGeom>
+          <a:solidFill>
+            <a:schemeClr val="accent6">
+              <a:lumMod val="40000"/>
+              <a:lumOff val="60000"/>
+            </a:schemeClr>
+          </a:solidFill>
+          <a:ln>
+            <a:noFill/>
+          </a:ln>
+        </p:spPr>
+        <p:style>
+          <a:lnRef idx="2">
+            <a:schemeClr val="accent1">
+              <a:shade val="50000"/>
+            </a:schemeClr>
+          </a:lnRef>
+          <a:fillRef idx="1">
+            <a:schemeClr val="accent1"/>
+          </a:fillRef>
+          <a:effectRef idx="0">
+            <a:schemeClr val="accent1"/>
+          </a:effectRef>
+          <a:fontRef idx="minor">
+            <a:schemeClr val="lt1"/>
+          </a:fontRef>
+        </p:style>
+        <p:txBody>
+          <a:bodyPr rtlCol="0" anchor="ctr"/>
+          <a:lstStyle/>
+          <a:p>
+            <a:pPr algn="ctr"/>
+            <a:endParaRPr lang="ko-KR" altLang="en-US"/>
+          </a:p>
+        </p:txBody>
+      </p:sp>
+      <p:sp>
+        <p:nvSpPr>
+          <p:cNvPr id="29" name="직사각형 28"/>
+          <p:cNvSpPr/>
+          <p:nvPr/>
+        </p:nvSpPr>
+        <p:spPr>
+          <a:xfrm>
+            <a:off x="6314537" y="4556914"/>
+            <a:ext cx="2061714" cy="1069676"/>
+          </a:xfrm>
+          <a:prstGeom prst="rect">
+            <a:avLst/>
+          </a:prstGeom>
+          <a:solidFill>
+            <a:schemeClr val="accent6">
+              <a:lumMod val="40000"/>
+              <a:lumOff val="60000"/>
+            </a:schemeClr>
+          </a:solidFill>
+          <a:ln>
+            <a:noFill/>
+          </a:ln>
+        </p:spPr>
+        <p:style>
+          <a:lnRef idx="2">
+            <a:schemeClr val="accent1">
+              <a:shade val="50000"/>
+            </a:schemeClr>
+          </a:lnRef>
+          <a:fillRef idx="1">
+            <a:schemeClr val="accent1"/>
+          </a:fillRef>
+          <a:effectRef idx="0">
+            <a:schemeClr val="accent1"/>
+          </a:effectRef>
+          <a:fontRef idx="minor">
+            <a:schemeClr val="lt1"/>
+          </a:fontRef>
+        </p:style>
+        <p:txBody>
+          <a:bodyPr rtlCol="0" anchor="ctr"/>
+          <a:lstStyle/>
+          <a:p>
+            <a:pPr algn="ctr"/>
+            <a:endParaRPr lang="ko-KR" altLang="en-US"/>
+          </a:p>
+        </p:txBody>
+      </p:sp>
+      <p:sp>
+        <p:nvSpPr>
+          <p:cNvPr id="30" name="TextBox 29"/>
+          <p:cNvSpPr txBox="1"/>
+          <p:nvPr/>
+        </p:nvSpPr>
+        <p:spPr>
+          <a:xfrm>
+            <a:off x="4111638" y="890998"/>
+            <a:ext cx="1033560" cy="276999"/>
+          </a:xfrm>
+          <a:prstGeom prst="rect">
+            <a:avLst/>
+          </a:prstGeom>
+          <a:solidFill>
+            <a:schemeClr val="bg1"/>
+          </a:solidFill>
+        </p:spPr>
+        <p:txBody>
+          <a:bodyPr wrap="square" rtlCol="0" anchor="ctr">
+            <a:spAutoFit/>
+          </a:bodyPr>
+          <a:lstStyle/>
+          <a:p>
+            <a:pPr algn="ctr"/>
+            <a:r>
+              <a:rPr lang="en-US" altLang="ko-KR" sz="1200" dirty="0" smtClean="0">
+                <a:solidFill>
+                  <a:schemeClr val="tx1"/>
+                </a:solidFill>
+                <a:latin typeface="티머니 둥근바람 Regular" panose="02050503000000000000" pitchFamily="18" charset="-127"/>
+                <a:ea typeface="티머니 둥근바람 Regular" panose="02050503000000000000" pitchFamily="18" charset="-127"/>
+              </a:rPr>
+              <a:t>Master</a:t>
+            </a:r>
+            <a:endParaRPr lang="ko-KR" altLang="en-US" sz="1200" dirty="0">
+              <a:solidFill>
+                <a:schemeClr val="tx1"/>
+              </a:solidFill>
+              <a:latin typeface="티머니 둥근바람 Regular" panose="02050503000000000000" pitchFamily="18" charset="-127"/>
+              <a:ea typeface="티머니 둥근바람 Regular" panose="02050503000000000000" pitchFamily="18" charset="-127"/>
+            </a:endParaRPr>
+          </a:p>
+        </p:txBody>
+      </p:sp>
+      <p:sp>
+        <p:nvSpPr>
+          <p:cNvPr id="31" name="TextBox 30"/>
+          <p:cNvSpPr txBox="1"/>
+          <p:nvPr/>
+        </p:nvSpPr>
+        <p:spPr>
+          <a:xfrm>
+            <a:off x="1394662" y="4280197"/>
+            <a:ext cx="1033560" cy="276999"/>
+          </a:xfrm>
+          <a:prstGeom prst="rect">
+            <a:avLst/>
+          </a:prstGeom>
+          <a:solidFill>
+            <a:schemeClr val="bg1"/>
+          </a:solidFill>
+        </p:spPr>
+        <p:txBody>
+          <a:bodyPr wrap="square" rtlCol="0" anchor="ctr">
+            <a:spAutoFit/>
+          </a:bodyPr>
+          <a:lstStyle/>
+          <a:p>
+            <a:pPr algn="ctr"/>
+            <a:r>
+              <a:rPr lang="en-US" altLang="ko-KR" sz="1200" dirty="0" smtClean="0">
+                <a:solidFill>
+                  <a:schemeClr val="tx1"/>
+                </a:solidFill>
+                <a:latin typeface="티머니 둥근바람 Regular" panose="02050503000000000000" pitchFamily="18" charset="-127"/>
+                <a:ea typeface="티머니 둥근바람 Regular" panose="02050503000000000000" pitchFamily="18" charset="-127"/>
+              </a:rPr>
+              <a:t>Worker</a:t>
+            </a:r>
+            <a:endParaRPr lang="ko-KR" altLang="en-US" sz="1200" dirty="0">
+              <a:solidFill>
+                <a:schemeClr val="tx1"/>
+              </a:solidFill>
+              <a:latin typeface="티머니 둥근바람 Regular" panose="02050503000000000000" pitchFamily="18" charset="-127"/>
+              <a:ea typeface="티머니 둥근바람 Regular" panose="02050503000000000000" pitchFamily="18" charset="-127"/>
+            </a:endParaRPr>
+          </a:p>
+        </p:txBody>
+      </p:sp>
+      <p:sp>
+        <p:nvSpPr>
+          <p:cNvPr id="32" name="TextBox 31"/>
+          <p:cNvSpPr txBox="1"/>
+          <p:nvPr/>
+        </p:nvSpPr>
+        <p:spPr>
+          <a:xfrm>
+            <a:off x="4111638" y="4280197"/>
+            <a:ext cx="1033560" cy="276999"/>
+          </a:xfrm>
+          <a:prstGeom prst="rect">
+            <a:avLst/>
+          </a:prstGeom>
+          <a:solidFill>
+            <a:schemeClr val="bg1"/>
+          </a:solidFill>
+        </p:spPr>
+        <p:txBody>
+          <a:bodyPr wrap="square" rtlCol="0" anchor="ctr">
+            <a:spAutoFit/>
+          </a:bodyPr>
+          <a:lstStyle/>
+          <a:p>
+            <a:pPr algn="ctr"/>
+            <a:r>
+              <a:rPr lang="en-US" altLang="ko-KR" sz="1200" dirty="0" smtClean="0">
+                <a:solidFill>
+                  <a:schemeClr val="tx1"/>
+                </a:solidFill>
+                <a:latin typeface="티머니 둥근바람 Regular" panose="02050503000000000000" pitchFamily="18" charset="-127"/>
+                <a:ea typeface="티머니 둥근바람 Regular" panose="02050503000000000000" pitchFamily="18" charset="-127"/>
+              </a:rPr>
+              <a:t>Worker</a:t>
+            </a:r>
+            <a:endParaRPr lang="ko-KR" altLang="en-US" sz="1200" dirty="0">
+              <a:solidFill>
+                <a:schemeClr val="tx1"/>
+              </a:solidFill>
+              <a:latin typeface="티머니 둥근바람 Regular" panose="02050503000000000000" pitchFamily="18" charset="-127"/>
+              <a:ea typeface="티머니 둥근바람 Regular" panose="02050503000000000000" pitchFamily="18" charset="-127"/>
+            </a:endParaRPr>
+          </a:p>
+        </p:txBody>
+      </p:sp>
+      <p:sp>
+        <p:nvSpPr>
+          <p:cNvPr id="33" name="TextBox 32"/>
+          <p:cNvSpPr txBox="1"/>
+          <p:nvPr/>
+        </p:nvSpPr>
+        <p:spPr>
+          <a:xfrm>
+            <a:off x="6828614" y="4279915"/>
+            <a:ext cx="1033560" cy="276999"/>
+          </a:xfrm>
+          <a:prstGeom prst="rect">
+            <a:avLst/>
+          </a:prstGeom>
+          <a:solidFill>
+            <a:schemeClr val="bg1"/>
+          </a:solidFill>
+        </p:spPr>
+        <p:txBody>
+          <a:bodyPr wrap="square" rtlCol="0" anchor="ctr">
+            <a:spAutoFit/>
+          </a:bodyPr>
+          <a:lstStyle/>
+          <a:p>
+            <a:pPr algn="ctr"/>
+            <a:r>
+              <a:rPr lang="en-US" altLang="ko-KR" sz="1200" dirty="0" smtClean="0">
+                <a:solidFill>
+                  <a:schemeClr val="tx1"/>
+                </a:solidFill>
+                <a:latin typeface="티머니 둥근바람 Regular" panose="02050503000000000000" pitchFamily="18" charset="-127"/>
+                <a:ea typeface="티머니 둥근바람 Regular" panose="02050503000000000000" pitchFamily="18" charset="-127"/>
+              </a:rPr>
+              <a:t>Worker</a:t>
+            </a:r>
+            <a:endParaRPr lang="ko-KR" altLang="en-US" sz="1200" dirty="0">
+              <a:solidFill>
+                <a:schemeClr val="tx1"/>
+              </a:solidFill>
+              <a:latin typeface="티머니 둥근바람 Regular" panose="02050503000000000000" pitchFamily="18" charset="-127"/>
+              <a:ea typeface="티머니 둥근바람 Regular" panose="02050503000000000000" pitchFamily="18" charset="-127"/>
+            </a:endParaRPr>
+          </a:p>
+        </p:txBody>
+      </p:sp>
+      <p:grpSp>
+        <p:nvGrpSpPr>
+          <p:cNvPr id="14" name="그룹 13"/>
+          <p:cNvGrpSpPr/>
+          <p:nvPr/>
+        </p:nvGrpSpPr>
+        <p:grpSpPr>
+          <a:xfrm>
+            <a:off x="3597560" y="2815255"/>
+            <a:ext cx="2061716" cy="931431"/>
+            <a:chOff x="3597560" y="2872403"/>
+            <a:chExt cx="2061716" cy="931431"/>
+          </a:xfrm>
+        </p:grpSpPr>
+        <p:sp>
+          <p:nvSpPr>
+            <p:cNvPr id="3" name="타원 2"/>
+            <p:cNvSpPr/>
+            <p:nvPr/>
+          </p:nvSpPr>
+          <p:spPr>
+            <a:xfrm>
+              <a:off x="3597560" y="2872403"/>
+              <a:ext cx="2061716" cy="931431"/>
+            </a:xfrm>
+            <a:prstGeom prst="ellipse">
+              <a:avLst/>
+            </a:prstGeom>
+            <a:solidFill>
+              <a:schemeClr val="accent4">
+                <a:lumMod val="40000"/>
+                <a:lumOff val="60000"/>
+              </a:schemeClr>
+            </a:solidFill>
+            <a:ln>
+              <a:noFill/>
+            </a:ln>
+          </p:spPr>
+          <p:style>
+            <a:lnRef idx="2">
+              <a:schemeClr val="accent1">
+                <a:shade val="50000"/>
+              </a:schemeClr>
+            </a:lnRef>
+            <a:fillRef idx="1">
+              <a:schemeClr val="accent1"/>
+            </a:fillRef>
+            <a:effectRef idx="0">
+              <a:schemeClr val="accent1"/>
+            </a:effectRef>
+            <a:fontRef idx="minor">
+              <a:schemeClr val="lt1"/>
+            </a:fontRef>
+          </p:style>
+          <p:txBody>
+            <a:bodyPr rtlCol="0" anchor="ctr"/>
+            <a:lstStyle/>
+            <a:p>
+              <a:pPr algn="ctr"/>
+              <a:endParaRPr lang="ko-KR" altLang="en-US"/>
+            </a:p>
+          </p:txBody>
+        </p:sp>
+        <p:sp>
+          <p:nvSpPr>
+            <p:cNvPr id="21" name="TextBox 20"/>
+            <p:cNvSpPr txBox="1"/>
+            <p:nvPr/>
+          </p:nvSpPr>
+          <p:spPr>
+            <a:xfrm>
+              <a:off x="3796138" y="3199618"/>
+              <a:ext cx="1664560" cy="276999"/>
+            </a:xfrm>
+            <a:prstGeom prst="rect">
+              <a:avLst/>
+            </a:prstGeom>
+            <a:noFill/>
+          </p:spPr>
+          <p:txBody>
+            <a:bodyPr wrap="square" rtlCol="0" anchor="ctr">
+              <a:spAutoFit/>
+            </a:bodyPr>
+            <a:lstStyle/>
+            <a:p>
+              <a:pPr algn="ctr"/>
+              <a:r>
+                <a:rPr lang="en-US" altLang="ko-KR" sz="1200" dirty="0" smtClean="0">
+                  <a:solidFill>
+                    <a:schemeClr val="tx1"/>
+                  </a:solidFill>
+                  <a:latin typeface="티머니 둥근바람 Regular" panose="02050503000000000000" pitchFamily="18" charset="-127"/>
+                  <a:ea typeface="티머니 둥근바람 Regular" panose="02050503000000000000" pitchFamily="18" charset="-127"/>
+                </a:rPr>
+                <a:t>Cluster Manager</a:t>
+              </a:r>
+              <a:endParaRPr lang="ko-KR" altLang="en-US" sz="1200" dirty="0">
+                <a:solidFill>
+                  <a:schemeClr val="tx1"/>
+                </a:solidFill>
+                <a:latin typeface="티머니 둥근바람 Regular" panose="02050503000000000000" pitchFamily="18" charset="-127"/>
+                <a:ea typeface="티머니 둥근바람 Regular" panose="02050503000000000000" pitchFamily="18" charset="-127"/>
+              </a:endParaRPr>
+            </a:p>
+          </p:txBody>
+        </p:sp>
+      </p:grpSp>
+      <p:cxnSp>
+        <p:nvCxnSpPr>
+          <p:cNvPr id="22" name="직선 화살표 연결선 21"/>
+          <p:cNvCxnSpPr>
+            <a:stCxn id="20" idx="2"/>
+            <a:endCxn id="3" idx="0"/>
+          </p:cNvCxnSpPr>
+          <p:nvPr/>
+        </p:nvCxnSpPr>
+        <p:spPr>
+          <a:xfrm>
+            <a:off x="4628418" y="2347055"/>
+            <a:ext cx="0" cy="468200"/>
+          </a:xfrm>
+          <a:prstGeom prst="straightConnector1">
+            <a:avLst/>
+          </a:prstGeom>
+          <a:ln w="28575">
+            <a:solidFill>
+              <a:schemeClr val="accent1"/>
+            </a:solidFill>
+            <a:tailEnd type="triangle"/>
+          </a:ln>
+        </p:spPr>
+        <p:style>
+          <a:lnRef idx="1">
+            <a:schemeClr val="accent1"/>
+          </a:lnRef>
+          <a:fillRef idx="0">
+            <a:schemeClr val="accent1"/>
+          </a:fillRef>
+          <a:effectRef idx="0">
+            <a:schemeClr val="accent1"/>
+          </a:effectRef>
+          <a:fontRef idx="minor">
+            <a:schemeClr val="tx1"/>
+          </a:fontRef>
+        </p:style>
+      </p:cxnSp>
+      <p:pic>
+        <p:nvPicPr>
+          <p:cNvPr id="26" name="Picture 2" descr="Developer Icon Vector Art, Icons, and Graphics for Free Download"/>
+          <p:cNvPicPr>
+            <a:picLocks noChangeAspect="1" noChangeArrowheads="1"/>
+          </p:cNvPicPr>
+          <p:nvPr/>
+        </p:nvPicPr>
+        <p:blipFill>
+          <a:blip r:embed="rId3">
+            <a:extLst>
+              <a:ext uri="{28A0092B-C50C-407E-A947-70E740481C1C}">
+                <a14:useLocalDpi xmlns:a14="http://schemas.microsoft.com/office/drawing/2010/main" val="0"/>
+              </a:ext>
+            </a:extLst>
+          </a:blip>
+          <a:srcRect/>
+          <a:stretch>
+            <a:fillRect/>
+          </a:stretch>
+        </p:blipFill>
+        <p:spPr bwMode="auto">
+          <a:xfrm>
+            <a:off x="6880165" y="1226547"/>
+            <a:ext cx="1075323" cy="1075323"/>
+          </a:xfrm>
+          <a:prstGeom prst="rect">
+            <a:avLst/>
+          </a:prstGeom>
+          <a:noFill/>
+          <a:extLst>
+            <a:ext uri="{909E8E84-426E-40DD-AFC4-6F175D3DCCD1}">
+              <a14:hiddenFill xmlns:a14="http://schemas.microsoft.com/office/drawing/2010/main">
+                <a:solidFill>
+                  <a:srgbClr val="FFFFFF"/>
+                </a:solidFill>
+              </a14:hiddenFill>
+            </a:ext>
+          </a:extLst>
+        </p:spPr>
+      </p:pic>
+      <p:sp>
+        <p:nvSpPr>
+          <p:cNvPr id="36" name="직사각형 35"/>
+          <p:cNvSpPr/>
+          <p:nvPr/>
+        </p:nvSpPr>
+        <p:spPr>
+          <a:xfrm>
+            <a:off x="3853920" y="1324526"/>
+            <a:ext cx="1548995" cy="884030"/>
+          </a:xfrm>
+          <a:prstGeom prst="rect">
+            <a:avLst/>
+          </a:prstGeom>
+          <a:noFill/>
+          <a:ln>
+            <a:solidFill>
+              <a:schemeClr val="accent2">
+                <a:lumMod val="75000"/>
+              </a:schemeClr>
+            </a:solidFill>
+          </a:ln>
+        </p:spPr>
+        <p:style>
+          <a:lnRef idx="2">
+            <a:schemeClr val="accent1">
+              <a:shade val="50000"/>
+            </a:schemeClr>
+          </a:lnRef>
+          <a:fillRef idx="1">
+            <a:schemeClr val="accent1"/>
+          </a:fillRef>
+          <a:effectRef idx="0">
+            <a:schemeClr val="accent1"/>
+          </a:effectRef>
+          <a:fontRef idx="minor">
+            <a:schemeClr val="lt1"/>
+          </a:fontRef>
+        </p:style>
+        <p:txBody>
+          <a:bodyPr rtlCol="0" anchor="ctr"/>
+          <a:lstStyle/>
+          <a:p>
+            <a:pPr algn="ctr"/>
+            <a:endParaRPr lang="ko-KR" altLang="en-US"/>
+          </a:p>
+        </p:txBody>
+      </p:sp>
+      <p:sp>
+        <p:nvSpPr>
+          <p:cNvPr id="37" name="TextBox 36"/>
+          <p:cNvSpPr txBox="1"/>
+          <p:nvPr/>
+        </p:nvSpPr>
+        <p:spPr>
+          <a:xfrm>
+            <a:off x="3853920" y="1329716"/>
+            <a:ext cx="641759" cy="276999"/>
+          </a:xfrm>
+          <a:prstGeom prst="rect">
+            <a:avLst/>
+          </a:prstGeom>
+          <a:noFill/>
+        </p:spPr>
+        <p:txBody>
+          <a:bodyPr wrap="square" rtlCol="0" anchor="ctr">
+            <a:spAutoFit/>
+          </a:bodyPr>
+          <a:lstStyle/>
+          <a:p>
+            <a:pPr algn="ctr"/>
+            <a:r>
+              <a:rPr lang="en-US" altLang="ko-KR" sz="1200" dirty="0" smtClean="0">
+                <a:solidFill>
+                  <a:schemeClr val="tx1"/>
+                </a:solidFill>
+                <a:latin typeface="티머니 둥근바람 Regular" panose="02050503000000000000" pitchFamily="18" charset="-127"/>
+                <a:ea typeface="티머니 둥근바람 Regular" panose="02050503000000000000" pitchFamily="18" charset="-127"/>
+              </a:rPr>
+              <a:t>Driver</a:t>
+            </a:r>
+            <a:endParaRPr lang="ko-KR" altLang="en-US" sz="1200" dirty="0">
+              <a:solidFill>
+                <a:schemeClr val="tx1"/>
+              </a:solidFill>
+              <a:latin typeface="티머니 둥근바람 Regular" panose="02050503000000000000" pitchFamily="18" charset="-127"/>
+              <a:ea typeface="티머니 둥근바람 Regular" panose="02050503000000000000" pitchFamily="18" charset="-127"/>
+            </a:endParaRPr>
+          </a:p>
+        </p:txBody>
+      </p:sp>
+      <p:sp>
+        <p:nvSpPr>
+          <p:cNvPr id="2" name="모서리가 둥근 직사각형 1"/>
+          <p:cNvSpPr/>
+          <p:nvPr/>
+        </p:nvSpPr>
+        <p:spPr>
+          <a:xfrm>
+            <a:off x="4019599" y="1711543"/>
+            <a:ext cx="1217636" cy="323573"/>
+          </a:xfrm>
+          <a:prstGeom prst="roundRect">
+            <a:avLst/>
+          </a:prstGeom>
+          <a:solidFill>
+            <a:schemeClr val="accent2">
+              <a:lumMod val="75000"/>
+            </a:schemeClr>
+          </a:solidFill>
+          <a:ln>
+            <a:noFill/>
+          </a:ln>
+        </p:spPr>
+        <p:style>
+          <a:lnRef idx="2">
+            <a:schemeClr val="accent1">
+              <a:shade val="50000"/>
+            </a:schemeClr>
+          </a:lnRef>
+          <a:fillRef idx="1">
+            <a:schemeClr val="accent1"/>
+          </a:fillRef>
+          <a:effectRef idx="0">
+            <a:schemeClr val="accent1"/>
+          </a:effectRef>
+          <a:fontRef idx="minor">
+            <a:schemeClr val="lt1"/>
+          </a:fontRef>
+        </p:style>
+        <p:txBody>
+          <a:bodyPr rtlCol="0" anchor="ctr"/>
+          <a:lstStyle/>
+          <a:p>
+            <a:pPr algn="ctr"/>
+            <a:r>
+              <a:rPr lang="en-US" altLang="ko-KR" sz="1100" dirty="0" smtClean="0">
+                <a:latin typeface="티머니 둥근바람 Regular" panose="02050503000000000000" pitchFamily="18" charset="-127"/>
+                <a:ea typeface="티머니 둥근바람 Regular" panose="02050503000000000000" pitchFamily="18" charset="-127"/>
+              </a:rPr>
+              <a:t>Spark Context</a:t>
+            </a:r>
+            <a:endParaRPr lang="ko-KR" altLang="en-US" sz="1100" dirty="0">
+              <a:latin typeface="티머니 둥근바람 Regular" panose="02050503000000000000" pitchFamily="18" charset="-127"/>
+              <a:ea typeface="티머니 둥근바람 Regular" panose="02050503000000000000" pitchFamily="18" charset="-127"/>
+            </a:endParaRPr>
+          </a:p>
+        </p:txBody>
+      </p:sp>
+      <p:cxnSp>
+        <p:nvCxnSpPr>
+          <p:cNvPr id="39" name="직선 연결선 38"/>
+          <p:cNvCxnSpPr/>
+          <p:nvPr/>
+        </p:nvCxnSpPr>
+        <p:spPr>
+          <a:xfrm flipH="1">
+            <a:off x="1911442" y="3746686"/>
+            <a:ext cx="2716976" cy="533511"/>
+          </a:xfrm>
+          <a:prstGeom prst="line">
+            <a:avLst/>
+          </a:prstGeom>
+          <a:ln w="12700">
+            <a:solidFill>
+              <a:schemeClr val="tx1"/>
+            </a:solidFill>
+          </a:ln>
+        </p:spPr>
+        <p:style>
+          <a:lnRef idx="1">
+            <a:schemeClr val="accent1"/>
+          </a:lnRef>
+          <a:fillRef idx="0">
+            <a:schemeClr val="accent1"/>
+          </a:fillRef>
+          <a:effectRef idx="0">
+            <a:schemeClr val="accent1"/>
+          </a:effectRef>
+          <a:fontRef idx="minor">
+            <a:schemeClr val="tx1"/>
+          </a:fontRef>
+        </p:style>
+      </p:cxnSp>
+      <p:cxnSp>
+        <p:nvCxnSpPr>
+          <p:cNvPr id="40" name="직선 연결선 39"/>
+          <p:cNvCxnSpPr/>
+          <p:nvPr/>
+        </p:nvCxnSpPr>
+        <p:spPr>
+          <a:xfrm>
+            <a:off x="4628418" y="3746686"/>
+            <a:ext cx="0" cy="533511"/>
+          </a:xfrm>
+          <a:prstGeom prst="line">
+            <a:avLst/>
+          </a:prstGeom>
+          <a:ln w="12700">
+            <a:solidFill>
+              <a:schemeClr val="tx1"/>
+            </a:solidFill>
+          </a:ln>
+        </p:spPr>
+        <p:style>
+          <a:lnRef idx="1">
+            <a:schemeClr val="accent1"/>
+          </a:lnRef>
+          <a:fillRef idx="0">
+            <a:schemeClr val="accent1"/>
+          </a:fillRef>
+          <a:effectRef idx="0">
+            <a:schemeClr val="accent1"/>
+          </a:effectRef>
+          <a:fontRef idx="minor">
+            <a:schemeClr val="tx1"/>
+          </a:fontRef>
+        </p:style>
+      </p:cxnSp>
+      <p:cxnSp>
+        <p:nvCxnSpPr>
+          <p:cNvPr id="41" name="직선 연결선 40"/>
+          <p:cNvCxnSpPr/>
+          <p:nvPr/>
+        </p:nvCxnSpPr>
+        <p:spPr>
+          <a:xfrm>
+            <a:off x="4628418" y="3746686"/>
+            <a:ext cx="2716976" cy="533229"/>
+          </a:xfrm>
+          <a:prstGeom prst="line">
+            <a:avLst/>
+          </a:prstGeom>
+          <a:ln w="12700">
+            <a:solidFill>
+              <a:schemeClr val="tx1"/>
+            </a:solidFill>
+          </a:ln>
+        </p:spPr>
+        <p:style>
+          <a:lnRef idx="1">
+            <a:schemeClr val="accent1"/>
+          </a:lnRef>
+          <a:fillRef idx="0">
+            <a:schemeClr val="accent1"/>
+          </a:fillRef>
+          <a:effectRef idx="0">
+            <a:schemeClr val="accent1"/>
+          </a:effectRef>
+          <a:fontRef idx="minor">
+            <a:schemeClr val="tx1"/>
+          </a:fontRef>
+        </p:style>
+      </p:cxnSp>
+      <p:sp>
+        <p:nvSpPr>
+          <p:cNvPr id="42" name="TextBox 41"/>
+          <p:cNvSpPr txBox="1"/>
+          <p:nvPr/>
+        </p:nvSpPr>
+        <p:spPr>
+          <a:xfrm>
+            <a:off x="2219219" y="2442655"/>
+            <a:ext cx="2409198" cy="276999"/>
+          </a:xfrm>
+          <a:prstGeom prst="rect">
+            <a:avLst/>
+          </a:prstGeom>
+          <a:noFill/>
+        </p:spPr>
+        <p:txBody>
+          <a:bodyPr wrap="square" rtlCol="0" anchor="ctr">
+            <a:spAutoFit/>
+          </a:bodyPr>
+          <a:lstStyle/>
+          <a:p>
+            <a:pPr algn="ctr"/>
+            <a:r>
+              <a:rPr lang="ko-KR" altLang="en-US" sz="1200" dirty="0" smtClean="0">
+                <a:solidFill>
+                  <a:schemeClr val="tx1"/>
+                </a:solidFill>
+                <a:latin typeface="티머니 둥근바람 Regular" panose="02050503000000000000" pitchFamily="18" charset="-127"/>
+                <a:ea typeface="티머니 둥근바람 Regular" panose="02050503000000000000" pitchFamily="18" charset="-127"/>
+              </a:rPr>
+              <a:t>자원 할당 요청 </a:t>
+            </a:r>
+            <a:r>
+              <a:rPr lang="en-US" altLang="ko-KR" sz="1200" dirty="0" smtClean="0">
+                <a:solidFill>
+                  <a:schemeClr val="tx1"/>
+                </a:solidFill>
+                <a:latin typeface="티머니 둥근바람 Regular" panose="02050503000000000000" pitchFamily="18" charset="-127"/>
+                <a:ea typeface="티머니 둥근바람 Regular" panose="02050503000000000000" pitchFamily="18" charset="-127"/>
+              </a:rPr>
+              <a:t>&amp; </a:t>
+            </a:r>
+            <a:r>
+              <a:rPr lang="ko-KR" altLang="en-US" sz="1200" dirty="0" smtClean="0">
+                <a:solidFill>
+                  <a:schemeClr val="tx1"/>
+                </a:solidFill>
+                <a:latin typeface="티머니 둥근바람 Regular" panose="02050503000000000000" pitchFamily="18" charset="-127"/>
+                <a:ea typeface="티머니 둥근바람 Regular" panose="02050503000000000000" pitchFamily="18" charset="-127"/>
+              </a:rPr>
+              <a:t>실행 계획 전달</a:t>
+            </a:r>
+            <a:endParaRPr lang="ko-KR" altLang="en-US" sz="1200" dirty="0">
+              <a:solidFill>
+                <a:schemeClr val="tx1"/>
+              </a:solidFill>
+              <a:latin typeface="티머니 둥근바람 Regular" panose="02050503000000000000" pitchFamily="18" charset="-127"/>
+              <a:ea typeface="티머니 둥근바람 Regular" panose="02050503000000000000" pitchFamily="18" charset="-127"/>
+            </a:endParaRPr>
+          </a:p>
+        </p:txBody>
+      </p:sp>
+    </p:spTree>
+    <p:extLst>
+      <p:ext uri="{BB962C8B-B14F-4D97-AF65-F5344CB8AC3E}">
+        <p14:creationId xmlns:p14="http://schemas.microsoft.com/office/powerpoint/2010/main" val="4167223570"/>
+      </p:ext>
+    </p:extLst>
+  </p:cSld>
+  <p:clrMapOvr>
+    <a:masterClrMapping/>
+  </p:clrMapOvr>
+  <p:timing>
+    <p:tnLst>
+      <p:par>
+        <p:cTn id="1" dur="indefinite" restart="never" nodeType="tmRoot"/>
+      </p:par>
+    </p:tnLst>
+  </p:timing>
+</p:sld>
+</file>
+
+<file path=ppt/slides/slide12.xml><?xml version="1.0" encoding="utf-8"?>
+<p:sld xmlns:a="http://schemas.openxmlformats.org/drawingml/2006/main" xmlns:r="http://schemas.openxmlformats.org/officeDocument/2006/relationships" xmlns:p="http://schemas.openxmlformats.org/presentationml/2006/main">
+  <p:cSld>
+    <p:spTree>
+      <p:nvGrpSpPr>
+        <p:cNvPr id="1" name="Shape 26"/>
+        <p:cNvGrpSpPr/>
+        <p:nvPr/>
+      </p:nvGrpSpPr>
+      <p:grpSpPr>
+        <a:xfrm>
+          <a:off x="0" y="0"/>
+          <a:ext cx="0" cy="0"/>
+          <a:chOff x="0" y="0"/>
+          <a:chExt cx="0" cy="0"/>
+        </a:xfrm>
+      </p:grpSpPr>
+      <p:sp>
+        <p:nvSpPr>
+          <p:cNvPr id="5" name="Google Shape;28;p1"/>
+          <p:cNvSpPr txBox="1"/>
+          <p:nvPr/>
+        </p:nvSpPr>
+        <p:spPr>
+          <a:xfrm>
+            <a:off x="285720" y="214290"/>
+            <a:ext cx="8242846" cy="296842"/>
+          </a:xfrm>
+          <a:prstGeom prst="rect">
+            <a:avLst/>
+          </a:prstGeom>
+          <a:noFill/>
+          <a:ln>
+            <a:noFill/>
+          </a:ln>
+        </p:spPr>
+        <p:txBody>
+          <a:bodyPr spcFirstLastPara="1" wrap="square" lIns="0" tIns="0" rIns="0" bIns="0" anchor="t" anchorCtr="0">
+            <a:noAutofit/>
+          </a:bodyPr>
+          <a:lstStyle/>
+          <a:p>
+            <a:pPr marL="0" marR="0" lvl="0" indent="0" algn="l" rtl="0">
+              <a:lnSpc>
+                <a:spcPct val="100000"/>
+              </a:lnSpc>
+              <a:spcBef>
+                <a:spcPts val="0"/>
+              </a:spcBef>
+              <a:spcAft>
+                <a:spcPts val="0"/>
+              </a:spcAft>
+              <a:buClr>
+                <a:srgbClr val="000000"/>
+              </a:buClr>
+              <a:buSzPts val="1800"/>
+              <a:buFont typeface="Arial"/>
+              <a:buNone/>
+            </a:pPr>
+            <a:endParaRPr sz="1800" b="1" i="0" u="none" strike="noStrike" cap="none" dirty="0">
+              <a:solidFill>
+                <a:srgbClr val="000000"/>
+              </a:solidFill>
+              <a:latin typeface="+mn-ea"/>
+              <a:ea typeface="+mn-ea"/>
+              <a:cs typeface="Malgun Gothic"/>
+              <a:sym typeface="Malgun Gothic"/>
+            </a:endParaRPr>
+          </a:p>
+        </p:txBody>
+      </p:sp>
+      <p:sp>
+        <p:nvSpPr>
+          <p:cNvPr id="7" name="Google Shape;28;p1"/>
+          <p:cNvSpPr txBox="1"/>
+          <p:nvPr/>
+        </p:nvSpPr>
+        <p:spPr>
+          <a:xfrm>
+            <a:off x="647670" y="216704"/>
+            <a:ext cx="5323180" cy="296842"/>
+          </a:xfrm>
+          <a:prstGeom prst="rect">
+            <a:avLst/>
+          </a:prstGeom>
+          <a:noFill/>
+          <a:ln>
+            <a:noFill/>
+          </a:ln>
+        </p:spPr>
+        <p:txBody>
+          <a:bodyPr spcFirstLastPara="1" wrap="square" lIns="0" tIns="0" rIns="0" bIns="0" anchor="t" anchorCtr="0">
+            <a:noAutofit/>
+          </a:bodyPr>
+          <a:lstStyle/>
+          <a:p>
+            <a:pPr lvl="0">
+              <a:buSzPts val="1800"/>
+            </a:pPr>
+            <a:r>
+              <a:rPr lang="ko-KR" altLang="en-US" sz="2000" b="1" dirty="0" smtClean="0">
+                <a:solidFill>
+                  <a:schemeClr val="accent3">
+                    <a:lumMod val="50000"/>
+                  </a:schemeClr>
+                </a:solidFill>
+                <a:latin typeface="티머니 둥근바람 Regular" panose="02050503000000000000" pitchFamily="18" charset="-127"/>
+                <a:ea typeface="티머니 둥근바람 Regular" panose="02050503000000000000" pitchFamily="18" charset="-127"/>
+                <a:cs typeface="Malgun Gothic"/>
+                <a:sym typeface="Malgun Gothic"/>
+              </a:rPr>
+              <a:t>아파치 스파크의 기본 아키텍처</a:t>
+            </a:r>
+            <a:endParaRPr lang="ko-KR" altLang="en-US" sz="2000" b="1" dirty="0">
+              <a:solidFill>
+                <a:schemeClr val="accent3">
+                  <a:lumMod val="50000"/>
+                </a:schemeClr>
+              </a:solidFill>
+              <a:latin typeface="티머니 둥근바람 Regular" panose="02050503000000000000" pitchFamily="18" charset="-127"/>
+              <a:ea typeface="티머니 둥근바람 Regular" panose="02050503000000000000" pitchFamily="18" charset="-127"/>
+              <a:cs typeface="Malgun Gothic"/>
+              <a:sym typeface="Malgun Gothic"/>
+            </a:endParaRPr>
+          </a:p>
+        </p:txBody>
+      </p:sp>
+      <p:sp>
+        <p:nvSpPr>
+          <p:cNvPr id="8" name="이등변 삼각형 7"/>
+          <p:cNvSpPr/>
+          <p:nvPr/>
+        </p:nvSpPr>
+        <p:spPr>
+          <a:xfrm rot="5400000">
+            <a:off x="215110" y="254528"/>
+            <a:ext cx="242880" cy="221195"/>
+          </a:xfrm>
+          <a:prstGeom prst="triangle">
+            <a:avLst/>
+          </a:prstGeom>
+          <a:solidFill>
+            <a:schemeClr val="accent3">
+              <a:lumMod val="50000"/>
+            </a:schemeClr>
+          </a:solidFill>
+          <a:ln>
+            <a:noFill/>
+          </a:ln>
+        </p:spPr>
+        <p:style>
+          <a:lnRef idx="2">
+            <a:schemeClr val="accent1">
+              <a:shade val="50000"/>
+            </a:schemeClr>
+          </a:lnRef>
+          <a:fillRef idx="1">
+            <a:schemeClr val="accent1"/>
+          </a:fillRef>
+          <a:effectRef idx="0">
+            <a:schemeClr val="accent1"/>
+          </a:effectRef>
+          <a:fontRef idx="minor">
+            <a:schemeClr val="lt1"/>
+          </a:fontRef>
+        </p:style>
+        <p:txBody>
+          <a:bodyPr rtlCol="0" anchor="ctr"/>
+          <a:lstStyle/>
+          <a:p>
+            <a:pPr algn="ctr"/>
+            <a:endParaRPr lang="ko-KR" altLang="en-US">
+              <a:latin typeface="티머니 둥근바람 Regular" panose="02050503000000000000" pitchFamily="18" charset="-127"/>
+              <a:ea typeface="티머니 둥근바람 Regular" panose="02050503000000000000" pitchFamily="18" charset="-127"/>
+            </a:endParaRPr>
+          </a:p>
+        </p:txBody>
+      </p:sp>
+      <p:sp>
+        <p:nvSpPr>
+          <p:cNvPr id="19" name="직사각형 18"/>
+          <p:cNvSpPr/>
+          <p:nvPr/>
+        </p:nvSpPr>
+        <p:spPr>
+          <a:xfrm>
+            <a:off x="880585" y="5934973"/>
+            <a:ext cx="7495666" cy="422694"/>
+          </a:xfrm>
+          <a:prstGeom prst="rect">
+            <a:avLst/>
+          </a:prstGeom>
+          <a:solidFill>
+            <a:schemeClr val="accent5">
+              <a:lumMod val="20000"/>
+              <a:lumOff val="80000"/>
+            </a:schemeClr>
+          </a:solidFill>
+          <a:ln>
+            <a:noFill/>
+          </a:ln>
+        </p:spPr>
+        <p:style>
+          <a:lnRef idx="2">
+            <a:schemeClr val="accent1">
+              <a:shade val="50000"/>
+            </a:schemeClr>
+          </a:lnRef>
+          <a:fillRef idx="1">
+            <a:schemeClr val="accent1"/>
+          </a:fillRef>
+          <a:effectRef idx="0">
+            <a:schemeClr val="accent1"/>
+          </a:effectRef>
+          <a:fontRef idx="minor">
+            <a:schemeClr val="lt1"/>
+          </a:fontRef>
+        </p:style>
+        <p:txBody>
+          <a:bodyPr rtlCol="0" anchor="ctr"/>
+          <a:lstStyle/>
+          <a:p>
+            <a:pPr algn="ctr"/>
+            <a:r>
+              <a:rPr lang="ko-KR" altLang="en-US" b="1" dirty="0">
+                <a:solidFill>
+                  <a:schemeClr val="bg1">
+                    <a:lumMod val="65000"/>
+                  </a:schemeClr>
+                </a:solidFill>
+                <a:latin typeface="티머니 둥근바람 Regular" panose="02050503000000000000" pitchFamily="18" charset="-127"/>
+                <a:ea typeface="티머니 둥근바람 Regular" panose="02050503000000000000" pitchFamily="18" charset="-127"/>
+              </a:rPr>
+              <a:t>저장소</a:t>
+            </a:r>
+            <a:endParaRPr lang="ko-KR" altLang="en-US" b="1" dirty="0">
+              <a:solidFill>
+                <a:schemeClr val="bg1">
+                  <a:lumMod val="65000"/>
+                </a:schemeClr>
               </a:solidFill>
               <a:latin typeface="티머니 둥근바람 Regular" panose="02050503000000000000" pitchFamily="18" charset="-127"/>
               <a:ea typeface="티머니 둥근바람 Regular" panose="02050503000000000000" pitchFamily="18" charset="-127"/>
@@ -12272,7 +13562,7 @@
 </p:sld>
 </file>
 
-<file path=ppt/slides/slide12.xml><?xml version="1.0" encoding="utf-8"?>
+<file path=ppt/slides/slide13.xml><?xml version="1.0" encoding="utf-8"?>
 <p:sld xmlns:a="http://schemas.openxmlformats.org/drawingml/2006/main" xmlns:r="http://schemas.openxmlformats.org/officeDocument/2006/relationships" xmlns:p="http://schemas.openxmlformats.org/presentationml/2006/main">
   <p:cSld>
     <p:spTree>
@@ -12496,14 +13786,14 @@
           <a:p>
             <a:pPr algn="ctr"/>
             <a:r>
-              <a:rPr lang="en-US" altLang="ko-KR" b="1" dirty="0" smtClean="0">
+              <a:rPr lang="ko-KR" altLang="en-US" b="1" dirty="0">
                 <a:solidFill>
                   <a:schemeClr val="tx1"/>
                 </a:solidFill>
                 <a:latin typeface="티머니 둥근바람 Regular" panose="02050503000000000000" pitchFamily="18" charset="-127"/>
                 <a:ea typeface="티머니 둥근바람 Regular" panose="02050503000000000000" pitchFamily="18" charset="-127"/>
               </a:rPr>
-              <a:t>HDFS</a:t>
+              <a:t>저장소</a:t>
             </a:r>
             <a:endParaRPr lang="ko-KR" altLang="en-US" b="1" dirty="0">
               <a:solidFill>
@@ -13413,7 +14703,7 @@
 </p:sld>
 </file>
 
-<file path=ppt/slides/slide13.xml><?xml version="1.0" encoding="utf-8"?>
+<file path=ppt/slides/slide14.xml><?xml version="1.0" encoding="utf-8"?>
 <p:sld xmlns:a="http://schemas.openxmlformats.org/drawingml/2006/main" xmlns:r="http://schemas.openxmlformats.org/officeDocument/2006/relationships" xmlns:p="http://schemas.openxmlformats.org/presentationml/2006/main">
   <p:cSld>
     <p:spTree>
@@ -13637,14 +14927,14 @@
           <a:p>
             <a:pPr algn="ctr"/>
             <a:r>
-              <a:rPr lang="en-US" altLang="ko-KR" b="1" dirty="0" smtClean="0">
+              <a:rPr lang="ko-KR" altLang="en-US" b="1" dirty="0">
                 <a:solidFill>
                   <a:schemeClr val="tx1"/>
                 </a:solidFill>
                 <a:latin typeface="티머니 둥근바람 Regular" panose="02050503000000000000" pitchFamily="18" charset="-127"/>
                 <a:ea typeface="티머니 둥근바람 Regular" panose="02050503000000000000" pitchFamily="18" charset="-127"/>
               </a:rPr>
-              <a:t>HDFS</a:t>
+              <a:t>저장소</a:t>
             </a:r>
             <a:endParaRPr lang="ko-KR" altLang="en-US" b="1" dirty="0">
               <a:solidFill>
@@ -15156,7 +16446,7 @@
 </p:sld>
 </file>
 
-<file path=ppt/slides/slide14.xml><?xml version="1.0" encoding="utf-8"?>
+<file path=ppt/slides/slide15.xml><?xml version="1.0" encoding="utf-8"?>
 <p:sld xmlns:a="http://schemas.openxmlformats.org/drawingml/2006/main" xmlns:r="http://schemas.openxmlformats.org/officeDocument/2006/relationships" xmlns:p="http://schemas.openxmlformats.org/presentationml/2006/main">
   <p:cSld>
     <p:spTree>
@@ -15380,14 +16670,14 @@
           <a:p>
             <a:pPr algn="ctr"/>
             <a:r>
-              <a:rPr lang="en-US" altLang="ko-KR" b="1" dirty="0" smtClean="0">
+              <a:rPr lang="ko-KR" altLang="en-US" b="1" dirty="0">
                 <a:solidFill>
                   <a:schemeClr val="tx1"/>
                 </a:solidFill>
                 <a:latin typeface="티머니 둥근바람 Regular" panose="02050503000000000000" pitchFamily="18" charset="-127"/>
                 <a:ea typeface="티머니 둥근바람 Regular" panose="02050503000000000000" pitchFamily="18" charset="-127"/>
               </a:rPr>
-              <a:t>HDFS</a:t>
+              <a:t>저장소</a:t>
             </a:r>
             <a:endParaRPr lang="ko-KR" altLang="en-US" b="1" dirty="0">
               <a:solidFill>
@@ -16975,7 +18265,7 @@
 </p:sld>
 </file>
 
-<file path=ppt/slides/slide15.xml><?xml version="1.0" encoding="utf-8"?>
+<file path=ppt/slides/slide16.xml><?xml version="1.0" encoding="utf-8"?>
 <p:sld xmlns:a="http://schemas.openxmlformats.org/drawingml/2006/main" xmlns:r="http://schemas.openxmlformats.org/officeDocument/2006/relationships" xmlns:p="http://schemas.openxmlformats.org/presentationml/2006/main">
   <p:cSld>
     <p:spTree>
@@ -17199,14 +18489,14 @@
           <a:p>
             <a:pPr algn="ctr"/>
             <a:r>
-              <a:rPr lang="en-US" altLang="ko-KR" b="1" dirty="0" smtClean="0">
+              <a:rPr lang="ko-KR" altLang="en-US" b="1" dirty="0">
                 <a:solidFill>
                   <a:schemeClr val="tx1"/>
                 </a:solidFill>
                 <a:latin typeface="티머니 둥근바람 Regular" panose="02050503000000000000" pitchFamily="18" charset="-127"/>
                 <a:ea typeface="티머니 둥근바람 Regular" panose="02050503000000000000" pitchFamily="18" charset="-127"/>
               </a:rPr>
-              <a:t>HDFS</a:t>
+              <a:t>저장소</a:t>
             </a:r>
             <a:endParaRPr lang="ko-KR" altLang="en-US" b="1" dirty="0">
               <a:solidFill>
@@ -18825,7 +20115,7 @@
 </p:sld>
 </file>
 
-<file path=ppt/slides/slide16.xml><?xml version="1.0" encoding="utf-8"?>
+<file path=ppt/slides/slide17.xml><?xml version="1.0" encoding="utf-8"?>
 <p:sld xmlns:a="http://schemas.openxmlformats.org/drawingml/2006/main" xmlns:r="http://schemas.openxmlformats.org/officeDocument/2006/relationships" xmlns:p="http://schemas.openxmlformats.org/presentationml/2006/main">
   <p:cSld>
     <p:spTree>
@@ -19049,14 +20339,14 @@
           <a:p>
             <a:pPr algn="ctr"/>
             <a:r>
-              <a:rPr lang="en-US" altLang="ko-KR" b="1" dirty="0" smtClean="0">
+              <a:rPr lang="ko-KR" altLang="en-US" b="1" dirty="0">
                 <a:solidFill>
                   <a:schemeClr val="tx1"/>
                 </a:solidFill>
                 <a:latin typeface="티머니 둥근바람 Regular" panose="02050503000000000000" pitchFamily="18" charset="-127"/>
                 <a:ea typeface="티머니 둥근바람 Regular" panose="02050503000000000000" pitchFamily="18" charset="-127"/>
               </a:rPr>
-              <a:t>HDFS</a:t>
+              <a:t>저장소</a:t>
             </a:r>
             <a:endParaRPr lang="ko-KR" altLang="en-US" b="1" dirty="0">
               <a:solidFill>
@@ -20751,7 +22041,7 @@
 </p:sld>
 </file>
 
-<file path=ppt/slides/slide17.xml><?xml version="1.0" encoding="utf-8"?>
+<file path=ppt/slides/slide18.xml><?xml version="1.0" encoding="utf-8"?>
 <p:sld xmlns:a="http://schemas.openxmlformats.org/drawingml/2006/main" xmlns:r="http://schemas.openxmlformats.org/officeDocument/2006/relationships" xmlns:p="http://schemas.openxmlformats.org/presentationml/2006/main">
   <p:cSld>
     <p:spTree>
@@ -20975,14 +22265,14 @@
           <a:p>
             <a:pPr algn="ctr"/>
             <a:r>
-              <a:rPr lang="en-US" altLang="ko-KR" b="1" dirty="0" smtClean="0">
+              <a:rPr lang="ko-KR" altLang="en-US" b="1" dirty="0">
                 <a:solidFill>
                   <a:schemeClr val="tx1"/>
                 </a:solidFill>
                 <a:latin typeface="티머니 둥근바람 Regular" panose="02050503000000000000" pitchFamily="18" charset="-127"/>
                 <a:ea typeface="티머니 둥근바람 Regular" panose="02050503000000000000" pitchFamily="18" charset="-127"/>
               </a:rPr>
-              <a:t>HDFS</a:t>
+              <a:t>저장소</a:t>
             </a:r>
             <a:endParaRPr lang="ko-KR" altLang="en-US" b="1" dirty="0">
               <a:solidFill>
@@ -21906,7 +23196,7 @@
 </p:sld>
 </file>
 
-<file path=ppt/slides/slide18.xml><?xml version="1.0" encoding="utf-8"?>
+<file path=ppt/slides/slide19.xml><?xml version="1.0" encoding="utf-8"?>
 <p:sld xmlns:a="http://schemas.openxmlformats.org/drawingml/2006/main" xmlns:r="http://schemas.openxmlformats.org/officeDocument/2006/relationships" xmlns:p="http://schemas.openxmlformats.org/presentationml/2006/main">
   <p:cSld>
     <p:spTree>
@@ -22419,796 +23709,6 @@
     <p:extLst>
       <p:ext uri="{BB962C8B-B14F-4D97-AF65-F5344CB8AC3E}">
         <p14:creationId xmlns:p14="http://schemas.microsoft.com/office/powerpoint/2010/main" val="3298053479"/>
-      </p:ext>
-    </p:extLst>
-  </p:cSld>
-  <p:clrMapOvr>
-    <a:masterClrMapping/>
-  </p:clrMapOvr>
-  <p:timing>
-    <p:tnLst>
-      <p:par>
-        <p:cTn id="1" dur="indefinite" restart="never" nodeType="tmRoot"/>
-      </p:par>
-    </p:tnLst>
-  </p:timing>
-</p:sld>
-</file>
-
-<file path=ppt/slides/slide19.xml><?xml version="1.0" encoding="utf-8"?>
-<p:sld xmlns:a="http://schemas.openxmlformats.org/drawingml/2006/main" xmlns:r="http://schemas.openxmlformats.org/officeDocument/2006/relationships" xmlns:p="http://schemas.openxmlformats.org/presentationml/2006/main">
-  <p:cSld>
-    <p:spTree>
-      <p:nvGrpSpPr>
-        <p:cNvPr id="1" name="Shape 26"/>
-        <p:cNvGrpSpPr/>
-        <p:nvPr/>
-      </p:nvGrpSpPr>
-      <p:grpSpPr>
-        <a:xfrm>
-          <a:off x="0" y="0"/>
-          <a:ext cx="0" cy="0"/>
-          <a:chOff x="0" y="0"/>
-          <a:chExt cx="0" cy="0"/>
-        </a:xfrm>
-      </p:grpSpPr>
-      <p:sp>
-        <p:nvSpPr>
-          <p:cNvPr id="5" name="Google Shape;28;p1"/>
-          <p:cNvSpPr txBox="1"/>
-          <p:nvPr/>
-        </p:nvSpPr>
-        <p:spPr>
-          <a:xfrm>
-            <a:off x="285720" y="214290"/>
-            <a:ext cx="8242846" cy="296842"/>
-          </a:xfrm>
-          <a:prstGeom prst="rect">
-            <a:avLst/>
-          </a:prstGeom>
-          <a:noFill/>
-          <a:ln>
-            <a:noFill/>
-          </a:ln>
-        </p:spPr>
-        <p:txBody>
-          <a:bodyPr spcFirstLastPara="1" wrap="square" lIns="0" tIns="0" rIns="0" bIns="0" anchor="t" anchorCtr="0">
-            <a:noAutofit/>
-          </a:bodyPr>
-          <a:lstStyle/>
-          <a:p>
-            <a:pPr marL="0" marR="0" lvl="0" indent="0" algn="l" rtl="0">
-              <a:lnSpc>
-                <a:spcPct val="100000"/>
-              </a:lnSpc>
-              <a:spcBef>
-                <a:spcPts val="0"/>
-              </a:spcBef>
-              <a:spcAft>
-                <a:spcPts val="0"/>
-              </a:spcAft>
-              <a:buClr>
-                <a:srgbClr val="000000"/>
-              </a:buClr>
-              <a:buSzPts val="1800"/>
-              <a:buFont typeface="Arial"/>
-              <a:buNone/>
-            </a:pPr>
-            <a:endParaRPr sz="1800" b="1" i="0" u="none" strike="noStrike" cap="none" dirty="0">
-              <a:solidFill>
-                <a:srgbClr val="000000"/>
-              </a:solidFill>
-              <a:latin typeface="+mn-ea"/>
-              <a:ea typeface="+mn-ea"/>
-              <a:cs typeface="Malgun Gothic"/>
-              <a:sym typeface="Malgun Gothic"/>
-            </a:endParaRPr>
-          </a:p>
-        </p:txBody>
-      </p:sp>
-      <p:sp>
-        <p:nvSpPr>
-          <p:cNvPr id="7" name="Google Shape;28;p1"/>
-          <p:cNvSpPr txBox="1"/>
-          <p:nvPr/>
-        </p:nvSpPr>
-        <p:spPr>
-          <a:xfrm>
-            <a:off x="647670" y="216704"/>
-            <a:ext cx="5323180" cy="296842"/>
-          </a:xfrm>
-          <a:prstGeom prst="rect">
-            <a:avLst/>
-          </a:prstGeom>
-          <a:noFill/>
-          <a:ln>
-            <a:noFill/>
-          </a:ln>
-        </p:spPr>
-        <p:txBody>
-          <a:bodyPr spcFirstLastPara="1" wrap="square" lIns="0" tIns="0" rIns="0" bIns="0" anchor="t" anchorCtr="0">
-            <a:noAutofit/>
-          </a:bodyPr>
-          <a:lstStyle/>
-          <a:p>
-            <a:pPr lvl="0">
-              <a:buSzPts val="1800"/>
-            </a:pPr>
-            <a:r>
-              <a:rPr lang="ko-KR" altLang="en-US" sz="2000" b="1" dirty="0" smtClean="0">
-                <a:solidFill>
-                  <a:schemeClr val="accent3">
-                    <a:lumMod val="50000"/>
-                  </a:schemeClr>
-                </a:solidFill>
-                <a:latin typeface="티머니 둥근바람 Regular" panose="02050503000000000000" pitchFamily="18" charset="-127"/>
-                <a:ea typeface="티머니 둥근바람 Regular" panose="02050503000000000000" pitchFamily="18" charset="-127"/>
-                <a:cs typeface="Malgun Gothic"/>
-                <a:sym typeface="Malgun Gothic"/>
-              </a:rPr>
-              <a:t>아파치 스파크 작업의 특성</a:t>
-            </a:r>
-            <a:endParaRPr lang="ko-KR" altLang="en-US" sz="2000" b="1" dirty="0">
-              <a:solidFill>
-                <a:schemeClr val="accent3">
-                  <a:lumMod val="50000"/>
-                </a:schemeClr>
-              </a:solidFill>
-              <a:latin typeface="티머니 둥근바람 Regular" panose="02050503000000000000" pitchFamily="18" charset="-127"/>
-              <a:ea typeface="티머니 둥근바람 Regular" panose="02050503000000000000" pitchFamily="18" charset="-127"/>
-              <a:cs typeface="Malgun Gothic"/>
-              <a:sym typeface="Malgun Gothic"/>
-            </a:endParaRPr>
-          </a:p>
-        </p:txBody>
-      </p:sp>
-      <p:sp>
-        <p:nvSpPr>
-          <p:cNvPr id="8" name="이등변 삼각형 7"/>
-          <p:cNvSpPr/>
-          <p:nvPr/>
-        </p:nvSpPr>
-        <p:spPr>
-          <a:xfrm rot="5400000">
-            <a:off x="215110" y="254528"/>
-            <a:ext cx="242880" cy="221195"/>
-          </a:xfrm>
-          <a:prstGeom prst="triangle">
-            <a:avLst/>
-          </a:prstGeom>
-          <a:solidFill>
-            <a:schemeClr val="accent3">
-              <a:lumMod val="50000"/>
-            </a:schemeClr>
-          </a:solidFill>
-          <a:ln>
-            <a:noFill/>
-          </a:ln>
-        </p:spPr>
-        <p:style>
-          <a:lnRef idx="2">
-            <a:schemeClr val="accent1">
-              <a:shade val="50000"/>
-            </a:schemeClr>
-          </a:lnRef>
-          <a:fillRef idx="1">
-            <a:schemeClr val="accent1"/>
-          </a:fillRef>
-          <a:effectRef idx="0">
-            <a:schemeClr val="accent1"/>
-          </a:effectRef>
-          <a:fontRef idx="minor">
-            <a:schemeClr val="lt1"/>
-          </a:fontRef>
-        </p:style>
-        <p:txBody>
-          <a:bodyPr rtlCol="0" anchor="ctr"/>
-          <a:lstStyle/>
-          <a:p>
-            <a:pPr algn="ctr"/>
-            <a:endParaRPr lang="ko-KR" altLang="en-US">
-              <a:latin typeface="티머니 둥근바람 Regular" panose="02050503000000000000" pitchFamily="18" charset="-127"/>
-              <a:ea typeface="티머니 둥근바람 Regular" panose="02050503000000000000" pitchFamily="18" charset="-127"/>
-            </a:endParaRPr>
-          </a:p>
-        </p:txBody>
-      </p:sp>
-      <p:sp>
-        <p:nvSpPr>
-          <p:cNvPr id="6" name="Google Shape;28;p1"/>
-          <p:cNvSpPr txBox="1"/>
-          <p:nvPr/>
-        </p:nvSpPr>
-        <p:spPr>
-          <a:xfrm>
-            <a:off x="872878" y="786911"/>
-            <a:ext cx="2903965" cy="296842"/>
-          </a:xfrm>
-          <a:prstGeom prst="rect">
-            <a:avLst/>
-          </a:prstGeom>
-          <a:noFill/>
-          <a:ln>
-            <a:noFill/>
-          </a:ln>
-        </p:spPr>
-        <p:txBody>
-          <a:bodyPr spcFirstLastPara="1" wrap="square" lIns="0" tIns="0" rIns="0" bIns="0" anchor="ctr" anchorCtr="0">
-            <a:noAutofit/>
-          </a:bodyPr>
-          <a:lstStyle/>
-          <a:p>
-            <a:pPr marL="0" marR="0" lvl="0" indent="0" rtl="0">
-              <a:lnSpc>
-                <a:spcPct val="100000"/>
-              </a:lnSpc>
-              <a:spcBef>
-                <a:spcPts val="0"/>
-              </a:spcBef>
-              <a:spcAft>
-                <a:spcPts val="0"/>
-              </a:spcAft>
-              <a:buClr>
-                <a:srgbClr val="000000"/>
-              </a:buClr>
-              <a:buSzPts val="1800"/>
-              <a:buFont typeface="Arial"/>
-              <a:buNone/>
-            </a:pPr>
-            <a:r>
-              <a:rPr lang="en-US" sz="1600" b="1" i="0" u="none" strike="noStrike" cap="none" dirty="0" smtClean="0">
-                <a:solidFill>
-                  <a:srgbClr val="000000"/>
-                </a:solidFill>
-                <a:latin typeface="티머니 둥근바람 Regular" panose="02050503000000000000" pitchFamily="18" charset="-127"/>
-                <a:ea typeface="티머니 둥근바람 Regular" panose="02050503000000000000" pitchFamily="18" charset="-127"/>
-                <a:cs typeface="Malgun Gothic"/>
-                <a:sym typeface="Malgun Gothic"/>
-              </a:rPr>
-              <a:t>Apache Spark</a:t>
-            </a:r>
-            <a:endParaRPr sz="1600" b="1" i="0" u="none" strike="noStrike" cap="none" dirty="0">
-              <a:solidFill>
-                <a:srgbClr val="000000"/>
-              </a:solidFill>
-              <a:latin typeface="티머니 둥근바람 Regular" panose="02050503000000000000" pitchFamily="18" charset="-127"/>
-              <a:ea typeface="티머니 둥근바람 Regular" panose="02050503000000000000" pitchFamily="18" charset="-127"/>
-              <a:cs typeface="Malgun Gothic"/>
-              <a:sym typeface="Malgun Gothic"/>
-            </a:endParaRPr>
-          </a:p>
-        </p:txBody>
-      </p:sp>
-      <p:sp>
-        <p:nvSpPr>
-          <p:cNvPr id="9" name="이등변 삼각형 8"/>
-          <p:cNvSpPr/>
-          <p:nvPr/>
-        </p:nvSpPr>
-        <p:spPr>
-          <a:xfrm rot="5400000">
-            <a:off x="640937" y="866660"/>
-            <a:ext cx="150809" cy="137344"/>
-          </a:xfrm>
-          <a:prstGeom prst="triangle">
-            <a:avLst/>
-          </a:prstGeom>
-          <a:solidFill>
-            <a:schemeClr val="tx1"/>
-          </a:solidFill>
-          <a:ln>
-            <a:noFill/>
-          </a:ln>
-        </p:spPr>
-        <p:style>
-          <a:lnRef idx="2">
-            <a:schemeClr val="accent1">
-              <a:shade val="50000"/>
-            </a:schemeClr>
-          </a:lnRef>
-          <a:fillRef idx="1">
-            <a:schemeClr val="accent1"/>
-          </a:fillRef>
-          <a:effectRef idx="0">
-            <a:schemeClr val="accent1"/>
-          </a:effectRef>
-          <a:fontRef idx="minor">
-            <a:schemeClr val="lt1"/>
-          </a:fontRef>
-        </p:style>
-        <p:txBody>
-          <a:bodyPr rtlCol="0" anchor="ctr"/>
-          <a:lstStyle/>
-          <a:p>
-            <a:pPr algn="ctr"/>
-            <a:endParaRPr lang="ko-KR" altLang="en-US">
-              <a:latin typeface="티머니 둥근바람 Regular" panose="02050503000000000000" pitchFamily="18" charset="-127"/>
-              <a:ea typeface="티머니 둥근바람 Regular" panose="02050503000000000000" pitchFamily="18" charset="-127"/>
-            </a:endParaRPr>
-          </a:p>
-        </p:txBody>
-      </p:sp>
-      <p:sp>
-        <p:nvSpPr>
-          <p:cNvPr id="24" name="TextBox 23"/>
-          <p:cNvSpPr txBox="1"/>
-          <p:nvPr/>
-        </p:nvSpPr>
-        <p:spPr>
-          <a:xfrm>
-            <a:off x="872878" y="1448853"/>
-            <a:ext cx="1749209" cy="276999"/>
-          </a:xfrm>
-          <a:prstGeom prst="rect">
-            <a:avLst/>
-          </a:prstGeom>
-          <a:noFill/>
-        </p:spPr>
-        <p:txBody>
-          <a:bodyPr wrap="square" rtlCol="0">
-            <a:spAutoFit/>
-          </a:bodyPr>
-          <a:lstStyle/>
-          <a:p>
-            <a:r>
-              <a:rPr lang="ko-KR" altLang="en-US" sz="1200" dirty="0">
-                <a:solidFill>
-                  <a:schemeClr val="tx1"/>
-                </a:solidFill>
-                <a:latin typeface="티머니 둥근바람 Regular" panose="02050503000000000000" pitchFamily="18" charset="-127"/>
-                <a:ea typeface="티머니 둥근바람 Regular" panose="02050503000000000000" pitchFamily="18" charset="-127"/>
-              </a:rPr>
-              <a:t>▪ </a:t>
-            </a:r>
-            <a:r>
-              <a:rPr lang="en-US" altLang="ko-KR" sz="1200" dirty="0">
-                <a:solidFill>
-                  <a:schemeClr val="tx1"/>
-                </a:solidFill>
-                <a:latin typeface="티머니 둥근바람 Regular" panose="02050503000000000000" pitchFamily="18" charset="-127"/>
-                <a:ea typeface="티머니 둥근바람 Regular" panose="02050503000000000000" pitchFamily="18" charset="-127"/>
-              </a:rPr>
-              <a:t>Catalyst Optimizer</a:t>
-            </a:r>
-            <a:endParaRPr lang="ko-KR" altLang="en-US" sz="1200" dirty="0">
-              <a:solidFill>
-                <a:schemeClr val="tx1"/>
-              </a:solidFill>
-              <a:latin typeface="티머니 둥근바람 Regular" panose="02050503000000000000" pitchFamily="18" charset="-127"/>
-              <a:ea typeface="티머니 둥근바람 Regular" panose="02050503000000000000" pitchFamily="18" charset="-127"/>
-            </a:endParaRPr>
-          </a:p>
-        </p:txBody>
-      </p:sp>
-      <p:sp>
-        <p:nvSpPr>
-          <p:cNvPr id="12" name="직사각형 11"/>
-          <p:cNvSpPr/>
-          <p:nvPr/>
-        </p:nvSpPr>
-        <p:spPr>
-          <a:xfrm>
-            <a:off x="872878" y="1141899"/>
-            <a:ext cx="2730221" cy="276999"/>
-          </a:xfrm>
-          <a:prstGeom prst="rect">
-            <a:avLst/>
-          </a:prstGeom>
-        </p:spPr>
-        <p:txBody>
-          <a:bodyPr wrap="square">
-            <a:spAutoFit/>
-          </a:bodyPr>
-          <a:lstStyle/>
-          <a:p>
-            <a:r>
-              <a:rPr lang="ko-KR" altLang="en-US" sz="1200" dirty="0">
-                <a:solidFill>
-                  <a:schemeClr val="tx1"/>
-                </a:solidFill>
-                <a:latin typeface="티머니 둥근바람 Regular" panose="02050503000000000000" pitchFamily="18" charset="-127"/>
-                <a:ea typeface="티머니 둥근바람 Regular" panose="02050503000000000000" pitchFamily="18" charset="-127"/>
-              </a:rPr>
-              <a:t>▪ </a:t>
-            </a:r>
-            <a:r>
-              <a:rPr lang="en-US" altLang="ko-KR" sz="1200" dirty="0">
-                <a:latin typeface="티머니 둥근바람 Regular" panose="02050503000000000000" pitchFamily="18" charset="-127"/>
-                <a:ea typeface="티머니 둥근바람 Regular" panose="02050503000000000000" pitchFamily="18" charset="-127"/>
-              </a:rPr>
-              <a:t>Resilient Distributed </a:t>
-            </a:r>
-            <a:r>
-              <a:rPr lang="en-US" altLang="ko-KR" sz="1200" dirty="0" smtClean="0">
-                <a:latin typeface="티머니 둥근바람 Regular" panose="02050503000000000000" pitchFamily="18" charset="-127"/>
-                <a:ea typeface="티머니 둥근바람 Regular" panose="02050503000000000000" pitchFamily="18" charset="-127"/>
-              </a:rPr>
-              <a:t>Data (RDD)</a:t>
-            </a:r>
-            <a:endParaRPr lang="ko-KR" altLang="en-US" sz="1200" dirty="0">
-              <a:latin typeface="티머니 둥근바람 Regular" panose="02050503000000000000" pitchFamily="18" charset="-127"/>
-              <a:ea typeface="티머니 둥근바람 Regular" panose="02050503000000000000" pitchFamily="18" charset="-127"/>
-            </a:endParaRPr>
-          </a:p>
-        </p:txBody>
-      </p:sp>
-      <p:sp>
-        <p:nvSpPr>
-          <p:cNvPr id="13" name="직사각형 12"/>
-          <p:cNvSpPr/>
-          <p:nvPr/>
-        </p:nvSpPr>
-        <p:spPr>
-          <a:xfrm>
-            <a:off x="3984103" y="1160729"/>
-            <a:ext cx="5576076" cy="261610"/>
-          </a:xfrm>
-          <a:prstGeom prst="rect">
-            <a:avLst/>
-          </a:prstGeom>
-        </p:spPr>
-        <p:txBody>
-          <a:bodyPr wrap="square">
-            <a:spAutoFit/>
-          </a:bodyPr>
-          <a:lstStyle/>
-          <a:p>
-            <a:pPr algn="just"/>
-            <a:r>
-              <a:rPr lang="ko-KR" altLang="en-US" sz="1100" dirty="0" smtClean="0">
-                <a:solidFill>
-                  <a:schemeClr val="bg2"/>
-                </a:solidFill>
-                <a:latin typeface="티머니 둥근바람 Regular" panose="02050503000000000000" pitchFamily="18" charset="-127"/>
-                <a:ea typeface="티머니 둥근바람 Regular" panose="02050503000000000000" pitchFamily="18" charset="-127"/>
-              </a:rPr>
-              <a:t>다수의 </a:t>
-            </a:r>
-            <a:r>
-              <a:rPr lang="ko-KR" altLang="en-US" sz="1100" dirty="0">
-                <a:solidFill>
-                  <a:schemeClr val="bg2"/>
-                </a:solidFill>
-                <a:latin typeface="티머니 둥근바람 Regular" panose="02050503000000000000" pitchFamily="18" charset="-127"/>
-                <a:ea typeface="티머니 둥근바람 Regular" panose="02050503000000000000" pitchFamily="18" charset="-127"/>
-              </a:rPr>
-              <a:t>서버에 </a:t>
-            </a:r>
-            <a:r>
-              <a:rPr lang="ko-KR" altLang="en-US" sz="1100" dirty="0" smtClean="0">
-                <a:solidFill>
-                  <a:schemeClr val="bg2"/>
-                </a:solidFill>
-                <a:latin typeface="티머니 둥근바람 Regular" panose="02050503000000000000" pitchFamily="18" charset="-127"/>
-                <a:ea typeface="티머니 둥근바람 Regular" panose="02050503000000000000" pitchFamily="18" charset="-127"/>
-              </a:rPr>
-              <a:t>분산 </a:t>
-            </a:r>
-            <a:r>
-              <a:rPr lang="ko-KR" altLang="en-US" sz="1100" dirty="0">
-                <a:solidFill>
-                  <a:schemeClr val="bg2"/>
-                </a:solidFill>
-                <a:latin typeface="티머니 둥근바람 Regular" panose="02050503000000000000" pitchFamily="18" charset="-127"/>
-                <a:ea typeface="티머니 둥근바람 Regular" panose="02050503000000000000" pitchFamily="18" charset="-127"/>
-              </a:rPr>
-              <a:t>방식으로 저장된 요소들의 </a:t>
-            </a:r>
-            <a:r>
-              <a:rPr lang="ko-KR" altLang="en-US" sz="1100" dirty="0" smtClean="0">
-                <a:solidFill>
-                  <a:schemeClr val="bg2"/>
-                </a:solidFill>
-                <a:latin typeface="티머니 둥근바람 Regular" panose="02050503000000000000" pitchFamily="18" charset="-127"/>
-                <a:ea typeface="티머니 둥근바람 Regular" panose="02050503000000000000" pitchFamily="18" charset="-127"/>
-              </a:rPr>
-              <a:t>집합</a:t>
-            </a:r>
-            <a:r>
-              <a:rPr lang="en-US" altLang="ko-KR" sz="1100" dirty="0" smtClean="0">
-                <a:solidFill>
-                  <a:schemeClr val="bg2"/>
-                </a:solidFill>
-                <a:latin typeface="티머니 둥근바람 Regular" panose="02050503000000000000" pitchFamily="18" charset="-127"/>
-                <a:ea typeface="티머니 둥근바람 Regular" panose="02050503000000000000" pitchFamily="18" charset="-127"/>
-              </a:rPr>
-              <a:t>. </a:t>
-            </a:r>
-            <a:r>
-              <a:rPr lang="ko-KR" altLang="en-US" sz="1100" dirty="0" smtClean="0">
-                <a:solidFill>
-                  <a:schemeClr val="bg2"/>
-                </a:solidFill>
-                <a:latin typeface="티머니 둥근바람 Regular" panose="02050503000000000000" pitchFamily="18" charset="-127"/>
-                <a:ea typeface="티머니 둥근바람 Regular" panose="02050503000000000000" pitchFamily="18" charset="-127"/>
-              </a:rPr>
-              <a:t>병렬처리 및 장애 복구 가능</a:t>
-            </a:r>
-            <a:endParaRPr lang="en-US" altLang="ko-KR" sz="1100" dirty="0">
-              <a:solidFill>
-                <a:schemeClr val="bg2"/>
-              </a:solidFill>
-              <a:latin typeface="티머니 둥근바람 Regular" panose="02050503000000000000" pitchFamily="18" charset="-127"/>
-              <a:ea typeface="티머니 둥근바람 Regular" panose="02050503000000000000" pitchFamily="18" charset="-127"/>
-            </a:endParaRPr>
-          </a:p>
-        </p:txBody>
-      </p:sp>
-      <p:sp>
-        <p:nvSpPr>
-          <p:cNvPr id="14" name="직사각형 13"/>
-          <p:cNvSpPr/>
-          <p:nvPr/>
-        </p:nvSpPr>
-        <p:spPr>
-          <a:xfrm>
-            <a:off x="3984103" y="1464242"/>
-            <a:ext cx="4801606" cy="261610"/>
-          </a:xfrm>
-          <a:prstGeom prst="rect">
-            <a:avLst/>
-          </a:prstGeom>
-        </p:spPr>
-        <p:txBody>
-          <a:bodyPr wrap="square">
-            <a:spAutoFit/>
-          </a:bodyPr>
-          <a:lstStyle/>
-          <a:p>
-            <a:pPr algn="just"/>
-            <a:r>
-              <a:rPr lang="en-US" altLang="ko-KR" sz="1100" dirty="0" smtClean="0">
-                <a:solidFill>
-                  <a:schemeClr val="accent1">
-                    <a:lumMod val="75000"/>
-                  </a:schemeClr>
-                </a:solidFill>
-                <a:latin typeface="티머니 둥근바람 Regular" panose="02050503000000000000" pitchFamily="18" charset="-127"/>
-                <a:ea typeface="티머니 둥근바람 Regular" panose="02050503000000000000" pitchFamily="18" charset="-127"/>
-              </a:rPr>
-              <a:t>Optimizer</a:t>
-            </a:r>
-            <a:r>
-              <a:rPr lang="ko-KR" altLang="en-US" sz="1100" dirty="0" smtClean="0">
-                <a:solidFill>
-                  <a:schemeClr val="accent1">
-                    <a:lumMod val="75000"/>
-                  </a:schemeClr>
-                </a:solidFill>
-                <a:latin typeface="티머니 둥근바람 Regular" panose="02050503000000000000" pitchFamily="18" charset="-127"/>
-                <a:ea typeface="티머니 둥근바람 Regular" panose="02050503000000000000" pitchFamily="18" charset="-127"/>
-              </a:rPr>
-              <a:t>를 통해 동작될 코드의 논리적</a:t>
-            </a:r>
-            <a:r>
-              <a:rPr lang="en-US" altLang="ko-KR" sz="1100" dirty="0" smtClean="0">
-                <a:solidFill>
-                  <a:schemeClr val="accent1">
-                    <a:lumMod val="75000"/>
-                  </a:schemeClr>
-                </a:solidFill>
-                <a:latin typeface="티머니 둥근바람 Regular" panose="02050503000000000000" pitchFamily="18" charset="-127"/>
-                <a:ea typeface="티머니 둥근바람 Regular" panose="02050503000000000000" pitchFamily="18" charset="-127"/>
-              </a:rPr>
-              <a:t>/</a:t>
-            </a:r>
-            <a:r>
-              <a:rPr lang="ko-KR" altLang="en-US" sz="1100" dirty="0" smtClean="0">
-                <a:solidFill>
-                  <a:schemeClr val="accent1">
-                    <a:lumMod val="75000"/>
-                  </a:schemeClr>
-                </a:solidFill>
-                <a:latin typeface="티머니 둥근바람 Regular" panose="02050503000000000000" pitchFamily="18" charset="-127"/>
-                <a:ea typeface="티머니 둥근바람 Regular" panose="02050503000000000000" pitchFamily="18" charset="-127"/>
-              </a:rPr>
-              <a:t>물리적 실행 계획을 최적화 </a:t>
-            </a:r>
-            <a:endParaRPr lang="en-US" altLang="ko-KR" sz="1100" dirty="0">
-              <a:solidFill>
-                <a:schemeClr val="accent1">
-                  <a:lumMod val="75000"/>
-                </a:schemeClr>
-              </a:solidFill>
-              <a:latin typeface="티머니 둥근바람 Regular" panose="02050503000000000000" pitchFamily="18" charset="-127"/>
-              <a:ea typeface="티머니 둥근바람 Regular" panose="02050503000000000000" pitchFamily="18" charset="-127"/>
-            </a:endParaRPr>
-          </a:p>
-        </p:txBody>
-      </p:sp>
-      <p:cxnSp>
-        <p:nvCxnSpPr>
-          <p:cNvPr id="16" name="직선 화살표 연결선 15"/>
-          <p:cNvCxnSpPr/>
-          <p:nvPr/>
-        </p:nvCxnSpPr>
-        <p:spPr>
-          <a:xfrm>
-            <a:off x="3603099" y="1291534"/>
-            <a:ext cx="381004" cy="0"/>
-          </a:xfrm>
-          <a:prstGeom prst="straightConnector1">
-            <a:avLst/>
-          </a:prstGeom>
-          <a:ln w="19050">
-            <a:solidFill>
-              <a:schemeClr val="accent1"/>
-            </a:solidFill>
-            <a:tailEnd type="triangle"/>
-          </a:ln>
-        </p:spPr>
-        <p:style>
-          <a:lnRef idx="1">
-            <a:schemeClr val="accent1"/>
-          </a:lnRef>
-          <a:fillRef idx="0">
-            <a:schemeClr val="accent1"/>
-          </a:fillRef>
-          <a:effectRef idx="0">
-            <a:schemeClr val="accent1"/>
-          </a:effectRef>
-          <a:fontRef idx="minor">
-            <a:schemeClr val="tx1"/>
-          </a:fontRef>
-        </p:style>
-      </p:cxnSp>
-      <p:cxnSp>
-        <p:nvCxnSpPr>
-          <p:cNvPr id="17" name="직선 화살표 연결선 16"/>
-          <p:cNvCxnSpPr>
-            <a:stCxn id="24" idx="3"/>
-            <a:endCxn id="14" idx="1"/>
-          </p:cNvCxnSpPr>
-          <p:nvPr/>
-        </p:nvCxnSpPr>
-        <p:spPr>
-          <a:xfrm>
-            <a:off x="2622087" y="1587353"/>
-            <a:ext cx="1362016" cy="7694"/>
-          </a:xfrm>
-          <a:prstGeom prst="straightConnector1">
-            <a:avLst/>
-          </a:prstGeom>
-          <a:ln w="19050">
-            <a:solidFill>
-              <a:schemeClr val="accent1"/>
-            </a:solidFill>
-            <a:tailEnd type="triangle"/>
-          </a:ln>
-        </p:spPr>
-        <p:style>
-          <a:lnRef idx="1">
-            <a:schemeClr val="accent1"/>
-          </a:lnRef>
-          <a:fillRef idx="0">
-            <a:schemeClr val="accent1"/>
-          </a:fillRef>
-          <a:effectRef idx="0">
-            <a:schemeClr val="accent1"/>
-          </a:effectRef>
-          <a:fontRef idx="minor">
-            <a:schemeClr val="tx1"/>
-          </a:fontRef>
-        </p:style>
-      </p:cxnSp>
-      <p:pic>
-        <p:nvPicPr>
-          <p:cNvPr id="1026" name="Picture 2" descr="Spark Catalyst. Spark SQL is an Apache Spark module for… | by Mahesh S  Venkatachalam | Medium"/>
-          <p:cNvPicPr>
-            <a:picLocks noChangeAspect="1" noChangeArrowheads="1"/>
-          </p:cNvPicPr>
-          <p:nvPr/>
-        </p:nvPicPr>
-        <p:blipFill>
-          <a:blip r:embed="rId3">
-            <a:extLst>
-              <a:ext uri="{28A0092B-C50C-407E-A947-70E740481C1C}">
-                <a14:useLocalDpi xmlns:a14="http://schemas.microsoft.com/office/drawing/2010/main" val="0"/>
-              </a:ext>
-            </a:extLst>
-          </a:blip>
-          <a:srcRect/>
-          <a:stretch>
-            <a:fillRect/>
-          </a:stretch>
-        </p:blipFill>
-        <p:spPr bwMode="auto">
-          <a:xfrm>
-            <a:off x="1900582" y="2384615"/>
-            <a:ext cx="5432262" cy="3981492"/>
-          </a:xfrm>
-          <a:prstGeom prst="rect">
-            <a:avLst/>
-          </a:prstGeom>
-          <a:noFill/>
-          <a:extLst>
-            <a:ext uri="{909E8E84-426E-40DD-AFC4-6F175D3DCCD1}">
-              <a14:hiddenFill xmlns:a14="http://schemas.microsoft.com/office/drawing/2010/main">
-                <a:solidFill>
-                  <a:srgbClr val="FFFFFF"/>
-                </a:solidFill>
-              </a14:hiddenFill>
-            </a:ext>
-          </a:extLst>
-        </p:spPr>
-      </p:pic>
-      <p:sp>
-        <p:nvSpPr>
-          <p:cNvPr id="4" name="모서리가 둥근 직사각형 3"/>
-          <p:cNvSpPr/>
-          <p:nvPr/>
-        </p:nvSpPr>
-        <p:spPr>
-          <a:xfrm>
-            <a:off x="2006736" y="4256638"/>
-            <a:ext cx="3782445" cy="485391"/>
-          </a:xfrm>
-          <a:prstGeom prst="roundRect">
-            <a:avLst/>
-          </a:prstGeom>
-          <a:solidFill>
-            <a:schemeClr val="accent2">
-              <a:lumMod val="40000"/>
-              <a:lumOff val="60000"/>
-            </a:schemeClr>
-          </a:solidFill>
-          <a:ln w="38100">
-            <a:solidFill>
-              <a:schemeClr val="accent2">
-                <a:lumMod val="75000"/>
-              </a:schemeClr>
-            </a:solidFill>
-          </a:ln>
-        </p:spPr>
-        <p:style>
-          <a:lnRef idx="2">
-            <a:schemeClr val="accent1">
-              <a:shade val="50000"/>
-            </a:schemeClr>
-          </a:lnRef>
-          <a:fillRef idx="1">
-            <a:schemeClr val="accent1"/>
-          </a:fillRef>
-          <a:effectRef idx="0">
-            <a:schemeClr val="accent1"/>
-          </a:effectRef>
-          <a:fontRef idx="minor">
-            <a:schemeClr val="lt1"/>
-          </a:fontRef>
-        </p:style>
-        <p:txBody>
-          <a:bodyPr rtlCol="0" anchor="ctr"/>
-          <a:lstStyle/>
-          <a:p>
-            <a:pPr algn="ctr"/>
-            <a:r>
-              <a:rPr lang="en-US" altLang="ko-KR" sz="1800" dirty="0">
-                <a:solidFill>
-                  <a:schemeClr val="accent2">
-                    <a:lumMod val="50000"/>
-                  </a:schemeClr>
-                </a:solidFill>
-                <a:latin typeface="티머니 둥근바람 Regular" panose="02050503000000000000" pitchFamily="18" charset="-127"/>
-                <a:ea typeface="티머니 둥근바람 Regular" panose="02050503000000000000" pitchFamily="18" charset="-127"/>
-              </a:rPr>
-              <a:t>Catalyst Optimizer</a:t>
-            </a:r>
-            <a:endParaRPr lang="ko-KR" altLang="en-US" sz="1800" dirty="0">
-              <a:solidFill>
-                <a:schemeClr val="accent2">
-                  <a:lumMod val="50000"/>
-                </a:schemeClr>
-              </a:solidFill>
-              <a:latin typeface="티머니 둥근바람 Regular" panose="02050503000000000000" pitchFamily="18" charset="-127"/>
-              <a:ea typeface="티머니 둥근바람 Regular" panose="02050503000000000000" pitchFamily="18" charset="-127"/>
-            </a:endParaRPr>
-          </a:p>
-        </p:txBody>
-      </p:sp>
-    </p:spTree>
-    <p:extLst>
-      <p:ext uri="{BB962C8B-B14F-4D97-AF65-F5344CB8AC3E}">
-        <p14:creationId xmlns:p14="http://schemas.microsoft.com/office/powerpoint/2010/main" val="2446755673"/>
       </p:ext>
     </p:extLst>
   </p:cSld>
@@ -24290,6 +24790,94 @@
           </p:txBody>
         </p:sp>
       </p:grpSp>
+      <p:pic>
+        <p:nvPicPr>
+          <p:cNvPr id="4" name="그림 3"/>
+          <p:cNvPicPr>
+            <a:picLocks noChangeAspect="1"/>
+          </p:cNvPicPr>
+          <p:nvPr/>
+        </p:nvPicPr>
+        <p:blipFill>
+          <a:blip r:embed="rId4"/>
+          <a:stretch>
+            <a:fillRect/>
+          </a:stretch>
+        </p:blipFill>
+        <p:spPr>
+          <a:xfrm flipV="1">
+            <a:off x="8243842" y="2705201"/>
+            <a:ext cx="330705" cy="1256679"/>
+          </a:xfrm>
+          <a:prstGeom prst="rect">
+            <a:avLst/>
+          </a:prstGeom>
+        </p:spPr>
+      </p:pic>
+      <p:sp>
+        <p:nvSpPr>
+          <p:cNvPr id="24" name="직사각형 23"/>
+          <p:cNvSpPr/>
+          <p:nvPr/>
+        </p:nvSpPr>
+        <p:spPr>
+          <a:xfrm>
+            <a:off x="8153354" y="3961880"/>
+            <a:ext cx="511679" cy="246221"/>
+          </a:xfrm>
+          <a:prstGeom prst="rect">
+            <a:avLst/>
+          </a:prstGeom>
+        </p:spPr>
+        <p:txBody>
+          <a:bodyPr wrap="none">
+            <a:spAutoFit/>
+          </a:bodyPr>
+          <a:lstStyle/>
+          <a:p>
+            <a:pPr algn="ctr"/>
+            <a:r>
+              <a:rPr lang="en-US" altLang="ko-KR" sz="1000" b="1" dirty="0" smtClean="0">
+                <a:latin typeface="티머니 둥근바람 Regular" panose="02050503000000000000" pitchFamily="18" charset="-127"/>
+                <a:ea typeface="티머니 둥근바람 Regular" panose="02050503000000000000" pitchFamily="18" charset="-127"/>
+              </a:rPr>
+              <a:t>2024</a:t>
+            </a:r>
+          </a:p>
+        </p:txBody>
+      </p:sp>
+      <p:sp>
+        <p:nvSpPr>
+          <p:cNvPr id="25" name="직사각형 24"/>
+          <p:cNvSpPr/>
+          <p:nvPr/>
+        </p:nvSpPr>
+        <p:spPr>
+          <a:xfrm>
+            <a:off x="8014584" y="2503686"/>
+            <a:ext cx="785793" cy="246221"/>
+          </a:xfrm>
+          <a:prstGeom prst="rect">
+            <a:avLst/>
+          </a:prstGeom>
+        </p:spPr>
+        <p:txBody>
+          <a:bodyPr wrap="none">
+            <a:spAutoFit/>
+          </a:bodyPr>
+          <a:lstStyle/>
+          <a:p>
+            <a:pPr algn="ctr"/>
+            <a:r>
+              <a:rPr lang="en-US" altLang="ko-KR" sz="1000" dirty="0" smtClean="0">
+                <a:latin typeface="티머니 둥근바람 Regular" panose="02050503000000000000" pitchFamily="18" charset="-127"/>
+                <a:ea typeface="티머니 둥근바람 Regular" panose="02050503000000000000" pitchFamily="18" charset="-127"/>
+              </a:rPr>
+              <a:t>Spark 3.5</a:t>
+            </a:r>
+          </a:p>
+        </p:txBody>
+      </p:sp>
     </p:spTree>
     <p:extLst>
       <p:ext uri="{BB962C8B-B14F-4D97-AF65-F5344CB8AC3E}">
@@ -24611,8 +25199,8 @@
         </p:nvSpPr>
         <p:spPr>
           <a:xfrm>
-            <a:off x="872878" y="1755807"/>
-            <a:ext cx="1464595" cy="276999"/>
+            <a:off x="872878" y="1448853"/>
+            <a:ext cx="1749209" cy="276999"/>
           </a:xfrm>
           <a:prstGeom prst="rect">
             <a:avLst/>
@@ -24636,14 +25224,14 @@
               <a:t>▪ </a:t>
             </a:r>
             <a:r>
-              <a:rPr lang="en-US" altLang="ko-KR" sz="1200" dirty="0" smtClean="0">
+              <a:rPr lang="en-US" altLang="ko-KR" sz="1200" dirty="0">
                 <a:solidFill>
                   <a:schemeClr val="tx1"/>
                 </a:solidFill>
                 <a:latin typeface="티머니 둥근바람 Regular" panose="02050503000000000000" pitchFamily="18" charset="-127"/>
                 <a:ea typeface="티머니 둥근바람 Regular" panose="02050503000000000000" pitchFamily="18" charset="-127"/>
               </a:rPr>
-              <a:t>Fault Tolerance</a:t>
+              <a:t>Catalyst Optimizer</a:t>
             </a:r>
             <a:endParaRPr lang="ko-KR" altLang="en-US" sz="1200" dirty="0">
               <a:solidFill>
@@ -24655,45 +25243,6 @@
           </a:p>
         </p:txBody>
       </p:sp>
-      <p:pic>
-        <p:nvPicPr>
-          <p:cNvPr id="10" name="Picture 4" descr="Spark Structured Streaming — Fault Tolerance | by Teepika R M | Medium"/>
-          <p:cNvPicPr>
-            <a:picLocks noChangeAspect="1" noChangeArrowheads="1"/>
-          </p:cNvPicPr>
-          <p:nvPr/>
-        </p:nvPicPr>
-        <p:blipFill rotWithShape="1">
-          <a:blip r:embed="rId3">
-            <a:extLst>
-              <a:ext uri="{28A0092B-C50C-407E-A947-70E740481C1C}">
-                <a14:useLocalDpi xmlns:a14="http://schemas.microsoft.com/office/drawing/2010/main" val="0"/>
-              </a:ext>
-            </a:extLst>
-          </a:blip>
-          <a:srcRect l="17705" t="30314" r="18187" b="16852"/>
-          <a:stretch/>
-        </p:blipFill>
-        <p:spPr bwMode="auto">
-          <a:xfrm>
-            <a:off x="794735" y="2476752"/>
-            <a:ext cx="7450954" cy="3684310"/>
-          </a:xfrm>
-          <a:prstGeom prst="rect">
-            <a:avLst/>
-          </a:prstGeom>
-          <a:noFill/>
-          <a:extLst>
-            <a:ext uri="{909E8E84-426E-40DD-AFC4-6F175D3DCCD1}">
-              <a14:hiddenFill xmlns:a14="http://schemas.microsoft.com/office/drawing/2010/main">
-                <a:solidFill>
-                  <a:srgbClr val="FFFFFF"/>
-                </a:solidFill>
-              </a14:hiddenFill>
-            </a:ext>
-          </a:extLst>
-        </p:spPr>
-      </p:pic>
       <p:sp>
         <p:nvSpPr>
           <p:cNvPr id="12" name="직사각형 11"/>
@@ -24856,7 +25405,7 @@
         </p:nvSpPr>
         <p:spPr>
           <a:xfrm>
-            <a:off x="3971490" y="1767348"/>
+            <a:off x="3984103" y="1464242"/>
             <a:ext cx="4801606" cy="261610"/>
           </a:xfrm>
           <a:prstGeom prst="rect">
@@ -24871,68 +25420,58 @@
           <a:p>
             <a:pPr algn="just"/>
             <a:r>
+              <a:rPr lang="en-US" altLang="ko-KR" sz="1100" dirty="0" smtClean="0">
+                <a:solidFill>
+                  <a:schemeClr val="accent1">
+                    <a:lumMod val="75000"/>
+                  </a:schemeClr>
+                </a:solidFill>
+                <a:latin typeface="티머니 둥근바람 Regular" panose="02050503000000000000" pitchFamily="18" charset="-127"/>
+                <a:ea typeface="티머니 둥근바람 Regular" panose="02050503000000000000" pitchFamily="18" charset="-127"/>
+              </a:rPr>
+              <a:t>Optimizer</a:t>
+            </a:r>
+            <a:r>
               <a:rPr lang="ko-KR" altLang="en-US" sz="1100" dirty="0" smtClean="0">
                 <a:solidFill>
-                  <a:schemeClr val="bg2"/>
-                </a:solidFill>
-                <a:latin typeface="티머니 둥근바람 Regular" panose="02050503000000000000" pitchFamily="18" charset="-127"/>
-                <a:ea typeface="티머니 둥근바람 Regular" panose="02050503000000000000" pitchFamily="18" charset="-127"/>
-              </a:rPr>
-              <a:t>작업 </a:t>
-            </a:r>
-            <a:r>
-              <a:rPr lang="ko-KR" altLang="en-US" sz="1100" dirty="0" err="1" smtClean="0">
-                <a:solidFill>
-                  <a:schemeClr val="bg2"/>
-                </a:solidFill>
-                <a:latin typeface="티머니 둥근바람 Regular" panose="02050503000000000000" pitchFamily="18" charset="-127"/>
-                <a:ea typeface="티머니 둥근바람 Regular" panose="02050503000000000000" pitchFamily="18" charset="-127"/>
-              </a:rPr>
-              <a:t>실패시</a:t>
+                  <a:schemeClr val="accent1">
+                    <a:lumMod val="75000"/>
+                  </a:schemeClr>
+                </a:solidFill>
+                <a:latin typeface="티머니 둥근바람 Regular" panose="02050503000000000000" pitchFamily="18" charset="-127"/>
+                <a:ea typeface="티머니 둥근바람 Regular" panose="02050503000000000000" pitchFamily="18" charset="-127"/>
+              </a:rPr>
+              <a:t>를 통해 동작될 코드의 논리적</a:t>
+            </a:r>
+            <a:r>
+              <a:rPr lang="en-US" altLang="ko-KR" sz="1100" dirty="0" smtClean="0">
+                <a:solidFill>
+                  <a:schemeClr val="accent1">
+                    <a:lumMod val="75000"/>
+                  </a:schemeClr>
+                </a:solidFill>
+                <a:latin typeface="티머니 둥근바람 Regular" panose="02050503000000000000" pitchFamily="18" charset="-127"/>
+                <a:ea typeface="티머니 둥근바람 Regular" panose="02050503000000000000" pitchFamily="18" charset="-127"/>
+              </a:rPr>
+              <a:t>/</a:t>
             </a:r>
             <a:r>
               <a:rPr lang="ko-KR" altLang="en-US" sz="1100" dirty="0" smtClean="0">
                 <a:solidFill>
-                  <a:schemeClr val="bg2"/>
-                </a:solidFill>
-                <a:latin typeface="티머니 둥근바람 Regular" panose="02050503000000000000" pitchFamily="18" charset="-127"/>
-                <a:ea typeface="티머니 둥근바람 Regular" panose="02050503000000000000" pitchFamily="18" charset="-127"/>
-              </a:rPr>
-              <a:t> 자동으로 </a:t>
-            </a:r>
-            <a:r>
-              <a:rPr lang="ko-KR" altLang="en-US" sz="1100" dirty="0" err="1">
-                <a:solidFill>
-                  <a:schemeClr val="bg2"/>
-                </a:solidFill>
-                <a:latin typeface="티머니 둥근바람 Regular" panose="02050503000000000000" pitchFamily="18" charset="-127"/>
-                <a:ea typeface="티머니 둥근바람 Regular" panose="02050503000000000000" pitchFamily="18" charset="-127"/>
-              </a:rPr>
-              <a:t>재시작하여</a:t>
-            </a:r>
-            <a:r>
-              <a:rPr lang="ko-KR" altLang="en-US" sz="1100" dirty="0">
-                <a:solidFill>
-                  <a:schemeClr val="bg2"/>
-                </a:solidFill>
-                <a:latin typeface="티머니 둥근바람 Regular" panose="02050503000000000000" pitchFamily="18" charset="-127"/>
-                <a:ea typeface="티머니 둥근바람 Regular" panose="02050503000000000000" pitchFamily="18" charset="-127"/>
-              </a:rPr>
-              <a:t> 데이터 손실을 최소화하고 안정성을 </a:t>
-            </a:r>
-            <a:r>
-              <a:rPr lang="ko-KR" altLang="en-US" sz="1100" dirty="0" smtClean="0">
-                <a:solidFill>
-                  <a:schemeClr val="bg2"/>
-                </a:solidFill>
-                <a:latin typeface="티머니 둥근바람 Regular" panose="02050503000000000000" pitchFamily="18" charset="-127"/>
-                <a:ea typeface="티머니 둥근바람 Regular" panose="02050503000000000000" pitchFamily="18" charset="-127"/>
-              </a:rPr>
-              <a:t>보장</a:t>
+                  <a:schemeClr val="accent1">
+                    <a:lumMod val="75000"/>
+                  </a:schemeClr>
+                </a:solidFill>
+                <a:latin typeface="티머니 둥근바람 Regular" panose="02050503000000000000" pitchFamily="18" charset="-127"/>
+                <a:ea typeface="티머니 둥근바람 Regular" panose="02050503000000000000" pitchFamily="18" charset="-127"/>
+              </a:rPr>
+              <a:t>물리적 실행 계획을 최적화 </a:t>
             </a:r>
             <a:endParaRPr lang="en-US" altLang="ko-KR" sz="1100" dirty="0">
               <a:solidFill>
-                <a:schemeClr val="bg2"/>
+                <a:schemeClr val="accent1">
+                  <a:lumMod val="75000"/>
+                </a:schemeClr>
               </a:solidFill>
               <a:latin typeface="티머니 둥근바람 Regular" panose="02050503000000000000" pitchFamily="18" charset="-127"/>
               <a:ea typeface="티머니 둥근바람 Regular" panose="02050503000000000000" pitchFamily="18" charset="-127"/>
@@ -24980,14 +25519,15 @@
         <p:nvCxnSpPr>
           <p:cNvPr id="17" name="직선 화살표 연결선 16"/>
           <p:cNvCxnSpPr>
+            <a:stCxn id="24" idx="3"/>
             <a:endCxn id="14" idx="1"/>
           </p:cNvCxnSpPr>
           <p:nvPr/>
         </p:nvCxnSpPr>
         <p:spPr>
           <a:xfrm>
-            <a:off x="2324860" y="1890459"/>
-            <a:ext cx="1646630" cy="7694"/>
+            <a:off x="2622087" y="1587353"/>
+            <a:ext cx="1362016" cy="7694"/>
           </a:xfrm>
           <a:prstGeom prst="straightConnector1">
             <a:avLst/>
@@ -25014,132 +25554,112 @@
           </a:fontRef>
         </p:style>
       </p:cxnSp>
-      <p:sp>
-        <p:nvSpPr>
-          <p:cNvPr id="15" name="TextBox 14"/>
-          <p:cNvSpPr txBox="1"/>
-          <p:nvPr/>
-        </p:nvSpPr>
-        <p:spPr>
-          <a:xfrm>
-            <a:off x="872878" y="1448853"/>
-            <a:ext cx="1749209" cy="276999"/>
+      <p:pic>
+        <p:nvPicPr>
+          <p:cNvPr id="1026" name="Picture 2" descr="Spark Catalyst. Spark SQL is an Apache Spark module for… | by Mahesh S  Venkatachalam | Medium"/>
+          <p:cNvPicPr>
+            <a:picLocks noChangeAspect="1" noChangeArrowheads="1"/>
+          </p:cNvPicPr>
+          <p:nvPr/>
+        </p:nvPicPr>
+        <p:blipFill>
+          <a:blip r:embed="rId3">
+            <a:extLst>
+              <a:ext uri="{28A0092B-C50C-407E-A947-70E740481C1C}">
+                <a14:useLocalDpi xmlns:a14="http://schemas.microsoft.com/office/drawing/2010/main" val="0"/>
+              </a:ext>
+            </a:extLst>
+          </a:blip>
+          <a:srcRect/>
+          <a:stretch>
+            <a:fillRect/>
+          </a:stretch>
+        </p:blipFill>
+        <p:spPr bwMode="auto">
+          <a:xfrm>
+            <a:off x="1900582" y="2384615"/>
+            <a:ext cx="5432262" cy="3981492"/>
           </a:xfrm>
           <a:prstGeom prst="rect">
             <a:avLst/>
           </a:prstGeom>
           <a:noFill/>
-        </p:spPr>
+          <a:extLst>
+            <a:ext uri="{909E8E84-426E-40DD-AFC4-6F175D3DCCD1}">
+              <a14:hiddenFill xmlns:a14="http://schemas.microsoft.com/office/drawing/2010/main">
+                <a:solidFill>
+                  <a:srgbClr val="FFFFFF"/>
+                </a:solidFill>
+              </a14:hiddenFill>
+            </a:ext>
+          </a:extLst>
+        </p:spPr>
+      </p:pic>
+      <p:sp>
+        <p:nvSpPr>
+          <p:cNvPr id="4" name="모서리가 둥근 직사각형 3"/>
+          <p:cNvSpPr/>
+          <p:nvPr/>
+        </p:nvSpPr>
+        <p:spPr>
+          <a:xfrm>
+            <a:off x="2006736" y="4256638"/>
+            <a:ext cx="3782445" cy="485391"/>
+          </a:xfrm>
+          <a:prstGeom prst="roundRect">
+            <a:avLst/>
+          </a:prstGeom>
+          <a:solidFill>
+            <a:schemeClr val="accent2">
+              <a:lumMod val="40000"/>
+              <a:lumOff val="60000"/>
+            </a:schemeClr>
+          </a:solidFill>
+          <a:ln w="38100">
+            <a:solidFill>
+              <a:schemeClr val="accent2">
+                <a:lumMod val="75000"/>
+              </a:schemeClr>
+            </a:solidFill>
+          </a:ln>
+        </p:spPr>
+        <p:style>
+          <a:lnRef idx="2">
+            <a:schemeClr val="accent1">
+              <a:shade val="50000"/>
+            </a:schemeClr>
+          </a:lnRef>
+          <a:fillRef idx="1">
+            <a:schemeClr val="accent1"/>
+          </a:fillRef>
+          <a:effectRef idx="0">
+            <a:schemeClr val="accent1"/>
+          </a:effectRef>
+          <a:fontRef idx="minor">
+            <a:schemeClr val="lt1"/>
+          </a:fontRef>
+        </p:style>
         <p:txBody>
-          <a:bodyPr wrap="square" rtlCol="0">
-            <a:spAutoFit/>
-          </a:bodyPr>
+          <a:bodyPr rtlCol="0" anchor="ctr"/>
           <a:lstStyle/>
           <a:p>
-            <a:r>
-              <a:rPr lang="ko-KR" altLang="en-US" sz="1200" dirty="0">
-                <a:solidFill>
-                  <a:schemeClr val="tx1"/>
-                </a:solidFill>
-                <a:latin typeface="티머니 둥근바람 Regular" panose="02050503000000000000" pitchFamily="18" charset="-127"/>
-                <a:ea typeface="티머니 둥근바람 Regular" panose="02050503000000000000" pitchFamily="18" charset="-127"/>
-              </a:rPr>
-              <a:t>▪ </a:t>
-            </a:r>
-            <a:r>
-              <a:rPr lang="en-US" altLang="ko-KR" sz="1200" dirty="0">
-                <a:solidFill>
-                  <a:schemeClr val="tx1"/>
+            <a:pPr algn="ctr"/>
+            <a:r>
+              <a:rPr lang="en-US" altLang="ko-KR" sz="1800" dirty="0">
+                <a:solidFill>
+                  <a:schemeClr val="accent2">
+                    <a:lumMod val="50000"/>
+                  </a:schemeClr>
                 </a:solidFill>
                 <a:latin typeface="티머니 둥근바람 Regular" panose="02050503000000000000" pitchFamily="18" charset="-127"/>
                 <a:ea typeface="티머니 둥근바람 Regular" panose="02050503000000000000" pitchFamily="18" charset="-127"/>
               </a:rPr>
               <a:t>Catalyst Optimizer</a:t>
             </a:r>
-            <a:endParaRPr lang="ko-KR" altLang="en-US" sz="1200" dirty="0">
+            <a:endParaRPr lang="ko-KR" altLang="en-US" sz="1800" dirty="0">
               <a:solidFill>
-                <a:schemeClr val="tx1"/>
-              </a:solidFill>
-              <a:latin typeface="티머니 둥근바람 Regular" panose="02050503000000000000" pitchFamily="18" charset="-127"/>
-              <a:ea typeface="티머니 둥근바람 Regular" panose="02050503000000000000" pitchFamily="18" charset="-127"/>
-            </a:endParaRPr>
-          </a:p>
-        </p:txBody>
-      </p:sp>
-      <p:sp>
-        <p:nvSpPr>
-          <p:cNvPr id="18" name="직사각형 17"/>
-          <p:cNvSpPr/>
-          <p:nvPr/>
-        </p:nvSpPr>
-        <p:spPr>
-          <a:xfrm>
-            <a:off x="3984103" y="1464242"/>
-            <a:ext cx="4801606" cy="261610"/>
-          </a:xfrm>
-          <a:prstGeom prst="rect">
-            <a:avLst/>
-          </a:prstGeom>
-        </p:spPr>
-        <p:txBody>
-          <a:bodyPr wrap="square">
-            <a:spAutoFit/>
-          </a:bodyPr>
-          <a:lstStyle/>
-          <a:p>
-            <a:pPr algn="just"/>
-            <a:r>
-              <a:rPr lang="en-US" altLang="ko-KR" sz="1100" dirty="0" smtClean="0">
-                <a:solidFill>
-                  <a:schemeClr val="accent1">
-                    <a:lumMod val="75000"/>
-                  </a:schemeClr>
-                </a:solidFill>
-                <a:latin typeface="티머니 둥근바람 Regular" panose="02050503000000000000" pitchFamily="18" charset="-127"/>
-                <a:ea typeface="티머니 둥근바람 Regular" panose="02050503000000000000" pitchFamily="18" charset="-127"/>
-              </a:rPr>
-              <a:t>Optimizer</a:t>
-            </a:r>
-            <a:r>
-              <a:rPr lang="ko-KR" altLang="en-US" sz="1100" dirty="0" smtClean="0">
-                <a:solidFill>
-                  <a:schemeClr val="accent1">
-                    <a:lumMod val="75000"/>
-                  </a:schemeClr>
-                </a:solidFill>
-                <a:latin typeface="티머니 둥근바람 Regular" panose="02050503000000000000" pitchFamily="18" charset="-127"/>
-                <a:ea typeface="티머니 둥근바람 Regular" panose="02050503000000000000" pitchFamily="18" charset="-127"/>
-              </a:rPr>
-              <a:t>를 통해 동작될 코드의 논리적</a:t>
-            </a:r>
-            <a:r>
-              <a:rPr lang="en-US" altLang="ko-KR" sz="1100" dirty="0" smtClean="0">
-                <a:solidFill>
-                  <a:schemeClr val="accent1">
-                    <a:lumMod val="75000"/>
-                  </a:schemeClr>
-                </a:solidFill>
-                <a:latin typeface="티머니 둥근바람 Regular" panose="02050503000000000000" pitchFamily="18" charset="-127"/>
-                <a:ea typeface="티머니 둥근바람 Regular" panose="02050503000000000000" pitchFamily="18" charset="-127"/>
-              </a:rPr>
-              <a:t>/</a:t>
-            </a:r>
-            <a:r>
-              <a:rPr lang="ko-KR" altLang="en-US" sz="1100" dirty="0" smtClean="0">
-                <a:solidFill>
-                  <a:schemeClr val="accent1">
-                    <a:lumMod val="75000"/>
-                  </a:schemeClr>
-                </a:solidFill>
-                <a:latin typeface="티머니 둥근바람 Regular" panose="02050503000000000000" pitchFamily="18" charset="-127"/>
-                <a:ea typeface="티머니 둥근바람 Regular" panose="02050503000000000000" pitchFamily="18" charset="-127"/>
-              </a:rPr>
-              <a:t>물리적 실행 계획을 최적화 </a:t>
-            </a:r>
-            <a:endParaRPr lang="en-US" altLang="ko-KR" sz="1100" dirty="0">
-              <a:solidFill>
-                <a:schemeClr val="accent1">
-                  <a:lumMod val="75000"/>
+                <a:schemeClr val="accent2">
+                  <a:lumMod val="50000"/>
                 </a:schemeClr>
               </a:solidFill>
               <a:latin typeface="티머니 둥근바람 Regular" panose="02050503000000000000" pitchFamily="18" charset="-127"/>
@@ -25148,49 +25668,10 @@
           </a:p>
         </p:txBody>
       </p:sp>
-      <p:cxnSp>
-        <p:nvCxnSpPr>
-          <p:cNvPr id="19" name="직선 화살표 연결선 18"/>
-          <p:cNvCxnSpPr>
-            <a:stCxn id="15" idx="3"/>
-            <a:endCxn id="18" idx="1"/>
-          </p:cNvCxnSpPr>
-          <p:nvPr/>
-        </p:nvCxnSpPr>
-        <p:spPr>
-          <a:xfrm>
-            <a:off x="2622087" y="1587353"/>
-            <a:ext cx="1362016" cy="7694"/>
-          </a:xfrm>
-          <a:prstGeom prst="straightConnector1">
-            <a:avLst/>
-          </a:prstGeom>
-          <a:ln w="19050">
-            <a:solidFill>
-              <a:schemeClr val="accent1"/>
-            </a:solidFill>
-            <a:tailEnd type="triangle"/>
-          </a:ln>
-        </p:spPr>
-        <p:style>
-          <a:lnRef idx="1">
-            <a:schemeClr val="accent1"/>
-          </a:lnRef>
-          <a:fillRef idx="0">
-            <a:schemeClr val="accent1"/>
-          </a:fillRef>
-          <a:effectRef idx="0">
-            <a:schemeClr val="accent1"/>
-          </a:effectRef>
-          <a:fontRef idx="minor">
-            <a:schemeClr val="tx1"/>
-          </a:fontRef>
-        </p:style>
-      </p:cxnSp>
     </p:spTree>
     <p:extLst>
       <p:ext uri="{BB962C8B-B14F-4D97-AF65-F5344CB8AC3E}">
-        <p14:creationId xmlns:p14="http://schemas.microsoft.com/office/powerpoint/2010/main" val="915288635"/>
+        <p14:creationId xmlns:p14="http://schemas.microsoft.com/office/powerpoint/2010/main" val="2446755673"/>
       </p:ext>
     </p:extLst>
   </p:cSld>
@@ -25552,6 +26033,903 @@
           </a:p>
         </p:txBody>
       </p:sp>
+      <p:pic>
+        <p:nvPicPr>
+          <p:cNvPr id="10" name="Picture 4" descr="Spark Structured Streaming — Fault Tolerance | by Teepika R M | Medium"/>
+          <p:cNvPicPr>
+            <a:picLocks noChangeAspect="1" noChangeArrowheads="1"/>
+          </p:cNvPicPr>
+          <p:nvPr/>
+        </p:nvPicPr>
+        <p:blipFill rotWithShape="1">
+          <a:blip r:embed="rId3">
+            <a:extLst>
+              <a:ext uri="{28A0092B-C50C-407E-A947-70E740481C1C}">
+                <a14:useLocalDpi xmlns:a14="http://schemas.microsoft.com/office/drawing/2010/main" val="0"/>
+              </a:ext>
+            </a:extLst>
+          </a:blip>
+          <a:srcRect l="17705" t="30314" r="18187" b="16852"/>
+          <a:stretch/>
+        </p:blipFill>
+        <p:spPr bwMode="auto">
+          <a:xfrm>
+            <a:off x="794735" y="2476752"/>
+            <a:ext cx="7450954" cy="3684310"/>
+          </a:xfrm>
+          <a:prstGeom prst="rect">
+            <a:avLst/>
+          </a:prstGeom>
+          <a:noFill/>
+          <a:extLst>
+            <a:ext uri="{909E8E84-426E-40DD-AFC4-6F175D3DCCD1}">
+              <a14:hiddenFill xmlns:a14="http://schemas.microsoft.com/office/drawing/2010/main">
+                <a:solidFill>
+                  <a:srgbClr val="FFFFFF"/>
+                </a:solidFill>
+              </a14:hiddenFill>
+            </a:ext>
+          </a:extLst>
+        </p:spPr>
+      </p:pic>
+      <p:sp>
+        <p:nvSpPr>
+          <p:cNvPr id="12" name="직사각형 11"/>
+          <p:cNvSpPr/>
+          <p:nvPr/>
+        </p:nvSpPr>
+        <p:spPr>
+          <a:xfrm>
+            <a:off x="872878" y="1141899"/>
+            <a:ext cx="2730221" cy="276999"/>
+          </a:xfrm>
+          <a:prstGeom prst="rect">
+            <a:avLst/>
+          </a:prstGeom>
+        </p:spPr>
+        <p:txBody>
+          <a:bodyPr wrap="square">
+            <a:spAutoFit/>
+          </a:bodyPr>
+          <a:lstStyle/>
+          <a:p>
+            <a:r>
+              <a:rPr lang="ko-KR" altLang="en-US" sz="1200" dirty="0">
+                <a:solidFill>
+                  <a:schemeClr val="tx1"/>
+                </a:solidFill>
+                <a:latin typeface="티머니 둥근바람 Regular" panose="02050503000000000000" pitchFamily="18" charset="-127"/>
+                <a:ea typeface="티머니 둥근바람 Regular" panose="02050503000000000000" pitchFamily="18" charset="-127"/>
+              </a:rPr>
+              <a:t>▪ </a:t>
+            </a:r>
+            <a:r>
+              <a:rPr lang="en-US" altLang="ko-KR" sz="1200" dirty="0">
+                <a:latin typeface="티머니 둥근바람 Regular" panose="02050503000000000000" pitchFamily="18" charset="-127"/>
+                <a:ea typeface="티머니 둥근바람 Regular" panose="02050503000000000000" pitchFamily="18" charset="-127"/>
+              </a:rPr>
+              <a:t>Resilient Distributed </a:t>
+            </a:r>
+            <a:r>
+              <a:rPr lang="en-US" altLang="ko-KR" sz="1200" dirty="0" smtClean="0">
+                <a:latin typeface="티머니 둥근바람 Regular" panose="02050503000000000000" pitchFamily="18" charset="-127"/>
+                <a:ea typeface="티머니 둥근바람 Regular" panose="02050503000000000000" pitchFamily="18" charset="-127"/>
+              </a:rPr>
+              <a:t>Data (RDD)</a:t>
+            </a:r>
+            <a:endParaRPr lang="ko-KR" altLang="en-US" sz="1200" dirty="0">
+              <a:latin typeface="티머니 둥근바람 Regular" panose="02050503000000000000" pitchFamily="18" charset="-127"/>
+              <a:ea typeface="티머니 둥근바람 Regular" panose="02050503000000000000" pitchFamily="18" charset="-127"/>
+            </a:endParaRPr>
+          </a:p>
+        </p:txBody>
+      </p:sp>
+      <p:sp>
+        <p:nvSpPr>
+          <p:cNvPr id="13" name="직사각형 12"/>
+          <p:cNvSpPr/>
+          <p:nvPr/>
+        </p:nvSpPr>
+        <p:spPr>
+          <a:xfrm>
+            <a:off x="3984103" y="1160729"/>
+            <a:ext cx="5576076" cy="261610"/>
+          </a:xfrm>
+          <a:prstGeom prst="rect">
+            <a:avLst/>
+          </a:prstGeom>
+        </p:spPr>
+        <p:txBody>
+          <a:bodyPr wrap="square">
+            <a:spAutoFit/>
+          </a:bodyPr>
+          <a:lstStyle/>
+          <a:p>
+            <a:pPr algn="just"/>
+            <a:r>
+              <a:rPr lang="ko-KR" altLang="en-US" sz="1100" dirty="0" smtClean="0">
+                <a:solidFill>
+                  <a:schemeClr val="bg2"/>
+                </a:solidFill>
+                <a:latin typeface="티머니 둥근바람 Regular" panose="02050503000000000000" pitchFamily="18" charset="-127"/>
+                <a:ea typeface="티머니 둥근바람 Regular" panose="02050503000000000000" pitchFamily="18" charset="-127"/>
+              </a:rPr>
+              <a:t>다수의 </a:t>
+            </a:r>
+            <a:r>
+              <a:rPr lang="ko-KR" altLang="en-US" sz="1100" dirty="0">
+                <a:solidFill>
+                  <a:schemeClr val="bg2"/>
+                </a:solidFill>
+                <a:latin typeface="티머니 둥근바람 Regular" panose="02050503000000000000" pitchFamily="18" charset="-127"/>
+                <a:ea typeface="티머니 둥근바람 Regular" panose="02050503000000000000" pitchFamily="18" charset="-127"/>
+              </a:rPr>
+              <a:t>서버에 </a:t>
+            </a:r>
+            <a:r>
+              <a:rPr lang="ko-KR" altLang="en-US" sz="1100" dirty="0" smtClean="0">
+                <a:solidFill>
+                  <a:schemeClr val="bg2"/>
+                </a:solidFill>
+                <a:latin typeface="티머니 둥근바람 Regular" panose="02050503000000000000" pitchFamily="18" charset="-127"/>
+                <a:ea typeface="티머니 둥근바람 Regular" panose="02050503000000000000" pitchFamily="18" charset="-127"/>
+              </a:rPr>
+              <a:t>분산 </a:t>
+            </a:r>
+            <a:r>
+              <a:rPr lang="ko-KR" altLang="en-US" sz="1100" dirty="0">
+                <a:solidFill>
+                  <a:schemeClr val="bg2"/>
+                </a:solidFill>
+                <a:latin typeface="티머니 둥근바람 Regular" panose="02050503000000000000" pitchFamily="18" charset="-127"/>
+                <a:ea typeface="티머니 둥근바람 Regular" panose="02050503000000000000" pitchFamily="18" charset="-127"/>
+              </a:rPr>
+              <a:t>방식으로 저장된 요소들의 </a:t>
+            </a:r>
+            <a:r>
+              <a:rPr lang="ko-KR" altLang="en-US" sz="1100" dirty="0" smtClean="0">
+                <a:solidFill>
+                  <a:schemeClr val="bg2"/>
+                </a:solidFill>
+                <a:latin typeface="티머니 둥근바람 Regular" panose="02050503000000000000" pitchFamily="18" charset="-127"/>
+                <a:ea typeface="티머니 둥근바람 Regular" panose="02050503000000000000" pitchFamily="18" charset="-127"/>
+              </a:rPr>
+              <a:t>집합</a:t>
+            </a:r>
+            <a:r>
+              <a:rPr lang="en-US" altLang="ko-KR" sz="1100" dirty="0" smtClean="0">
+                <a:solidFill>
+                  <a:schemeClr val="bg2"/>
+                </a:solidFill>
+                <a:latin typeface="티머니 둥근바람 Regular" panose="02050503000000000000" pitchFamily="18" charset="-127"/>
+                <a:ea typeface="티머니 둥근바람 Regular" panose="02050503000000000000" pitchFamily="18" charset="-127"/>
+              </a:rPr>
+              <a:t>. </a:t>
+            </a:r>
+            <a:r>
+              <a:rPr lang="ko-KR" altLang="en-US" sz="1100" dirty="0" smtClean="0">
+                <a:solidFill>
+                  <a:schemeClr val="bg2"/>
+                </a:solidFill>
+                <a:latin typeface="티머니 둥근바람 Regular" panose="02050503000000000000" pitchFamily="18" charset="-127"/>
+                <a:ea typeface="티머니 둥근바람 Regular" panose="02050503000000000000" pitchFamily="18" charset="-127"/>
+              </a:rPr>
+              <a:t>병렬처리 및 장애 복구 가능</a:t>
+            </a:r>
+            <a:endParaRPr lang="en-US" altLang="ko-KR" sz="1100" dirty="0">
+              <a:solidFill>
+                <a:schemeClr val="bg2"/>
+              </a:solidFill>
+              <a:latin typeface="티머니 둥근바람 Regular" panose="02050503000000000000" pitchFamily="18" charset="-127"/>
+              <a:ea typeface="티머니 둥근바람 Regular" panose="02050503000000000000" pitchFamily="18" charset="-127"/>
+            </a:endParaRPr>
+          </a:p>
+        </p:txBody>
+      </p:sp>
+      <p:sp>
+        <p:nvSpPr>
+          <p:cNvPr id="14" name="직사각형 13"/>
+          <p:cNvSpPr/>
+          <p:nvPr/>
+        </p:nvSpPr>
+        <p:spPr>
+          <a:xfrm>
+            <a:off x="3971490" y="1767348"/>
+            <a:ext cx="4801606" cy="261610"/>
+          </a:xfrm>
+          <a:prstGeom prst="rect">
+            <a:avLst/>
+          </a:prstGeom>
+        </p:spPr>
+        <p:txBody>
+          <a:bodyPr wrap="square">
+            <a:spAutoFit/>
+          </a:bodyPr>
+          <a:lstStyle/>
+          <a:p>
+            <a:pPr algn="just"/>
+            <a:r>
+              <a:rPr lang="ko-KR" altLang="en-US" sz="1100" dirty="0" smtClean="0">
+                <a:solidFill>
+                  <a:schemeClr val="bg2"/>
+                </a:solidFill>
+                <a:latin typeface="티머니 둥근바람 Regular" panose="02050503000000000000" pitchFamily="18" charset="-127"/>
+                <a:ea typeface="티머니 둥근바람 Regular" panose="02050503000000000000" pitchFamily="18" charset="-127"/>
+              </a:rPr>
+              <a:t>작업 </a:t>
+            </a:r>
+            <a:r>
+              <a:rPr lang="ko-KR" altLang="en-US" sz="1100" dirty="0" err="1" smtClean="0">
+                <a:solidFill>
+                  <a:schemeClr val="bg2"/>
+                </a:solidFill>
+                <a:latin typeface="티머니 둥근바람 Regular" panose="02050503000000000000" pitchFamily="18" charset="-127"/>
+                <a:ea typeface="티머니 둥근바람 Regular" panose="02050503000000000000" pitchFamily="18" charset="-127"/>
+              </a:rPr>
+              <a:t>실패시</a:t>
+            </a:r>
+            <a:r>
+              <a:rPr lang="ko-KR" altLang="en-US" sz="1100" dirty="0" smtClean="0">
+                <a:solidFill>
+                  <a:schemeClr val="bg2"/>
+                </a:solidFill>
+                <a:latin typeface="티머니 둥근바람 Regular" panose="02050503000000000000" pitchFamily="18" charset="-127"/>
+                <a:ea typeface="티머니 둥근바람 Regular" panose="02050503000000000000" pitchFamily="18" charset="-127"/>
+              </a:rPr>
+              <a:t> 자동으로 </a:t>
+            </a:r>
+            <a:r>
+              <a:rPr lang="ko-KR" altLang="en-US" sz="1100" dirty="0" err="1">
+                <a:solidFill>
+                  <a:schemeClr val="bg2"/>
+                </a:solidFill>
+                <a:latin typeface="티머니 둥근바람 Regular" panose="02050503000000000000" pitchFamily="18" charset="-127"/>
+                <a:ea typeface="티머니 둥근바람 Regular" panose="02050503000000000000" pitchFamily="18" charset="-127"/>
+              </a:rPr>
+              <a:t>재시작하여</a:t>
+            </a:r>
+            <a:r>
+              <a:rPr lang="ko-KR" altLang="en-US" sz="1100" dirty="0">
+                <a:solidFill>
+                  <a:schemeClr val="bg2"/>
+                </a:solidFill>
+                <a:latin typeface="티머니 둥근바람 Regular" panose="02050503000000000000" pitchFamily="18" charset="-127"/>
+                <a:ea typeface="티머니 둥근바람 Regular" panose="02050503000000000000" pitchFamily="18" charset="-127"/>
+              </a:rPr>
+              <a:t> 데이터 손실을 최소화하고 안정성을 </a:t>
+            </a:r>
+            <a:r>
+              <a:rPr lang="ko-KR" altLang="en-US" sz="1100" dirty="0" smtClean="0">
+                <a:solidFill>
+                  <a:schemeClr val="bg2"/>
+                </a:solidFill>
+                <a:latin typeface="티머니 둥근바람 Regular" panose="02050503000000000000" pitchFamily="18" charset="-127"/>
+                <a:ea typeface="티머니 둥근바람 Regular" panose="02050503000000000000" pitchFamily="18" charset="-127"/>
+              </a:rPr>
+              <a:t>보장</a:t>
+            </a:r>
+            <a:endParaRPr lang="en-US" altLang="ko-KR" sz="1100" dirty="0">
+              <a:solidFill>
+                <a:schemeClr val="bg2"/>
+              </a:solidFill>
+              <a:latin typeface="티머니 둥근바람 Regular" panose="02050503000000000000" pitchFamily="18" charset="-127"/>
+              <a:ea typeface="티머니 둥근바람 Regular" panose="02050503000000000000" pitchFamily="18" charset="-127"/>
+            </a:endParaRPr>
+          </a:p>
+        </p:txBody>
+      </p:sp>
+      <p:cxnSp>
+        <p:nvCxnSpPr>
+          <p:cNvPr id="16" name="직선 화살표 연결선 15"/>
+          <p:cNvCxnSpPr/>
+          <p:nvPr/>
+        </p:nvCxnSpPr>
+        <p:spPr>
+          <a:xfrm>
+            <a:off x="3603099" y="1291534"/>
+            <a:ext cx="381004" cy="0"/>
+          </a:xfrm>
+          <a:prstGeom prst="straightConnector1">
+            <a:avLst/>
+          </a:prstGeom>
+          <a:ln w="19050">
+            <a:solidFill>
+              <a:schemeClr val="accent1"/>
+            </a:solidFill>
+            <a:tailEnd type="triangle"/>
+          </a:ln>
+        </p:spPr>
+        <p:style>
+          <a:lnRef idx="1">
+            <a:schemeClr val="accent1"/>
+          </a:lnRef>
+          <a:fillRef idx="0">
+            <a:schemeClr val="accent1"/>
+          </a:fillRef>
+          <a:effectRef idx="0">
+            <a:schemeClr val="accent1"/>
+          </a:effectRef>
+          <a:fontRef idx="minor">
+            <a:schemeClr val="tx1"/>
+          </a:fontRef>
+        </p:style>
+      </p:cxnSp>
+      <p:cxnSp>
+        <p:nvCxnSpPr>
+          <p:cNvPr id="17" name="직선 화살표 연결선 16"/>
+          <p:cNvCxnSpPr>
+            <a:endCxn id="14" idx="1"/>
+          </p:cNvCxnSpPr>
+          <p:nvPr/>
+        </p:nvCxnSpPr>
+        <p:spPr>
+          <a:xfrm>
+            <a:off x="2324860" y="1890459"/>
+            <a:ext cx="1646630" cy="7694"/>
+          </a:xfrm>
+          <a:prstGeom prst="straightConnector1">
+            <a:avLst/>
+          </a:prstGeom>
+          <a:ln w="19050">
+            <a:solidFill>
+              <a:schemeClr val="accent1"/>
+            </a:solidFill>
+            <a:tailEnd type="triangle"/>
+          </a:ln>
+        </p:spPr>
+        <p:style>
+          <a:lnRef idx="1">
+            <a:schemeClr val="accent1"/>
+          </a:lnRef>
+          <a:fillRef idx="0">
+            <a:schemeClr val="accent1"/>
+          </a:fillRef>
+          <a:effectRef idx="0">
+            <a:schemeClr val="accent1"/>
+          </a:effectRef>
+          <a:fontRef idx="minor">
+            <a:schemeClr val="tx1"/>
+          </a:fontRef>
+        </p:style>
+      </p:cxnSp>
+      <p:sp>
+        <p:nvSpPr>
+          <p:cNvPr id="15" name="TextBox 14"/>
+          <p:cNvSpPr txBox="1"/>
+          <p:nvPr/>
+        </p:nvSpPr>
+        <p:spPr>
+          <a:xfrm>
+            <a:off x="872878" y="1448853"/>
+            <a:ext cx="1749209" cy="276999"/>
+          </a:xfrm>
+          <a:prstGeom prst="rect">
+            <a:avLst/>
+          </a:prstGeom>
+          <a:noFill/>
+        </p:spPr>
+        <p:txBody>
+          <a:bodyPr wrap="square" rtlCol="0">
+            <a:spAutoFit/>
+          </a:bodyPr>
+          <a:lstStyle/>
+          <a:p>
+            <a:r>
+              <a:rPr lang="ko-KR" altLang="en-US" sz="1200" dirty="0">
+                <a:solidFill>
+                  <a:schemeClr val="tx1"/>
+                </a:solidFill>
+                <a:latin typeface="티머니 둥근바람 Regular" panose="02050503000000000000" pitchFamily="18" charset="-127"/>
+                <a:ea typeface="티머니 둥근바람 Regular" panose="02050503000000000000" pitchFamily="18" charset="-127"/>
+              </a:rPr>
+              <a:t>▪ </a:t>
+            </a:r>
+            <a:r>
+              <a:rPr lang="en-US" altLang="ko-KR" sz="1200" dirty="0">
+                <a:solidFill>
+                  <a:schemeClr val="tx1"/>
+                </a:solidFill>
+                <a:latin typeface="티머니 둥근바람 Regular" panose="02050503000000000000" pitchFamily="18" charset="-127"/>
+                <a:ea typeface="티머니 둥근바람 Regular" panose="02050503000000000000" pitchFamily="18" charset="-127"/>
+              </a:rPr>
+              <a:t>Catalyst Optimizer</a:t>
+            </a:r>
+            <a:endParaRPr lang="ko-KR" altLang="en-US" sz="1200" dirty="0">
+              <a:solidFill>
+                <a:schemeClr val="tx1"/>
+              </a:solidFill>
+              <a:latin typeface="티머니 둥근바람 Regular" panose="02050503000000000000" pitchFamily="18" charset="-127"/>
+              <a:ea typeface="티머니 둥근바람 Regular" panose="02050503000000000000" pitchFamily="18" charset="-127"/>
+            </a:endParaRPr>
+          </a:p>
+        </p:txBody>
+      </p:sp>
+      <p:sp>
+        <p:nvSpPr>
+          <p:cNvPr id="18" name="직사각형 17"/>
+          <p:cNvSpPr/>
+          <p:nvPr/>
+        </p:nvSpPr>
+        <p:spPr>
+          <a:xfrm>
+            <a:off x="3984103" y="1464242"/>
+            <a:ext cx="4801606" cy="261610"/>
+          </a:xfrm>
+          <a:prstGeom prst="rect">
+            <a:avLst/>
+          </a:prstGeom>
+        </p:spPr>
+        <p:txBody>
+          <a:bodyPr wrap="square">
+            <a:spAutoFit/>
+          </a:bodyPr>
+          <a:lstStyle/>
+          <a:p>
+            <a:pPr algn="just"/>
+            <a:r>
+              <a:rPr lang="en-US" altLang="ko-KR" sz="1100" dirty="0" smtClean="0">
+                <a:solidFill>
+                  <a:schemeClr val="accent1">
+                    <a:lumMod val="75000"/>
+                  </a:schemeClr>
+                </a:solidFill>
+                <a:latin typeface="티머니 둥근바람 Regular" panose="02050503000000000000" pitchFamily="18" charset="-127"/>
+                <a:ea typeface="티머니 둥근바람 Regular" panose="02050503000000000000" pitchFamily="18" charset="-127"/>
+              </a:rPr>
+              <a:t>Optimizer</a:t>
+            </a:r>
+            <a:r>
+              <a:rPr lang="ko-KR" altLang="en-US" sz="1100" dirty="0" smtClean="0">
+                <a:solidFill>
+                  <a:schemeClr val="accent1">
+                    <a:lumMod val="75000"/>
+                  </a:schemeClr>
+                </a:solidFill>
+                <a:latin typeface="티머니 둥근바람 Regular" panose="02050503000000000000" pitchFamily="18" charset="-127"/>
+                <a:ea typeface="티머니 둥근바람 Regular" panose="02050503000000000000" pitchFamily="18" charset="-127"/>
+              </a:rPr>
+              <a:t>를 통해 동작될 코드의 논리적</a:t>
+            </a:r>
+            <a:r>
+              <a:rPr lang="en-US" altLang="ko-KR" sz="1100" dirty="0" smtClean="0">
+                <a:solidFill>
+                  <a:schemeClr val="accent1">
+                    <a:lumMod val="75000"/>
+                  </a:schemeClr>
+                </a:solidFill>
+                <a:latin typeface="티머니 둥근바람 Regular" panose="02050503000000000000" pitchFamily="18" charset="-127"/>
+                <a:ea typeface="티머니 둥근바람 Regular" panose="02050503000000000000" pitchFamily="18" charset="-127"/>
+              </a:rPr>
+              <a:t>/</a:t>
+            </a:r>
+            <a:r>
+              <a:rPr lang="ko-KR" altLang="en-US" sz="1100" dirty="0" smtClean="0">
+                <a:solidFill>
+                  <a:schemeClr val="accent1">
+                    <a:lumMod val="75000"/>
+                  </a:schemeClr>
+                </a:solidFill>
+                <a:latin typeface="티머니 둥근바람 Regular" panose="02050503000000000000" pitchFamily="18" charset="-127"/>
+                <a:ea typeface="티머니 둥근바람 Regular" panose="02050503000000000000" pitchFamily="18" charset="-127"/>
+              </a:rPr>
+              <a:t>물리적 실행 계획을 최적화 </a:t>
+            </a:r>
+            <a:endParaRPr lang="en-US" altLang="ko-KR" sz="1100" dirty="0">
+              <a:solidFill>
+                <a:schemeClr val="accent1">
+                  <a:lumMod val="75000"/>
+                </a:schemeClr>
+              </a:solidFill>
+              <a:latin typeface="티머니 둥근바람 Regular" panose="02050503000000000000" pitchFamily="18" charset="-127"/>
+              <a:ea typeface="티머니 둥근바람 Regular" panose="02050503000000000000" pitchFamily="18" charset="-127"/>
+            </a:endParaRPr>
+          </a:p>
+        </p:txBody>
+      </p:sp>
+      <p:cxnSp>
+        <p:nvCxnSpPr>
+          <p:cNvPr id="19" name="직선 화살표 연결선 18"/>
+          <p:cNvCxnSpPr>
+            <a:stCxn id="15" idx="3"/>
+            <a:endCxn id="18" idx="1"/>
+          </p:cNvCxnSpPr>
+          <p:nvPr/>
+        </p:nvCxnSpPr>
+        <p:spPr>
+          <a:xfrm>
+            <a:off x="2622087" y="1587353"/>
+            <a:ext cx="1362016" cy="7694"/>
+          </a:xfrm>
+          <a:prstGeom prst="straightConnector1">
+            <a:avLst/>
+          </a:prstGeom>
+          <a:ln w="19050">
+            <a:solidFill>
+              <a:schemeClr val="accent1"/>
+            </a:solidFill>
+            <a:tailEnd type="triangle"/>
+          </a:ln>
+        </p:spPr>
+        <p:style>
+          <a:lnRef idx="1">
+            <a:schemeClr val="accent1"/>
+          </a:lnRef>
+          <a:fillRef idx="0">
+            <a:schemeClr val="accent1"/>
+          </a:fillRef>
+          <a:effectRef idx="0">
+            <a:schemeClr val="accent1"/>
+          </a:effectRef>
+          <a:fontRef idx="minor">
+            <a:schemeClr val="tx1"/>
+          </a:fontRef>
+        </p:style>
+      </p:cxnSp>
+    </p:spTree>
+    <p:extLst>
+      <p:ext uri="{BB962C8B-B14F-4D97-AF65-F5344CB8AC3E}">
+        <p14:creationId xmlns:p14="http://schemas.microsoft.com/office/powerpoint/2010/main" val="915288635"/>
+      </p:ext>
+    </p:extLst>
+  </p:cSld>
+  <p:clrMapOvr>
+    <a:masterClrMapping/>
+  </p:clrMapOvr>
+  <p:timing>
+    <p:tnLst>
+      <p:par>
+        <p:cTn id="1" dur="indefinite" restart="never" nodeType="tmRoot"/>
+      </p:par>
+    </p:tnLst>
+  </p:timing>
+</p:sld>
+</file>
+
+<file path=ppt/slides/slide22.xml><?xml version="1.0" encoding="utf-8"?>
+<p:sld xmlns:a="http://schemas.openxmlformats.org/drawingml/2006/main" xmlns:r="http://schemas.openxmlformats.org/officeDocument/2006/relationships" xmlns:p="http://schemas.openxmlformats.org/presentationml/2006/main">
+  <p:cSld>
+    <p:spTree>
+      <p:nvGrpSpPr>
+        <p:cNvPr id="1" name="Shape 26"/>
+        <p:cNvGrpSpPr/>
+        <p:nvPr/>
+      </p:nvGrpSpPr>
+      <p:grpSpPr>
+        <a:xfrm>
+          <a:off x="0" y="0"/>
+          <a:ext cx="0" cy="0"/>
+          <a:chOff x="0" y="0"/>
+          <a:chExt cx="0" cy="0"/>
+        </a:xfrm>
+      </p:grpSpPr>
+      <p:sp>
+        <p:nvSpPr>
+          <p:cNvPr id="5" name="Google Shape;28;p1"/>
+          <p:cNvSpPr txBox="1"/>
+          <p:nvPr/>
+        </p:nvSpPr>
+        <p:spPr>
+          <a:xfrm>
+            <a:off x="285720" y="214290"/>
+            <a:ext cx="8242846" cy="296842"/>
+          </a:xfrm>
+          <a:prstGeom prst="rect">
+            <a:avLst/>
+          </a:prstGeom>
+          <a:noFill/>
+          <a:ln>
+            <a:noFill/>
+          </a:ln>
+        </p:spPr>
+        <p:txBody>
+          <a:bodyPr spcFirstLastPara="1" wrap="square" lIns="0" tIns="0" rIns="0" bIns="0" anchor="t" anchorCtr="0">
+            <a:noAutofit/>
+          </a:bodyPr>
+          <a:lstStyle/>
+          <a:p>
+            <a:pPr marL="0" marR="0" lvl="0" indent="0" algn="l" rtl="0">
+              <a:lnSpc>
+                <a:spcPct val="100000"/>
+              </a:lnSpc>
+              <a:spcBef>
+                <a:spcPts val="0"/>
+              </a:spcBef>
+              <a:spcAft>
+                <a:spcPts val="0"/>
+              </a:spcAft>
+              <a:buClr>
+                <a:srgbClr val="000000"/>
+              </a:buClr>
+              <a:buSzPts val="1800"/>
+              <a:buFont typeface="Arial"/>
+              <a:buNone/>
+            </a:pPr>
+            <a:endParaRPr sz="1800" b="1" i="0" u="none" strike="noStrike" cap="none" dirty="0">
+              <a:solidFill>
+                <a:srgbClr val="000000"/>
+              </a:solidFill>
+              <a:latin typeface="+mn-ea"/>
+              <a:ea typeface="+mn-ea"/>
+              <a:cs typeface="Malgun Gothic"/>
+              <a:sym typeface="Malgun Gothic"/>
+            </a:endParaRPr>
+          </a:p>
+        </p:txBody>
+      </p:sp>
+      <p:sp>
+        <p:nvSpPr>
+          <p:cNvPr id="7" name="Google Shape;28;p1"/>
+          <p:cNvSpPr txBox="1"/>
+          <p:nvPr/>
+        </p:nvSpPr>
+        <p:spPr>
+          <a:xfrm>
+            <a:off x="647670" y="216704"/>
+            <a:ext cx="5323180" cy="296842"/>
+          </a:xfrm>
+          <a:prstGeom prst="rect">
+            <a:avLst/>
+          </a:prstGeom>
+          <a:noFill/>
+          <a:ln>
+            <a:noFill/>
+          </a:ln>
+        </p:spPr>
+        <p:txBody>
+          <a:bodyPr spcFirstLastPara="1" wrap="square" lIns="0" tIns="0" rIns="0" bIns="0" anchor="t" anchorCtr="0">
+            <a:noAutofit/>
+          </a:bodyPr>
+          <a:lstStyle/>
+          <a:p>
+            <a:pPr lvl="0">
+              <a:buSzPts val="1800"/>
+            </a:pPr>
+            <a:r>
+              <a:rPr lang="ko-KR" altLang="en-US" sz="2000" b="1" dirty="0" smtClean="0">
+                <a:solidFill>
+                  <a:schemeClr val="accent3">
+                    <a:lumMod val="50000"/>
+                  </a:schemeClr>
+                </a:solidFill>
+                <a:latin typeface="티머니 둥근바람 Regular" panose="02050503000000000000" pitchFamily="18" charset="-127"/>
+                <a:ea typeface="티머니 둥근바람 Regular" panose="02050503000000000000" pitchFamily="18" charset="-127"/>
+                <a:cs typeface="Malgun Gothic"/>
+                <a:sym typeface="Malgun Gothic"/>
+              </a:rPr>
+              <a:t>아파치 스파크 작업의 특성</a:t>
+            </a:r>
+            <a:endParaRPr lang="ko-KR" altLang="en-US" sz="2000" b="1" dirty="0">
+              <a:solidFill>
+                <a:schemeClr val="accent3">
+                  <a:lumMod val="50000"/>
+                </a:schemeClr>
+              </a:solidFill>
+              <a:latin typeface="티머니 둥근바람 Regular" panose="02050503000000000000" pitchFamily="18" charset="-127"/>
+              <a:ea typeface="티머니 둥근바람 Regular" panose="02050503000000000000" pitchFamily="18" charset="-127"/>
+              <a:cs typeface="Malgun Gothic"/>
+              <a:sym typeface="Malgun Gothic"/>
+            </a:endParaRPr>
+          </a:p>
+        </p:txBody>
+      </p:sp>
+      <p:sp>
+        <p:nvSpPr>
+          <p:cNvPr id="8" name="이등변 삼각형 7"/>
+          <p:cNvSpPr/>
+          <p:nvPr/>
+        </p:nvSpPr>
+        <p:spPr>
+          <a:xfrm rot="5400000">
+            <a:off x="215110" y="254528"/>
+            <a:ext cx="242880" cy="221195"/>
+          </a:xfrm>
+          <a:prstGeom prst="triangle">
+            <a:avLst/>
+          </a:prstGeom>
+          <a:solidFill>
+            <a:schemeClr val="accent3">
+              <a:lumMod val="50000"/>
+            </a:schemeClr>
+          </a:solidFill>
+          <a:ln>
+            <a:noFill/>
+          </a:ln>
+        </p:spPr>
+        <p:style>
+          <a:lnRef idx="2">
+            <a:schemeClr val="accent1">
+              <a:shade val="50000"/>
+            </a:schemeClr>
+          </a:lnRef>
+          <a:fillRef idx="1">
+            <a:schemeClr val="accent1"/>
+          </a:fillRef>
+          <a:effectRef idx="0">
+            <a:schemeClr val="accent1"/>
+          </a:effectRef>
+          <a:fontRef idx="minor">
+            <a:schemeClr val="lt1"/>
+          </a:fontRef>
+        </p:style>
+        <p:txBody>
+          <a:bodyPr rtlCol="0" anchor="ctr"/>
+          <a:lstStyle/>
+          <a:p>
+            <a:pPr algn="ctr"/>
+            <a:endParaRPr lang="ko-KR" altLang="en-US">
+              <a:latin typeface="티머니 둥근바람 Regular" panose="02050503000000000000" pitchFamily="18" charset="-127"/>
+              <a:ea typeface="티머니 둥근바람 Regular" panose="02050503000000000000" pitchFamily="18" charset="-127"/>
+            </a:endParaRPr>
+          </a:p>
+        </p:txBody>
+      </p:sp>
+      <p:sp>
+        <p:nvSpPr>
+          <p:cNvPr id="6" name="Google Shape;28;p1"/>
+          <p:cNvSpPr txBox="1"/>
+          <p:nvPr/>
+        </p:nvSpPr>
+        <p:spPr>
+          <a:xfrm>
+            <a:off x="872878" y="786911"/>
+            <a:ext cx="2903965" cy="296842"/>
+          </a:xfrm>
+          <a:prstGeom prst="rect">
+            <a:avLst/>
+          </a:prstGeom>
+          <a:noFill/>
+          <a:ln>
+            <a:noFill/>
+          </a:ln>
+        </p:spPr>
+        <p:txBody>
+          <a:bodyPr spcFirstLastPara="1" wrap="square" lIns="0" tIns="0" rIns="0" bIns="0" anchor="ctr" anchorCtr="0">
+            <a:noAutofit/>
+          </a:bodyPr>
+          <a:lstStyle/>
+          <a:p>
+            <a:pPr marL="0" marR="0" lvl="0" indent="0" rtl="0">
+              <a:lnSpc>
+                <a:spcPct val="100000"/>
+              </a:lnSpc>
+              <a:spcBef>
+                <a:spcPts val="0"/>
+              </a:spcBef>
+              <a:spcAft>
+                <a:spcPts val="0"/>
+              </a:spcAft>
+              <a:buClr>
+                <a:srgbClr val="000000"/>
+              </a:buClr>
+              <a:buSzPts val="1800"/>
+              <a:buFont typeface="Arial"/>
+              <a:buNone/>
+            </a:pPr>
+            <a:r>
+              <a:rPr lang="en-US" sz="1600" b="1" i="0" u="none" strike="noStrike" cap="none" dirty="0" smtClean="0">
+                <a:solidFill>
+                  <a:srgbClr val="000000"/>
+                </a:solidFill>
+                <a:latin typeface="티머니 둥근바람 Regular" panose="02050503000000000000" pitchFamily="18" charset="-127"/>
+                <a:ea typeface="티머니 둥근바람 Regular" panose="02050503000000000000" pitchFamily="18" charset="-127"/>
+                <a:cs typeface="Malgun Gothic"/>
+                <a:sym typeface="Malgun Gothic"/>
+              </a:rPr>
+              <a:t>Apache Spark</a:t>
+            </a:r>
+            <a:endParaRPr sz="1600" b="1" i="0" u="none" strike="noStrike" cap="none" dirty="0">
+              <a:solidFill>
+                <a:srgbClr val="000000"/>
+              </a:solidFill>
+              <a:latin typeface="티머니 둥근바람 Regular" panose="02050503000000000000" pitchFamily="18" charset="-127"/>
+              <a:ea typeface="티머니 둥근바람 Regular" panose="02050503000000000000" pitchFamily="18" charset="-127"/>
+              <a:cs typeface="Malgun Gothic"/>
+              <a:sym typeface="Malgun Gothic"/>
+            </a:endParaRPr>
+          </a:p>
+        </p:txBody>
+      </p:sp>
+      <p:sp>
+        <p:nvSpPr>
+          <p:cNvPr id="9" name="이등변 삼각형 8"/>
+          <p:cNvSpPr/>
+          <p:nvPr/>
+        </p:nvSpPr>
+        <p:spPr>
+          <a:xfrm rot="5400000">
+            <a:off x="640937" y="866660"/>
+            <a:ext cx="150809" cy="137344"/>
+          </a:xfrm>
+          <a:prstGeom prst="triangle">
+            <a:avLst/>
+          </a:prstGeom>
+          <a:solidFill>
+            <a:schemeClr val="tx1"/>
+          </a:solidFill>
+          <a:ln>
+            <a:noFill/>
+          </a:ln>
+        </p:spPr>
+        <p:style>
+          <a:lnRef idx="2">
+            <a:schemeClr val="accent1">
+              <a:shade val="50000"/>
+            </a:schemeClr>
+          </a:lnRef>
+          <a:fillRef idx="1">
+            <a:schemeClr val="accent1"/>
+          </a:fillRef>
+          <a:effectRef idx="0">
+            <a:schemeClr val="accent1"/>
+          </a:effectRef>
+          <a:fontRef idx="minor">
+            <a:schemeClr val="lt1"/>
+          </a:fontRef>
+        </p:style>
+        <p:txBody>
+          <a:bodyPr rtlCol="0" anchor="ctr"/>
+          <a:lstStyle/>
+          <a:p>
+            <a:pPr algn="ctr"/>
+            <a:endParaRPr lang="ko-KR" altLang="en-US">
+              <a:latin typeface="티머니 둥근바람 Regular" panose="02050503000000000000" pitchFamily="18" charset="-127"/>
+              <a:ea typeface="티머니 둥근바람 Regular" panose="02050503000000000000" pitchFamily="18" charset="-127"/>
+            </a:endParaRPr>
+          </a:p>
+        </p:txBody>
+      </p:sp>
+      <p:sp>
+        <p:nvSpPr>
+          <p:cNvPr id="24" name="TextBox 23"/>
+          <p:cNvSpPr txBox="1"/>
+          <p:nvPr/>
+        </p:nvSpPr>
+        <p:spPr>
+          <a:xfrm>
+            <a:off x="872878" y="1755807"/>
+            <a:ext cx="1464595" cy="276999"/>
+          </a:xfrm>
+          <a:prstGeom prst="rect">
+            <a:avLst/>
+          </a:prstGeom>
+          <a:noFill/>
+        </p:spPr>
+        <p:txBody>
+          <a:bodyPr wrap="square" rtlCol="0">
+            <a:spAutoFit/>
+          </a:bodyPr>
+          <a:lstStyle/>
+          <a:p>
+            <a:r>
+              <a:rPr lang="ko-KR" altLang="en-US" sz="1200" dirty="0">
+                <a:solidFill>
+                  <a:schemeClr val="tx1"/>
+                </a:solidFill>
+                <a:latin typeface="티머니 둥근바람 Regular" panose="02050503000000000000" pitchFamily="18" charset="-127"/>
+                <a:ea typeface="티머니 둥근바람 Regular" panose="02050503000000000000" pitchFamily="18" charset="-127"/>
+              </a:rPr>
+              <a:t>▪ </a:t>
+            </a:r>
+            <a:r>
+              <a:rPr lang="en-US" altLang="ko-KR" sz="1200" dirty="0" smtClean="0">
+                <a:solidFill>
+                  <a:schemeClr val="tx1"/>
+                </a:solidFill>
+                <a:latin typeface="티머니 둥근바람 Regular" panose="02050503000000000000" pitchFamily="18" charset="-127"/>
+                <a:ea typeface="티머니 둥근바람 Regular" panose="02050503000000000000" pitchFamily="18" charset="-127"/>
+              </a:rPr>
+              <a:t>Fault Tolerance</a:t>
+            </a:r>
+            <a:endParaRPr lang="ko-KR" altLang="en-US" sz="1200" dirty="0">
+              <a:solidFill>
+                <a:schemeClr val="tx1"/>
+              </a:solidFill>
+              <a:latin typeface="티머니 둥근바람 Regular" panose="02050503000000000000" pitchFamily="18" charset="-127"/>
+              <a:ea typeface="티머니 둥근바람 Regular" panose="02050503000000000000" pitchFamily="18" charset="-127"/>
+            </a:endParaRPr>
+          </a:p>
+        </p:txBody>
+      </p:sp>
       <p:sp>
         <p:nvSpPr>
           <p:cNvPr id="12" name="직사각형 11"/>
@@ -26279,7 +27657,7 @@
 </p:sld>
 </file>
 
-<file path=ppt/slides/slide22.xml><?xml version="1.0" encoding="utf-8"?>
+<file path=ppt/slides/slide23.xml><?xml version="1.0" encoding="utf-8"?>
 <p:sld xmlns:a="http://schemas.openxmlformats.org/drawingml/2006/main" xmlns:r="http://schemas.openxmlformats.org/officeDocument/2006/relationships" xmlns:p="http://schemas.openxmlformats.org/presentationml/2006/main">
   <p:cSld>
     <p:spTree>
@@ -28414,7 +29792,7 @@
 </p:sld>
 </file>
 
-<file path=ppt/slides/slide23.xml><?xml version="1.0" encoding="utf-8"?>
+<file path=ppt/slides/slide24.xml><?xml version="1.0" encoding="utf-8"?>
 <p:sld xmlns:a="http://schemas.openxmlformats.org/drawingml/2006/main" xmlns:r="http://schemas.openxmlformats.org/officeDocument/2006/relationships" xmlns:p="http://schemas.openxmlformats.org/presentationml/2006/main">
   <p:cSld>
     <p:spTree>
@@ -29627,7 +31005,7 @@
 </p:sld>
 </file>
 
-<file path=ppt/slides/slide24.xml><?xml version="1.0" encoding="utf-8"?>
+<file path=ppt/slides/slide25.xml><?xml version="1.0" encoding="utf-8"?>
 <p:sld xmlns:a="http://schemas.openxmlformats.org/drawingml/2006/main" xmlns:r="http://schemas.openxmlformats.org/officeDocument/2006/relationships" xmlns:p="http://schemas.openxmlformats.org/presentationml/2006/main">
   <p:cSld>
     <p:spTree>
@@ -30930,7 +32308,7 @@
 </p:sld>
 </file>
 
-<file path=ppt/slides/slide25.xml><?xml version="1.0" encoding="utf-8"?>
+<file path=ppt/slides/slide26.xml><?xml version="1.0" encoding="utf-8"?>
 <p:sld xmlns:a="http://schemas.openxmlformats.org/drawingml/2006/main" xmlns:r="http://schemas.openxmlformats.org/officeDocument/2006/relationships" xmlns:p="http://schemas.openxmlformats.org/presentationml/2006/main">
   <p:cSld>
     <p:spTree>
@@ -34839,7 +36217,7 @@
                 <a:cs typeface="Malgun Gothic"/>
                 <a:sym typeface="Malgun Gothic"/>
               </a:rPr>
-              <a:t>아파치 스파크의 기본 아키텍처</a:t>
+              <a:t>아파치 스파크 관련 용어</a:t>
             </a:r>
             <a:endParaRPr lang="ko-KR" altLang="en-US" sz="2000" b="1" dirty="0">
               <a:solidFill>
@@ -34908,6 +36286,615 @@
       </p:sp>
       <p:sp>
         <p:nvSpPr>
+          <p:cNvPr id="6" name="Google Shape;28;p1"/>
+          <p:cNvSpPr txBox="1"/>
+          <p:nvPr/>
+        </p:nvSpPr>
+        <p:spPr>
+          <a:xfrm>
+            <a:off x="872878" y="786911"/>
+            <a:ext cx="2903965" cy="296842"/>
+          </a:xfrm>
+          <a:prstGeom prst="rect">
+            <a:avLst/>
+          </a:prstGeom>
+          <a:noFill/>
+          <a:ln>
+            <a:noFill/>
+          </a:ln>
+        </p:spPr>
+        <p:txBody>
+          <a:bodyPr spcFirstLastPara="1" wrap="square" lIns="0" tIns="0" rIns="0" bIns="0" anchor="ctr" anchorCtr="0">
+            <a:noAutofit/>
+          </a:bodyPr>
+          <a:lstStyle/>
+          <a:p>
+            <a:pPr marL="0" marR="0" lvl="0" indent="0" rtl="0">
+              <a:lnSpc>
+                <a:spcPct val="100000"/>
+              </a:lnSpc>
+              <a:spcBef>
+                <a:spcPts val="0"/>
+              </a:spcBef>
+              <a:spcAft>
+                <a:spcPts val="0"/>
+              </a:spcAft>
+              <a:buClr>
+                <a:srgbClr val="000000"/>
+              </a:buClr>
+              <a:buSzPts val="1800"/>
+              <a:buFont typeface="Arial"/>
+              <a:buNone/>
+            </a:pPr>
+            <a:r>
+              <a:rPr lang="en-US" sz="1600" b="1" dirty="0" smtClean="0">
+                <a:latin typeface="티머니 둥근바람 Regular" panose="02050503000000000000" pitchFamily="18" charset="-127"/>
+                <a:ea typeface="티머니 둥근바람 Regular" panose="02050503000000000000" pitchFamily="18" charset="-127"/>
+                <a:cs typeface="Malgun Gothic"/>
+                <a:sym typeface="Malgun Gothic"/>
+              </a:rPr>
+              <a:t>Partitioning (</a:t>
+            </a:r>
+            <a:r>
+              <a:rPr lang="ko-KR" altLang="en-US" sz="1600" b="1" dirty="0" err="1" smtClean="0">
+                <a:latin typeface="티머니 둥근바람 Regular" panose="02050503000000000000" pitchFamily="18" charset="-127"/>
+                <a:ea typeface="티머니 둥근바람 Regular" panose="02050503000000000000" pitchFamily="18" charset="-127"/>
+                <a:cs typeface="Malgun Gothic"/>
+                <a:sym typeface="Malgun Gothic"/>
+              </a:rPr>
+              <a:t>파티셔닝</a:t>
+            </a:r>
+            <a:r>
+              <a:rPr lang="en-US" altLang="ko-KR" sz="1600" b="1" dirty="0" smtClean="0">
+                <a:latin typeface="티머니 둥근바람 Regular" panose="02050503000000000000" pitchFamily="18" charset="-127"/>
+                <a:ea typeface="티머니 둥근바람 Regular" panose="02050503000000000000" pitchFamily="18" charset="-127"/>
+                <a:cs typeface="Malgun Gothic"/>
+                <a:sym typeface="Malgun Gothic"/>
+              </a:rPr>
+              <a:t>)</a:t>
+            </a:r>
+            <a:endParaRPr sz="1600" b="1" i="0" u="none" strike="noStrike" cap="none" dirty="0">
+              <a:solidFill>
+                <a:srgbClr val="000000"/>
+              </a:solidFill>
+              <a:latin typeface="티머니 둥근바람 Regular" panose="02050503000000000000" pitchFamily="18" charset="-127"/>
+              <a:ea typeface="티머니 둥근바람 Regular" panose="02050503000000000000" pitchFamily="18" charset="-127"/>
+              <a:cs typeface="Malgun Gothic"/>
+              <a:sym typeface="Malgun Gothic"/>
+            </a:endParaRPr>
+          </a:p>
+        </p:txBody>
+      </p:sp>
+      <p:sp>
+        <p:nvSpPr>
+          <p:cNvPr id="9" name="이등변 삼각형 8"/>
+          <p:cNvSpPr/>
+          <p:nvPr/>
+        </p:nvSpPr>
+        <p:spPr>
+          <a:xfrm rot="5400000">
+            <a:off x="640937" y="866660"/>
+            <a:ext cx="150809" cy="137344"/>
+          </a:xfrm>
+          <a:prstGeom prst="triangle">
+            <a:avLst/>
+          </a:prstGeom>
+          <a:solidFill>
+            <a:schemeClr val="tx1"/>
+          </a:solidFill>
+          <a:ln>
+            <a:noFill/>
+          </a:ln>
+        </p:spPr>
+        <p:style>
+          <a:lnRef idx="2">
+            <a:schemeClr val="accent1">
+              <a:shade val="50000"/>
+            </a:schemeClr>
+          </a:lnRef>
+          <a:fillRef idx="1">
+            <a:schemeClr val="accent1"/>
+          </a:fillRef>
+          <a:effectRef idx="0">
+            <a:schemeClr val="accent1"/>
+          </a:effectRef>
+          <a:fontRef idx="minor">
+            <a:schemeClr val="lt1"/>
+          </a:fontRef>
+        </p:style>
+        <p:txBody>
+          <a:bodyPr rtlCol="0" anchor="ctr"/>
+          <a:lstStyle/>
+          <a:p>
+            <a:pPr algn="ctr"/>
+            <a:endParaRPr lang="ko-KR" altLang="en-US">
+              <a:latin typeface="티머니 둥근바람 Regular" panose="02050503000000000000" pitchFamily="18" charset="-127"/>
+              <a:ea typeface="티머니 둥근바람 Regular" panose="02050503000000000000" pitchFamily="18" charset="-127"/>
+            </a:endParaRPr>
+          </a:p>
+        </p:txBody>
+      </p:sp>
+      <p:sp>
+        <p:nvSpPr>
+          <p:cNvPr id="11" name="직사각형 10"/>
+          <p:cNvSpPr/>
+          <p:nvPr/>
+        </p:nvSpPr>
+        <p:spPr>
+          <a:xfrm>
+            <a:off x="872878" y="1141899"/>
+            <a:ext cx="8098594" cy="800219"/>
+          </a:xfrm>
+          <a:prstGeom prst="rect">
+            <a:avLst/>
+          </a:prstGeom>
+        </p:spPr>
+        <p:txBody>
+          <a:bodyPr wrap="square">
+            <a:spAutoFit/>
+          </a:bodyPr>
+          <a:lstStyle/>
+          <a:p>
+            <a:r>
+              <a:rPr lang="ko-KR" altLang="en-US" sz="1200" dirty="0">
+                <a:solidFill>
+                  <a:schemeClr val="tx1"/>
+                </a:solidFill>
+                <a:latin typeface="티머니 둥근바람 Regular" panose="02050503000000000000" pitchFamily="18" charset="-127"/>
+                <a:ea typeface="티머니 둥근바람 Regular" panose="02050503000000000000" pitchFamily="18" charset="-127"/>
+              </a:rPr>
+              <a:t>▪ </a:t>
+            </a:r>
+            <a:r>
+              <a:rPr lang="ko-KR" altLang="en-US" sz="1200" dirty="0" smtClean="0">
+                <a:latin typeface="티머니 둥근바람 Regular" panose="02050503000000000000" pitchFamily="18" charset="-127"/>
+                <a:ea typeface="티머니 둥근바람 Regular" panose="02050503000000000000" pitchFamily="18" charset="-127"/>
+              </a:rPr>
+              <a:t>데이터를 특정 기준에 따라</a:t>
+            </a:r>
+            <a:r>
+              <a:rPr lang="en-US" altLang="ko-KR" sz="1200" dirty="0" smtClean="0">
+                <a:latin typeface="티머니 둥근바람 Regular" panose="02050503000000000000" pitchFamily="18" charset="-127"/>
+                <a:ea typeface="티머니 둥근바람 Regular" panose="02050503000000000000" pitchFamily="18" charset="-127"/>
+              </a:rPr>
+              <a:t> </a:t>
+            </a:r>
+            <a:r>
+              <a:rPr lang="ko-KR" altLang="en-US" sz="1200" dirty="0">
+                <a:latin typeface="티머니 둥근바람 Regular" panose="02050503000000000000" pitchFamily="18" charset="-127"/>
+                <a:ea typeface="티머니 둥근바람 Regular" panose="02050503000000000000" pitchFamily="18" charset="-127"/>
+              </a:rPr>
+              <a:t>관리하기 쉬운 </a:t>
+            </a:r>
+            <a:r>
+              <a:rPr lang="en-US" altLang="ko-KR" sz="1200" dirty="0">
+                <a:latin typeface="티머니 둥근바람 Regular" panose="02050503000000000000" pitchFamily="18" charset="-127"/>
+                <a:ea typeface="티머니 둥근바람 Regular" panose="02050503000000000000" pitchFamily="18" charset="-127"/>
+              </a:rPr>
+              <a:t>partition</a:t>
+            </a:r>
+            <a:r>
+              <a:rPr lang="ko-KR" altLang="en-US" sz="1200" dirty="0">
+                <a:latin typeface="티머니 둥근바람 Regular" panose="02050503000000000000" pitchFamily="18" charset="-127"/>
+                <a:ea typeface="티머니 둥근바람 Regular" panose="02050503000000000000" pitchFamily="18" charset="-127"/>
+              </a:rPr>
+              <a:t>이라는 작은 단위로 물리적으로 분할하는 </a:t>
+            </a:r>
+            <a:r>
+              <a:rPr lang="ko-KR" altLang="en-US" sz="1200" dirty="0" smtClean="0">
+                <a:latin typeface="티머니 둥근바람 Regular" panose="02050503000000000000" pitchFamily="18" charset="-127"/>
+                <a:ea typeface="티머니 둥근바람 Regular" panose="02050503000000000000" pitchFamily="18" charset="-127"/>
+              </a:rPr>
+              <a:t>것</a:t>
+            </a:r>
+            <a:endParaRPr lang="en-US" altLang="ko-KR" sz="1200" dirty="0" smtClean="0">
+              <a:latin typeface="티머니 둥근바람 Regular" panose="02050503000000000000" pitchFamily="18" charset="-127"/>
+              <a:ea typeface="티머니 둥근바람 Regular" panose="02050503000000000000" pitchFamily="18" charset="-127"/>
+            </a:endParaRPr>
+          </a:p>
+          <a:p>
+            <a:endParaRPr lang="en-US" altLang="ko-KR" sz="1200" dirty="0">
+              <a:latin typeface="티머니 둥근바람 Regular" panose="02050503000000000000" pitchFamily="18" charset="-127"/>
+              <a:ea typeface="티머니 둥근바람 Regular" panose="02050503000000000000" pitchFamily="18" charset="-127"/>
+            </a:endParaRPr>
+          </a:p>
+          <a:p>
+            <a:pPr lvl="1"/>
+            <a:r>
+              <a:rPr lang="en-US" altLang="ko-KR" sz="1100" dirty="0">
+                <a:solidFill>
+                  <a:schemeClr val="bg2">
+                    <a:lumMod val="75000"/>
+                  </a:schemeClr>
+                </a:solidFill>
+                <a:latin typeface="티머니 둥근바람 Regular" panose="02050503000000000000" pitchFamily="18" charset="-127"/>
+                <a:ea typeface="티머니 둥근바람 Regular" panose="02050503000000000000" pitchFamily="18" charset="-127"/>
+              </a:rPr>
+              <a:t>	1. </a:t>
+            </a:r>
+            <a:r>
+              <a:rPr lang="ko-KR" altLang="en-US" sz="1100" dirty="0" smtClean="0">
+                <a:solidFill>
+                  <a:schemeClr val="bg2">
+                    <a:lumMod val="75000"/>
+                  </a:schemeClr>
+                </a:solidFill>
+                <a:latin typeface="티머니 둥근바람 Regular" panose="02050503000000000000" pitchFamily="18" charset="-127"/>
+                <a:ea typeface="티머니 둥근바람 Regular" panose="02050503000000000000" pitchFamily="18" charset="-127"/>
+              </a:rPr>
+              <a:t>데이터 </a:t>
+            </a:r>
+            <a:r>
+              <a:rPr lang="ko-KR" altLang="en-US" sz="1100" dirty="0" err="1" smtClean="0">
+                <a:solidFill>
+                  <a:schemeClr val="bg2">
+                    <a:lumMod val="75000"/>
+                  </a:schemeClr>
+                </a:solidFill>
+                <a:latin typeface="티머니 둥근바람 Regular" panose="02050503000000000000" pitchFamily="18" charset="-127"/>
+                <a:ea typeface="티머니 둥근바람 Regular" panose="02050503000000000000" pitchFamily="18" charset="-127"/>
+              </a:rPr>
+              <a:t>셔플</a:t>
+            </a:r>
+            <a:r>
+              <a:rPr lang="ko-KR" altLang="en-US" sz="1100" dirty="0" smtClean="0">
+                <a:solidFill>
+                  <a:schemeClr val="bg2">
+                    <a:lumMod val="75000"/>
+                  </a:schemeClr>
+                </a:solidFill>
+                <a:latin typeface="티머니 둥근바람 Regular" panose="02050503000000000000" pitchFamily="18" charset="-127"/>
+                <a:ea typeface="티머니 둥근바람 Regular" panose="02050503000000000000" pitchFamily="18" charset="-127"/>
+              </a:rPr>
+              <a:t> 최소화를 통한 컴퓨팅 성능 향상</a:t>
+            </a:r>
+            <a:endParaRPr lang="en-US" altLang="ko-KR" sz="1100" dirty="0">
+              <a:solidFill>
+                <a:schemeClr val="bg2">
+                  <a:lumMod val="75000"/>
+                </a:schemeClr>
+              </a:solidFill>
+              <a:latin typeface="티머니 둥근바람 Regular" panose="02050503000000000000" pitchFamily="18" charset="-127"/>
+              <a:ea typeface="티머니 둥근바람 Regular" panose="02050503000000000000" pitchFamily="18" charset="-127"/>
+            </a:endParaRPr>
+          </a:p>
+          <a:p>
+            <a:pPr lvl="1"/>
+            <a:r>
+              <a:rPr lang="en-US" altLang="ko-KR" sz="1100" dirty="0">
+                <a:solidFill>
+                  <a:schemeClr val="bg2">
+                    <a:lumMod val="75000"/>
+                  </a:schemeClr>
+                </a:solidFill>
+                <a:latin typeface="티머니 둥근바람 Regular" panose="02050503000000000000" pitchFamily="18" charset="-127"/>
+                <a:ea typeface="티머니 둥근바람 Regular" panose="02050503000000000000" pitchFamily="18" charset="-127"/>
+              </a:rPr>
+              <a:t>	</a:t>
+            </a:r>
+            <a:r>
+              <a:rPr lang="en-US" altLang="ko-KR" sz="1100" dirty="0" smtClean="0">
+                <a:solidFill>
+                  <a:schemeClr val="bg2">
+                    <a:lumMod val="75000"/>
+                  </a:schemeClr>
+                </a:solidFill>
+                <a:latin typeface="티머니 둥근바람 Regular" panose="02050503000000000000" pitchFamily="18" charset="-127"/>
+                <a:ea typeface="티머니 둥근바람 Regular" panose="02050503000000000000" pitchFamily="18" charset="-127"/>
+              </a:rPr>
+              <a:t>2. </a:t>
+            </a:r>
+            <a:r>
+              <a:rPr lang="ko-KR" altLang="en-US" sz="1100" dirty="0" smtClean="0">
+                <a:solidFill>
+                  <a:schemeClr val="bg2">
+                    <a:lumMod val="75000"/>
+                  </a:schemeClr>
+                </a:solidFill>
+                <a:latin typeface="티머니 둥근바람 Regular" panose="02050503000000000000" pitchFamily="18" charset="-127"/>
+                <a:ea typeface="티머니 둥근바람 Regular" panose="02050503000000000000" pitchFamily="18" charset="-127"/>
+              </a:rPr>
+              <a:t>동일한 키의 데이터를 같은 노드에 배치하여 조회 성능 향상</a:t>
+            </a:r>
+            <a:endParaRPr lang="en-US" altLang="ko-KR" sz="1100" dirty="0">
+              <a:solidFill>
+                <a:schemeClr val="bg2">
+                  <a:lumMod val="75000"/>
+                </a:schemeClr>
+              </a:solidFill>
+              <a:latin typeface="티머니 둥근바람 Regular" panose="02050503000000000000" pitchFamily="18" charset="-127"/>
+              <a:ea typeface="티머니 둥근바람 Regular" panose="02050503000000000000" pitchFamily="18" charset="-127"/>
+            </a:endParaRPr>
+          </a:p>
+        </p:txBody>
+      </p:sp>
+      <p:pic>
+        <p:nvPicPr>
+          <p:cNvPr id="2" name="Picture 2" descr="Partitioning in Apache Spark"/>
+          <p:cNvPicPr>
+            <a:picLocks noChangeAspect="1" noChangeArrowheads="1"/>
+          </p:cNvPicPr>
+          <p:nvPr/>
+        </p:nvPicPr>
+        <p:blipFill>
+          <a:blip r:embed="rId3">
+            <a:extLst>
+              <a:ext uri="{28A0092B-C50C-407E-A947-70E740481C1C}">
+                <a14:useLocalDpi xmlns:a14="http://schemas.microsoft.com/office/drawing/2010/main" val="0"/>
+              </a:ext>
+            </a:extLst>
+          </a:blip>
+          <a:srcRect/>
+          <a:stretch>
+            <a:fillRect/>
+          </a:stretch>
+        </p:blipFill>
+        <p:spPr bwMode="auto">
+          <a:xfrm>
+            <a:off x="1299455" y="2312016"/>
+            <a:ext cx="6469711" cy="3839172"/>
+          </a:xfrm>
+          <a:prstGeom prst="rect">
+            <a:avLst/>
+          </a:prstGeom>
+          <a:noFill/>
+          <a:extLst>
+            <a:ext uri="{909E8E84-426E-40DD-AFC4-6F175D3DCCD1}">
+              <a14:hiddenFill xmlns:a14="http://schemas.microsoft.com/office/drawing/2010/main">
+                <a:solidFill>
+                  <a:srgbClr val="FFFFFF"/>
+                </a:solidFill>
+              </a14:hiddenFill>
+            </a:ext>
+          </a:extLst>
+        </p:spPr>
+      </p:pic>
+      <p:sp>
+        <p:nvSpPr>
+          <p:cNvPr id="12" name="모서리가 둥근 직사각형 11"/>
+          <p:cNvSpPr/>
+          <p:nvPr/>
+        </p:nvSpPr>
+        <p:spPr>
+          <a:xfrm>
+            <a:off x="1424179" y="2428198"/>
+            <a:ext cx="1742916" cy="345280"/>
+          </a:xfrm>
+          <a:prstGeom prst="roundRect">
+            <a:avLst/>
+          </a:prstGeom>
+          <a:solidFill>
+            <a:schemeClr val="bg1"/>
+          </a:solidFill>
+          <a:ln>
+            <a:noFill/>
+          </a:ln>
+        </p:spPr>
+        <p:style>
+          <a:lnRef idx="2">
+            <a:schemeClr val="accent1">
+              <a:shade val="50000"/>
+            </a:schemeClr>
+          </a:lnRef>
+          <a:fillRef idx="1">
+            <a:schemeClr val="accent1"/>
+          </a:fillRef>
+          <a:effectRef idx="0">
+            <a:schemeClr val="accent1"/>
+          </a:effectRef>
+          <a:fontRef idx="minor">
+            <a:schemeClr val="lt1"/>
+          </a:fontRef>
+        </p:style>
+        <p:txBody>
+          <a:bodyPr rtlCol="0" anchor="ctr"/>
+          <a:lstStyle/>
+          <a:p>
+            <a:pPr algn="ctr"/>
+            <a:endParaRPr lang="ko-KR" altLang="en-US"/>
+          </a:p>
+        </p:txBody>
+      </p:sp>
+    </p:spTree>
+    <p:extLst>
+      <p:ext uri="{BB962C8B-B14F-4D97-AF65-F5344CB8AC3E}">
+        <p14:creationId xmlns:p14="http://schemas.microsoft.com/office/powerpoint/2010/main" val="3876539269"/>
+      </p:ext>
+    </p:extLst>
+  </p:cSld>
+  <p:clrMapOvr>
+    <a:masterClrMapping/>
+  </p:clrMapOvr>
+  <p:timing>
+    <p:tnLst>
+      <p:par>
+        <p:cTn id="1" dur="indefinite" restart="never" nodeType="tmRoot"/>
+      </p:par>
+    </p:tnLst>
+  </p:timing>
+</p:sld>
+</file>
+
+<file path=ppt/slides/slide8.xml><?xml version="1.0" encoding="utf-8"?>
+<p:sld xmlns:a="http://schemas.openxmlformats.org/drawingml/2006/main" xmlns:r="http://schemas.openxmlformats.org/officeDocument/2006/relationships" xmlns:p="http://schemas.openxmlformats.org/presentationml/2006/main">
+  <p:cSld>
+    <p:spTree>
+      <p:nvGrpSpPr>
+        <p:cNvPr id="1" name="Shape 26"/>
+        <p:cNvGrpSpPr/>
+        <p:nvPr/>
+      </p:nvGrpSpPr>
+      <p:grpSpPr>
+        <a:xfrm>
+          <a:off x="0" y="0"/>
+          <a:ext cx="0" cy="0"/>
+          <a:chOff x="0" y="0"/>
+          <a:chExt cx="0" cy="0"/>
+        </a:xfrm>
+      </p:grpSpPr>
+      <p:sp>
+        <p:nvSpPr>
+          <p:cNvPr id="5" name="Google Shape;28;p1"/>
+          <p:cNvSpPr txBox="1"/>
+          <p:nvPr/>
+        </p:nvSpPr>
+        <p:spPr>
+          <a:xfrm>
+            <a:off x="285720" y="214290"/>
+            <a:ext cx="8242846" cy="296842"/>
+          </a:xfrm>
+          <a:prstGeom prst="rect">
+            <a:avLst/>
+          </a:prstGeom>
+          <a:noFill/>
+          <a:ln>
+            <a:noFill/>
+          </a:ln>
+        </p:spPr>
+        <p:txBody>
+          <a:bodyPr spcFirstLastPara="1" wrap="square" lIns="0" tIns="0" rIns="0" bIns="0" anchor="t" anchorCtr="0">
+            <a:noAutofit/>
+          </a:bodyPr>
+          <a:lstStyle/>
+          <a:p>
+            <a:pPr marL="0" marR="0" lvl="0" indent="0" algn="l" rtl="0">
+              <a:lnSpc>
+                <a:spcPct val="100000"/>
+              </a:lnSpc>
+              <a:spcBef>
+                <a:spcPts val="0"/>
+              </a:spcBef>
+              <a:spcAft>
+                <a:spcPts val="0"/>
+              </a:spcAft>
+              <a:buClr>
+                <a:srgbClr val="000000"/>
+              </a:buClr>
+              <a:buSzPts val="1800"/>
+              <a:buFont typeface="Arial"/>
+              <a:buNone/>
+            </a:pPr>
+            <a:endParaRPr sz="1800" b="1" i="0" u="none" strike="noStrike" cap="none" dirty="0">
+              <a:solidFill>
+                <a:srgbClr val="000000"/>
+              </a:solidFill>
+              <a:latin typeface="+mn-ea"/>
+              <a:ea typeface="+mn-ea"/>
+              <a:cs typeface="Malgun Gothic"/>
+              <a:sym typeface="Malgun Gothic"/>
+            </a:endParaRPr>
+          </a:p>
+        </p:txBody>
+      </p:sp>
+      <p:sp>
+        <p:nvSpPr>
+          <p:cNvPr id="7" name="Google Shape;28;p1"/>
+          <p:cNvSpPr txBox="1"/>
+          <p:nvPr/>
+        </p:nvSpPr>
+        <p:spPr>
+          <a:xfrm>
+            <a:off x="647670" y="216704"/>
+            <a:ext cx="5323180" cy="296842"/>
+          </a:xfrm>
+          <a:prstGeom prst="rect">
+            <a:avLst/>
+          </a:prstGeom>
+          <a:noFill/>
+          <a:ln>
+            <a:noFill/>
+          </a:ln>
+        </p:spPr>
+        <p:txBody>
+          <a:bodyPr spcFirstLastPara="1" wrap="square" lIns="0" tIns="0" rIns="0" bIns="0" anchor="t" anchorCtr="0">
+            <a:noAutofit/>
+          </a:bodyPr>
+          <a:lstStyle/>
+          <a:p>
+            <a:pPr lvl="0">
+              <a:buSzPts val="1800"/>
+            </a:pPr>
+            <a:r>
+              <a:rPr lang="ko-KR" altLang="en-US" sz="2000" b="1" dirty="0" smtClean="0">
+                <a:solidFill>
+                  <a:schemeClr val="accent3">
+                    <a:lumMod val="50000"/>
+                  </a:schemeClr>
+                </a:solidFill>
+                <a:latin typeface="티머니 둥근바람 Regular" panose="02050503000000000000" pitchFamily="18" charset="-127"/>
+                <a:ea typeface="티머니 둥근바람 Regular" panose="02050503000000000000" pitchFamily="18" charset="-127"/>
+                <a:cs typeface="Malgun Gothic"/>
+                <a:sym typeface="Malgun Gothic"/>
+              </a:rPr>
+              <a:t>아파치 스파크의 기본 아키텍처</a:t>
+            </a:r>
+            <a:endParaRPr lang="ko-KR" altLang="en-US" sz="2000" b="1" dirty="0">
+              <a:solidFill>
+                <a:schemeClr val="accent3">
+                  <a:lumMod val="50000"/>
+                </a:schemeClr>
+              </a:solidFill>
+              <a:latin typeface="티머니 둥근바람 Regular" panose="02050503000000000000" pitchFamily="18" charset="-127"/>
+              <a:ea typeface="티머니 둥근바람 Regular" panose="02050503000000000000" pitchFamily="18" charset="-127"/>
+              <a:cs typeface="Malgun Gothic"/>
+              <a:sym typeface="Malgun Gothic"/>
+            </a:endParaRPr>
+          </a:p>
+        </p:txBody>
+      </p:sp>
+      <p:sp>
+        <p:nvSpPr>
+          <p:cNvPr id="8" name="이등변 삼각형 7"/>
+          <p:cNvSpPr/>
+          <p:nvPr/>
+        </p:nvSpPr>
+        <p:spPr>
+          <a:xfrm rot="5400000">
+            <a:off x="215110" y="254528"/>
+            <a:ext cx="242880" cy="221195"/>
+          </a:xfrm>
+          <a:prstGeom prst="triangle">
+            <a:avLst/>
+          </a:prstGeom>
+          <a:solidFill>
+            <a:schemeClr val="accent3">
+              <a:lumMod val="50000"/>
+            </a:schemeClr>
+          </a:solidFill>
+          <a:ln>
+            <a:noFill/>
+          </a:ln>
+        </p:spPr>
+        <p:style>
+          <a:lnRef idx="2">
+            <a:schemeClr val="accent1">
+              <a:shade val="50000"/>
+            </a:schemeClr>
+          </a:lnRef>
+          <a:fillRef idx="1">
+            <a:schemeClr val="accent1"/>
+          </a:fillRef>
+          <a:effectRef idx="0">
+            <a:schemeClr val="accent1"/>
+          </a:effectRef>
+          <a:fontRef idx="minor">
+            <a:schemeClr val="lt1"/>
+          </a:fontRef>
+        </p:style>
+        <p:txBody>
+          <a:bodyPr rtlCol="0" anchor="ctr"/>
+          <a:lstStyle/>
+          <a:p>
+            <a:pPr algn="ctr"/>
+            <a:endParaRPr lang="ko-KR" altLang="en-US">
+              <a:latin typeface="티머니 둥근바람 Regular" panose="02050503000000000000" pitchFamily="18" charset="-127"/>
+              <a:ea typeface="티머니 둥근바람 Regular" panose="02050503000000000000" pitchFamily="18" charset="-127"/>
+            </a:endParaRPr>
+          </a:p>
+        </p:txBody>
+      </p:sp>
+      <p:sp>
+        <p:nvSpPr>
           <p:cNvPr id="19" name="직사각형 18"/>
           <p:cNvSpPr/>
           <p:nvPr/>
@@ -34952,14 +36939,14 @@
           <a:p>
             <a:pPr algn="ctr"/>
             <a:r>
-              <a:rPr lang="en-US" altLang="ko-KR" b="1" dirty="0" smtClean="0">
+              <a:rPr lang="ko-KR" altLang="en-US" b="1" dirty="0" smtClean="0">
                 <a:solidFill>
                   <a:schemeClr val="tx1"/>
                 </a:solidFill>
                 <a:latin typeface="티머니 둥근바람 Regular" panose="02050503000000000000" pitchFamily="18" charset="-127"/>
                 <a:ea typeface="티머니 둥근바람 Regular" panose="02050503000000000000" pitchFamily="18" charset="-127"/>
               </a:rPr>
-              <a:t>HDFS</a:t>
+              <a:t>저장소</a:t>
             </a:r>
             <a:endParaRPr lang="ko-KR" altLang="en-US" b="1" dirty="0">
               <a:solidFill>
@@ -35770,6 +37757,95 @@
           </a:extLst>
         </p:spPr>
       </p:pic>
+      <p:sp>
+        <p:nvSpPr>
+          <p:cNvPr id="4" name="모서리가 둥근 직사각형 3"/>
+          <p:cNvSpPr/>
+          <p:nvPr/>
+        </p:nvSpPr>
+        <p:spPr>
+          <a:xfrm>
+            <a:off x="373227" y="823567"/>
+            <a:ext cx="8510382" cy="5746792"/>
+          </a:xfrm>
+          <a:prstGeom prst="roundRect">
+            <a:avLst>
+              <a:gd name="adj" fmla="val 3706"/>
+            </a:avLst>
+          </a:prstGeom>
+          <a:noFill/>
+          <a:ln w="12700">
+            <a:prstDash val="dash"/>
+          </a:ln>
+        </p:spPr>
+        <p:style>
+          <a:lnRef idx="2">
+            <a:schemeClr val="accent1">
+              <a:shade val="50000"/>
+            </a:schemeClr>
+          </a:lnRef>
+          <a:fillRef idx="1">
+            <a:schemeClr val="accent1"/>
+          </a:fillRef>
+          <a:effectRef idx="0">
+            <a:schemeClr val="accent1"/>
+          </a:effectRef>
+          <a:fontRef idx="minor">
+            <a:schemeClr val="lt1"/>
+          </a:fontRef>
+        </p:style>
+        <p:txBody>
+          <a:bodyPr rtlCol="0" anchor="ctr"/>
+          <a:lstStyle/>
+          <a:p>
+            <a:pPr algn="ctr"/>
+            <a:endParaRPr lang="ko-KR" altLang="en-US"/>
+          </a:p>
+        </p:txBody>
+      </p:sp>
+      <p:sp>
+        <p:nvSpPr>
+          <p:cNvPr id="34" name="TextBox 33"/>
+          <p:cNvSpPr txBox="1"/>
+          <p:nvPr/>
+        </p:nvSpPr>
+        <p:spPr>
+          <a:xfrm>
+            <a:off x="502885" y="838349"/>
+            <a:ext cx="1664560" cy="276999"/>
+          </a:xfrm>
+          <a:prstGeom prst="rect">
+            <a:avLst/>
+          </a:prstGeom>
+          <a:noFill/>
+        </p:spPr>
+        <p:txBody>
+          <a:bodyPr wrap="square" rtlCol="0" anchor="ctr">
+            <a:spAutoFit/>
+          </a:bodyPr>
+          <a:lstStyle/>
+          <a:p>
+            <a:pPr algn="ctr"/>
+            <a:r>
+              <a:rPr lang="en-US" altLang="ko-KR" sz="1200" dirty="0" smtClean="0">
+                <a:solidFill>
+                  <a:schemeClr val="tx1"/>
+                </a:solidFill>
+                <a:latin typeface="티머니 둥근바람 Regular" panose="02050503000000000000" pitchFamily="18" charset="-127"/>
+                <a:ea typeface="티머니 둥근바람 Regular" panose="02050503000000000000" pitchFamily="18" charset="-127"/>
+              </a:rPr>
+              <a:t>SPARK CLUSTER</a:t>
+            </a:r>
+            <a:endParaRPr lang="ko-KR" altLang="en-US" sz="1200" dirty="0">
+              <a:solidFill>
+                <a:schemeClr val="tx1"/>
+              </a:solidFill>
+              <a:latin typeface="티머니 둥근바람 Regular" panose="02050503000000000000" pitchFamily="18" charset="-127"/>
+              <a:ea typeface="티머니 둥근바람 Regular" panose="02050503000000000000" pitchFamily="18" charset="-127"/>
+            </a:endParaRPr>
+          </a:p>
+        </p:txBody>
+      </p:sp>
     </p:spTree>
     <p:extLst>
       <p:ext uri="{BB962C8B-B14F-4D97-AF65-F5344CB8AC3E}">
@@ -35790,7 +37866,7 @@
 </p:sld>
 </file>
 
-<file path=ppt/slides/slide8.xml><?xml version="1.0" encoding="utf-8"?>
+<file path=ppt/slides/slide9.xml><?xml version="1.0" encoding="utf-8"?>
 <p:sld xmlns:a="http://schemas.openxmlformats.org/drawingml/2006/main" xmlns:r="http://schemas.openxmlformats.org/officeDocument/2006/relationships" xmlns:p="http://schemas.openxmlformats.org/presentationml/2006/main">
   <p:cSld>
     <p:spTree>
@@ -36014,14 +38090,14 @@
           <a:p>
             <a:pPr algn="ctr"/>
             <a:r>
-              <a:rPr lang="en-US" altLang="ko-KR" b="1" dirty="0" smtClean="0">
+              <a:rPr lang="ko-KR" altLang="en-US" b="1" dirty="0" smtClean="0">
                 <a:solidFill>
                   <a:schemeClr val="tx1"/>
                 </a:solidFill>
                 <a:latin typeface="티머니 둥근바람 Regular" panose="02050503000000000000" pitchFamily="18" charset="-127"/>
                 <a:ea typeface="티머니 둥근바람 Regular" panose="02050503000000000000" pitchFamily="18" charset="-127"/>
               </a:rPr>
-              <a:t>HDFS</a:t>
+              <a:t>저장소</a:t>
             </a:r>
             <a:endParaRPr lang="ko-KR" altLang="en-US" b="1" dirty="0">
               <a:solidFill>
@@ -36782,1163 +38858,6 @@
     <p:extLst>
       <p:ext uri="{BB962C8B-B14F-4D97-AF65-F5344CB8AC3E}">
         <p14:creationId xmlns:p14="http://schemas.microsoft.com/office/powerpoint/2010/main" val="2189362076"/>
-      </p:ext>
-    </p:extLst>
-  </p:cSld>
-  <p:clrMapOvr>
-    <a:masterClrMapping/>
-  </p:clrMapOvr>
-  <p:timing>
-    <p:tnLst>
-      <p:par>
-        <p:cTn id="1" dur="indefinite" restart="never" nodeType="tmRoot"/>
-      </p:par>
-    </p:tnLst>
-  </p:timing>
-</p:sld>
-</file>
-
-<file path=ppt/slides/slide9.xml><?xml version="1.0" encoding="utf-8"?>
-<p:sld xmlns:a="http://schemas.openxmlformats.org/drawingml/2006/main" xmlns:r="http://schemas.openxmlformats.org/officeDocument/2006/relationships" xmlns:p="http://schemas.openxmlformats.org/presentationml/2006/main">
-  <p:cSld>
-    <p:spTree>
-      <p:nvGrpSpPr>
-        <p:cNvPr id="1" name="Shape 26"/>
-        <p:cNvGrpSpPr/>
-        <p:nvPr/>
-      </p:nvGrpSpPr>
-      <p:grpSpPr>
-        <a:xfrm>
-          <a:off x="0" y="0"/>
-          <a:ext cx="0" cy="0"/>
-          <a:chOff x="0" y="0"/>
-          <a:chExt cx="0" cy="0"/>
-        </a:xfrm>
-      </p:grpSpPr>
-      <p:sp>
-        <p:nvSpPr>
-          <p:cNvPr id="5" name="Google Shape;28;p1"/>
-          <p:cNvSpPr txBox="1"/>
-          <p:nvPr/>
-        </p:nvSpPr>
-        <p:spPr>
-          <a:xfrm>
-            <a:off x="285720" y="214290"/>
-            <a:ext cx="8242846" cy="296842"/>
-          </a:xfrm>
-          <a:prstGeom prst="rect">
-            <a:avLst/>
-          </a:prstGeom>
-          <a:noFill/>
-          <a:ln>
-            <a:noFill/>
-          </a:ln>
-        </p:spPr>
-        <p:txBody>
-          <a:bodyPr spcFirstLastPara="1" wrap="square" lIns="0" tIns="0" rIns="0" bIns="0" anchor="t" anchorCtr="0">
-            <a:noAutofit/>
-          </a:bodyPr>
-          <a:lstStyle/>
-          <a:p>
-            <a:pPr marL="0" marR="0" lvl="0" indent="0" algn="l" rtl="0">
-              <a:lnSpc>
-                <a:spcPct val="100000"/>
-              </a:lnSpc>
-              <a:spcBef>
-                <a:spcPts val="0"/>
-              </a:spcBef>
-              <a:spcAft>
-                <a:spcPts val="0"/>
-              </a:spcAft>
-              <a:buClr>
-                <a:srgbClr val="000000"/>
-              </a:buClr>
-              <a:buSzPts val="1800"/>
-              <a:buFont typeface="Arial"/>
-              <a:buNone/>
-            </a:pPr>
-            <a:endParaRPr sz="1800" b="1" i="0" u="none" strike="noStrike" cap="none" dirty="0">
-              <a:solidFill>
-                <a:srgbClr val="000000"/>
-              </a:solidFill>
-              <a:latin typeface="+mn-ea"/>
-              <a:ea typeface="+mn-ea"/>
-              <a:cs typeface="Malgun Gothic"/>
-              <a:sym typeface="Malgun Gothic"/>
-            </a:endParaRPr>
-          </a:p>
-        </p:txBody>
-      </p:sp>
-      <p:sp>
-        <p:nvSpPr>
-          <p:cNvPr id="7" name="Google Shape;28;p1"/>
-          <p:cNvSpPr txBox="1"/>
-          <p:nvPr/>
-        </p:nvSpPr>
-        <p:spPr>
-          <a:xfrm>
-            <a:off x="647670" y="216704"/>
-            <a:ext cx="5323180" cy="296842"/>
-          </a:xfrm>
-          <a:prstGeom prst="rect">
-            <a:avLst/>
-          </a:prstGeom>
-          <a:noFill/>
-          <a:ln>
-            <a:noFill/>
-          </a:ln>
-        </p:spPr>
-        <p:txBody>
-          <a:bodyPr spcFirstLastPara="1" wrap="square" lIns="0" tIns="0" rIns="0" bIns="0" anchor="t" anchorCtr="0">
-            <a:noAutofit/>
-          </a:bodyPr>
-          <a:lstStyle/>
-          <a:p>
-            <a:pPr lvl="0">
-              <a:buSzPts val="1800"/>
-            </a:pPr>
-            <a:r>
-              <a:rPr lang="ko-KR" altLang="en-US" sz="2000" b="1" dirty="0" smtClean="0">
-                <a:solidFill>
-                  <a:schemeClr val="accent3">
-                    <a:lumMod val="50000"/>
-                  </a:schemeClr>
-                </a:solidFill>
-                <a:latin typeface="티머니 둥근바람 Regular" panose="02050503000000000000" pitchFamily="18" charset="-127"/>
-                <a:ea typeface="티머니 둥근바람 Regular" panose="02050503000000000000" pitchFamily="18" charset="-127"/>
-                <a:cs typeface="Malgun Gothic"/>
-                <a:sym typeface="Malgun Gothic"/>
-              </a:rPr>
-              <a:t>아파치 스파크의 기본 아키텍처</a:t>
-            </a:r>
-            <a:endParaRPr lang="ko-KR" altLang="en-US" sz="2000" b="1" dirty="0">
-              <a:solidFill>
-                <a:schemeClr val="accent3">
-                  <a:lumMod val="50000"/>
-                </a:schemeClr>
-              </a:solidFill>
-              <a:latin typeface="티머니 둥근바람 Regular" panose="02050503000000000000" pitchFamily="18" charset="-127"/>
-              <a:ea typeface="티머니 둥근바람 Regular" panose="02050503000000000000" pitchFamily="18" charset="-127"/>
-              <a:cs typeface="Malgun Gothic"/>
-              <a:sym typeface="Malgun Gothic"/>
-            </a:endParaRPr>
-          </a:p>
-        </p:txBody>
-      </p:sp>
-      <p:sp>
-        <p:nvSpPr>
-          <p:cNvPr id="8" name="이등변 삼각형 7"/>
-          <p:cNvSpPr/>
-          <p:nvPr/>
-        </p:nvSpPr>
-        <p:spPr>
-          <a:xfrm rot="5400000">
-            <a:off x="215110" y="254528"/>
-            <a:ext cx="242880" cy="221195"/>
-          </a:xfrm>
-          <a:prstGeom prst="triangle">
-            <a:avLst/>
-          </a:prstGeom>
-          <a:solidFill>
-            <a:schemeClr val="accent3">
-              <a:lumMod val="50000"/>
-            </a:schemeClr>
-          </a:solidFill>
-          <a:ln>
-            <a:noFill/>
-          </a:ln>
-        </p:spPr>
-        <p:style>
-          <a:lnRef idx="2">
-            <a:schemeClr val="accent1">
-              <a:shade val="50000"/>
-            </a:schemeClr>
-          </a:lnRef>
-          <a:fillRef idx="1">
-            <a:schemeClr val="accent1"/>
-          </a:fillRef>
-          <a:effectRef idx="0">
-            <a:schemeClr val="accent1"/>
-          </a:effectRef>
-          <a:fontRef idx="minor">
-            <a:schemeClr val="lt1"/>
-          </a:fontRef>
-        </p:style>
-        <p:txBody>
-          <a:bodyPr rtlCol="0" anchor="ctr"/>
-          <a:lstStyle/>
-          <a:p>
-            <a:pPr algn="ctr"/>
-            <a:endParaRPr lang="ko-KR" altLang="en-US">
-              <a:latin typeface="티머니 둥근바람 Regular" panose="02050503000000000000" pitchFamily="18" charset="-127"/>
-              <a:ea typeface="티머니 둥근바람 Regular" panose="02050503000000000000" pitchFamily="18" charset="-127"/>
-            </a:endParaRPr>
-          </a:p>
-        </p:txBody>
-      </p:sp>
-      <p:sp>
-        <p:nvSpPr>
-          <p:cNvPr id="19" name="직사각형 18"/>
-          <p:cNvSpPr/>
-          <p:nvPr/>
-        </p:nvSpPr>
-        <p:spPr>
-          <a:xfrm>
-            <a:off x="880585" y="5934973"/>
-            <a:ext cx="7495666" cy="422694"/>
-          </a:xfrm>
-          <a:prstGeom prst="rect">
-            <a:avLst/>
-          </a:prstGeom>
-          <a:solidFill>
-            <a:schemeClr val="accent5">
-              <a:lumMod val="40000"/>
-              <a:lumOff val="60000"/>
-            </a:schemeClr>
-          </a:solidFill>
-          <a:ln>
-            <a:noFill/>
-          </a:ln>
-        </p:spPr>
-        <p:style>
-          <a:lnRef idx="2">
-            <a:schemeClr val="accent1">
-              <a:shade val="50000"/>
-            </a:schemeClr>
-          </a:lnRef>
-          <a:fillRef idx="1">
-            <a:schemeClr val="accent1"/>
-          </a:fillRef>
-          <a:effectRef idx="0">
-            <a:schemeClr val="accent1"/>
-          </a:effectRef>
-          <a:fontRef idx="minor">
-            <a:schemeClr val="lt1"/>
-          </a:fontRef>
-        </p:style>
-        <p:txBody>
-          <a:bodyPr rtlCol="0" anchor="ctr"/>
-          <a:lstStyle/>
-          <a:p>
-            <a:pPr algn="ctr"/>
-            <a:r>
-              <a:rPr lang="en-US" altLang="ko-KR" b="1" dirty="0" smtClean="0">
-                <a:solidFill>
-                  <a:schemeClr val="tx1"/>
-                </a:solidFill>
-                <a:latin typeface="티머니 둥근바람 Regular" panose="02050503000000000000" pitchFamily="18" charset="-127"/>
-                <a:ea typeface="티머니 둥근바람 Regular" panose="02050503000000000000" pitchFamily="18" charset="-127"/>
-              </a:rPr>
-              <a:t>HDFS</a:t>
-            </a:r>
-            <a:endParaRPr lang="ko-KR" altLang="en-US" b="1" dirty="0">
-              <a:solidFill>
-                <a:schemeClr val="tx1"/>
-              </a:solidFill>
-              <a:latin typeface="티머니 둥근바람 Regular" panose="02050503000000000000" pitchFamily="18" charset="-127"/>
-              <a:ea typeface="티머니 둥근바람 Regular" panose="02050503000000000000" pitchFamily="18" charset="-127"/>
-            </a:endParaRPr>
-          </a:p>
-        </p:txBody>
-      </p:sp>
-      <p:sp>
-        <p:nvSpPr>
-          <p:cNvPr id="20" name="직사각형 19"/>
-          <p:cNvSpPr/>
-          <p:nvPr/>
-        </p:nvSpPr>
-        <p:spPr>
-          <a:xfrm>
-            <a:off x="3597561" y="1170411"/>
-            <a:ext cx="2061714" cy="1176644"/>
-          </a:xfrm>
-          <a:prstGeom prst="rect">
-            <a:avLst/>
-          </a:prstGeom>
-          <a:solidFill>
-            <a:schemeClr val="accent2">
-              <a:lumMod val="60000"/>
-              <a:lumOff val="40000"/>
-            </a:schemeClr>
-          </a:solidFill>
-          <a:ln>
-            <a:noFill/>
-          </a:ln>
-        </p:spPr>
-        <p:style>
-          <a:lnRef idx="2">
-            <a:schemeClr val="accent1">
-              <a:shade val="50000"/>
-            </a:schemeClr>
-          </a:lnRef>
-          <a:fillRef idx="1">
-            <a:schemeClr val="accent1"/>
-          </a:fillRef>
-          <a:effectRef idx="0">
-            <a:schemeClr val="accent1"/>
-          </a:effectRef>
-          <a:fontRef idx="minor">
-            <a:schemeClr val="lt1"/>
-          </a:fontRef>
-        </p:style>
-        <p:txBody>
-          <a:bodyPr rtlCol="0" anchor="ctr"/>
-          <a:lstStyle/>
-          <a:p>
-            <a:pPr algn="ctr"/>
-            <a:endParaRPr lang="ko-KR" altLang="en-US"/>
-          </a:p>
-        </p:txBody>
-      </p:sp>
-      <p:sp>
-        <p:nvSpPr>
-          <p:cNvPr id="27" name="직사각형 26"/>
-          <p:cNvSpPr/>
-          <p:nvPr/>
-        </p:nvSpPr>
-        <p:spPr>
-          <a:xfrm>
-            <a:off x="880585" y="4556914"/>
-            <a:ext cx="2061714" cy="1069676"/>
-          </a:xfrm>
-          <a:prstGeom prst="rect">
-            <a:avLst/>
-          </a:prstGeom>
-          <a:solidFill>
-            <a:schemeClr val="accent6">
-              <a:lumMod val="40000"/>
-              <a:lumOff val="60000"/>
-            </a:schemeClr>
-          </a:solidFill>
-          <a:ln>
-            <a:noFill/>
-          </a:ln>
-        </p:spPr>
-        <p:style>
-          <a:lnRef idx="2">
-            <a:schemeClr val="accent1">
-              <a:shade val="50000"/>
-            </a:schemeClr>
-          </a:lnRef>
-          <a:fillRef idx="1">
-            <a:schemeClr val="accent1"/>
-          </a:fillRef>
-          <a:effectRef idx="0">
-            <a:schemeClr val="accent1"/>
-          </a:effectRef>
-          <a:fontRef idx="minor">
-            <a:schemeClr val="lt1"/>
-          </a:fontRef>
-        </p:style>
-        <p:txBody>
-          <a:bodyPr rtlCol="0" anchor="ctr"/>
-          <a:lstStyle/>
-          <a:p>
-            <a:pPr algn="ctr"/>
-            <a:endParaRPr lang="ko-KR" altLang="en-US"/>
-          </a:p>
-        </p:txBody>
-      </p:sp>
-      <p:sp>
-        <p:nvSpPr>
-          <p:cNvPr id="28" name="직사각형 27"/>
-          <p:cNvSpPr/>
-          <p:nvPr/>
-        </p:nvSpPr>
-        <p:spPr>
-          <a:xfrm>
-            <a:off x="3597561" y="4556914"/>
-            <a:ext cx="2061714" cy="1069676"/>
-          </a:xfrm>
-          <a:prstGeom prst="rect">
-            <a:avLst/>
-          </a:prstGeom>
-          <a:solidFill>
-            <a:schemeClr val="accent6">
-              <a:lumMod val="40000"/>
-              <a:lumOff val="60000"/>
-            </a:schemeClr>
-          </a:solidFill>
-          <a:ln>
-            <a:noFill/>
-          </a:ln>
-        </p:spPr>
-        <p:style>
-          <a:lnRef idx="2">
-            <a:schemeClr val="accent1">
-              <a:shade val="50000"/>
-            </a:schemeClr>
-          </a:lnRef>
-          <a:fillRef idx="1">
-            <a:schemeClr val="accent1"/>
-          </a:fillRef>
-          <a:effectRef idx="0">
-            <a:schemeClr val="accent1"/>
-          </a:effectRef>
-          <a:fontRef idx="minor">
-            <a:schemeClr val="lt1"/>
-          </a:fontRef>
-        </p:style>
-        <p:txBody>
-          <a:bodyPr rtlCol="0" anchor="ctr"/>
-          <a:lstStyle/>
-          <a:p>
-            <a:pPr algn="ctr"/>
-            <a:endParaRPr lang="ko-KR" altLang="en-US"/>
-          </a:p>
-        </p:txBody>
-      </p:sp>
-      <p:sp>
-        <p:nvSpPr>
-          <p:cNvPr id="29" name="직사각형 28"/>
-          <p:cNvSpPr/>
-          <p:nvPr/>
-        </p:nvSpPr>
-        <p:spPr>
-          <a:xfrm>
-            <a:off x="6314537" y="4556914"/>
-            <a:ext cx="2061714" cy="1069676"/>
-          </a:xfrm>
-          <a:prstGeom prst="rect">
-            <a:avLst/>
-          </a:prstGeom>
-          <a:solidFill>
-            <a:schemeClr val="accent6">
-              <a:lumMod val="40000"/>
-              <a:lumOff val="60000"/>
-            </a:schemeClr>
-          </a:solidFill>
-          <a:ln>
-            <a:noFill/>
-          </a:ln>
-        </p:spPr>
-        <p:style>
-          <a:lnRef idx="2">
-            <a:schemeClr val="accent1">
-              <a:shade val="50000"/>
-            </a:schemeClr>
-          </a:lnRef>
-          <a:fillRef idx="1">
-            <a:schemeClr val="accent1"/>
-          </a:fillRef>
-          <a:effectRef idx="0">
-            <a:schemeClr val="accent1"/>
-          </a:effectRef>
-          <a:fontRef idx="minor">
-            <a:schemeClr val="lt1"/>
-          </a:fontRef>
-        </p:style>
-        <p:txBody>
-          <a:bodyPr rtlCol="0" anchor="ctr"/>
-          <a:lstStyle/>
-          <a:p>
-            <a:pPr algn="ctr"/>
-            <a:endParaRPr lang="ko-KR" altLang="en-US"/>
-          </a:p>
-        </p:txBody>
-      </p:sp>
-      <p:sp>
-        <p:nvSpPr>
-          <p:cNvPr id="30" name="TextBox 29"/>
-          <p:cNvSpPr txBox="1"/>
-          <p:nvPr/>
-        </p:nvSpPr>
-        <p:spPr>
-          <a:xfrm>
-            <a:off x="4111638" y="890998"/>
-            <a:ext cx="1033560" cy="276999"/>
-          </a:xfrm>
-          <a:prstGeom prst="rect">
-            <a:avLst/>
-          </a:prstGeom>
-          <a:solidFill>
-            <a:schemeClr val="bg1"/>
-          </a:solidFill>
-        </p:spPr>
-        <p:txBody>
-          <a:bodyPr wrap="square" rtlCol="0" anchor="ctr">
-            <a:spAutoFit/>
-          </a:bodyPr>
-          <a:lstStyle/>
-          <a:p>
-            <a:pPr algn="ctr"/>
-            <a:r>
-              <a:rPr lang="en-US" altLang="ko-KR" sz="1200" dirty="0" smtClean="0">
-                <a:solidFill>
-                  <a:schemeClr val="tx1"/>
-                </a:solidFill>
-                <a:latin typeface="티머니 둥근바람 Regular" panose="02050503000000000000" pitchFamily="18" charset="-127"/>
-                <a:ea typeface="티머니 둥근바람 Regular" panose="02050503000000000000" pitchFamily="18" charset="-127"/>
-              </a:rPr>
-              <a:t>Master</a:t>
-            </a:r>
-            <a:endParaRPr lang="ko-KR" altLang="en-US" sz="1200" dirty="0">
-              <a:solidFill>
-                <a:schemeClr val="tx1"/>
-              </a:solidFill>
-              <a:latin typeface="티머니 둥근바람 Regular" panose="02050503000000000000" pitchFamily="18" charset="-127"/>
-              <a:ea typeface="티머니 둥근바람 Regular" panose="02050503000000000000" pitchFamily="18" charset="-127"/>
-            </a:endParaRPr>
-          </a:p>
-        </p:txBody>
-      </p:sp>
-      <p:sp>
-        <p:nvSpPr>
-          <p:cNvPr id="31" name="TextBox 30"/>
-          <p:cNvSpPr txBox="1"/>
-          <p:nvPr/>
-        </p:nvSpPr>
-        <p:spPr>
-          <a:xfrm>
-            <a:off x="1394662" y="4280197"/>
-            <a:ext cx="1033560" cy="276999"/>
-          </a:xfrm>
-          <a:prstGeom prst="rect">
-            <a:avLst/>
-          </a:prstGeom>
-          <a:solidFill>
-            <a:schemeClr val="bg1"/>
-          </a:solidFill>
-        </p:spPr>
-        <p:txBody>
-          <a:bodyPr wrap="square" rtlCol="0" anchor="ctr">
-            <a:spAutoFit/>
-          </a:bodyPr>
-          <a:lstStyle/>
-          <a:p>
-            <a:pPr algn="ctr"/>
-            <a:r>
-              <a:rPr lang="en-US" altLang="ko-KR" sz="1200" dirty="0" smtClean="0">
-                <a:solidFill>
-                  <a:schemeClr val="tx1"/>
-                </a:solidFill>
-                <a:latin typeface="티머니 둥근바람 Regular" panose="02050503000000000000" pitchFamily="18" charset="-127"/>
-                <a:ea typeface="티머니 둥근바람 Regular" panose="02050503000000000000" pitchFamily="18" charset="-127"/>
-              </a:rPr>
-              <a:t>Worker</a:t>
-            </a:r>
-            <a:endParaRPr lang="ko-KR" altLang="en-US" sz="1200" dirty="0">
-              <a:solidFill>
-                <a:schemeClr val="tx1"/>
-              </a:solidFill>
-              <a:latin typeface="티머니 둥근바람 Regular" panose="02050503000000000000" pitchFamily="18" charset="-127"/>
-              <a:ea typeface="티머니 둥근바람 Regular" panose="02050503000000000000" pitchFamily="18" charset="-127"/>
-            </a:endParaRPr>
-          </a:p>
-        </p:txBody>
-      </p:sp>
-      <p:sp>
-        <p:nvSpPr>
-          <p:cNvPr id="32" name="TextBox 31"/>
-          <p:cNvSpPr txBox="1"/>
-          <p:nvPr/>
-        </p:nvSpPr>
-        <p:spPr>
-          <a:xfrm>
-            <a:off x="4111638" y="4280197"/>
-            <a:ext cx="1033560" cy="276999"/>
-          </a:xfrm>
-          <a:prstGeom prst="rect">
-            <a:avLst/>
-          </a:prstGeom>
-          <a:solidFill>
-            <a:schemeClr val="bg1"/>
-          </a:solidFill>
-        </p:spPr>
-        <p:txBody>
-          <a:bodyPr wrap="square" rtlCol="0" anchor="ctr">
-            <a:spAutoFit/>
-          </a:bodyPr>
-          <a:lstStyle/>
-          <a:p>
-            <a:pPr algn="ctr"/>
-            <a:r>
-              <a:rPr lang="en-US" altLang="ko-KR" sz="1200" dirty="0" smtClean="0">
-                <a:solidFill>
-                  <a:schemeClr val="tx1"/>
-                </a:solidFill>
-                <a:latin typeface="티머니 둥근바람 Regular" panose="02050503000000000000" pitchFamily="18" charset="-127"/>
-                <a:ea typeface="티머니 둥근바람 Regular" panose="02050503000000000000" pitchFamily="18" charset="-127"/>
-              </a:rPr>
-              <a:t>Worker</a:t>
-            </a:r>
-            <a:endParaRPr lang="ko-KR" altLang="en-US" sz="1200" dirty="0">
-              <a:solidFill>
-                <a:schemeClr val="tx1"/>
-              </a:solidFill>
-              <a:latin typeface="티머니 둥근바람 Regular" panose="02050503000000000000" pitchFamily="18" charset="-127"/>
-              <a:ea typeface="티머니 둥근바람 Regular" panose="02050503000000000000" pitchFamily="18" charset="-127"/>
-            </a:endParaRPr>
-          </a:p>
-        </p:txBody>
-      </p:sp>
-      <p:sp>
-        <p:nvSpPr>
-          <p:cNvPr id="33" name="TextBox 32"/>
-          <p:cNvSpPr txBox="1"/>
-          <p:nvPr/>
-        </p:nvSpPr>
-        <p:spPr>
-          <a:xfrm>
-            <a:off x="6828614" y="4279915"/>
-            <a:ext cx="1033560" cy="276999"/>
-          </a:xfrm>
-          <a:prstGeom prst="rect">
-            <a:avLst/>
-          </a:prstGeom>
-          <a:solidFill>
-            <a:schemeClr val="bg1"/>
-          </a:solidFill>
-        </p:spPr>
-        <p:txBody>
-          <a:bodyPr wrap="square" rtlCol="0" anchor="ctr">
-            <a:spAutoFit/>
-          </a:bodyPr>
-          <a:lstStyle/>
-          <a:p>
-            <a:pPr algn="ctr"/>
-            <a:r>
-              <a:rPr lang="en-US" altLang="ko-KR" sz="1200" dirty="0" smtClean="0">
-                <a:solidFill>
-                  <a:schemeClr val="tx1"/>
-                </a:solidFill>
-                <a:latin typeface="티머니 둥근바람 Regular" panose="02050503000000000000" pitchFamily="18" charset="-127"/>
-                <a:ea typeface="티머니 둥근바람 Regular" panose="02050503000000000000" pitchFamily="18" charset="-127"/>
-              </a:rPr>
-              <a:t>Worker</a:t>
-            </a:r>
-            <a:endParaRPr lang="ko-KR" altLang="en-US" sz="1200" dirty="0">
-              <a:solidFill>
-                <a:schemeClr val="tx1"/>
-              </a:solidFill>
-              <a:latin typeface="티머니 둥근바람 Regular" panose="02050503000000000000" pitchFamily="18" charset="-127"/>
-              <a:ea typeface="티머니 둥근바람 Regular" panose="02050503000000000000" pitchFamily="18" charset="-127"/>
-            </a:endParaRPr>
-          </a:p>
-        </p:txBody>
-      </p:sp>
-      <p:grpSp>
-        <p:nvGrpSpPr>
-          <p:cNvPr id="14" name="그룹 13"/>
-          <p:cNvGrpSpPr/>
-          <p:nvPr/>
-        </p:nvGrpSpPr>
-        <p:grpSpPr>
-          <a:xfrm>
-            <a:off x="3597560" y="2815255"/>
-            <a:ext cx="2061716" cy="931431"/>
-            <a:chOff x="3597560" y="2872403"/>
-            <a:chExt cx="2061716" cy="931431"/>
-          </a:xfrm>
-        </p:grpSpPr>
-        <p:sp>
-          <p:nvSpPr>
-            <p:cNvPr id="3" name="타원 2"/>
-            <p:cNvSpPr/>
-            <p:nvPr/>
-          </p:nvSpPr>
-          <p:spPr>
-            <a:xfrm>
-              <a:off x="3597560" y="2872403"/>
-              <a:ext cx="2061716" cy="931431"/>
-            </a:xfrm>
-            <a:prstGeom prst="ellipse">
-              <a:avLst/>
-            </a:prstGeom>
-            <a:solidFill>
-              <a:schemeClr val="accent4">
-                <a:lumMod val="40000"/>
-                <a:lumOff val="60000"/>
-              </a:schemeClr>
-            </a:solidFill>
-            <a:ln>
-              <a:noFill/>
-            </a:ln>
-          </p:spPr>
-          <p:style>
-            <a:lnRef idx="2">
-              <a:schemeClr val="accent1">
-                <a:shade val="50000"/>
-              </a:schemeClr>
-            </a:lnRef>
-            <a:fillRef idx="1">
-              <a:schemeClr val="accent1"/>
-            </a:fillRef>
-            <a:effectRef idx="0">
-              <a:schemeClr val="accent1"/>
-            </a:effectRef>
-            <a:fontRef idx="minor">
-              <a:schemeClr val="lt1"/>
-            </a:fontRef>
-          </p:style>
-          <p:txBody>
-            <a:bodyPr rtlCol="0" anchor="ctr"/>
-            <a:lstStyle/>
-            <a:p>
-              <a:pPr algn="ctr"/>
-              <a:endParaRPr lang="ko-KR" altLang="en-US"/>
-            </a:p>
-          </p:txBody>
-        </p:sp>
-        <p:sp>
-          <p:nvSpPr>
-            <p:cNvPr id="21" name="TextBox 20"/>
-            <p:cNvSpPr txBox="1"/>
-            <p:nvPr/>
-          </p:nvSpPr>
-          <p:spPr>
-            <a:xfrm>
-              <a:off x="3796138" y="3199618"/>
-              <a:ext cx="1664560" cy="276999"/>
-            </a:xfrm>
-            <a:prstGeom prst="rect">
-              <a:avLst/>
-            </a:prstGeom>
-            <a:noFill/>
-          </p:spPr>
-          <p:txBody>
-            <a:bodyPr wrap="square" rtlCol="0" anchor="ctr">
-              <a:spAutoFit/>
-            </a:bodyPr>
-            <a:lstStyle/>
-            <a:p>
-              <a:pPr algn="ctr"/>
-              <a:r>
-                <a:rPr lang="en-US" altLang="ko-KR" sz="1200" dirty="0" smtClean="0">
-                  <a:solidFill>
-                    <a:schemeClr val="tx1"/>
-                  </a:solidFill>
-                  <a:latin typeface="티머니 둥근바람 Regular" panose="02050503000000000000" pitchFamily="18" charset="-127"/>
-                  <a:ea typeface="티머니 둥근바람 Regular" panose="02050503000000000000" pitchFamily="18" charset="-127"/>
-                </a:rPr>
-                <a:t>Cluster Manager</a:t>
-              </a:r>
-              <a:endParaRPr lang="ko-KR" altLang="en-US" sz="1200" dirty="0">
-                <a:solidFill>
-                  <a:schemeClr val="tx1"/>
-                </a:solidFill>
-                <a:latin typeface="티머니 둥근바람 Regular" panose="02050503000000000000" pitchFamily="18" charset="-127"/>
-                <a:ea typeface="티머니 둥근바람 Regular" panose="02050503000000000000" pitchFamily="18" charset="-127"/>
-              </a:endParaRPr>
-            </a:p>
-          </p:txBody>
-        </p:sp>
-      </p:grpSp>
-      <p:cxnSp>
-        <p:nvCxnSpPr>
-          <p:cNvPr id="24" name="직선 화살표 연결선 23"/>
-          <p:cNvCxnSpPr>
-            <a:stCxn id="26" idx="1"/>
-          </p:cNvCxnSpPr>
-          <p:nvPr/>
-        </p:nvCxnSpPr>
-        <p:spPr>
-          <a:xfrm flipH="1" flipV="1">
-            <a:off x="5727803" y="1756896"/>
-            <a:ext cx="1152362" cy="7313"/>
-          </a:xfrm>
-          <a:prstGeom prst="straightConnector1">
-            <a:avLst/>
-          </a:prstGeom>
-          <a:ln w="38100">
-            <a:solidFill>
-              <a:schemeClr val="tx1"/>
-            </a:solidFill>
-            <a:tailEnd type="triangle"/>
-          </a:ln>
-        </p:spPr>
-        <p:style>
-          <a:lnRef idx="1">
-            <a:schemeClr val="accent1"/>
-          </a:lnRef>
-          <a:fillRef idx="0">
-            <a:schemeClr val="accent1"/>
-          </a:fillRef>
-          <a:effectRef idx="0">
-            <a:schemeClr val="accent1"/>
-          </a:effectRef>
-          <a:fontRef idx="minor">
-            <a:schemeClr val="tx1"/>
-          </a:fontRef>
-        </p:style>
-      </p:cxnSp>
-      <p:pic>
-        <p:nvPicPr>
-          <p:cNvPr id="26" name="Picture 2" descr="Developer Icon Vector Art, Icons, and Graphics for Free Download"/>
-          <p:cNvPicPr>
-            <a:picLocks noChangeAspect="1" noChangeArrowheads="1"/>
-          </p:cNvPicPr>
-          <p:nvPr/>
-        </p:nvPicPr>
-        <p:blipFill>
-          <a:blip r:embed="rId3">
-            <a:extLst>
-              <a:ext uri="{28A0092B-C50C-407E-A947-70E740481C1C}">
-                <a14:useLocalDpi xmlns:a14="http://schemas.microsoft.com/office/drawing/2010/main" val="0"/>
-              </a:ext>
-            </a:extLst>
-          </a:blip>
-          <a:srcRect/>
-          <a:stretch>
-            <a:fillRect/>
-          </a:stretch>
-        </p:blipFill>
-        <p:spPr bwMode="auto">
-          <a:xfrm>
-            <a:off x="6880165" y="1226547"/>
-            <a:ext cx="1075323" cy="1075323"/>
-          </a:xfrm>
-          <a:prstGeom prst="rect">
-            <a:avLst/>
-          </a:prstGeom>
-          <a:noFill/>
-          <a:extLst>
-            <a:ext uri="{909E8E84-426E-40DD-AFC4-6F175D3DCCD1}">
-              <a14:hiddenFill xmlns:a14="http://schemas.microsoft.com/office/drawing/2010/main">
-                <a:solidFill>
-                  <a:srgbClr val="FFFFFF"/>
-                </a:solidFill>
-              </a14:hiddenFill>
-            </a:ext>
-          </a:extLst>
-        </p:spPr>
-      </p:pic>
-      <p:sp>
-        <p:nvSpPr>
-          <p:cNvPr id="34" name="TextBox 33"/>
-          <p:cNvSpPr txBox="1"/>
-          <p:nvPr/>
-        </p:nvSpPr>
-        <p:spPr>
-          <a:xfrm>
-            <a:off x="6040388" y="1468215"/>
-            <a:ext cx="583417" cy="276999"/>
-          </a:xfrm>
-          <a:prstGeom prst="rect">
-            <a:avLst/>
-          </a:prstGeom>
-          <a:noFill/>
-        </p:spPr>
-        <p:txBody>
-          <a:bodyPr wrap="square" rtlCol="0" anchor="ctr">
-            <a:spAutoFit/>
-          </a:bodyPr>
-          <a:lstStyle/>
-          <a:p>
-            <a:pPr algn="ctr"/>
-            <a:r>
-              <a:rPr lang="en-US" altLang="ko-KR" sz="1200" b="1" dirty="0" smtClean="0">
-                <a:solidFill>
-                  <a:schemeClr val="tx1"/>
-                </a:solidFill>
-                <a:latin typeface="티머니 둥근바람 Regular" panose="02050503000000000000" pitchFamily="18" charset="-127"/>
-                <a:ea typeface="티머니 둥근바람 Regular" panose="02050503000000000000" pitchFamily="18" charset="-127"/>
-              </a:rPr>
-              <a:t>JOB</a:t>
-            </a:r>
-            <a:endParaRPr lang="ko-KR" altLang="en-US" sz="1200" b="1" dirty="0">
-              <a:solidFill>
-                <a:schemeClr val="tx1"/>
-              </a:solidFill>
-              <a:latin typeface="티머니 둥근바람 Regular" panose="02050503000000000000" pitchFamily="18" charset="-127"/>
-              <a:ea typeface="티머니 둥근바람 Regular" panose="02050503000000000000" pitchFamily="18" charset="-127"/>
-            </a:endParaRPr>
-          </a:p>
-        </p:txBody>
-      </p:sp>
-      <p:sp>
-        <p:nvSpPr>
-          <p:cNvPr id="36" name="직사각형 35"/>
-          <p:cNvSpPr/>
-          <p:nvPr/>
-        </p:nvSpPr>
-        <p:spPr>
-          <a:xfrm>
-            <a:off x="3853920" y="1324526"/>
-            <a:ext cx="1548995" cy="884030"/>
-          </a:xfrm>
-          <a:prstGeom prst="rect">
-            <a:avLst/>
-          </a:prstGeom>
-          <a:noFill/>
-          <a:ln>
-            <a:solidFill>
-              <a:schemeClr val="accent2">
-                <a:lumMod val="75000"/>
-              </a:schemeClr>
-            </a:solidFill>
-          </a:ln>
-        </p:spPr>
-        <p:style>
-          <a:lnRef idx="2">
-            <a:schemeClr val="accent1">
-              <a:shade val="50000"/>
-            </a:schemeClr>
-          </a:lnRef>
-          <a:fillRef idx="1">
-            <a:schemeClr val="accent1"/>
-          </a:fillRef>
-          <a:effectRef idx="0">
-            <a:schemeClr val="accent1"/>
-          </a:effectRef>
-          <a:fontRef idx="minor">
-            <a:schemeClr val="lt1"/>
-          </a:fontRef>
-        </p:style>
-        <p:txBody>
-          <a:bodyPr rtlCol="0" anchor="ctr"/>
-          <a:lstStyle/>
-          <a:p>
-            <a:pPr algn="ctr"/>
-            <a:endParaRPr lang="ko-KR" altLang="en-US"/>
-          </a:p>
-        </p:txBody>
-      </p:sp>
-      <p:sp>
-        <p:nvSpPr>
-          <p:cNvPr id="37" name="TextBox 36"/>
-          <p:cNvSpPr txBox="1"/>
-          <p:nvPr/>
-        </p:nvSpPr>
-        <p:spPr>
-          <a:xfrm>
-            <a:off x="3853920" y="1329716"/>
-            <a:ext cx="641759" cy="276999"/>
-          </a:xfrm>
-          <a:prstGeom prst="rect">
-            <a:avLst/>
-          </a:prstGeom>
-          <a:noFill/>
-        </p:spPr>
-        <p:txBody>
-          <a:bodyPr wrap="square" rtlCol="0" anchor="ctr">
-            <a:spAutoFit/>
-          </a:bodyPr>
-          <a:lstStyle/>
-          <a:p>
-            <a:pPr algn="ctr"/>
-            <a:r>
-              <a:rPr lang="en-US" altLang="ko-KR" sz="1200" dirty="0" smtClean="0">
-                <a:solidFill>
-                  <a:schemeClr val="tx1"/>
-                </a:solidFill>
-                <a:latin typeface="티머니 둥근바람 Regular" panose="02050503000000000000" pitchFamily="18" charset="-127"/>
-                <a:ea typeface="티머니 둥근바람 Regular" panose="02050503000000000000" pitchFamily="18" charset="-127"/>
-              </a:rPr>
-              <a:t>Driver</a:t>
-            </a:r>
-            <a:endParaRPr lang="ko-KR" altLang="en-US" sz="1200" dirty="0">
-              <a:solidFill>
-                <a:schemeClr val="tx1"/>
-              </a:solidFill>
-              <a:latin typeface="티머니 둥근바람 Regular" panose="02050503000000000000" pitchFamily="18" charset="-127"/>
-              <a:ea typeface="티머니 둥근바람 Regular" panose="02050503000000000000" pitchFamily="18" charset="-127"/>
-            </a:endParaRPr>
-          </a:p>
-        </p:txBody>
-      </p:sp>
-      <p:sp>
-        <p:nvSpPr>
-          <p:cNvPr id="2" name="모서리가 둥근 직사각형 1"/>
-          <p:cNvSpPr/>
-          <p:nvPr/>
-        </p:nvSpPr>
-        <p:spPr>
-          <a:xfrm>
-            <a:off x="4019599" y="1711543"/>
-            <a:ext cx="1217636" cy="323573"/>
-          </a:xfrm>
-          <a:prstGeom prst="roundRect">
-            <a:avLst/>
-          </a:prstGeom>
-          <a:solidFill>
-            <a:schemeClr val="accent2">
-              <a:lumMod val="75000"/>
-            </a:schemeClr>
-          </a:solidFill>
-          <a:ln>
-            <a:noFill/>
-          </a:ln>
-        </p:spPr>
-        <p:style>
-          <a:lnRef idx="2">
-            <a:schemeClr val="accent1">
-              <a:shade val="50000"/>
-            </a:schemeClr>
-          </a:lnRef>
-          <a:fillRef idx="1">
-            <a:schemeClr val="accent1"/>
-          </a:fillRef>
-          <a:effectRef idx="0">
-            <a:schemeClr val="accent1"/>
-          </a:effectRef>
-          <a:fontRef idx="minor">
-            <a:schemeClr val="lt1"/>
-          </a:fontRef>
-        </p:style>
-        <p:txBody>
-          <a:bodyPr rtlCol="0" anchor="ctr"/>
-          <a:lstStyle/>
-          <a:p>
-            <a:pPr algn="ctr"/>
-            <a:r>
-              <a:rPr lang="en-US" altLang="ko-KR" sz="1100" dirty="0" smtClean="0">
-                <a:latin typeface="티머니 둥근바람 Regular" panose="02050503000000000000" pitchFamily="18" charset="-127"/>
-                <a:ea typeface="티머니 둥근바람 Regular" panose="02050503000000000000" pitchFamily="18" charset="-127"/>
-              </a:rPr>
-              <a:t>Spark Context</a:t>
-            </a:r>
-            <a:endParaRPr lang="ko-KR" altLang="en-US" sz="1100" dirty="0">
-              <a:latin typeface="티머니 둥근바람 Regular" panose="02050503000000000000" pitchFamily="18" charset="-127"/>
-              <a:ea typeface="티머니 둥근바람 Regular" panose="02050503000000000000" pitchFamily="18" charset="-127"/>
-            </a:endParaRPr>
-          </a:p>
-        </p:txBody>
-      </p:sp>
-      <p:cxnSp>
-        <p:nvCxnSpPr>
-          <p:cNvPr id="44" name="직선 연결선 43"/>
-          <p:cNvCxnSpPr/>
-          <p:nvPr/>
-        </p:nvCxnSpPr>
-        <p:spPr>
-          <a:xfrm flipH="1">
-            <a:off x="1911442" y="3746686"/>
-            <a:ext cx="2716976" cy="533511"/>
-          </a:xfrm>
-          <a:prstGeom prst="line">
-            <a:avLst/>
-          </a:prstGeom>
-          <a:ln w="12700">
-            <a:solidFill>
-              <a:schemeClr val="tx1"/>
-            </a:solidFill>
-          </a:ln>
-        </p:spPr>
-        <p:style>
-          <a:lnRef idx="1">
-            <a:schemeClr val="accent1"/>
-          </a:lnRef>
-          <a:fillRef idx="0">
-            <a:schemeClr val="accent1"/>
-          </a:fillRef>
-          <a:effectRef idx="0">
-            <a:schemeClr val="accent1"/>
-          </a:effectRef>
-          <a:fontRef idx="minor">
-            <a:schemeClr val="tx1"/>
-          </a:fontRef>
-        </p:style>
-      </p:cxnSp>
-      <p:cxnSp>
-        <p:nvCxnSpPr>
-          <p:cNvPr id="45" name="직선 연결선 44"/>
-          <p:cNvCxnSpPr/>
-          <p:nvPr/>
-        </p:nvCxnSpPr>
-        <p:spPr>
-          <a:xfrm>
-            <a:off x="4628418" y="3746686"/>
-            <a:ext cx="0" cy="533511"/>
-          </a:xfrm>
-          <a:prstGeom prst="line">
-            <a:avLst/>
-          </a:prstGeom>
-          <a:ln w="12700">
-            <a:solidFill>
-              <a:schemeClr val="tx1"/>
-            </a:solidFill>
-          </a:ln>
-        </p:spPr>
-        <p:style>
-          <a:lnRef idx="1">
-            <a:schemeClr val="accent1"/>
-          </a:lnRef>
-          <a:fillRef idx="0">
-            <a:schemeClr val="accent1"/>
-          </a:fillRef>
-          <a:effectRef idx="0">
-            <a:schemeClr val="accent1"/>
-          </a:effectRef>
-          <a:fontRef idx="minor">
-            <a:schemeClr val="tx1"/>
-          </a:fontRef>
-        </p:style>
-      </p:cxnSp>
-      <p:cxnSp>
-        <p:nvCxnSpPr>
-          <p:cNvPr id="46" name="직선 연결선 45"/>
-          <p:cNvCxnSpPr/>
-          <p:nvPr/>
-        </p:nvCxnSpPr>
-        <p:spPr>
-          <a:xfrm>
-            <a:off x="4628418" y="3746686"/>
-            <a:ext cx="2716976" cy="533229"/>
-          </a:xfrm>
-          <a:prstGeom prst="line">
-            <a:avLst/>
-          </a:prstGeom>
-          <a:ln w="12700">
-            <a:solidFill>
-              <a:schemeClr val="tx1"/>
-            </a:solidFill>
-          </a:ln>
-        </p:spPr>
-        <p:style>
-          <a:lnRef idx="1">
-            <a:schemeClr val="accent1"/>
-          </a:lnRef>
-          <a:fillRef idx="0">
-            <a:schemeClr val="accent1"/>
-          </a:fillRef>
-          <a:effectRef idx="0">
-            <a:schemeClr val="accent1"/>
-          </a:effectRef>
-          <a:fontRef idx="minor">
-            <a:schemeClr val="tx1"/>
-          </a:fontRef>
-        </p:style>
-      </p:cxnSp>
-      <p:cxnSp>
-        <p:nvCxnSpPr>
-          <p:cNvPr id="47" name="직선 연결선 46"/>
-          <p:cNvCxnSpPr/>
-          <p:nvPr/>
-        </p:nvCxnSpPr>
-        <p:spPr>
-          <a:xfrm>
-            <a:off x="4628418" y="2347055"/>
-            <a:ext cx="0" cy="468200"/>
-          </a:xfrm>
-          <a:prstGeom prst="line">
-            <a:avLst/>
-          </a:prstGeom>
-          <a:ln w="12700">
-            <a:solidFill>
-              <a:schemeClr val="tx1"/>
-            </a:solidFill>
-          </a:ln>
-        </p:spPr>
-        <p:style>
-          <a:lnRef idx="1">
-            <a:schemeClr val="accent1"/>
-          </a:lnRef>
-          <a:fillRef idx="0">
-            <a:schemeClr val="accent1"/>
-          </a:fillRef>
-          <a:effectRef idx="0">
-            <a:schemeClr val="accent1"/>
-          </a:effectRef>
-          <a:fontRef idx="minor">
-            <a:schemeClr val="tx1"/>
-          </a:fontRef>
-        </p:style>
-      </p:cxnSp>
-    </p:spTree>
-    <p:extLst>
-      <p:ext uri="{BB962C8B-B14F-4D97-AF65-F5344CB8AC3E}">
-        <p14:creationId xmlns:p14="http://schemas.microsoft.com/office/powerpoint/2010/main" val="159244908"/>
       </p:ext>
     </p:extLst>
   </p:cSld>

--- a/ppt/[KDT강의]데이터 엔지니어링-2.pptx
+++ b/ppt/[KDT강의]데이터 엔지니어링-2.pptx
@@ -365,7 +365,7 @@
       </p15:notesGuideLst>
     </p:ext>
     <p:ext uri="http://customooxmlschemas.google.com/">
-      <go:slidesCustomData xmlns="" xmlns:mc="http://schemas.openxmlformats.org/markup-compatibility/2006" xmlns:mv="urn:schemas-microsoft-com:mac:vml" xmlns:c="http://schemas.openxmlformats.org/drawingml/2006/chart" xmlns:dgm="http://schemas.openxmlformats.org/drawingml/2006/diagram" xmlns:o="urn:schemas-microsoft-com:office:office" xmlns:v="urn:schemas-microsoft-com:vml" xmlns:pvml="urn:schemas-microsoft-com:office:powerpoint" xmlns:com="http://schemas.openxmlformats.org/drawingml/2006/compatibility" xmlns:p14="http://schemas.microsoft.com/office/powerpoint/2010/main" xmlns:p15="http://schemas.microsoft.com/office/powerpoint/2012/main" xmlns:ahyp="http://schemas.microsoft.com/office/drawing/2018/hyperlinkcolor" xmlns:go="http://customooxmlschemas.google.com/" r:id="rId104" roundtripDataSignature="AMtx7mhMPcv4s9mTXYyQOM7jdku2uKK+0g=="/>
+      <go:slidesCustomData xmlns:go="http://customooxmlschemas.google.com/" xmlns:ahyp="http://schemas.microsoft.com/office/drawing/2018/hyperlinkcolor" xmlns:p15="http://schemas.microsoft.com/office/powerpoint/2012/main" xmlns:p14="http://schemas.microsoft.com/office/powerpoint/2010/main" xmlns:com="http://schemas.openxmlformats.org/drawingml/2006/compatibility" xmlns:pvml="urn:schemas-microsoft-com:office:powerpoint" xmlns:v="urn:schemas-microsoft-com:vml" xmlns:o="urn:schemas-microsoft-com:office:office" xmlns:dgm="http://schemas.openxmlformats.org/drawingml/2006/diagram" xmlns:c="http://schemas.openxmlformats.org/drawingml/2006/chart" xmlns:mv="urn:schemas-microsoft-com:mac:vml" xmlns:mc="http://schemas.openxmlformats.org/markup-compatibility/2006" xmlns="" r:id="rId104" roundtripDataSignature="AMtx7mhMPcv4s9mTXYyQOM7jdku2uKK+0g=="/>
     </p:ext>
   </p:extLst>
 </p:presentation>
@@ -9319,7 +9319,55 @@
                 <a:latin typeface="티머니 둥근바람 Regular" panose="02050503000000000000" pitchFamily="18" charset="-127"/>
                 <a:ea typeface="티머니 둥근바람 Regular" panose="02050503000000000000" pitchFamily="18" charset="-127"/>
               </a:rPr>
-              <a:t>&gt; Spark ML </a:t>
+              <a:t>&gt; </a:t>
+            </a:r>
+            <a:r>
+              <a:rPr lang="en-US" altLang="ko-KR" sz="1100" dirty="0" smtClean="0">
+                <a:solidFill>
+                  <a:schemeClr val="bg1">
+                    <a:lumMod val="85000"/>
+                  </a:schemeClr>
+                </a:solidFill>
+                <a:latin typeface="티머니 둥근바람 Regular" panose="02050503000000000000" pitchFamily="18" charset="-127"/>
+                <a:ea typeface="티머니 둥근바람 Regular" panose="02050503000000000000" pitchFamily="18" charset="-127"/>
+              </a:rPr>
+              <a:t>Spark </a:t>
+            </a:r>
+            <a:r>
+              <a:rPr lang="en-US" altLang="ko-KR" sz="1100" dirty="0" smtClean="0">
+                <a:solidFill>
+                  <a:schemeClr val="bg1">
+                    <a:lumMod val="85000"/>
+                  </a:schemeClr>
+                </a:solidFill>
+                <a:latin typeface="티머니 둥근바람 Regular" panose="02050503000000000000" pitchFamily="18" charset="-127"/>
+                <a:ea typeface="티머니 둥근바람 Regular" panose="02050503000000000000" pitchFamily="18" charset="-127"/>
+              </a:rPr>
+              <a:t>SQL &amp;</a:t>
+            </a:r>
+            <a:r>
+              <a:rPr lang="en-US" altLang="ko-KR" sz="1100" dirty="0" smtClean="0">
+                <a:solidFill>
+                  <a:schemeClr val="bg1">
+                    <a:lumMod val="85000"/>
+                  </a:schemeClr>
+                </a:solidFill>
+                <a:latin typeface="티머니 둥근바람 Regular" panose="02050503000000000000" pitchFamily="18" charset="-127"/>
+                <a:ea typeface="티머니 둥근바람 Regular" panose="02050503000000000000" pitchFamily="18" charset="-127"/>
+              </a:rPr>
+              <a:t> </a:t>
+            </a:r>
+            <a:r>
+              <a:rPr lang="en-US" altLang="ko-KR" sz="1100" dirty="0" smtClean="0">
+                <a:solidFill>
+                  <a:schemeClr val="bg1">
+                    <a:lumMod val="85000"/>
+                  </a:schemeClr>
+                </a:solidFill>
+                <a:latin typeface="티머니 둥근바람 Regular" panose="02050503000000000000" pitchFamily="18" charset="-127"/>
+                <a:ea typeface="티머니 둥근바람 Regular" panose="02050503000000000000" pitchFamily="18" charset="-127"/>
+              </a:rPr>
+              <a:t>ML </a:t>
             </a:r>
             <a:r>
               <a:rPr lang="ko-KR" altLang="en-US" sz="1100" dirty="0" smtClean="0">
@@ -9750,13 +9798,6 @@
               </a:rPr>
               <a:t>저장소</a:t>
             </a:r>
-            <a:endParaRPr lang="ko-KR" altLang="en-US" b="1" dirty="0">
-              <a:solidFill>
-                <a:schemeClr val="tx1"/>
-              </a:solidFill>
-              <a:latin typeface="티머니 둥근바람 Regular" panose="02050503000000000000" pitchFamily="18" charset="-127"/>
-              <a:ea typeface="티머니 둥근바람 Regular" panose="02050503000000000000" pitchFamily="18" charset="-127"/>
-            </a:endParaRPr>
           </a:p>
         </p:txBody>
       </p:sp>
@@ -10907,13 +10948,6 @@
               </a:rPr>
               <a:t>저장소</a:t>
             </a:r>
-            <a:endParaRPr lang="ko-KR" altLang="en-US" b="1" dirty="0">
-              <a:solidFill>
-                <a:schemeClr val="tx1"/>
-              </a:solidFill>
-              <a:latin typeface="티머니 둥근바람 Regular" panose="02050503000000000000" pitchFamily="18" charset="-127"/>
-              <a:ea typeface="티머니 둥근바람 Regular" panose="02050503000000000000" pitchFamily="18" charset="-127"/>
-            </a:endParaRPr>
           </a:p>
         </p:txBody>
       </p:sp>
@@ -12052,15 +12086,6 @@
               </a:rPr>
               <a:t>저장소</a:t>
             </a:r>
-            <a:endParaRPr lang="ko-KR" altLang="en-US" b="1" dirty="0">
-              <a:solidFill>
-                <a:schemeClr val="bg1">
-                  <a:lumMod val="65000"/>
-                </a:schemeClr>
-              </a:solidFill>
-              <a:latin typeface="티머니 둥근바람 Regular" panose="02050503000000000000" pitchFamily="18" charset="-127"/>
-              <a:ea typeface="티머니 둥근바람 Regular" panose="02050503000000000000" pitchFamily="18" charset="-127"/>
-            </a:endParaRPr>
           </a:p>
         </p:txBody>
       </p:sp>
@@ -13795,13 +13820,6 @@
               </a:rPr>
               <a:t>저장소</a:t>
             </a:r>
-            <a:endParaRPr lang="ko-KR" altLang="en-US" b="1" dirty="0">
-              <a:solidFill>
-                <a:schemeClr val="tx1"/>
-              </a:solidFill>
-              <a:latin typeface="티머니 둥근바람 Regular" panose="02050503000000000000" pitchFamily="18" charset="-127"/>
-              <a:ea typeface="티머니 둥근바람 Regular" panose="02050503000000000000" pitchFamily="18" charset="-127"/>
-            </a:endParaRPr>
           </a:p>
         </p:txBody>
       </p:sp>
@@ -14936,13 +14954,6 @@
               </a:rPr>
               <a:t>저장소</a:t>
             </a:r>
-            <a:endParaRPr lang="ko-KR" altLang="en-US" b="1" dirty="0">
-              <a:solidFill>
-                <a:schemeClr val="tx1"/>
-              </a:solidFill>
-              <a:latin typeface="티머니 둥근바람 Regular" panose="02050503000000000000" pitchFamily="18" charset="-127"/>
-              <a:ea typeface="티머니 둥근바람 Regular" panose="02050503000000000000" pitchFamily="18" charset="-127"/>
-            </a:endParaRPr>
           </a:p>
         </p:txBody>
       </p:sp>
@@ -16679,13 +16690,6 @@
               </a:rPr>
               <a:t>저장소</a:t>
             </a:r>
-            <a:endParaRPr lang="ko-KR" altLang="en-US" b="1" dirty="0">
-              <a:solidFill>
-                <a:schemeClr val="tx1"/>
-              </a:solidFill>
-              <a:latin typeface="티머니 둥근바람 Regular" panose="02050503000000000000" pitchFamily="18" charset="-127"/>
-              <a:ea typeface="티머니 둥근바람 Regular" panose="02050503000000000000" pitchFamily="18" charset="-127"/>
-            </a:endParaRPr>
           </a:p>
         </p:txBody>
       </p:sp>
@@ -18498,13 +18502,6 @@
               </a:rPr>
               <a:t>저장소</a:t>
             </a:r>
-            <a:endParaRPr lang="ko-KR" altLang="en-US" b="1" dirty="0">
-              <a:solidFill>
-                <a:schemeClr val="tx1"/>
-              </a:solidFill>
-              <a:latin typeface="티머니 둥근바람 Regular" panose="02050503000000000000" pitchFamily="18" charset="-127"/>
-              <a:ea typeface="티머니 둥근바람 Regular" panose="02050503000000000000" pitchFamily="18" charset="-127"/>
-            </a:endParaRPr>
           </a:p>
         </p:txBody>
       </p:sp>
@@ -20348,13 +20345,6 @@
               </a:rPr>
               <a:t>저장소</a:t>
             </a:r>
-            <a:endParaRPr lang="ko-KR" altLang="en-US" b="1" dirty="0">
-              <a:solidFill>
-                <a:schemeClr val="tx1"/>
-              </a:solidFill>
-              <a:latin typeface="티머니 둥근바람 Regular" panose="02050503000000000000" pitchFamily="18" charset="-127"/>
-              <a:ea typeface="티머니 둥근바람 Regular" panose="02050503000000000000" pitchFamily="18" charset="-127"/>
-            </a:endParaRPr>
           </a:p>
         </p:txBody>
       </p:sp>
@@ -22274,13 +22264,6 @@
               </a:rPr>
               <a:t>저장소</a:t>
             </a:r>
-            <a:endParaRPr lang="ko-KR" altLang="en-US" b="1" dirty="0">
-              <a:solidFill>
-                <a:schemeClr val="tx1"/>
-              </a:solidFill>
-              <a:latin typeface="티머니 둥근바람 Regular" panose="02050503000000000000" pitchFamily="18" charset="-127"/>
-              <a:ea typeface="티머니 둥근바람 Regular" panose="02050503000000000000" pitchFamily="18" charset="-127"/>
-            </a:endParaRPr>
           </a:p>
         </p:txBody>
       </p:sp>
